--- a/icons.pptx
+++ b/icons.pptx
@@ -263,7 +263,7 @@
           <a:p>
             <a:fld id="{1EB8CFBF-CDC5-4956-B865-DB8938F6B74E}" type="datetimeFigureOut">
               <a:rPr lang="en-CA" smtClean="0"/>
-              <a:t>2024-05-29</a:t>
+              <a:t>2024-05-30</a:t>
             </a:fld>
             <a:endParaRPr lang="en-CA"/>
           </a:p>
@@ -463,7 +463,7 @@
           <a:p>
             <a:fld id="{1EB8CFBF-CDC5-4956-B865-DB8938F6B74E}" type="datetimeFigureOut">
               <a:rPr lang="en-CA" smtClean="0"/>
-              <a:t>2024-05-29</a:t>
+              <a:t>2024-05-30</a:t>
             </a:fld>
             <a:endParaRPr lang="en-CA"/>
           </a:p>
@@ -673,7 +673,7 @@
           <a:p>
             <a:fld id="{1EB8CFBF-CDC5-4956-B865-DB8938F6B74E}" type="datetimeFigureOut">
               <a:rPr lang="en-CA" smtClean="0"/>
-              <a:t>2024-05-29</a:t>
+              <a:t>2024-05-30</a:t>
             </a:fld>
             <a:endParaRPr lang="en-CA"/>
           </a:p>
@@ -873,7 +873,7 @@
           <a:p>
             <a:fld id="{1EB8CFBF-CDC5-4956-B865-DB8938F6B74E}" type="datetimeFigureOut">
               <a:rPr lang="en-CA" smtClean="0"/>
-              <a:t>2024-05-29</a:t>
+              <a:t>2024-05-30</a:t>
             </a:fld>
             <a:endParaRPr lang="en-CA"/>
           </a:p>
@@ -1149,7 +1149,7 @@
           <a:p>
             <a:fld id="{1EB8CFBF-CDC5-4956-B865-DB8938F6B74E}" type="datetimeFigureOut">
               <a:rPr lang="en-CA" smtClean="0"/>
-              <a:t>2024-05-29</a:t>
+              <a:t>2024-05-30</a:t>
             </a:fld>
             <a:endParaRPr lang="en-CA"/>
           </a:p>
@@ -1417,7 +1417,7 @@
           <a:p>
             <a:fld id="{1EB8CFBF-CDC5-4956-B865-DB8938F6B74E}" type="datetimeFigureOut">
               <a:rPr lang="en-CA" smtClean="0"/>
-              <a:t>2024-05-29</a:t>
+              <a:t>2024-05-30</a:t>
             </a:fld>
             <a:endParaRPr lang="en-CA"/>
           </a:p>
@@ -1832,7 +1832,7 @@
           <a:p>
             <a:fld id="{1EB8CFBF-CDC5-4956-B865-DB8938F6B74E}" type="datetimeFigureOut">
               <a:rPr lang="en-CA" smtClean="0"/>
-              <a:t>2024-05-29</a:t>
+              <a:t>2024-05-30</a:t>
             </a:fld>
             <a:endParaRPr lang="en-CA"/>
           </a:p>
@@ -1974,7 +1974,7 @@
           <a:p>
             <a:fld id="{1EB8CFBF-CDC5-4956-B865-DB8938F6B74E}" type="datetimeFigureOut">
               <a:rPr lang="en-CA" smtClean="0"/>
-              <a:t>2024-05-29</a:t>
+              <a:t>2024-05-30</a:t>
             </a:fld>
             <a:endParaRPr lang="en-CA"/>
           </a:p>
@@ -2087,7 +2087,7 @@
           <a:p>
             <a:fld id="{1EB8CFBF-CDC5-4956-B865-DB8938F6B74E}" type="datetimeFigureOut">
               <a:rPr lang="en-CA" smtClean="0"/>
-              <a:t>2024-05-29</a:t>
+              <a:t>2024-05-30</a:t>
             </a:fld>
             <a:endParaRPr lang="en-CA"/>
           </a:p>
@@ -2400,7 +2400,7 @@
           <a:p>
             <a:fld id="{1EB8CFBF-CDC5-4956-B865-DB8938F6B74E}" type="datetimeFigureOut">
               <a:rPr lang="en-CA" smtClean="0"/>
-              <a:t>2024-05-29</a:t>
+              <a:t>2024-05-30</a:t>
             </a:fld>
             <a:endParaRPr lang="en-CA"/>
           </a:p>
@@ -2689,7 +2689,7 @@
           <a:p>
             <a:fld id="{1EB8CFBF-CDC5-4956-B865-DB8938F6B74E}" type="datetimeFigureOut">
               <a:rPr lang="en-CA" smtClean="0"/>
-              <a:t>2024-05-29</a:t>
+              <a:t>2024-05-30</a:t>
             </a:fld>
             <a:endParaRPr lang="en-CA"/>
           </a:p>
@@ -2932,7 +2932,7 @@
           <a:p>
             <a:fld id="{1EB8CFBF-CDC5-4956-B865-DB8938F6B74E}" type="datetimeFigureOut">
               <a:rPr lang="en-CA" smtClean="0"/>
-              <a:t>2024-05-29</a:t>
+              <a:t>2024-05-30</a:t>
             </a:fld>
             <a:endParaRPr lang="en-CA"/>
           </a:p>
@@ -22205,800 +22205,6 @@
       </p:sp>
       <p:grpSp>
         <p:nvGrpSpPr>
-          <p:cNvPr id="298" name="Group 297">
-            <a:extLst>
-              <a:ext uri="{FF2B5EF4-FFF2-40B4-BE49-F238E27FC236}">
-                <a16:creationId xmlns:a16="http://schemas.microsoft.com/office/drawing/2014/main" id="{E4F08852-74AD-F698-2019-E49168140F32}"/>
-              </a:ext>
-            </a:extLst>
-          </p:cNvPr>
-          <p:cNvGrpSpPr/>
-          <p:nvPr/>
-        </p:nvGrpSpPr>
-        <p:grpSpPr>
-          <a:xfrm>
-            <a:off x="6469735" y="3896331"/>
-            <a:ext cx="1336678" cy="933330"/>
-            <a:chOff x="3533774" y="2547937"/>
-            <a:chExt cx="667653" cy="466186"/>
-          </a:xfrm>
-        </p:grpSpPr>
-        <p:sp>
-          <p:nvSpPr>
-            <p:cNvPr id="299" name="Rectangle: Rounded Corners 298">
-              <a:extLst>
-                <a:ext uri="{FF2B5EF4-FFF2-40B4-BE49-F238E27FC236}">
-                  <a16:creationId xmlns:a16="http://schemas.microsoft.com/office/drawing/2014/main" id="{A008FEA5-A4BE-4D3E-2474-FA3858D323AF}"/>
-                </a:ext>
-              </a:extLst>
-            </p:cNvPr>
-            <p:cNvSpPr/>
-            <p:nvPr/>
-          </p:nvSpPr>
-          <p:spPr>
-            <a:xfrm>
-              <a:off x="3659743" y="2547937"/>
-              <a:ext cx="45720" cy="111919"/>
-            </a:xfrm>
-            <a:prstGeom prst="roundRect">
-              <a:avLst/>
-            </a:prstGeom>
-            <a:solidFill>
-              <a:schemeClr val="bg1">
-                <a:lumMod val="85000"/>
-              </a:schemeClr>
-            </a:solidFill>
-            <a:ln w="19050" cap="rnd">
-              <a:solidFill>
-                <a:schemeClr val="tx1"/>
-              </a:solidFill>
-              <a:round/>
-            </a:ln>
-          </p:spPr>
-          <p:style>
-            <a:lnRef idx="2">
-              <a:schemeClr val="accent1">
-                <a:shade val="50000"/>
-              </a:schemeClr>
-            </a:lnRef>
-            <a:fillRef idx="1">
-              <a:schemeClr val="accent1"/>
-            </a:fillRef>
-            <a:effectRef idx="0">
-              <a:schemeClr val="accent1"/>
-            </a:effectRef>
-            <a:fontRef idx="minor">
-              <a:schemeClr val="lt1"/>
-            </a:fontRef>
-          </p:style>
-          <p:txBody>
-            <a:bodyPr rot="0" spcFirstLastPara="0" vertOverflow="overflow" horzOverflow="overflow" vert="horz" wrap="square" lIns="0" tIns="0" rIns="0" bIns="0" numCol="1" spcCol="0" rtlCol="0" fromWordArt="0" anchor="ctr" anchorCtr="0" forceAA="0" compatLnSpc="1">
-              <a:prstTxWarp prst="textNoShape">
-                <a:avLst/>
-              </a:prstTxWarp>
-              <a:noAutofit/>
-            </a:bodyPr>
-            <a:lstStyle/>
-            <a:p>
-              <a:pPr algn="ctr"/>
-              <a:endParaRPr lang="en-CA" sz="800">
-                <a:cs typeface="Segoe UI" panose="020B0502040204020203" pitchFamily="34" charset="0"/>
-              </a:endParaRPr>
-            </a:p>
-          </p:txBody>
-        </p:sp>
-        <p:sp>
-          <p:nvSpPr>
-            <p:cNvPr id="300" name="Rectangle: Rounded Corners 299">
-              <a:extLst>
-                <a:ext uri="{FF2B5EF4-FFF2-40B4-BE49-F238E27FC236}">
-                  <a16:creationId xmlns:a16="http://schemas.microsoft.com/office/drawing/2014/main" id="{1035675A-B53A-EAD3-5957-41596B1873FD}"/>
-                </a:ext>
-              </a:extLst>
-            </p:cNvPr>
-            <p:cNvSpPr/>
-            <p:nvPr/>
-          </p:nvSpPr>
-          <p:spPr>
-            <a:xfrm>
-              <a:off x="3612356" y="2609850"/>
-              <a:ext cx="140494" cy="111919"/>
-            </a:xfrm>
-            <a:prstGeom prst="roundRect">
-              <a:avLst/>
-            </a:prstGeom>
-            <a:solidFill>
-              <a:schemeClr val="bg1">
-                <a:lumMod val="85000"/>
-              </a:schemeClr>
-            </a:solidFill>
-            <a:ln w="19050" cap="rnd">
-              <a:solidFill>
-                <a:schemeClr val="tx1"/>
-              </a:solidFill>
-              <a:round/>
-            </a:ln>
-          </p:spPr>
-          <p:style>
-            <a:lnRef idx="2">
-              <a:schemeClr val="accent1">
-                <a:shade val="50000"/>
-              </a:schemeClr>
-            </a:lnRef>
-            <a:fillRef idx="1">
-              <a:schemeClr val="accent1"/>
-            </a:fillRef>
-            <a:effectRef idx="0">
-              <a:schemeClr val="accent1"/>
-            </a:effectRef>
-            <a:fontRef idx="minor">
-              <a:schemeClr val="lt1"/>
-            </a:fontRef>
-          </p:style>
-          <p:txBody>
-            <a:bodyPr rot="0" spcFirstLastPara="0" vertOverflow="overflow" horzOverflow="overflow" vert="horz" wrap="square" lIns="0" tIns="0" rIns="0" bIns="0" numCol="1" spcCol="0" rtlCol="0" fromWordArt="0" anchor="ctr" anchorCtr="0" forceAA="0" compatLnSpc="1">
-              <a:prstTxWarp prst="textNoShape">
-                <a:avLst/>
-              </a:prstTxWarp>
-              <a:noAutofit/>
-            </a:bodyPr>
-            <a:lstStyle/>
-            <a:p>
-              <a:pPr algn="ctr"/>
-              <a:endParaRPr lang="en-CA" sz="800">
-                <a:cs typeface="Segoe UI" panose="020B0502040204020203" pitchFamily="34" charset="0"/>
-              </a:endParaRPr>
-            </a:p>
-          </p:txBody>
-        </p:sp>
-        <p:sp>
-          <p:nvSpPr>
-            <p:cNvPr id="301" name="Freeform: Shape 300">
-              <a:extLst>
-                <a:ext uri="{FF2B5EF4-FFF2-40B4-BE49-F238E27FC236}">
-                  <a16:creationId xmlns:a16="http://schemas.microsoft.com/office/drawing/2014/main" id="{E66342A4-FAEF-E3B6-7A41-C9AAE36CFD68}"/>
-                </a:ext>
-              </a:extLst>
-            </p:cNvPr>
-            <p:cNvSpPr/>
-            <p:nvPr/>
-          </p:nvSpPr>
-          <p:spPr>
-            <a:xfrm>
-              <a:off x="3829049" y="2580553"/>
-              <a:ext cx="278607" cy="134084"/>
-            </a:xfrm>
-            <a:custGeom>
-              <a:avLst/>
-              <a:gdLst>
-                <a:gd name="connsiteX0" fmla="*/ 56591 w 340520"/>
-                <a:gd name="connsiteY0" fmla="*/ 0 h 163880"/>
-                <a:gd name="connsiteX1" fmla="*/ 283929 w 340520"/>
-                <a:gd name="connsiteY1" fmla="*/ 0 h 163880"/>
-                <a:gd name="connsiteX2" fmla="*/ 340520 w 340520"/>
-                <a:gd name="connsiteY2" fmla="*/ 56591 h 163880"/>
-                <a:gd name="connsiteX3" fmla="*/ 340520 w 340520"/>
-                <a:gd name="connsiteY3" fmla="*/ 163880 h 163880"/>
-                <a:gd name="connsiteX4" fmla="*/ 291705 w 340520"/>
-                <a:gd name="connsiteY4" fmla="*/ 163880 h 163880"/>
-                <a:gd name="connsiteX5" fmla="*/ 291705 w 340520"/>
-                <a:gd name="connsiteY5" fmla="*/ 87669 h 163880"/>
-                <a:gd name="connsiteX6" fmla="*/ 251223 w 340520"/>
-                <a:gd name="connsiteY6" fmla="*/ 47187 h 163880"/>
-                <a:gd name="connsiteX7" fmla="*/ 89298 w 340520"/>
-                <a:gd name="connsiteY7" fmla="*/ 47187 h 163880"/>
-                <a:gd name="connsiteX8" fmla="*/ 48816 w 340520"/>
-                <a:gd name="connsiteY8" fmla="*/ 87669 h 163880"/>
-                <a:gd name="connsiteX9" fmla="*/ 48816 w 340520"/>
-                <a:gd name="connsiteY9" fmla="*/ 163880 h 163880"/>
-                <a:gd name="connsiteX10" fmla="*/ 0 w 340520"/>
-                <a:gd name="connsiteY10" fmla="*/ 163880 h 163880"/>
-                <a:gd name="connsiteX11" fmla="*/ 0 w 340520"/>
-                <a:gd name="connsiteY11" fmla="*/ 56591 h 163880"/>
-                <a:gd name="connsiteX12" fmla="*/ 56591 w 340520"/>
-                <a:gd name="connsiteY12" fmla="*/ 0 h 163880"/>
-              </a:gdLst>
-              <a:ahLst/>
-              <a:cxnLst>
-                <a:cxn ang="0">
-                  <a:pos x="connsiteX0" y="connsiteY0"/>
-                </a:cxn>
-                <a:cxn ang="0">
-                  <a:pos x="connsiteX1" y="connsiteY1"/>
-                </a:cxn>
-                <a:cxn ang="0">
-                  <a:pos x="connsiteX2" y="connsiteY2"/>
-                </a:cxn>
-                <a:cxn ang="0">
-                  <a:pos x="connsiteX3" y="connsiteY3"/>
-                </a:cxn>
-                <a:cxn ang="0">
-                  <a:pos x="connsiteX4" y="connsiteY4"/>
-                </a:cxn>
-                <a:cxn ang="0">
-                  <a:pos x="connsiteX5" y="connsiteY5"/>
-                </a:cxn>
-                <a:cxn ang="0">
-                  <a:pos x="connsiteX6" y="connsiteY6"/>
-                </a:cxn>
-                <a:cxn ang="0">
-                  <a:pos x="connsiteX7" y="connsiteY7"/>
-                </a:cxn>
-                <a:cxn ang="0">
-                  <a:pos x="connsiteX8" y="connsiteY8"/>
-                </a:cxn>
-                <a:cxn ang="0">
-                  <a:pos x="connsiteX9" y="connsiteY9"/>
-                </a:cxn>
-                <a:cxn ang="0">
-                  <a:pos x="connsiteX10" y="connsiteY10"/>
-                </a:cxn>
-                <a:cxn ang="0">
-                  <a:pos x="connsiteX11" y="connsiteY11"/>
-                </a:cxn>
-                <a:cxn ang="0">
-                  <a:pos x="connsiteX12" y="connsiteY12"/>
-                </a:cxn>
-              </a:cxnLst>
-              <a:rect l="l" t="t" r="r" b="b"/>
-              <a:pathLst>
-                <a:path w="340520" h="163880">
-                  <a:moveTo>
-                    <a:pt x="56591" y="0"/>
-                  </a:moveTo>
-                  <a:lnTo>
-                    <a:pt x="283929" y="0"/>
-                  </a:lnTo>
-                  <a:cubicBezTo>
-                    <a:pt x="315183" y="0"/>
-                    <a:pt x="340520" y="25337"/>
-                    <a:pt x="340520" y="56591"/>
-                  </a:cubicBezTo>
-                  <a:lnTo>
-                    <a:pt x="340520" y="163880"/>
-                  </a:lnTo>
-                  <a:lnTo>
-                    <a:pt x="291705" y="163880"/>
-                  </a:lnTo>
-                  <a:lnTo>
-                    <a:pt x="291705" y="87669"/>
-                  </a:lnTo>
-                  <a:cubicBezTo>
-                    <a:pt x="291705" y="65311"/>
-                    <a:pt x="273581" y="47187"/>
-                    <a:pt x="251223" y="47187"/>
-                  </a:cubicBezTo>
-                  <a:lnTo>
-                    <a:pt x="89298" y="47187"/>
-                  </a:lnTo>
-                  <a:cubicBezTo>
-                    <a:pt x="66940" y="47187"/>
-                    <a:pt x="48816" y="65311"/>
-                    <a:pt x="48816" y="87669"/>
-                  </a:cubicBezTo>
-                  <a:lnTo>
-                    <a:pt x="48816" y="163880"/>
-                  </a:lnTo>
-                  <a:lnTo>
-                    <a:pt x="0" y="163880"/>
-                  </a:lnTo>
-                  <a:lnTo>
-                    <a:pt x="0" y="56591"/>
-                  </a:lnTo>
-                  <a:cubicBezTo>
-                    <a:pt x="0" y="25337"/>
-                    <a:pt x="25337" y="0"/>
-                    <a:pt x="56591" y="0"/>
-                  </a:cubicBezTo>
-                  <a:close/>
-                </a:path>
-              </a:pathLst>
-            </a:custGeom>
-            <a:solidFill>
-              <a:schemeClr val="bg1">
-                <a:lumMod val="85000"/>
-              </a:schemeClr>
-            </a:solidFill>
-            <a:ln w="19050" cap="rnd">
-              <a:solidFill>
-                <a:schemeClr val="tx1"/>
-              </a:solidFill>
-              <a:round/>
-            </a:ln>
-          </p:spPr>
-          <p:style>
-            <a:lnRef idx="2">
-              <a:schemeClr val="accent1">
-                <a:shade val="50000"/>
-              </a:schemeClr>
-            </a:lnRef>
-            <a:fillRef idx="1">
-              <a:schemeClr val="accent1"/>
-            </a:fillRef>
-            <a:effectRef idx="0">
-              <a:schemeClr val="accent1"/>
-            </a:effectRef>
-            <a:fontRef idx="minor">
-              <a:schemeClr val="lt1"/>
-            </a:fontRef>
-          </p:style>
-          <p:txBody>
-            <a:bodyPr rot="0" spcFirstLastPara="0" vertOverflow="overflow" horzOverflow="overflow" vert="horz" wrap="square" lIns="0" tIns="0" rIns="0" bIns="0" numCol="1" spcCol="0" rtlCol="0" fromWordArt="0" anchor="ctr" anchorCtr="0" forceAA="0" compatLnSpc="1">
-              <a:prstTxWarp prst="textNoShape">
-                <a:avLst/>
-              </a:prstTxWarp>
-              <a:noAutofit/>
-            </a:bodyPr>
-            <a:lstStyle/>
-            <a:p>
-              <a:pPr algn="ctr"/>
-              <a:endParaRPr lang="en-CA" sz="800">
-                <a:cs typeface="Segoe UI" panose="020B0502040204020203" pitchFamily="34" charset="0"/>
-              </a:endParaRPr>
-            </a:p>
-          </p:txBody>
-        </p:sp>
-        <p:sp>
-          <p:nvSpPr>
-            <p:cNvPr id="302" name="Rectangle: Rounded Corners 301">
-              <a:extLst>
-                <a:ext uri="{FF2B5EF4-FFF2-40B4-BE49-F238E27FC236}">
-                  <a16:creationId xmlns:a16="http://schemas.microsoft.com/office/drawing/2014/main" id="{41BD4553-0D04-AF46-56A8-702BA3934908}"/>
-                </a:ext>
-              </a:extLst>
-            </p:cNvPr>
-            <p:cNvSpPr/>
-            <p:nvPr/>
-          </p:nvSpPr>
-          <p:spPr>
-            <a:xfrm>
-              <a:off x="3533774" y="2674582"/>
-              <a:ext cx="667653" cy="339541"/>
-            </a:xfrm>
-            <a:prstGeom prst="roundRect">
-              <a:avLst>
-                <a:gd name="adj" fmla="val 6849"/>
-              </a:avLst>
-            </a:prstGeom>
-            <a:solidFill>
-              <a:schemeClr val="bg1">
-                <a:lumMod val="85000"/>
-              </a:schemeClr>
-            </a:solidFill>
-            <a:ln w="19050" cap="rnd">
-              <a:solidFill>
-                <a:schemeClr val="tx1"/>
-              </a:solidFill>
-              <a:round/>
-            </a:ln>
-          </p:spPr>
-          <p:style>
-            <a:lnRef idx="2">
-              <a:schemeClr val="accent1">
-                <a:shade val="50000"/>
-              </a:schemeClr>
-            </a:lnRef>
-            <a:fillRef idx="1">
-              <a:schemeClr val="accent1"/>
-            </a:fillRef>
-            <a:effectRef idx="0">
-              <a:schemeClr val="accent1"/>
-            </a:effectRef>
-            <a:fontRef idx="minor">
-              <a:schemeClr val="lt1"/>
-            </a:fontRef>
-          </p:style>
-          <p:txBody>
-            <a:bodyPr rot="0" spcFirstLastPara="0" vertOverflow="overflow" horzOverflow="overflow" vert="horz" wrap="square" lIns="0" tIns="0" rIns="0" bIns="0" numCol="1" spcCol="0" rtlCol="0" fromWordArt="0" anchor="ctr" anchorCtr="0" forceAA="0" compatLnSpc="1">
-              <a:prstTxWarp prst="textNoShape">
-                <a:avLst/>
-              </a:prstTxWarp>
-              <a:noAutofit/>
-            </a:bodyPr>
-            <a:lstStyle/>
-            <a:p>
-              <a:pPr algn="ctr"/>
-              <a:endParaRPr lang="en-CA" sz="800" dirty="0">
-                <a:cs typeface="Segoe UI" panose="020B0502040204020203" pitchFamily="34" charset="0"/>
-              </a:endParaRPr>
-            </a:p>
-          </p:txBody>
-        </p:sp>
-        <p:grpSp>
-          <p:nvGrpSpPr>
-            <p:cNvPr id="303" name="Group 302">
-              <a:extLst>
-                <a:ext uri="{FF2B5EF4-FFF2-40B4-BE49-F238E27FC236}">
-                  <a16:creationId xmlns:a16="http://schemas.microsoft.com/office/drawing/2014/main" id="{403C2A3A-0F69-DC94-B001-314451FA9F4B}"/>
-                </a:ext>
-              </a:extLst>
-            </p:cNvPr>
-            <p:cNvGrpSpPr/>
-            <p:nvPr/>
-          </p:nvGrpSpPr>
-          <p:grpSpPr>
-            <a:xfrm>
-              <a:off x="4092177" y="2722321"/>
-              <a:ext cx="64295" cy="56945"/>
-              <a:chOff x="4064793" y="2762251"/>
-              <a:chExt cx="83346" cy="73818"/>
-            </a:xfrm>
-          </p:grpSpPr>
-          <p:sp>
-            <p:nvSpPr>
-              <p:cNvPr id="308" name="Hexagon 307">
-                <a:extLst>
-                  <a:ext uri="{FF2B5EF4-FFF2-40B4-BE49-F238E27FC236}">
-                    <a16:creationId xmlns:a16="http://schemas.microsoft.com/office/drawing/2014/main" id="{784359C5-C938-D8B5-4533-41D64099782B}"/>
-                  </a:ext>
-                </a:extLst>
-              </p:cNvPr>
-              <p:cNvSpPr/>
-              <p:nvPr/>
-            </p:nvSpPr>
-            <p:spPr>
-              <a:xfrm>
-                <a:off x="4064793" y="2762251"/>
-                <a:ext cx="83346" cy="73818"/>
-              </a:xfrm>
-              <a:prstGeom prst="hexagon">
-                <a:avLst/>
-              </a:prstGeom>
-              <a:solidFill>
-                <a:schemeClr val="tx1">
-                  <a:lumMod val="50000"/>
-                  <a:lumOff val="50000"/>
-                </a:schemeClr>
-              </a:solidFill>
-              <a:ln w="19050" cap="flat">
-                <a:solidFill>
-                  <a:schemeClr val="tx1"/>
-                </a:solidFill>
-                <a:prstDash val="solid"/>
-                <a:round/>
-              </a:ln>
-            </p:spPr>
-            <p:txBody>
-              <a:bodyPr lIns="0" tIns="0" rIns="0" bIns="0" rtlCol="0" anchor="ctr"/>
-              <a:lstStyle/>
-              <a:p>
-                <a:endParaRPr lang="en-CA" sz="800">
-                  <a:solidFill>
-                    <a:schemeClr val="tx1"/>
-                  </a:solidFill>
-                </a:endParaRPr>
-              </a:p>
-            </p:txBody>
-          </p:sp>
-          <p:sp>
-            <p:nvSpPr>
-              <p:cNvPr id="309" name="Oval 308">
-                <a:extLst>
-                  <a:ext uri="{FF2B5EF4-FFF2-40B4-BE49-F238E27FC236}">
-                    <a16:creationId xmlns:a16="http://schemas.microsoft.com/office/drawing/2014/main" id="{085FA3A1-8335-D2B9-95B2-CC1FFEA1B49C}"/>
-                  </a:ext>
-                </a:extLst>
-              </p:cNvPr>
-              <p:cNvSpPr/>
-              <p:nvPr/>
-            </p:nvSpPr>
-            <p:spPr>
-              <a:xfrm>
-                <a:off x="4088012" y="2780708"/>
-                <a:ext cx="36906" cy="36905"/>
-              </a:xfrm>
-              <a:prstGeom prst="ellipse">
-                <a:avLst/>
-              </a:prstGeom>
-              <a:solidFill>
-                <a:schemeClr val="tx1">
-                  <a:lumMod val="85000"/>
-                  <a:lumOff val="15000"/>
-                </a:schemeClr>
-              </a:solidFill>
-              <a:ln w="19050" cap="flat">
-                <a:solidFill>
-                  <a:schemeClr val="tx1"/>
-                </a:solidFill>
-                <a:prstDash val="solid"/>
-                <a:round/>
-              </a:ln>
-            </p:spPr>
-            <p:txBody>
-              <a:bodyPr lIns="0" tIns="0" rIns="0" bIns="0" rtlCol="0" anchor="ctr"/>
-              <a:lstStyle/>
-              <a:p>
-                <a:endParaRPr lang="en-CA" sz="800" dirty="0">
-                  <a:solidFill>
-                    <a:schemeClr val="tx1"/>
-                  </a:solidFill>
-                </a:endParaRPr>
-              </a:p>
-            </p:txBody>
-          </p:sp>
-        </p:grpSp>
-        <p:sp>
-          <p:nvSpPr>
-            <p:cNvPr id="304" name="Isosceles Triangle 303">
-              <a:extLst>
-                <a:ext uri="{FF2B5EF4-FFF2-40B4-BE49-F238E27FC236}">
-                  <a16:creationId xmlns:a16="http://schemas.microsoft.com/office/drawing/2014/main" id="{D2DA740D-342B-6239-06BE-D6B621D92645}"/>
-                </a:ext>
-              </a:extLst>
-            </p:cNvPr>
-            <p:cNvSpPr/>
-            <p:nvPr/>
-          </p:nvSpPr>
-          <p:spPr>
-            <a:xfrm>
-              <a:off x="3996927" y="2722116"/>
-              <a:ext cx="63532" cy="54769"/>
-            </a:xfrm>
-            <a:prstGeom prst="triangle">
-              <a:avLst/>
-            </a:prstGeom>
-            <a:solidFill>
-              <a:srgbClr val="FF0000"/>
-            </a:solidFill>
-            <a:ln w="19050" cap="flat">
-              <a:solidFill>
-                <a:schemeClr val="tx1"/>
-              </a:solidFill>
-              <a:prstDash val="solid"/>
-              <a:round/>
-            </a:ln>
-          </p:spPr>
-          <p:txBody>
-            <a:bodyPr lIns="0" tIns="0" rIns="0" bIns="0" rtlCol="0" anchor="ctr"/>
-            <a:lstStyle/>
-            <a:p>
-              <a:endParaRPr lang="en-CA" sz="800">
-                <a:solidFill>
-                  <a:schemeClr val="tx1"/>
-                </a:solidFill>
-              </a:endParaRPr>
-            </a:p>
-          </p:txBody>
-        </p:sp>
-        <p:grpSp>
-          <p:nvGrpSpPr>
-            <p:cNvPr id="305" name="Group 304">
-              <a:extLst>
-                <a:ext uri="{FF2B5EF4-FFF2-40B4-BE49-F238E27FC236}">
-                  <a16:creationId xmlns:a16="http://schemas.microsoft.com/office/drawing/2014/main" id="{8BCE9B99-1D14-B83B-E28E-51034C813261}"/>
-                </a:ext>
-              </a:extLst>
-            </p:cNvPr>
-            <p:cNvGrpSpPr/>
-            <p:nvPr/>
-          </p:nvGrpSpPr>
-          <p:grpSpPr>
-            <a:xfrm>
-              <a:off x="3633786" y="2721769"/>
-              <a:ext cx="97634" cy="161925"/>
-              <a:chOff x="3633786" y="2743628"/>
-              <a:chExt cx="97634" cy="161925"/>
-            </a:xfrm>
-          </p:grpSpPr>
-          <p:sp>
-            <p:nvSpPr>
-              <p:cNvPr id="306" name="Rectangle: Rounded Corners 305">
-                <a:extLst>
-                  <a:ext uri="{FF2B5EF4-FFF2-40B4-BE49-F238E27FC236}">
-                    <a16:creationId xmlns:a16="http://schemas.microsoft.com/office/drawing/2014/main" id="{482002E8-5138-E739-8007-1119B5B534B5}"/>
-                  </a:ext>
-                </a:extLst>
-              </p:cNvPr>
-              <p:cNvSpPr/>
-              <p:nvPr/>
-            </p:nvSpPr>
-            <p:spPr>
-              <a:xfrm>
-                <a:off x="3633786" y="2743628"/>
-                <a:ext cx="97634" cy="161925"/>
-              </a:xfrm>
-              <a:prstGeom prst="roundRect">
-                <a:avLst/>
-              </a:prstGeom>
-              <a:solidFill>
-                <a:schemeClr val="bg1">
-                  <a:lumMod val="95000"/>
-                </a:schemeClr>
-              </a:solidFill>
-              <a:ln w="19050" cap="flat">
-                <a:solidFill>
-                  <a:schemeClr val="tx1"/>
-                </a:solidFill>
-                <a:prstDash val="solid"/>
-                <a:round/>
-              </a:ln>
-            </p:spPr>
-            <p:txBody>
-              <a:bodyPr lIns="0" tIns="0" rIns="0" bIns="0" rtlCol="0" anchor="ctr"/>
-              <a:lstStyle/>
-              <a:p>
-                <a:endParaRPr lang="en-CA" sz="800">
-                  <a:solidFill>
-                    <a:schemeClr val="tx1"/>
-                  </a:solidFill>
-                </a:endParaRPr>
-              </a:p>
-            </p:txBody>
-          </p:sp>
-          <p:sp>
-            <p:nvSpPr>
-              <p:cNvPr id="307" name="Freeform: Shape 306">
-                <a:extLst>
-                  <a:ext uri="{FF2B5EF4-FFF2-40B4-BE49-F238E27FC236}">
-                    <a16:creationId xmlns:a16="http://schemas.microsoft.com/office/drawing/2014/main" id="{BD162115-1EA2-C3BF-B17D-B036A6E287DC}"/>
-                  </a:ext>
-                </a:extLst>
-              </p:cNvPr>
-              <p:cNvSpPr/>
-              <p:nvPr/>
-            </p:nvSpPr>
-            <p:spPr>
-              <a:xfrm>
-                <a:off x="3655607" y="2743628"/>
-                <a:ext cx="53993" cy="161925"/>
-              </a:xfrm>
-              <a:custGeom>
-                <a:avLst/>
-                <a:gdLst>
-                  <a:gd name="connsiteX0" fmla="*/ 10839 w 53993"/>
-                  <a:gd name="connsiteY0" fmla="*/ 0 h 161925"/>
-                  <a:gd name="connsiteX1" fmla="*/ 43155 w 53993"/>
-                  <a:gd name="connsiteY1" fmla="*/ 0 h 161925"/>
-                  <a:gd name="connsiteX2" fmla="*/ 44946 w 53993"/>
-                  <a:gd name="connsiteY2" fmla="*/ 6567 h 161925"/>
-                  <a:gd name="connsiteX3" fmla="*/ 53874 w 53993"/>
-                  <a:gd name="connsiteY3" fmla="*/ 51959 h 161925"/>
-                  <a:gd name="connsiteX4" fmla="*/ 43005 w 53993"/>
-                  <a:gd name="connsiteY4" fmla="*/ 135303 h 161925"/>
-                  <a:gd name="connsiteX5" fmla="*/ 41798 w 53993"/>
-                  <a:gd name="connsiteY5" fmla="*/ 161925 h 161925"/>
-                  <a:gd name="connsiteX6" fmla="*/ 12196 w 53993"/>
-                  <a:gd name="connsiteY6" fmla="*/ 161925 h 161925"/>
-                  <a:gd name="connsiteX7" fmla="*/ 10990 w 53993"/>
-                  <a:gd name="connsiteY7" fmla="*/ 135303 h 161925"/>
-                  <a:gd name="connsiteX8" fmla="*/ 120 w 53993"/>
-                  <a:gd name="connsiteY8" fmla="*/ 51959 h 161925"/>
-                  <a:gd name="connsiteX9" fmla="*/ 9048 w 53993"/>
-                  <a:gd name="connsiteY9" fmla="*/ 6567 h 161925"/>
-                </a:gdLst>
-                <a:ahLst/>
-                <a:cxnLst>
-                  <a:cxn ang="0">
-                    <a:pos x="connsiteX0" y="connsiteY0"/>
-                  </a:cxn>
-                  <a:cxn ang="0">
-                    <a:pos x="connsiteX1" y="connsiteY1"/>
-                  </a:cxn>
-                  <a:cxn ang="0">
-                    <a:pos x="connsiteX2" y="connsiteY2"/>
-                  </a:cxn>
-                  <a:cxn ang="0">
-                    <a:pos x="connsiteX3" y="connsiteY3"/>
-                  </a:cxn>
-                  <a:cxn ang="0">
-                    <a:pos x="connsiteX4" y="connsiteY4"/>
-                  </a:cxn>
-                  <a:cxn ang="0">
-                    <a:pos x="connsiteX5" y="connsiteY5"/>
-                  </a:cxn>
-                  <a:cxn ang="0">
-                    <a:pos x="connsiteX6" y="connsiteY6"/>
-                  </a:cxn>
-                  <a:cxn ang="0">
-                    <a:pos x="connsiteX7" y="connsiteY7"/>
-                  </a:cxn>
-                  <a:cxn ang="0">
-                    <a:pos x="connsiteX8" y="connsiteY8"/>
-                  </a:cxn>
-                  <a:cxn ang="0">
-                    <a:pos x="connsiteX9" y="connsiteY9"/>
-                  </a:cxn>
-                </a:cxnLst>
-                <a:rect l="l" t="t" r="r" b="b"/>
-                <a:pathLst>
-                  <a:path w="53993" h="161925">
-                    <a:moveTo>
-                      <a:pt x="10839" y="0"/>
-                    </a:moveTo>
-                    <a:lnTo>
-                      <a:pt x="43155" y="0"/>
-                    </a:lnTo>
-                    <a:lnTo>
-                      <a:pt x="44946" y="6567"/>
-                    </a:lnTo>
-                    <a:cubicBezTo>
-                      <a:pt x="49152" y="21598"/>
-                      <a:pt x="53227" y="38267"/>
-                      <a:pt x="53874" y="51959"/>
-                    </a:cubicBezTo>
-                    <a:cubicBezTo>
-                      <a:pt x="55168" y="79343"/>
-                      <a:pt x="45593" y="99981"/>
-                      <a:pt x="43005" y="135303"/>
-                    </a:cubicBezTo>
-                    <a:lnTo>
-                      <a:pt x="41798" y="161925"/>
-                    </a:lnTo>
-                    <a:lnTo>
-                      <a:pt x="12196" y="161925"/>
-                    </a:lnTo>
-                    <a:lnTo>
-                      <a:pt x="10990" y="135303"/>
-                    </a:lnTo>
-                    <a:cubicBezTo>
-                      <a:pt x="8401" y="99981"/>
-                      <a:pt x="-1174" y="79343"/>
-                      <a:pt x="120" y="51959"/>
-                    </a:cubicBezTo>
-                    <a:cubicBezTo>
-                      <a:pt x="767" y="38267"/>
-                      <a:pt x="4843" y="21598"/>
-                      <a:pt x="9048" y="6567"/>
-                    </a:cubicBezTo>
-                    <a:close/>
-                  </a:path>
-                </a:pathLst>
-              </a:custGeom>
-              <a:gradFill>
-                <a:gsLst>
-                  <a:gs pos="0">
-                    <a:schemeClr val="accent4"/>
-                  </a:gs>
-                  <a:gs pos="49000">
-                    <a:schemeClr val="accent4">
-                      <a:lumMod val="40000"/>
-                      <a:lumOff val="60000"/>
-                    </a:schemeClr>
-                  </a:gs>
-                  <a:gs pos="22000">
-                    <a:schemeClr val="accent4">
-                      <a:lumMod val="40000"/>
-                      <a:lumOff val="60000"/>
-                    </a:schemeClr>
-                  </a:gs>
-                  <a:gs pos="80000">
-                    <a:srgbClr val="FFC000"/>
-                  </a:gs>
-                  <a:gs pos="98851">
-                    <a:srgbClr val="C00000"/>
-                  </a:gs>
-                  <a:gs pos="91000">
-                    <a:schemeClr val="accent2"/>
-                  </a:gs>
-                </a:gsLst>
-                <a:lin ang="5400000" scaled="0"/>
-              </a:gradFill>
-              <a:ln w="19050" cap="flat">
-                <a:solidFill>
-                  <a:schemeClr val="tx1"/>
-                </a:solidFill>
-                <a:prstDash val="solid"/>
-                <a:round/>
-              </a:ln>
-            </p:spPr>
-            <p:txBody>
-              <a:bodyPr wrap="square" lIns="0" tIns="0" rIns="0" bIns="0" rtlCol="0" anchor="ctr">
-                <a:noAutofit/>
-              </a:bodyPr>
-              <a:lstStyle/>
-              <a:p>
-                <a:endParaRPr lang="en-CA" sz="800" dirty="0">
-                  <a:solidFill>
-                    <a:schemeClr val="tx1"/>
-                  </a:solidFill>
-                </a:endParaRPr>
-              </a:p>
-            </p:txBody>
-          </p:sp>
-        </p:grpSp>
-      </p:grpSp>
-      <p:grpSp>
-        <p:nvGrpSpPr>
           <p:cNvPr id="349" name="Group 348">
             <a:extLst>
               <a:ext uri="{FF2B5EF4-FFF2-40B4-BE49-F238E27FC236}">
@@ -36578,6 +35784,1316 @@
           </p:grpSp>
         </p:grpSp>
       </p:grpSp>
+      <p:grpSp>
+        <p:nvGrpSpPr>
+          <p:cNvPr id="472" name="Group 471">
+            <a:extLst>
+              <a:ext uri="{FF2B5EF4-FFF2-40B4-BE49-F238E27FC236}">
+                <a16:creationId xmlns:a16="http://schemas.microsoft.com/office/drawing/2014/main" id="{5E66EF29-609D-1738-B04A-4C82A5DCAAF4}"/>
+              </a:ext>
+            </a:extLst>
+          </p:cNvPr>
+          <p:cNvGrpSpPr/>
+          <p:nvPr/>
+        </p:nvGrpSpPr>
+        <p:grpSpPr>
+          <a:xfrm>
+            <a:off x="6469735" y="3896329"/>
+            <a:ext cx="1336678" cy="933329"/>
+            <a:chOff x="6469735" y="3896329"/>
+            <a:chExt cx="1336678" cy="933329"/>
+          </a:xfrm>
+        </p:grpSpPr>
+        <p:sp>
+          <p:nvSpPr>
+            <p:cNvPr id="471" name="Rectangle: Rounded Corners 470">
+              <a:extLst>
+                <a:ext uri="{FF2B5EF4-FFF2-40B4-BE49-F238E27FC236}">
+                  <a16:creationId xmlns:a16="http://schemas.microsoft.com/office/drawing/2014/main" id="{70CEFBDD-6935-C9A5-C1A7-881AA17B7B97}"/>
+                </a:ext>
+              </a:extLst>
+            </p:cNvPr>
+            <p:cNvSpPr/>
+            <p:nvPr/>
+          </p:nvSpPr>
+          <p:spPr>
+            <a:xfrm>
+              <a:off x="6581900" y="4068676"/>
+              <a:ext cx="91534" cy="48102"/>
+            </a:xfrm>
+            <a:prstGeom prst="roundRect">
+              <a:avLst/>
+            </a:prstGeom>
+            <a:solidFill>
+              <a:schemeClr val="bg1">
+                <a:lumMod val="85000"/>
+              </a:schemeClr>
+            </a:solidFill>
+            <a:ln w="19050" cap="rnd">
+              <a:solidFill>
+                <a:schemeClr val="tx1"/>
+              </a:solidFill>
+              <a:round/>
+            </a:ln>
+          </p:spPr>
+          <p:style>
+            <a:lnRef idx="2">
+              <a:schemeClr val="accent1">
+                <a:shade val="50000"/>
+              </a:schemeClr>
+            </a:lnRef>
+            <a:fillRef idx="1">
+              <a:schemeClr val="accent1"/>
+            </a:fillRef>
+            <a:effectRef idx="0">
+              <a:schemeClr val="accent1"/>
+            </a:effectRef>
+            <a:fontRef idx="minor">
+              <a:schemeClr val="lt1"/>
+            </a:fontRef>
+          </p:style>
+          <p:txBody>
+            <a:bodyPr rot="0" spcFirstLastPara="0" vertOverflow="overflow" horzOverflow="overflow" vert="horz" wrap="square" lIns="0" tIns="0" rIns="0" bIns="0" numCol="1" spcCol="0" rtlCol="0" fromWordArt="0" anchor="ctr" anchorCtr="0" forceAA="0" compatLnSpc="1">
+              <a:prstTxWarp prst="textNoShape">
+                <a:avLst/>
+              </a:prstTxWarp>
+              <a:noAutofit/>
+            </a:bodyPr>
+            <a:lstStyle/>
+            <a:p>
+              <a:pPr algn="ctr"/>
+              <a:endParaRPr lang="en-CA" sz="800">
+                <a:cs typeface="Segoe UI" panose="020B0502040204020203" pitchFamily="34" charset="0"/>
+              </a:endParaRPr>
+            </a:p>
+          </p:txBody>
+        </p:sp>
+        <p:sp>
+          <p:nvSpPr>
+            <p:cNvPr id="50" name="Freeform: Shape 49">
+              <a:extLst>
+                <a:ext uri="{FF2B5EF4-FFF2-40B4-BE49-F238E27FC236}">
+                  <a16:creationId xmlns:a16="http://schemas.microsoft.com/office/drawing/2014/main" id="{9B9B46BB-2D03-BBFA-2C97-D45754AD59C3}"/>
+                </a:ext>
+              </a:extLst>
+            </p:cNvPr>
+            <p:cNvSpPr/>
+            <p:nvPr/>
+          </p:nvSpPr>
+          <p:spPr>
+            <a:xfrm>
+              <a:off x="7004966" y="3971562"/>
+              <a:ext cx="680401" cy="224835"/>
+            </a:xfrm>
+            <a:custGeom>
+              <a:avLst/>
+              <a:gdLst>
+                <a:gd name="connsiteX0" fmla="*/ 288020 w 1932324"/>
+                <a:gd name="connsiteY0" fmla="*/ 0 h 638528"/>
+                <a:gd name="connsiteX1" fmla="*/ 1641552 w 1932324"/>
+                <a:gd name="connsiteY1" fmla="*/ 0 h 638528"/>
+                <a:gd name="connsiteX2" fmla="*/ 1665676 w 1932324"/>
+                <a:gd name="connsiteY2" fmla="*/ 6983 h 638528"/>
+                <a:gd name="connsiteX3" fmla="*/ 1665688 w 1932324"/>
+                <a:gd name="connsiteY3" fmla="*/ 6994 h 638528"/>
+                <a:gd name="connsiteX4" fmla="*/ 1696282 w 1932324"/>
+                <a:gd name="connsiteY4" fmla="*/ 14228 h 638528"/>
+                <a:gd name="connsiteX5" fmla="*/ 1929982 w 1932324"/>
+                <a:gd name="connsiteY5" fmla="*/ 576275 h 638528"/>
+                <a:gd name="connsiteX6" fmla="*/ 1932324 w 1932324"/>
+                <a:gd name="connsiteY6" fmla="*/ 638528 h 638528"/>
+                <a:gd name="connsiteX7" fmla="*/ 1658312 w 1932324"/>
+                <a:gd name="connsiteY7" fmla="*/ 638528 h 638528"/>
+                <a:gd name="connsiteX8" fmla="*/ 1658312 w 1932324"/>
+                <a:gd name="connsiteY8" fmla="*/ 170746 h 638528"/>
+                <a:gd name="connsiteX9" fmla="*/ 1576820 w 1932324"/>
+                <a:gd name="connsiteY9" fmla="*/ 89253 h 638528"/>
+                <a:gd name="connsiteX10" fmla="*/ 355504 w 1932324"/>
+                <a:gd name="connsiteY10" fmla="*/ 89253 h 638528"/>
+                <a:gd name="connsiteX11" fmla="*/ 274012 w 1932324"/>
+                <a:gd name="connsiteY11" fmla="*/ 170746 h 638528"/>
+                <a:gd name="connsiteX12" fmla="*/ 274012 w 1932324"/>
+                <a:gd name="connsiteY12" fmla="*/ 638528 h 638528"/>
+                <a:gd name="connsiteX13" fmla="*/ 0 w 1932324"/>
+                <a:gd name="connsiteY13" fmla="*/ 638528 h 638528"/>
+                <a:gd name="connsiteX14" fmla="*/ 2342 w 1932324"/>
+                <a:gd name="connsiteY14" fmla="*/ 576275 h 638528"/>
+                <a:gd name="connsiteX15" fmla="*/ 236042 w 1932324"/>
+                <a:gd name="connsiteY15" fmla="*/ 14228 h 638528"/>
+                <a:gd name="connsiteX16" fmla="*/ 262994 w 1932324"/>
+                <a:gd name="connsiteY16" fmla="*/ 7855 h 638528"/>
+                <a:gd name="connsiteX17" fmla="*/ 263896 w 1932324"/>
+                <a:gd name="connsiteY17" fmla="*/ 6983 h 638528"/>
+                <a:gd name="connsiteX18" fmla="*/ 288020 w 1932324"/>
+                <a:gd name="connsiteY18" fmla="*/ 0 h 638528"/>
+              </a:gdLst>
+              <a:ahLst/>
+              <a:cxnLst>
+                <a:cxn ang="0">
+                  <a:pos x="connsiteX0" y="connsiteY0"/>
+                </a:cxn>
+                <a:cxn ang="0">
+                  <a:pos x="connsiteX1" y="connsiteY1"/>
+                </a:cxn>
+                <a:cxn ang="0">
+                  <a:pos x="connsiteX2" y="connsiteY2"/>
+                </a:cxn>
+                <a:cxn ang="0">
+                  <a:pos x="connsiteX3" y="connsiteY3"/>
+                </a:cxn>
+                <a:cxn ang="0">
+                  <a:pos x="connsiteX4" y="connsiteY4"/>
+                </a:cxn>
+                <a:cxn ang="0">
+                  <a:pos x="connsiteX5" y="connsiteY5"/>
+                </a:cxn>
+                <a:cxn ang="0">
+                  <a:pos x="connsiteX6" y="connsiteY6"/>
+                </a:cxn>
+                <a:cxn ang="0">
+                  <a:pos x="connsiteX7" y="connsiteY7"/>
+                </a:cxn>
+                <a:cxn ang="0">
+                  <a:pos x="connsiteX8" y="connsiteY8"/>
+                </a:cxn>
+                <a:cxn ang="0">
+                  <a:pos x="connsiteX9" y="connsiteY9"/>
+                </a:cxn>
+                <a:cxn ang="0">
+                  <a:pos x="connsiteX10" y="connsiteY10"/>
+                </a:cxn>
+                <a:cxn ang="0">
+                  <a:pos x="connsiteX11" y="connsiteY11"/>
+                </a:cxn>
+                <a:cxn ang="0">
+                  <a:pos x="connsiteX12" y="connsiteY12"/>
+                </a:cxn>
+                <a:cxn ang="0">
+                  <a:pos x="connsiteX13" y="connsiteY13"/>
+                </a:cxn>
+                <a:cxn ang="0">
+                  <a:pos x="connsiteX14" y="connsiteY14"/>
+                </a:cxn>
+                <a:cxn ang="0">
+                  <a:pos x="connsiteX15" y="connsiteY15"/>
+                </a:cxn>
+                <a:cxn ang="0">
+                  <a:pos x="connsiteX16" y="connsiteY16"/>
+                </a:cxn>
+                <a:cxn ang="0">
+                  <a:pos x="connsiteX17" y="connsiteY17"/>
+                </a:cxn>
+                <a:cxn ang="0">
+                  <a:pos x="connsiteX18" y="connsiteY18"/>
+                </a:cxn>
+              </a:cxnLst>
+              <a:rect l="l" t="t" r="r" b="b"/>
+              <a:pathLst>
+                <a:path w="1932324" h="638528">
+                  <a:moveTo>
+                    <a:pt x="288020" y="0"/>
+                  </a:moveTo>
+                  <a:lnTo>
+                    <a:pt x="1641552" y="0"/>
+                  </a:lnTo>
+                  <a:cubicBezTo>
+                    <a:pt x="1650110" y="0"/>
+                    <a:pt x="1658262" y="2487"/>
+                    <a:pt x="1665676" y="6983"/>
+                  </a:cubicBezTo>
+                  <a:lnTo>
+                    <a:pt x="1665688" y="6994"/>
+                  </a:lnTo>
+                  <a:lnTo>
+                    <a:pt x="1696282" y="14228"/>
+                  </a:lnTo>
+                  <a:cubicBezTo>
+                    <a:pt x="1815312" y="71361"/>
+                    <a:pt x="1908536" y="294655"/>
+                    <a:pt x="1929982" y="576275"/>
+                  </a:cubicBezTo>
+                  <a:lnTo>
+                    <a:pt x="1932324" y="638528"/>
+                  </a:lnTo>
+                  <a:lnTo>
+                    <a:pt x="1658312" y="638528"/>
+                  </a:lnTo>
+                  <a:lnTo>
+                    <a:pt x="1658312" y="170746"/>
+                  </a:lnTo>
+                  <a:cubicBezTo>
+                    <a:pt x="1658312" y="125739"/>
+                    <a:pt x="1621826" y="89253"/>
+                    <a:pt x="1576820" y="89253"/>
+                  </a:cubicBezTo>
+                  <a:lnTo>
+                    <a:pt x="355504" y="89253"/>
+                  </a:lnTo>
+                  <a:cubicBezTo>
+                    <a:pt x="310498" y="89253"/>
+                    <a:pt x="274012" y="125739"/>
+                    <a:pt x="274012" y="170746"/>
+                  </a:cubicBezTo>
+                  <a:lnTo>
+                    <a:pt x="274012" y="638528"/>
+                  </a:lnTo>
+                  <a:lnTo>
+                    <a:pt x="0" y="638528"/>
+                  </a:lnTo>
+                  <a:lnTo>
+                    <a:pt x="2342" y="576275"/>
+                  </a:lnTo>
+                  <a:cubicBezTo>
+                    <a:pt x="23788" y="294655"/>
+                    <a:pt x="117012" y="71361"/>
+                    <a:pt x="236042" y="14228"/>
+                  </a:cubicBezTo>
+                  <a:lnTo>
+                    <a:pt x="262994" y="7855"/>
+                  </a:lnTo>
+                  <a:lnTo>
+                    <a:pt x="263896" y="6983"/>
+                  </a:lnTo>
+                  <a:cubicBezTo>
+                    <a:pt x="271312" y="2487"/>
+                    <a:pt x="279464" y="0"/>
+                    <a:pt x="288020" y="0"/>
+                  </a:cubicBezTo>
+                  <a:close/>
+                </a:path>
+              </a:pathLst>
+            </a:custGeom>
+            <a:solidFill>
+              <a:srgbClr val="404040"/>
+            </a:solidFill>
+            <a:ln w="19050">
+              <a:solidFill>
+                <a:schemeClr val="tx1"/>
+              </a:solidFill>
+            </a:ln>
+          </p:spPr>
+          <p:style>
+            <a:lnRef idx="2">
+              <a:schemeClr val="accent1">
+                <a:shade val="50000"/>
+              </a:schemeClr>
+            </a:lnRef>
+            <a:fillRef idx="1">
+              <a:schemeClr val="accent1"/>
+            </a:fillRef>
+            <a:effectRef idx="0">
+              <a:schemeClr val="accent1"/>
+            </a:effectRef>
+            <a:fontRef idx="minor">
+              <a:schemeClr val="lt1"/>
+            </a:fontRef>
+          </p:style>
+          <p:txBody>
+            <a:bodyPr rtlCol="0" anchor="ctr"/>
+            <a:lstStyle/>
+            <a:p>
+              <a:pPr algn="ctr"/>
+              <a:endParaRPr lang="en-CA" sz="4400" dirty="0">
+                <a:cs typeface="Arial" panose="020B0604020202020204" pitchFamily="34" charset="0"/>
+              </a:endParaRPr>
+            </a:p>
+          </p:txBody>
+        </p:sp>
+        <p:sp>
+          <p:nvSpPr>
+            <p:cNvPr id="299" name="Rectangle: Rounded Corners 298">
+              <a:extLst>
+                <a:ext uri="{FF2B5EF4-FFF2-40B4-BE49-F238E27FC236}">
+                  <a16:creationId xmlns:a16="http://schemas.microsoft.com/office/drawing/2014/main" id="{A008FEA5-A4BE-4D3E-2474-FA3858D323AF}"/>
+                </a:ext>
+              </a:extLst>
+            </p:cNvPr>
+            <p:cNvSpPr/>
+            <p:nvPr/>
+          </p:nvSpPr>
+          <p:spPr>
+            <a:xfrm>
+              <a:off x="6721932" y="3896329"/>
+              <a:ext cx="91534" cy="224068"/>
+            </a:xfrm>
+            <a:prstGeom prst="roundRect">
+              <a:avLst/>
+            </a:prstGeom>
+            <a:solidFill>
+              <a:schemeClr val="bg1">
+                <a:lumMod val="85000"/>
+              </a:schemeClr>
+            </a:solidFill>
+            <a:ln w="19050" cap="rnd">
+              <a:solidFill>
+                <a:schemeClr val="tx1"/>
+              </a:solidFill>
+              <a:round/>
+            </a:ln>
+          </p:spPr>
+          <p:style>
+            <a:lnRef idx="2">
+              <a:schemeClr val="accent1">
+                <a:shade val="50000"/>
+              </a:schemeClr>
+            </a:lnRef>
+            <a:fillRef idx="1">
+              <a:schemeClr val="accent1"/>
+            </a:fillRef>
+            <a:effectRef idx="0">
+              <a:schemeClr val="accent1"/>
+            </a:effectRef>
+            <a:fontRef idx="minor">
+              <a:schemeClr val="lt1"/>
+            </a:fontRef>
+          </p:style>
+          <p:txBody>
+            <a:bodyPr rot="0" spcFirstLastPara="0" vertOverflow="overflow" horzOverflow="overflow" vert="horz" wrap="square" lIns="0" tIns="0" rIns="0" bIns="0" numCol="1" spcCol="0" rtlCol="0" fromWordArt="0" anchor="ctr" anchorCtr="0" forceAA="0" compatLnSpc="1">
+              <a:prstTxWarp prst="textNoShape">
+                <a:avLst/>
+              </a:prstTxWarp>
+              <a:noAutofit/>
+            </a:bodyPr>
+            <a:lstStyle/>
+            <a:p>
+              <a:pPr algn="ctr"/>
+              <a:endParaRPr lang="en-CA" sz="800">
+                <a:cs typeface="Segoe UI" panose="020B0502040204020203" pitchFamily="34" charset="0"/>
+              </a:endParaRPr>
+            </a:p>
+          </p:txBody>
+        </p:sp>
+        <p:sp>
+          <p:nvSpPr>
+            <p:cNvPr id="300" name="Rectangle: Rounded Corners 299">
+              <a:extLst>
+                <a:ext uri="{FF2B5EF4-FFF2-40B4-BE49-F238E27FC236}">
+                  <a16:creationId xmlns:a16="http://schemas.microsoft.com/office/drawing/2014/main" id="{1035675A-B53A-EAD3-5957-41596B1873FD}"/>
+                </a:ext>
+              </a:extLst>
+            </p:cNvPr>
+            <p:cNvSpPr/>
+            <p:nvPr/>
+          </p:nvSpPr>
+          <p:spPr>
+            <a:xfrm>
+              <a:off x="6627060" y="4020282"/>
+              <a:ext cx="281277" cy="224068"/>
+            </a:xfrm>
+            <a:prstGeom prst="roundRect">
+              <a:avLst/>
+            </a:prstGeom>
+            <a:solidFill>
+              <a:schemeClr val="bg1">
+                <a:lumMod val="85000"/>
+              </a:schemeClr>
+            </a:solidFill>
+            <a:ln w="19050" cap="rnd">
+              <a:solidFill>
+                <a:schemeClr val="tx1"/>
+              </a:solidFill>
+              <a:round/>
+            </a:ln>
+          </p:spPr>
+          <p:style>
+            <a:lnRef idx="2">
+              <a:schemeClr val="accent1">
+                <a:shade val="50000"/>
+              </a:schemeClr>
+            </a:lnRef>
+            <a:fillRef idx="1">
+              <a:schemeClr val="accent1"/>
+            </a:fillRef>
+            <a:effectRef idx="0">
+              <a:schemeClr val="accent1"/>
+            </a:effectRef>
+            <a:fontRef idx="minor">
+              <a:schemeClr val="lt1"/>
+            </a:fontRef>
+          </p:style>
+          <p:txBody>
+            <a:bodyPr rot="0" spcFirstLastPara="0" vertOverflow="overflow" horzOverflow="overflow" vert="horz" wrap="square" lIns="0" tIns="0" rIns="0" bIns="0" numCol="1" spcCol="0" rtlCol="0" fromWordArt="0" anchor="ctr" anchorCtr="0" forceAA="0" compatLnSpc="1">
+              <a:prstTxWarp prst="textNoShape">
+                <a:avLst/>
+              </a:prstTxWarp>
+              <a:noAutofit/>
+            </a:bodyPr>
+            <a:lstStyle/>
+            <a:p>
+              <a:pPr algn="ctr"/>
+              <a:endParaRPr lang="en-CA" sz="800">
+                <a:cs typeface="Segoe UI" panose="020B0502040204020203" pitchFamily="34" charset="0"/>
+              </a:endParaRPr>
+            </a:p>
+          </p:txBody>
+        </p:sp>
+        <p:sp>
+          <p:nvSpPr>
+            <p:cNvPr id="302" name="Rectangle: Rounded Corners 301">
+              <a:extLst>
+                <a:ext uri="{FF2B5EF4-FFF2-40B4-BE49-F238E27FC236}">
+                  <a16:creationId xmlns:a16="http://schemas.microsoft.com/office/drawing/2014/main" id="{41BD4553-0D04-AF46-56A8-702BA3934908}"/>
+                </a:ext>
+              </a:extLst>
+            </p:cNvPr>
+            <p:cNvSpPr/>
+            <p:nvPr/>
+          </p:nvSpPr>
+          <p:spPr>
+            <a:xfrm>
+              <a:off x="6469735" y="4149879"/>
+              <a:ext cx="1336678" cy="679779"/>
+            </a:xfrm>
+            <a:prstGeom prst="roundRect">
+              <a:avLst>
+                <a:gd name="adj" fmla="val 6849"/>
+              </a:avLst>
+            </a:prstGeom>
+            <a:solidFill>
+              <a:srgbClr val="FF0000"/>
+            </a:solidFill>
+            <a:ln w="19050" cap="rnd">
+              <a:solidFill>
+                <a:schemeClr val="tx1"/>
+              </a:solidFill>
+              <a:round/>
+            </a:ln>
+          </p:spPr>
+          <p:style>
+            <a:lnRef idx="2">
+              <a:schemeClr val="accent1">
+                <a:shade val="50000"/>
+              </a:schemeClr>
+            </a:lnRef>
+            <a:fillRef idx="1">
+              <a:schemeClr val="accent1"/>
+            </a:fillRef>
+            <a:effectRef idx="0">
+              <a:schemeClr val="accent1"/>
+            </a:effectRef>
+            <a:fontRef idx="minor">
+              <a:schemeClr val="lt1"/>
+            </a:fontRef>
+          </p:style>
+          <p:txBody>
+            <a:bodyPr rot="0" spcFirstLastPara="0" vertOverflow="overflow" horzOverflow="overflow" vert="horz" wrap="square" lIns="0" tIns="0" rIns="0" bIns="0" numCol="1" spcCol="0" rtlCol="0" fromWordArt="0" anchor="ctr" anchorCtr="0" forceAA="0" compatLnSpc="1">
+              <a:prstTxWarp prst="textNoShape">
+                <a:avLst/>
+              </a:prstTxWarp>
+              <a:noAutofit/>
+            </a:bodyPr>
+            <a:lstStyle/>
+            <a:p>
+              <a:pPr algn="ctr"/>
+              <a:endParaRPr lang="en-CA" sz="800" dirty="0">
+                <a:cs typeface="Segoe UI" panose="020B0502040204020203" pitchFamily="34" charset="0"/>
+              </a:endParaRPr>
+            </a:p>
+          </p:txBody>
+        </p:sp>
+        <p:sp>
+          <p:nvSpPr>
+            <p:cNvPr id="53" name="Freeform: Shape 52">
+              <a:extLst>
+                <a:ext uri="{FF2B5EF4-FFF2-40B4-BE49-F238E27FC236}">
+                  <a16:creationId xmlns:a16="http://schemas.microsoft.com/office/drawing/2014/main" id="{EF16B2B4-A6A0-D8AF-D1D5-EA4955CEAA1F}"/>
+                </a:ext>
+              </a:extLst>
+            </p:cNvPr>
+            <p:cNvSpPr/>
+            <p:nvPr/>
+          </p:nvSpPr>
+          <p:spPr>
+            <a:xfrm>
+              <a:off x="6507806" y="4186399"/>
+              <a:ext cx="1260536" cy="643259"/>
+            </a:xfrm>
+            <a:custGeom>
+              <a:avLst/>
+              <a:gdLst>
+                <a:gd name="connsiteX0" fmla="*/ 27619 w 1260536"/>
+                <a:gd name="connsiteY0" fmla="*/ 0 h 643259"/>
+                <a:gd name="connsiteX1" fmla="*/ 1232917 w 1260536"/>
+                <a:gd name="connsiteY1" fmla="*/ 0 h 643259"/>
+                <a:gd name="connsiteX2" fmla="*/ 1260536 w 1260536"/>
+                <a:gd name="connsiteY2" fmla="*/ 27619 h 643259"/>
+                <a:gd name="connsiteX3" fmla="*/ 1260536 w 1260536"/>
+                <a:gd name="connsiteY3" fmla="*/ 641546 h 643259"/>
+                <a:gd name="connsiteX4" fmla="*/ 1252049 w 1260536"/>
+                <a:gd name="connsiteY4" fmla="*/ 643259 h 643259"/>
+                <a:gd name="connsiteX5" fmla="*/ 8487 w 1260536"/>
+                <a:gd name="connsiteY5" fmla="*/ 643259 h 643259"/>
+                <a:gd name="connsiteX6" fmla="*/ 0 w 1260536"/>
+                <a:gd name="connsiteY6" fmla="*/ 641546 h 643259"/>
+                <a:gd name="connsiteX7" fmla="*/ 0 w 1260536"/>
+                <a:gd name="connsiteY7" fmla="*/ 27619 h 643259"/>
+                <a:gd name="connsiteX8" fmla="*/ 27619 w 1260536"/>
+                <a:gd name="connsiteY8" fmla="*/ 0 h 643259"/>
+              </a:gdLst>
+              <a:ahLst/>
+              <a:cxnLst>
+                <a:cxn ang="0">
+                  <a:pos x="connsiteX0" y="connsiteY0"/>
+                </a:cxn>
+                <a:cxn ang="0">
+                  <a:pos x="connsiteX1" y="connsiteY1"/>
+                </a:cxn>
+                <a:cxn ang="0">
+                  <a:pos x="connsiteX2" y="connsiteY2"/>
+                </a:cxn>
+                <a:cxn ang="0">
+                  <a:pos x="connsiteX3" y="connsiteY3"/>
+                </a:cxn>
+                <a:cxn ang="0">
+                  <a:pos x="connsiteX4" y="connsiteY4"/>
+                </a:cxn>
+                <a:cxn ang="0">
+                  <a:pos x="connsiteX5" y="connsiteY5"/>
+                </a:cxn>
+                <a:cxn ang="0">
+                  <a:pos x="connsiteX6" y="connsiteY6"/>
+                </a:cxn>
+                <a:cxn ang="0">
+                  <a:pos x="connsiteX7" y="connsiteY7"/>
+                </a:cxn>
+                <a:cxn ang="0">
+                  <a:pos x="connsiteX8" y="connsiteY8"/>
+                </a:cxn>
+              </a:cxnLst>
+              <a:rect l="l" t="t" r="r" b="b"/>
+              <a:pathLst>
+                <a:path w="1260536" h="643259">
+                  <a:moveTo>
+                    <a:pt x="27619" y="0"/>
+                  </a:moveTo>
+                  <a:lnTo>
+                    <a:pt x="1232917" y="0"/>
+                  </a:lnTo>
+                  <a:cubicBezTo>
+                    <a:pt x="1248171" y="0"/>
+                    <a:pt x="1260536" y="12365"/>
+                    <a:pt x="1260536" y="27619"/>
+                  </a:cubicBezTo>
+                  <a:lnTo>
+                    <a:pt x="1260536" y="641546"/>
+                  </a:lnTo>
+                  <a:lnTo>
+                    <a:pt x="1252049" y="643259"/>
+                  </a:lnTo>
+                  <a:lnTo>
+                    <a:pt x="8487" y="643259"/>
+                  </a:lnTo>
+                  <a:lnTo>
+                    <a:pt x="0" y="641546"/>
+                  </a:lnTo>
+                  <a:lnTo>
+                    <a:pt x="0" y="27619"/>
+                  </a:lnTo>
+                  <a:cubicBezTo>
+                    <a:pt x="0" y="12365"/>
+                    <a:pt x="12365" y="0"/>
+                    <a:pt x="27619" y="0"/>
+                  </a:cubicBezTo>
+                  <a:close/>
+                </a:path>
+              </a:pathLst>
+            </a:custGeom>
+            <a:solidFill>
+              <a:srgbClr val="404040"/>
+            </a:solidFill>
+            <a:ln w="19050" cap="rnd">
+              <a:solidFill>
+                <a:schemeClr val="tx1"/>
+              </a:solidFill>
+              <a:round/>
+            </a:ln>
+          </p:spPr>
+          <p:style>
+            <a:lnRef idx="2">
+              <a:schemeClr val="accent1">
+                <a:shade val="50000"/>
+              </a:schemeClr>
+            </a:lnRef>
+            <a:fillRef idx="1">
+              <a:schemeClr val="accent1"/>
+            </a:fillRef>
+            <a:effectRef idx="0">
+              <a:schemeClr val="accent1"/>
+            </a:effectRef>
+            <a:fontRef idx="minor">
+              <a:schemeClr val="lt1"/>
+            </a:fontRef>
+          </p:style>
+          <p:txBody>
+            <a:bodyPr rot="0" spcFirstLastPara="0" vertOverflow="overflow" horzOverflow="overflow" vert="horz" wrap="square" lIns="0" tIns="0" rIns="0" bIns="0" numCol="1" spcCol="0" rtlCol="0" fromWordArt="0" anchor="ctr" anchorCtr="0" forceAA="0" compatLnSpc="1">
+              <a:prstTxWarp prst="textNoShape">
+                <a:avLst/>
+              </a:prstTxWarp>
+              <a:noAutofit/>
+            </a:bodyPr>
+            <a:lstStyle/>
+            <a:p>
+              <a:pPr algn="ctr"/>
+              <a:endParaRPr lang="en-CA" sz="800" dirty="0">
+                <a:cs typeface="Segoe UI" panose="020B0502040204020203" pitchFamily="34" charset="0"/>
+              </a:endParaRPr>
+            </a:p>
+          </p:txBody>
+        </p:sp>
+        <p:grpSp>
+          <p:nvGrpSpPr>
+            <p:cNvPr id="303" name="Group 302">
+              <a:extLst>
+                <a:ext uri="{FF2B5EF4-FFF2-40B4-BE49-F238E27FC236}">
+                  <a16:creationId xmlns:a16="http://schemas.microsoft.com/office/drawing/2014/main" id="{403C2A3A-0F69-DC94-B001-314451FA9F4B}"/>
+                </a:ext>
+              </a:extLst>
+            </p:cNvPr>
+            <p:cNvGrpSpPr/>
+            <p:nvPr/>
+          </p:nvGrpSpPr>
+          <p:grpSpPr>
+            <a:xfrm>
+              <a:off x="7587688" y="4245455"/>
+              <a:ext cx="128722" cy="114007"/>
+              <a:chOff x="4064793" y="2762251"/>
+              <a:chExt cx="83346" cy="73818"/>
+            </a:xfrm>
+          </p:grpSpPr>
+          <p:sp>
+            <p:nvSpPr>
+              <p:cNvPr id="308" name="Hexagon 307">
+                <a:extLst>
+                  <a:ext uri="{FF2B5EF4-FFF2-40B4-BE49-F238E27FC236}">
+                    <a16:creationId xmlns:a16="http://schemas.microsoft.com/office/drawing/2014/main" id="{784359C5-C938-D8B5-4533-41D64099782B}"/>
+                  </a:ext>
+                </a:extLst>
+              </p:cNvPr>
+              <p:cNvSpPr/>
+              <p:nvPr/>
+            </p:nvSpPr>
+            <p:spPr>
+              <a:xfrm>
+                <a:off x="4064793" y="2762251"/>
+                <a:ext cx="83346" cy="73818"/>
+              </a:xfrm>
+              <a:prstGeom prst="hexagon">
+                <a:avLst/>
+              </a:prstGeom>
+              <a:solidFill>
+                <a:srgbClr val="D9D9D9"/>
+              </a:solidFill>
+              <a:ln w="19050" cap="flat">
+                <a:solidFill>
+                  <a:schemeClr val="tx1"/>
+                </a:solidFill>
+                <a:prstDash val="solid"/>
+                <a:round/>
+              </a:ln>
+            </p:spPr>
+            <p:txBody>
+              <a:bodyPr lIns="0" tIns="0" rIns="0" bIns="0" rtlCol="0" anchor="ctr"/>
+              <a:lstStyle/>
+              <a:p>
+                <a:endParaRPr lang="en-CA" sz="800">
+                  <a:solidFill>
+                    <a:schemeClr val="tx1"/>
+                  </a:solidFill>
+                </a:endParaRPr>
+              </a:p>
+            </p:txBody>
+          </p:sp>
+          <p:sp>
+            <p:nvSpPr>
+              <p:cNvPr id="309" name="Oval 308">
+                <a:extLst>
+                  <a:ext uri="{FF2B5EF4-FFF2-40B4-BE49-F238E27FC236}">
+                    <a16:creationId xmlns:a16="http://schemas.microsoft.com/office/drawing/2014/main" id="{085FA3A1-8335-D2B9-95B2-CC1FFEA1B49C}"/>
+                  </a:ext>
+                </a:extLst>
+              </p:cNvPr>
+              <p:cNvSpPr/>
+              <p:nvPr/>
+            </p:nvSpPr>
+            <p:spPr>
+              <a:xfrm>
+                <a:off x="4088012" y="2780708"/>
+                <a:ext cx="36906" cy="36905"/>
+              </a:xfrm>
+              <a:prstGeom prst="ellipse">
+                <a:avLst/>
+              </a:prstGeom>
+              <a:solidFill>
+                <a:schemeClr val="tx1">
+                  <a:lumMod val="85000"/>
+                  <a:lumOff val="15000"/>
+                </a:schemeClr>
+              </a:solidFill>
+              <a:ln w="19050" cap="flat">
+                <a:solidFill>
+                  <a:schemeClr val="tx1"/>
+                </a:solidFill>
+                <a:prstDash val="solid"/>
+                <a:round/>
+              </a:ln>
+            </p:spPr>
+            <p:txBody>
+              <a:bodyPr lIns="0" tIns="0" rIns="0" bIns="0" rtlCol="0" anchor="ctr"/>
+              <a:lstStyle/>
+              <a:p>
+                <a:endParaRPr lang="en-CA" sz="800" dirty="0">
+                  <a:solidFill>
+                    <a:schemeClr val="tx1"/>
+                  </a:solidFill>
+                </a:endParaRPr>
+              </a:p>
+            </p:txBody>
+          </p:sp>
+        </p:grpSp>
+        <p:sp>
+          <p:nvSpPr>
+            <p:cNvPr id="304" name="Isosceles Triangle 303">
+              <a:extLst>
+                <a:ext uri="{FF2B5EF4-FFF2-40B4-BE49-F238E27FC236}">
+                  <a16:creationId xmlns:a16="http://schemas.microsoft.com/office/drawing/2014/main" id="{D2DA740D-342B-6239-06BE-D6B621D92645}"/>
+                </a:ext>
+              </a:extLst>
+            </p:cNvPr>
+            <p:cNvSpPr/>
+            <p:nvPr/>
+          </p:nvSpPr>
+          <p:spPr>
+            <a:xfrm>
+              <a:off x="7396993" y="4245045"/>
+              <a:ext cx="127195" cy="109651"/>
+            </a:xfrm>
+            <a:prstGeom prst="triangle">
+              <a:avLst/>
+            </a:prstGeom>
+            <a:solidFill>
+              <a:srgbClr val="FF0000"/>
+            </a:solidFill>
+            <a:ln w="19050" cap="flat">
+              <a:solidFill>
+                <a:schemeClr val="tx1"/>
+              </a:solidFill>
+              <a:prstDash val="solid"/>
+              <a:round/>
+            </a:ln>
+          </p:spPr>
+          <p:txBody>
+            <a:bodyPr lIns="0" tIns="0" rIns="0" bIns="0" rtlCol="0" anchor="ctr"/>
+            <a:lstStyle/>
+            <a:p>
+              <a:endParaRPr lang="en-CA" sz="800">
+                <a:solidFill>
+                  <a:schemeClr val="tx1"/>
+                </a:solidFill>
+              </a:endParaRPr>
+            </a:p>
+          </p:txBody>
+        </p:sp>
+        <p:grpSp>
+          <p:nvGrpSpPr>
+            <p:cNvPr id="305" name="Group 304">
+              <a:extLst>
+                <a:ext uri="{FF2B5EF4-FFF2-40B4-BE49-F238E27FC236}">
+                  <a16:creationId xmlns:a16="http://schemas.microsoft.com/office/drawing/2014/main" id="{8BCE9B99-1D14-B83B-E28E-51034C813261}"/>
+                </a:ext>
+              </a:extLst>
+            </p:cNvPr>
+            <p:cNvGrpSpPr/>
+            <p:nvPr/>
+          </p:nvGrpSpPr>
+          <p:grpSpPr>
+            <a:xfrm>
+              <a:off x="6669965" y="4244350"/>
+              <a:ext cx="195469" cy="324183"/>
+              <a:chOff x="3633786" y="2743628"/>
+              <a:chExt cx="97634" cy="161925"/>
+            </a:xfrm>
+          </p:grpSpPr>
+          <p:sp>
+            <p:nvSpPr>
+              <p:cNvPr id="306" name="Rectangle: Rounded Corners 305">
+                <a:extLst>
+                  <a:ext uri="{FF2B5EF4-FFF2-40B4-BE49-F238E27FC236}">
+                    <a16:creationId xmlns:a16="http://schemas.microsoft.com/office/drawing/2014/main" id="{482002E8-5138-E739-8007-1119B5B534B5}"/>
+                  </a:ext>
+                </a:extLst>
+              </p:cNvPr>
+              <p:cNvSpPr/>
+              <p:nvPr/>
+            </p:nvSpPr>
+            <p:spPr>
+              <a:xfrm>
+                <a:off x="3633786" y="2743628"/>
+                <a:ext cx="97634" cy="161925"/>
+              </a:xfrm>
+              <a:prstGeom prst="roundRect">
+                <a:avLst/>
+              </a:prstGeom>
+              <a:solidFill>
+                <a:schemeClr val="bg1">
+                  <a:lumMod val="95000"/>
+                </a:schemeClr>
+              </a:solidFill>
+              <a:ln w="19050" cap="flat">
+                <a:solidFill>
+                  <a:schemeClr val="tx1"/>
+                </a:solidFill>
+                <a:prstDash val="solid"/>
+                <a:round/>
+              </a:ln>
+            </p:spPr>
+            <p:txBody>
+              <a:bodyPr lIns="0" tIns="0" rIns="0" bIns="0" rtlCol="0" anchor="ctr"/>
+              <a:lstStyle/>
+              <a:p>
+                <a:endParaRPr lang="en-CA" sz="800">
+                  <a:solidFill>
+                    <a:schemeClr val="tx1"/>
+                  </a:solidFill>
+                </a:endParaRPr>
+              </a:p>
+            </p:txBody>
+          </p:sp>
+          <p:sp>
+            <p:nvSpPr>
+              <p:cNvPr id="307" name="Freeform: Shape 306">
+                <a:extLst>
+                  <a:ext uri="{FF2B5EF4-FFF2-40B4-BE49-F238E27FC236}">
+                    <a16:creationId xmlns:a16="http://schemas.microsoft.com/office/drawing/2014/main" id="{BD162115-1EA2-C3BF-B17D-B036A6E287DC}"/>
+                  </a:ext>
+                </a:extLst>
+              </p:cNvPr>
+              <p:cNvSpPr/>
+              <p:nvPr/>
+            </p:nvSpPr>
+            <p:spPr>
+              <a:xfrm>
+                <a:off x="3655607" y="2743628"/>
+                <a:ext cx="53993" cy="161925"/>
+              </a:xfrm>
+              <a:custGeom>
+                <a:avLst/>
+                <a:gdLst>
+                  <a:gd name="connsiteX0" fmla="*/ 10839 w 53993"/>
+                  <a:gd name="connsiteY0" fmla="*/ 0 h 161925"/>
+                  <a:gd name="connsiteX1" fmla="*/ 43155 w 53993"/>
+                  <a:gd name="connsiteY1" fmla="*/ 0 h 161925"/>
+                  <a:gd name="connsiteX2" fmla="*/ 44946 w 53993"/>
+                  <a:gd name="connsiteY2" fmla="*/ 6567 h 161925"/>
+                  <a:gd name="connsiteX3" fmla="*/ 53874 w 53993"/>
+                  <a:gd name="connsiteY3" fmla="*/ 51959 h 161925"/>
+                  <a:gd name="connsiteX4" fmla="*/ 43005 w 53993"/>
+                  <a:gd name="connsiteY4" fmla="*/ 135303 h 161925"/>
+                  <a:gd name="connsiteX5" fmla="*/ 41798 w 53993"/>
+                  <a:gd name="connsiteY5" fmla="*/ 161925 h 161925"/>
+                  <a:gd name="connsiteX6" fmla="*/ 12196 w 53993"/>
+                  <a:gd name="connsiteY6" fmla="*/ 161925 h 161925"/>
+                  <a:gd name="connsiteX7" fmla="*/ 10990 w 53993"/>
+                  <a:gd name="connsiteY7" fmla="*/ 135303 h 161925"/>
+                  <a:gd name="connsiteX8" fmla="*/ 120 w 53993"/>
+                  <a:gd name="connsiteY8" fmla="*/ 51959 h 161925"/>
+                  <a:gd name="connsiteX9" fmla="*/ 9048 w 53993"/>
+                  <a:gd name="connsiteY9" fmla="*/ 6567 h 161925"/>
+                </a:gdLst>
+                <a:ahLst/>
+                <a:cxnLst>
+                  <a:cxn ang="0">
+                    <a:pos x="connsiteX0" y="connsiteY0"/>
+                  </a:cxn>
+                  <a:cxn ang="0">
+                    <a:pos x="connsiteX1" y="connsiteY1"/>
+                  </a:cxn>
+                  <a:cxn ang="0">
+                    <a:pos x="connsiteX2" y="connsiteY2"/>
+                  </a:cxn>
+                  <a:cxn ang="0">
+                    <a:pos x="connsiteX3" y="connsiteY3"/>
+                  </a:cxn>
+                  <a:cxn ang="0">
+                    <a:pos x="connsiteX4" y="connsiteY4"/>
+                  </a:cxn>
+                  <a:cxn ang="0">
+                    <a:pos x="connsiteX5" y="connsiteY5"/>
+                  </a:cxn>
+                  <a:cxn ang="0">
+                    <a:pos x="connsiteX6" y="connsiteY6"/>
+                  </a:cxn>
+                  <a:cxn ang="0">
+                    <a:pos x="connsiteX7" y="connsiteY7"/>
+                  </a:cxn>
+                  <a:cxn ang="0">
+                    <a:pos x="connsiteX8" y="connsiteY8"/>
+                  </a:cxn>
+                  <a:cxn ang="0">
+                    <a:pos x="connsiteX9" y="connsiteY9"/>
+                  </a:cxn>
+                </a:cxnLst>
+                <a:rect l="l" t="t" r="r" b="b"/>
+                <a:pathLst>
+                  <a:path w="53993" h="161925">
+                    <a:moveTo>
+                      <a:pt x="10839" y="0"/>
+                    </a:moveTo>
+                    <a:lnTo>
+                      <a:pt x="43155" y="0"/>
+                    </a:lnTo>
+                    <a:lnTo>
+                      <a:pt x="44946" y="6567"/>
+                    </a:lnTo>
+                    <a:cubicBezTo>
+                      <a:pt x="49152" y="21598"/>
+                      <a:pt x="53227" y="38267"/>
+                      <a:pt x="53874" y="51959"/>
+                    </a:cubicBezTo>
+                    <a:cubicBezTo>
+                      <a:pt x="55168" y="79343"/>
+                      <a:pt x="45593" y="99981"/>
+                      <a:pt x="43005" y="135303"/>
+                    </a:cubicBezTo>
+                    <a:lnTo>
+                      <a:pt x="41798" y="161925"/>
+                    </a:lnTo>
+                    <a:lnTo>
+                      <a:pt x="12196" y="161925"/>
+                    </a:lnTo>
+                    <a:lnTo>
+                      <a:pt x="10990" y="135303"/>
+                    </a:lnTo>
+                    <a:cubicBezTo>
+                      <a:pt x="8401" y="99981"/>
+                      <a:pt x="-1174" y="79343"/>
+                      <a:pt x="120" y="51959"/>
+                    </a:cubicBezTo>
+                    <a:cubicBezTo>
+                      <a:pt x="767" y="38267"/>
+                      <a:pt x="4843" y="21598"/>
+                      <a:pt x="9048" y="6567"/>
+                    </a:cubicBezTo>
+                    <a:close/>
+                  </a:path>
+                </a:pathLst>
+              </a:custGeom>
+              <a:gradFill>
+                <a:gsLst>
+                  <a:gs pos="0">
+                    <a:schemeClr val="accent4"/>
+                  </a:gs>
+                  <a:gs pos="49000">
+                    <a:schemeClr val="accent4">
+                      <a:lumMod val="40000"/>
+                      <a:lumOff val="60000"/>
+                    </a:schemeClr>
+                  </a:gs>
+                  <a:gs pos="22000">
+                    <a:schemeClr val="accent4">
+                      <a:lumMod val="40000"/>
+                      <a:lumOff val="60000"/>
+                    </a:schemeClr>
+                  </a:gs>
+                  <a:gs pos="80000">
+                    <a:srgbClr val="FFC000"/>
+                  </a:gs>
+                  <a:gs pos="98851">
+                    <a:srgbClr val="C00000"/>
+                  </a:gs>
+                  <a:gs pos="91000">
+                    <a:schemeClr val="accent2"/>
+                  </a:gs>
+                </a:gsLst>
+                <a:lin ang="5400000" scaled="0"/>
+              </a:gradFill>
+              <a:ln w="19050" cap="flat">
+                <a:solidFill>
+                  <a:schemeClr val="tx1"/>
+                </a:solidFill>
+                <a:prstDash val="solid"/>
+                <a:round/>
+              </a:ln>
+            </p:spPr>
+            <p:txBody>
+              <a:bodyPr wrap="square" lIns="0" tIns="0" rIns="0" bIns="0" rtlCol="0" anchor="ctr">
+                <a:noAutofit/>
+              </a:bodyPr>
+              <a:lstStyle/>
+              <a:p>
+                <a:endParaRPr lang="en-CA" sz="800" dirty="0">
+                  <a:solidFill>
+                    <a:schemeClr val="tx1"/>
+                  </a:solidFill>
+                </a:endParaRPr>
+              </a:p>
+            </p:txBody>
+          </p:sp>
+        </p:grpSp>
+        <p:grpSp>
+          <p:nvGrpSpPr>
+            <p:cNvPr id="470" name="Group 469">
+              <a:extLst>
+                <a:ext uri="{FF2B5EF4-FFF2-40B4-BE49-F238E27FC236}">
+                  <a16:creationId xmlns:a16="http://schemas.microsoft.com/office/drawing/2014/main" id="{5BEE1F56-2D29-5F90-C04A-FB24D691D16E}"/>
+                </a:ext>
+              </a:extLst>
+            </p:cNvPr>
+            <p:cNvGrpSpPr/>
+            <p:nvPr/>
+          </p:nvGrpSpPr>
+          <p:grpSpPr>
+            <a:xfrm>
+              <a:off x="7433614" y="4632048"/>
+              <a:ext cx="218433" cy="95997"/>
+              <a:chOff x="7414374" y="4640045"/>
+              <a:chExt cx="267725" cy="117660"/>
+            </a:xfrm>
+          </p:grpSpPr>
+          <p:sp>
+            <p:nvSpPr>
+              <p:cNvPr id="466" name="Rectangle: Rounded Corners 465">
+                <a:extLst>
+                  <a:ext uri="{FF2B5EF4-FFF2-40B4-BE49-F238E27FC236}">
+                    <a16:creationId xmlns:a16="http://schemas.microsoft.com/office/drawing/2014/main" id="{FEFDECF8-B1A1-64BA-FFC2-92C6B1DA878D}"/>
+                  </a:ext>
+                </a:extLst>
+              </p:cNvPr>
+              <p:cNvSpPr/>
+              <p:nvPr/>
+            </p:nvSpPr>
+            <p:spPr>
+              <a:xfrm>
+                <a:off x="7494321" y="4711985"/>
+                <a:ext cx="187778" cy="45719"/>
+              </a:xfrm>
+              <a:prstGeom prst="roundRect">
+                <a:avLst/>
+              </a:prstGeom>
+              <a:solidFill>
+                <a:schemeClr val="bg1"/>
+              </a:solidFill>
+              <a:ln w="19050">
+                <a:solidFill>
+                  <a:schemeClr val="tx1"/>
+                </a:solidFill>
+              </a:ln>
+            </p:spPr>
+            <p:style>
+              <a:lnRef idx="2">
+                <a:schemeClr val="accent1">
+                  <a:shade val="50000"/>
+                </a:schemeClr>
+              </a:lnRef>
+              <a:fillRef idx="1">
+                <a:schemeClr val="accent1"/>
+              </a:fillRef>
+              <a:effectRef idx="0">
+                <a:schemeClr val="accent1"/>
+              </a:effectRef>
+              <a:fontRef idx="minor">
+                <a:schemeClr val="lt1"/>
+              </a:fontRef>
+            </p:style>
+            <p:txBody>
+              <a:bodyPr rtlCol="0" anchor="ctr"/>
+              <a:lstStyle/>
+              <a:p>
+                <a:pPr algn="ctr"/>
+                <a:endParaRPr lang="en-CA"/>
+              </a:p>
+            </p:txBody>
+          </p:sp>
+          <p:sp>
+            <p:nvSpPr>
+              <p:cNvPr id="469" name="Freeform: Shape 468">
+                <a:extLst>
+                  <a:ext uri="{FF2B5EF4-FFF2-40B4-BE49-F238E27FC236}">
+                    <a16:creationId xmlns:a16="http://schemas.microsoft.com/office/drawing/2014/main" id="{094C9259-732E-3865-9E64-A1175A689025}"/>
+                  </a:ext>
+                </a:extLst>
+              </p:cNvPr>
+              <p:cNvSpPr/>
+              <p:nvPr/>
+            </p:nvSpPr>
+            <p:spPr>
+              <a:xfrm>
+                <a:off x="7414374" y="4640045"/>
+                <a:ext cx="267725" cy="117660"/>
+              </a:xfrm>
+              <a:custGeom>
+                <a:avLst/>
+                <a:gdLst>
+                  <a:gd name="connsiteX0" fmla="*/ 7620 w 267725"/>
+                  <a:gd name="connsiteY0" fmla="*/ 0 h 117660"/>
+                  <a:gd name="connsiteX1" fmla="*/ 260105 w 267725"/>
+                  <a:gd name="connsiteY1" fmla="*/ 0 h 117660"/>
+                  <a:gd name="connsiteX2" fmla="*/ 267725 w 267725"/>
+                  <a:gd name="connsiteY2" fmla="*/ 7620 h 117660"/>
+                  <a:gd name="connsiteX3" fmla="*/ 267725 w 267725"/>
+                  <a:gd name="connsiteY3" fmla="*/ 38099 h 117660"/>
+                  <a:gd name="connsiteX4" fmla="*/ 260105 w 267725"/>
+                  <a:gd name="connsiteY4" fmla="*/ 45719 h 117660"/>
+                  <a:gd name="connsiteX5" fmla="*/ 51109 w 267725"/>
+                  <a:gd name="connsiteY5" fmla="*/ 45719 h 117660"/>
+                  <a:gd name="connsiteX6" fmla="*/ 51109 w 267725"/>
+                  <a:gd name="connsiteY6" fmla="*/ 109142 h 117660"/>
+                  <a:gd name="connsiteX7" fmla="*/ 42591 w 267725"/>
+                  <a:gd name="connsiteY7" fmla="*/ 117660 h 117660"/>
+                  <a:gd name="connsiteX8" fmla="*/ 8518 w 267725"/>
+                  <a:gd name="connsiteY8" fmla="*/ 117660 h 117660"/>
+                  <a:gd name="connsiteX9" fmla="*/ 0 w 267725"/>
+                  <a:gd name="connsiteY9" fmla="*/ 109142 h 117660"/>
+                  <a:gd name="connsiteX10" fmla="*/ 0 w 267725"/>
+                  <a:gd name="connsiteY10" fmla="*/ 38099 h 117660"/>
+                  <a:gd name="connsiteX11" fmla="*/ 0 w 267725"/>
+                  <a:gd name="connsiteY11" fmla="*/ 33612 h 117660"/>
+                  <a:gd name="connsiteX12" fmla="*/ 0 w 267725"/>
+                  <a:gd name="connsiteY12" fmla="*/ 7620 h 117660"/>
+                  <a:gd name="connsiteX13" fmla="*/ 7620 w 267725"/>
+                  <a:gd name="connsiteY13" fmla="*/ 0 h 117660"/>
+                </a:gdLst>
+                <a:ahLst/>
+                <a:cxnLst>
+                  <a:cxn ang="0">
+                    <a:pos x="connsiteX0" y="connsiteY0"/>
+                  </a:cxn>
+                  <a:cxn ang="0">
+                    <a:pos x="connsiteX1" y="connsiteY1"/>
+                  </a:cxn>
+                  <a:cxn ang="0">
+                    <a:pos x="connsiteX2" y="connsiteY2"/>
+                  </a:cxn>
+                  <a:cxn ang="0">
+                    <a:pos x="connsiteX3" y="connsiteY3"/>
+                  </a:cxn>
+                  <a:cxn ang="0">
+                    <a:pos x="connsiteX4" y="connsiteY4"/>
+                  </a:cxn>
+                  <a:cxn ang="0">
+                    <a:pos x="connsiteX5" y="connsiteY5"/>
+                  </a:cxn>
+                  <a:cxn ang="0">
+                    <a:pos x="connsiteX6" y="connsiteY6"/>
+                  </a:cxn>
+                  <a:cxn ang="0">
+                    <a:pos x="connsiteX7" y="connsiteY7"/>
+                  </a:cxn>
+                  <a:cxn ang="0">
+                    <a:pos x="connsiteX8" y="connsiteY8"/>
+                  </a:cxn>
+                  <a:cxn ang="0">
+                    <a:pos x="connsiteX9" y="connsiteY9"/>
+                  </a:cxn>
+                  <a:cxn ang="0">
+                    <a:pos x="connsiteX10" y="connsiteY10"/>
+                  </a:cxn>
+                  <a:cxn ang="0">
+                    <a:pos x="connsiteX11" y="connsiteY11"/>
+                  </a:cxn>
+                  <a:cxn ang="0">
+                    <a:pos x="connsiteX12" y="connsiteY12"/>
+                  </a:cxn>
+                  <a:cxn ang="0">
+                    <a:pos x="connsiteX13" y="connsiteY13"/>
+                  </a:cxn>
+                </a:cxnLst>
+                <a:rect l="l" t="t" r="r" b="b"/>
+                <a:pathLst>
+                  <a:path w="267725" h="117660">
+                    <a:moveTo>
+                      <a:pt x="7620" y="0"/>
+                    </a:moveTo>
+                    <a:lnTo>
+                      <a:pt x="260105" y="0"/>
+                    </a:lnTo>
+                    <a:cubicBezTo>
+                      <a:pt x="264313" y="0"/>
+                      <a:pt x="267725" y="3412"/>
+                      <a:pt x="267725" y="7620"/>
+                    </a:cubicBezTo>
+                    <a:lnTo>
+                      <a:pt x="267725" y="38099"/>
+                    </a:lnTo>
+                    <a:cubicBezTo>
+                      <a:pt x="267725" y="42307"/>
+                      <a:pt x="264313" y="45719"/>
+                      <a:pt x="260105" y="45719"/>
+                    </a:cubicBezTo>
+                    <a:lnTo>
+                      <a:pt x="51109" y="45719"/>
+                    </a:lnTo>
+                    <a:lnTo>
+                      <a:pt x="51109" y="109142"/>
+                    </a:lnTo>
+                    <a:cubicBezTo>
+                      <a:pt x="51109" y="113846"/>
+                      <a:pt x="47295" y="117660"/>
+                      <a:pt x="42591" y="117660"/>
+                    </a:cubicBezTo>
+                    <a:lnTo>
+                      <a:pt x="8518" y="117660"/>
+                    </a:lnTo>
+                    <a:cubicBezTo>
+                      <a:pt x="3814" y="117660"/>
+                      <a:pt x="0" y="113846"/>
+                      <a:pt x="0" y="109142"/>
+                    </a:cubicBezTo>
+                    <a:lnTo>
+                      <a:pt x="0" y="38099"/>
+                    </a:lnTo>
+                    <a:lnTo>
+                      <a:pt x="0" y="33612"/>
+                    </a:lnTo>
+                    <a:lnTo>
+                      <a:pt x="0" y="7620"/>
+                    </a:lnTo>
+                    <a:cubicBezTo>
+                      <a:pt x="0" y="3412"/>
+                      <a:pt x="3412" y="0"/>
+                      <a:pt x="7620" y="0"/>
+                    </a:cubicBezTo>
+                    <a:close/>
+                  </a:path>
+                </a:pathLst>
+              </a:custGeom>
+              <a:solidFill>
+                <a:srgbClr val="CF3131"/>
+              </a:solidFill>
+              <a:ln w="19050">
+                <a:solidFill>
+                  <a:schemeClr val="tx1"/>
+                </a:solidFill>
+              </a:ln>
+            </p:spPr>
+            <p:style>
+              <a:lnRef idx="2">
+                <a:schemeClr val="accent1">
+                  <a:shade val="50000"/>
+                </a:schemeClr>
+              </a:lnRef>
+              <a:fillRef idx="1">
+                <a:schemeClr val="accent1"/>
+              </a:fillRef>
+              <a:effectRef idx="0">
+                <a:schemeClr val="accent1"/>
+              </a:effectRef>
+              <a:fontRef idx="minor">
+                <a:schemeClr val="lt1"/>
+              </a:fontRef>
+            </p:style>
+            <p:txBody>
+              <a:bodyPr wrap="square" rtlCol="0" anchor="ctr">
+                <a:noAutofit/>
+              </a:bodyPr>
+              <a:lstStyle/>
+              <a:p>
+                <a:pPr algn="ctr"/>
+                <a:endParaRPr lang="en-CA"/>
+              </a:p>
+            </p:txBody>
+          </p:sp>
+        </p:grpSp>
+      </p:grpSp>
     </p:spTree>
     <p:extLst>
       <p:ext uri="{BB962C8B-B14F-4D97-AF65-F5344CB8AC3E}">
@@ -37331,7 +37847,7 @@
         </p:nvSpPr>
         <p:spPr>
           <a:xfrm>
-            <a:off x="4364156" y="4770695"/>
+            <a:off x="2214845" y="4770695"/>
             <a:ext cx="1345924" cy="300640"/>
           </a:xfrm>
           <a:prstGeom prst="rect">
@@ -38659,7 +39175,7 @@
         </p:nvGrpSpPr>
         <p:grpSpPr>
           <a:xfrm>
-            <a:off x="4322892" y="4016331"/>
+            <a:off x="2173581" y="4016331"/>
             <a:ext cx="1496640" cy="667303"/>
             <a:chOff x="6633197" y="4081822"/>
             <a:chExt cx="1496640" cy="667303"/>
@@ -43074,7 +43590,7 @@
         </p:nvGrpSpPr>
         <p:grpSpPr>
           <a:xfrm>
-            <a:off x="6737428" y="3672425"/>
+            <a:off x="4588117" y="3672425"/>
             <a:ext cx="902167" cy="1010179"/>
             <a:chOff x="4672447" y="3204634"/>
             <a:chExt cx="1345924" cy="1507064"/>
@@ -44044,7 +44560,7 @@
         </p:nvSpPr>
         <p:spPr>
           <a:xfrm>
-            <a:off x="6505911" y="4770695"/>
+            <a:off x="4356600" y="4770695"/>
             <a:ext cx="1345924" cy="300640"/>
           </a:xfrm>
           <a:prstGeom prst="rect">
@@ -44091,6 +44607,790 @@
                 <a:cs typeface="Arial" panose="020B0604020202020204" pitchFamily="34" charset="0"/>
               </a:rPr>
               <a:t>ELPI</a:t>
+            </a:r>
+          </a:p>
+        </p:txBody>
+      </p:sp>
+      <p:grpSp>
+        <p:nvGrpSpPr>
+          <p:cNvPr id="474" name="Group 473">
+            <a:extLst>
+              <a:ext uri="{FF2B5EF4-FFF2-40B4-BE49-F238E27FC236}">
+                <a16:creationId xmlns:a16="http://schemas.microsoft.com/office/drawing/2014/main" id="{5AE2DF5F-C031-D917-0E15-557A66A1F7BB}"/>
+              </a:ext>
+            </a:extLst>
+          </p:cNvPr>
+          <p:cNvGrpSpPr/>
+          <p:nvPr/>
+        </p:nvGrpSpPr>
+        <p:grpSpPr>
+          <a:xfrm>
+            <a:off x="6168071" y="3952523"/>
+            <a:ext cx="1336678" cy="717445"/>
+            <a:chOff x="8503559" y="3189857"/>
+            <a:chExt cx="1336678" cy="717445"/>
+          </a:xfrm>
+        </p:grpSpPr>
+        <p:grpSp>
+          <p:nvGrpSpPr>
+            <p:cNvPr id="55" name="Group 54">
+              <a:extLst>
+                <a:ext uri="{FF2B5EF4-FFF2-40B4-BE49-F238E27FC236}">
+                  <a16:creationId xmlns:a16="http://schemas.microsoft.com/office/drawing/2014/main" id="{114DBAAE-C96A-55DF-7E1C-3ECF101A57BD}"/>
+                </a:ext>
+              </a:extLst>
+            </p:cNvPr>
+            <p:cNvGrpSpPr/>
+            <p:nvPr/>
+          </p:nvGrpSpPr>
+          <p:grpSpPr>
+            <a:xfrm>
+              <a:off x="8568008" y="3788901"/>
+              <a:ext cx="1207781" cy="118401"/>
+              <a:chOff x="8562486" y="3788901"/>
+              <a:chExt cx="1207781" cy="118401"/>
+            </a:xfrm>
+          </p:grpSpPr>
+          <p:sp>
+            <p:nvSpPr>
+              <p:cNvPr id="53" name="Rectangle: Rounded Corners 52">
+                <a:extLst>
+                  <a:ext uri="{FF2B5EF4-FFF2-40B4-BE49-F238E27FC236}">
+                    <a16:creationId xmlns:a16="http://schemas.microsoft.com/office/drawing/2014/main" id="{B6BA3C40-0C62-A74E-BD8B-0CFAC50DF7CF}"/>
+                  </a:ext>
+                </a:extLst>
+              </p:cNvPr>
+              <p:cNvSpPr/>
+              <p:nvPr/>
+            </p:nvSpPr>
+            <p:spPr>
+              <a:xfrm rot="5400000">
+                <a:off x="8533858" y="3817529"/>
+                <a:ext cx="118401" cy="61146"/>
+              </a:xfrm>
+              <a:prstGeom prst="roundRect">
+                <a:avLst>
+                  <a:gd name="adj" fmla="val 22789"/>
+                </a:avLst>
+              </a:prstGeom>
+              <a:solidFill>
+                <a:schemeClr val="bg1">
+                  <a:lumMod val="50000"/>
+                </a:schemeClr>
+              </a:solidFill>
+              <a:ln w="19050">
+                <a:solidFill>
+                  <a:schemeClr val="tx1"/>
+                </a:solidFill>
+              </a:ln>
+            </p:spPr>
+            <p:style>
+              <a:lnRef idx="2">
+                <a:schemeClr val="accent1">
+                  <a:shade val="50000"/>
+                </a:schemeClr>
+              </a:lnRef>
+              <a:fillRef idx="1">
+                <a:schemeClr val="accent1"/>
+              </a:fillRef>
+              <a:effectRef idx="0">
+                <a:schemeClr val="accent1"/>
+              </a:effectRef>
+              <a:fontRef idx="minor">
+                <a:schemeClr val="lt1"/>
+              </a:fontRef>
+            </p:style>
+            <p:txBody>
+              <a:bodyPr rtlCol="0" anchor="ctr"/>
+              <a:lstStyle/>
+              <a:p>
+                <a:pPr algn="ctr"/>
+                <a:endParaRPr lang="en-CA" sz="4400">
+                  <a:cs typeface="Arial" panose="020B0604020202020204" pitchFamily="34" charset="0"/>
+                </a:endParaRPr>
+              </a:p>
+            </p:txBody>
+          </p:sp>
+          <p:sp>
+            <p:nvSpPr>
+              <p:cNvPr id="54" name="Rectangle: Rounded Corners 53">
+                <a:extLst>
+                  <a:ext uri="{FF2B5EF4-FFF2-40B4-BE49-F238E27FC236}">
+                    <a16:creationId xmlns:a16="http://schemas.microsoft.com/office/drawing/2014/main" id="{BE40CEE3-4618-86F2-AC6B-EA774A74A9FB}"/>
+                  </a:ext>
+                </a:extLst>
+              </p:cNvPr>
+              <p:cNvSpPr/>
+              <p:nvPr/>
+            </p:nvSpPr>
+            <p:spPr>
+              <a:xfrm rot="5400000">
+                <a:off x="9680493" y="3817529"/>
+                <a:ext cx="118401" cy="61146"/>
+              </a:xfrm>
+              <a:prstGeom prst="roundRect">
+                <a:avLst>
+                  <a:gd name="adj" fmla="val 22789"/>
+                </a:avLst>
+              </a:prstGeom>
+              <a:solidFill>
+                <a:schemeClr val="bg1">
+                  <a:lumMod val="50000"/>
+                </a:schemeClr>
+              </a:solidFill>
+              <a:ln w="19050">
+                <a:solidFill>
+                  <a:schemeClr val="tx1"/>
+                </a:solidFill>
+              </a:ln>
+            </p:spPr>
+            <p:style>
+              <a:lnRef idx="2">
+                <a:schemeClr val="accent1">
+                  <a:shade val="50000"/>
+                </a:schemeClr>
+              </a:lnRef>
+              <a:fillRef idx="1">
+                <a:schemeClr val="accent1"/>
+              </a:fillRef>
+              <a:effectRef idx="0">
+                <a:schemeClr val="accent1"/>
+              </a:effectRef>
+              <a:fontRef idx="minor">
+                <a:schemeClr val="lt1"/>
+              </a:fontRef>
+            </p:style>
+            <p:txBody>
+              <a:bodyPr rtlCol="0" anchor="ctr"/>
+              <a:lstStyle/>
+              <a:p>
+                <a:pPr algn="ctr"/>
+                <a:endParaRPr lang="en-CA" sz="4400" dirty="0">
+                  <a:cs typeface="Arial" panose="020B0604020202020204" pitchFamily="34" charset="0"/>
+                </a:endParaRPr>
+              </a:p>
+            </p:txBody>
+          </p:sp>
+        </p:grpSp>
+        <p:sp>
+          <p:nvSpPr>
+            <p:cNvPr id="52" name="Rectangle: Rounded Corners 51">
+              <a:extLst>
+                <a:ext uri="{FF2B5EF4-FFF2-40B4-BE49-F238E27FC236}">
+                  <a16:creationId xmlns:a16="http://schemas.microsoft.com/office/drawing/2014/main" id="{9C523707-44EF-50B8-3BA0-90850AAB70A2}"/>
+                </a:ext>
+              </a:extLst>
+            </p:cNvPr>
+            <p:cNvSpPr/>
+            <p:nvPr/>
+          </p:nvSpPr>
+          <p:spPr>
+            <a:xfrm>
+              <a:off x="8503559" y="3189857"/>
+              <a:ext cx="1336678" cy="679780"/>
+            </a:xfrm>
+            <a:prstGeom prst="roundRect">
+              <a:avLst>
+                <a:gd name="adj" fmla="val 3608"/>
+              </a:avLst>
+            </a:prstGeom>
+            <a:solidFill>
+              <a:schemeClr val="bg1">
+                <a:lumMod val="85000"/>
+              </a:schemeClr>
+            </a:solidFill>
+            <a:ln w="19050" cap="rnd">
+              <a:solidFill>
+                <a:schemeClr val="tx1"/>
+              </a:solidFill>
+              <a:round/>
+            </a:ln>
+          </p:spPr>
+          <p:style>
+            <a:lnRef idx="2">
+              <a:schemeClr val="accent1">
+                <a:shade val="50000"/>
+              </a:schemeClr>
+            </a:lnRef>
+            <a:fillRef idx="1">
+              <a:schemeClr val="accent1"/>
+            </a:fillRef>
+            <a:effectRef idx="0">
+              <a:schemeClr val="accent1"/>
+            </a:effectRef>
+            <a:fontRef idx="minor">
+              <a:schemeClr val="lt1"/>
+            </a:fontRef>
+          </p:style>
+          <p:txBody>
+            <a:bodyPr rot="0" spcFirstLastPara="0" vertOverflow="overflow" horzOverflow="overflow" vert="horz" wrap="square" lIns="0" tIns="0" rIns="0" bIns="0" numCol="1" spcCol="0" rtlCol="0" fromWordArt="0" anchor="ctr" anchorCtr="0" forceAA="0" compatLnSpc="1">
+              <a:prstTxWarp prst="textNoShape">
+                <a:avLst/>
+              </a:prstTxWarp>
+              <a:noAutofit/>
+            </a:bodyPr>
+            <a:lstStyle/>
+            <a:p>
+              <a:pPr algn="ctr"/>
+              <a:endParaRPr lang="en-CA" sz="800" dirty="0">
+                <a:cs typeface="Segoe UI" panose="020B0502040204020203" pitchFamily="34" charset="0"/>
+              </a:endParaRPr>
+            </a:p>
+          </p:txBody>
+        </p:sp>
+        <p:grpSp>
+          <p:nvGrpSpPr>
+            <p:cNvPr id="469" name="Group 468">
+              <a:extLst>
+                <a:ext uri="{FF2B5EF4-FFF2-40B4-BE49-F238E27FC236}">
+                  <a16:creationId xmlns:a16="http://schemas.microsoft.com/office/drawing/2014/main" id="{391CF586-FDDC-2A1E-A29E-088DF8A6C11C}"/>
+                </a:ext>
+              </a:extLst>
+            </p:cNvPr>
+            <p:cNvGrpSpPr/>
+            <p:nvPr/>
+          </p:nvGrpSpPr>
+          <p:grpSpPr>
+            <a:xfrm>
+              <a:off x="9500373" y="3559636"/>
+              <a:ext cx="214269" cy="135316"/>
+              <a:chOff x="9487817" y="3529493"/>
+              <a:chExt cx="241160" cy="152298"/>
+            </a:xfrm>
+          </p:grpSpPr>
+          <p:sp>
+            <p:nvSpPr>
+              <p:cNvPr id="56" name="Rectangle: Rounded Corners 55">
+                <a:extLst>
+                  <a:ext uri="{FF2B5EF4-FFF2-40B4-BE49-F238E27FC236}">
+                    <a16:creationId xmlns:a16="http://schemas.microsoft.com/office/drawing/2014/main" id="{8603D4C0-A909-09B3-7DDF-597FBA6308DC}"/>
+                  </a:ext>
+                </a:extLst>
+              </p:cNvPr>
+              <p:cNvSpPr/>
+              <p:nvPr/>
+            </p:nvSpPr>
+            <p:spPr>
+              <a:xfrm>
+                <a:off x="9487817" y="3529493"/>
+                <a:ext cx="241160" cy="152298"/>
+              </a:xfrm>
+              <a:prstGeom prst="roundRect">
+                <a:avLst>
+                  <a:gd name="adj" fmla="val 6319"/>
+                </a:avLst>
+              </a:prstGeom>
+              <a:solidFill>
+                <a:srgbClr val="00B0F0"/>
+              </a:solidFill>
+              <a:ln w="19050">
+                <a:solidFill>
+                  <a:schemeClr val="tx1"/>
+                </a:solidFill>
+              </a:ln>
+            </p:spPr>
+            <p:style>
+              <a:lnRef idx="2">
+                <a:schemeClr val="accent1">
+                  <a:shade val="50000"/>
+                </a:schemeClr>
+              </a:lnRef>
+              <a:fillRef idx="1">
+                <a:schemeClr val="accent1"/>
+              </a:fillRef>
+              <a:effectRef idx="0">
+                <a:schemeClr val="accent1"/>
+              </a:effectRef>
+              <a:fontRef idx="minor">
+                <a:schemeClr val="lt1"/>
+              </a:fontRef>
+            </p:style>
+            <p:txBody>
+              <a:bodyPr rtlCol="0" anchor="ctr"/>
+              <a:lstStyle/>
+              <a:p>
+                <a:pPr algn="ctr"/>
+                <a:endParaRPr lang="en-US" sz="4400">
+                  <a:cs typeface="Arial" panose="020B0604020202020204" pitchFamily="34" charset="0"/>
+                </a:endParaRPr>
+              </a:p>
+            </p:txBody>
+          </p:sp>
+          <p:cxnSp>
+            <p:nvCxnSpPr>
+              <p:cNvPr id="57" name="Straight Connector 56">
+                <a:extLst>
+                  <a:ext uri="{FF2B5EF4-FFF2-40B4-BE49-F238E27FC236}">
+                    <a16:creationId xmlns:a16="http://schemas.microsoft.com/office/drawing/2014/main" id="{130E7C1D-FF61-86E2-879E-1C33E877E233}"/>
+                  </a:ext>
+                </a:extLst>
+              </p:cNvPr>
+              <p:cNvCxnSpPr>
+                <a:cxnSpLocks/>
+              </p:cNvCxnSpPr>
+              <p:nvPr/>
+            </p:nvCxnSpPr>
+            <p:spPr>
+              <a:xfrm>
+                <a:off x="9538355" y="3579461"/>
+                <a:ext cx="72886" cy="0"/>
+              </a:xfrm>
+              <a:prstGeom prst="line">
+                <a:avLst/>
+              </a:prstGeom>
+              <a:noFill/>
+              <a:ln w="19050" cap="rnd">
+                <a:solidFill>
+                  <a:schemeClr val="tx1"/>
+                </a:solidFill>
+                <a:round/>
+              </a:ln>
+            </p:spPr>
+            <p:style>
+              <a:lnRef idx="2">
+                <a:schemeClr val="accent1">
+                  <a:shade val="50000"/>
+                </a:schemeClr>
+              </a:lnRef>
+              <a:fillRef idx="1">
+                <a:schemeClr val="accent1"/>
+              </a:fillRef>
+              <a:effectRef idx="0">
+                <a:schemeClr val="accent1"/>
+              </a:effectRef>
+              <a:fontRef idx="minor">
+                <a:schemeClr val="lt1"/>
+              </a:fontRef>
+            </p:style>
+          </p:cxnSp>
+          <p:cxnSp>
+            <p:nvCxnSpPr>
+              <p:cNvPr id="58" name="Straight Connector 57">
+                <a:extLst>
+                  <a:ext uri="{FF2B5EF4-FFF2-40B4-BE49-F238E27FC236}">
+                    <a16:creationId xmlns:a16="http://schemas.microsoft.com/office/drawing/2014/main" id="{A2C9D766-CBE9-A1C2-5BA2-18FC6B75795A}"/>
+                  </a:ext>
+                </a:extLst>
+              </p:cNvPr>
+              <p:cNvCxnSpPr>
+                <a:cxnSpLocks/>
+              </p:cNvCxnSpPr>
+              <p:nvPr/>
+            </p:nvCxnSpPr>
+            <p:spPr>
+              <a:xfrm>
+                <a:off x="9538355" y="3629939"/>
+                <a:ext cx="89519" cy="0"/>
+              </a:xfrm>
+              <a:prstGeom prst="line">
+                <a:avLst/>
+              </a:prstGeom>
+              <a:noFill/>
+              <a:ln w="19050" cap="rnd">
+                <a:solidFill>
+                  <a:schemeClr val="tx1"/>
+                </a:solidFill>
+                <a:round/>
+              </a:ln>
+            </p:spPr>
+            <p:style>
+              <a:lnRef idx="2">
+                <a:schemeClr val="accent1">
+                  <a:shade val="50000"/>
+                </a:schemeClr>
+              </a:lnRef>
+              <a:fillRef idx="1">
+                <a:schemeClr val="accent1"/>
+              </a:fillRef>
+              <a:effectRef idx="0">
+                <a:schemeClr val="accent1"/>
+              </a:effectRef>
+              <a:fontRef idx="minor">
+                <a:schemeClr val="lt1"/>
+              </a:fontRef>
+            </p:style>
+          </p:cxnSp>
+        </p:grpSp>
+        <p:sp>
+          <p:nvSpPr>
+            <p:cNvPr id="59" name="Oval 58">
+              <a:extLst>
+                <a:ext uri="{FF2B5EF4-FFF2-40B4-BE49-F238E27FC236}">
+                  <a16:creationId xmlns:a16="http://schemas.microsoft.com/office/drawing/2014/main" id="{A1CF6FD4-792A-29F3-19CA-D822129CB209}"/>
+                </a:ext>
+              </a:extLst>
+            </p:cNvPr>
+            <p:cNvSpPr/>
+            <p:nvPr/>
+          </p:nvSpPr>
+          <p:spPr>
+            <a:xfrm>
+              <a:off x="9632950" y="3479799"/>
+              <a:ext cx="45719" cy="45719"/>
+            </a:xfrm>
+            <a:prstGeom prst="ellipse">
+              <a:avLst/>
+            </a:prstGeom>
+            <a:solidFill>
+              <a:srgbClr val="D024F7"/>
+            </a:solidFill>
+            <a:ln w="19050" cap="rnd">
+              <a:solidFill>
+                <a:schemeClr val="tx1"/>
+              </a:solidFill>
+              <a:round/>
+            </a:ln>
+          </p:spPr>
+          <p:style>
+            <a:lnRef idx="2">
+              <a:schemeClr val="accent1">
+                <a:shade val="50000"/>
+              </a:schemeClr>
+            </a:lnRef>
+            <a:fillRef idx="1">
+              <a:schemeClr val="accent1"/>
+            </a:fillRef>
+            <a:effectRef idx="0">
+              <a:schemeClr val="accent1"/>
+            </a:effectRef>
+            <a:fontRef idx="minor">
+              <a:schemeClr val="lt1"/>
+            </a:fontRef>
+          </p:style>
+          <p:txBody>
+            <a:bodyPr rtlCol="0" anchor="ctr"/>
+            <a:lstStyle/>
+            <a:p>
+              <a:pPr algn="ctr"/>
+              <a:endParaRPr lang="en-CA"/>
+            </a:p>
+          </p:txBody>
+        </p:sp>
+        <p:sp>
+          <p:nvSpPr>
+            <p:cNvPr id="60" name="Oval 59">
+              <a:extLst>
+                <a:ext uri="{FF2B5EF4-FFF2-40B4-BE49-F238E27FC236}">
+                  <a16:creationId xmlns:a16="http://schemas.microsoft.com/office/drawing/2014/main" id="{06377181-043F-C8EC-A528-E9DDF5F0436F}"/>
+                </a:ext>
+              </a:extLst>
+            </p:cNvPr>
+            <p:cNvSpPr/>
+            <p:nvPr/>
+          </p:nvSpPr>
+          <p:spPr>
+            <a:xfrm>
+              <a:off x="8643946" y="3626836"/>
+              <a:ext cx="152883" cy="152883"/>
+            </a:xfrm>
+            <a:prstGeom prst="ellipse">
+              <a:avLst/>
+            </a:prstGeom>
+            <a:solidFill>
+              <a:srgbClr val="0244AC"/>
+            </a:solidFill>
+            <a:ln w="19050">
+              <a:solidFill>
+                <a:schemeClr val="tx1"/>
+              </a:solidFill>
+            </a:ln>
+          </p:spPr>
+          <p:style>
+            <a:lnRef idx="2">
+              <a:schemeClr val="accent1">
+                <a:shade val="15000"/>
+              </a:schemeClr>
+            </a:lnRef>
+            <a:fillRef idx="1">
+              <a:schemeClr val="accent1"/>
+            </a:fillRef>
+            <a:effectRef idx="0">
+              <a:schemeClr val="accent1"/>
+            </a:effectRef>
+            <a:fontRef idx="minor">
+              <a:schemeClr val="lt1"/>
+            </a:fontRef>
+          </p:style>
+          <p:txBody>
+            <a:bodyPr rtlCol="0" anchor="ctr"/>
+            <a:lstStyle/>
+            <a:p>
+              <a:pPr algn="ctr"/>
+              <a:endParaRPr lang="en-CA"/>
+            </a:p>
+          </p:txBody>
+        </p:sp>
+        <p:grpSp>
+          <p:nvGrpSpPr>
+            <p:cNvPr id="450" name="Group 449">
+              <a:extLst>
+                <a:ext uri="{FF2B5EF4-FFF2-40B4-BE49-F238E27FC236}">
+                  <a16:creationId xmlns:a16="http://schemas.microsoft.com/office/drawing/2014/main" id="{D72F32CF-A0E1-8C27-2F86-B8ECA53999A4}"/>
+                </a:ext>
+              </a:extLst>
+            </p:cNvPr>
+            <p:cNvGrpSpPr/>
+            <p:nvPr/>
+          </p:nvGrpSpPr>
+          <p:grpSpPr>
+            <a:xfrm>
+              <a:off x="9515605" y="3745340"/>
+              <a:ext cx="185584" cy="45719"/>
+              <a:chOff x="9495553" y="3714055"/>
+              <a:chExt cx="185584" cy="57150"/>
+            </a:xfrm>
+          </p:grpSpPr>
+          <p:cxnSp>
+            <p:nvCxnSpPr>
+              <p:cNvPr id="61" name="Straight Connector 60">
+                <a:extLst>
+                  <a:ext uri="{FF2B5EF4-FFF2-40B4-BE49-F238E27FC236}">
+                    <a16:creationId xmlns:a16="http://schemas.microsoft.com/office/drawing/2014/main" id="{C66DBB42-06D9-D2C7-B55E-0128070D1DBD}"/>
+                  </a:ext>
+                </a:extLst>
+              </p:cNvPr>
+              <p:cNvCxnSpPr>
+                <a:cxnSpLocks/>
+              </p:cNvCxnSpPr>
+              <p:nvPr/>
+            </p:nvCxnSpPr>
+            <p:spPr>
+              <a:xfrm>
+                <a:off x="9495553" y="3714055"/>
+                <a:ext cx="185584" cy="0"/>
+              </a:xfrm>
+              <a:prstGeom prst="line">
+                <a:avLst/>
+              </a:prstGeom>
+              <a:noFill/>
+              <a:ln w="19050" cap="rnd">
+                <a:solidFill>
+                  <a:schemeClr val="tx1"/>
+                </a:solidFill>
+                <a:round/>
+              </a:ln>
+            </p:spPr>
+            <p:style>
+              <a:lnRef idx="2">
+                <a:schemeClr val="accent1">
+                  <a:shade val="50000"/>
+                </a:schemeClr>
+              </a:lnRef>
+              <a:fillRef idx="1">
+                <a:schemeClr val="accent1"/>
+              </a:fillRef>
+              <a:effectRef idx="0">
+                <a:schemeClr val="accent1"/>
+              </a:effectRef>
+              <a:fontRef idx="minor">
+                <a:schemeClr val="lt1"/>
+              </a:fontRef>
+            </p:style>
+          </p:cxnSp>
+          <p:cxnSp>
+            <p:nvCxnSpPr>
+              <p:cNvPr id="63" name="Straight Connector 62">
+                <a:extLst>
+                  <a:ext uri="{FF2B5EF4-FFF2-40B4-BE49-F238E27FC236}">
+                    <a16:creationId xmlns:a16="http://schemas.microsoft.com/office/drawing/2014/main" id="{4AD64C65-3647-8AE1-8EB0-60BBF9039D22}"/>
+                  </a:ext>
+                </a:extLst>
+              </p:cNvPr>
+              <p:cNvCxnSpPr>
+                <a:cxnSpLocks/>
+              </p:cNvCxnSpPr>
+              <p:nvPr/>
+            </p:nvCxnSpPr>
+            <p:spPr>
+              <a:xfrm>
+                <a:off x="9495553" y="3771205"/>
+                <a:ext cx="185584" cy="0"/>
+              </a:xfrm>
+              <a:prstGeom prst="line">
+                <a:avLst/>
+              </a:prstGeom>
+              <a:noFill/>
+              <a:ln w="19050" cap="rnd">
+                <a:solidFill>
+                  <a:schemeClr val="tx1"/>
+                </a:solidFill>
+                <a:round/>
+              </a:ln>
+            </p:spPr>
+            <p:style>
+              <a:lnRef idx="2">
+                <a:schemeClr val="accent1">
+                  <a:shade val="50000"/>
+                </a:schemeClr>
+              </a:lnRef>
+              <a:fillRef idx="1">
+                <a:schemeClr val="accent1"/>
+              </a:fillRef>
+              <a:effectRef idx="0">
+                <a:schemeClr val="accent1"/>
+              </a:effectRef>
+              <a:fontRef idx="minor">
+                <a:schemeClr val="lt1"/>
+              </a:fontRef>
+            </p:style>
+          </p:cxnSp>
+        </p:grpSp>
+        <p:cxnSp>
+          <p:nvCxnSpPr>
+            <p:cNvPr id="452" name="Straight Connector 451">
+              <a:extLst>
+                <a:ext uri="{FF2B5EF4-FFF2-40B4-BE49-F238E27FC236}">
+                  <a16:creationId xmlns:a16="http://schemas.microsoft.com/office/drawing/2014/main" id="{ABAEF1AA-258F-EEE2-23E8-6CBC7243624B}"/>
+                </a:ext>
+              </a:extLst>
+            </p:cNvPr>
+            <p:cNvCxnSpPr>
+              <a:cxnSpLocks/>
+            </p:cNvCxnSpPr>
+            <p:nvPr/>
+          </p:nvCxnSpPr>
+          <p:spPr>
+            <a:xfrm>
+              <a:off x="9035044" y="3487161"/>
+              <a:ext cx="238975" cy="0"/>
+            </a:xfrm>
+            <a:prstGeom prst="line">
+              <a:avLst/>
+            </a:prstGeom>
+            <a:noFill/>
+            <a:ln w="19050" cap="rnd">
+              <a:solidFill>
+                <a:schemeClr val="tx1"/>
+              </a:solidFill>
+              <a:round/>
+            </a:ln>
+          </p:spPr>
+          <p:style>
+            <a:lnRef idx="2">
+              <a:schemeClr val="accent1">
+                <a:shade val="50000"/>
+              </a:schemeClr>
+            </a:lnRef>
+            <a:fillRef idx="1">
+              <a:schemeClr val="accent1"/>
+            </a:fillRef>
+            <a:effectRef idx="0">
+              <a:schemeClr val="accent1"/>
+            </a:effectRef>
+            <a:fontRef idx="minor">
+              <a:schemeClr val="lt1"/>
+            </a:fontRef>
+          </p:style>
+        </p:cxnSp>
+        <p:cxnSp>
+          <p:nvCxnSpPr>
+            <p:cNvPr id="470" name="Straight Connector 469">
+              <a:extLst>
+                <a:ext uri="{FF2B5EF4-FFF2-40B4-BE49-F238E27FC236}">
+                  <a16:creationId xmlns:a16="http://schemas.microsoft.com/office/drawing/2014/main" id="{1409DBFC-3A0B-49B2-1355-D4A9B397FBB0}"/>
+                </a:ext>
+              </a:extLst>
+            </p:cNvPr>
+            <p:cNvCxnSpPr>
+              <a:cxnSpLocks/>
+            </p:cNvCxnSpPr>
+            <p:nvPr/>
+          </p:nvCxnSpPr>
+          <p:spPr>
+            <a:xfrm>
+              <a:off x="8646583" y="3817361"/>
+              <a:ext cx="147109" cy="0"/>
+            </a:xfrm>
+            <a:prstGeom prst="line">
+              <a:avLst/>
+            </a:prstGeom>
+            <a:noFill/>
+            <a:ln w="19050" cap="rnd">
+              <a:solidFill>
+                <a:schemeClr val="tx1"/>
+              </a:solidFill>
+              <a:round/>
+            </a:ln>
+          </p:spPr>
+          <p:style>
+            <a:lnRef idx="2">
+              <a:schemeClr val="accent1">
+                <a:shade val="50000"/>
+              </a:schemeClr>
+            </a:lnRef>
+            <a:fillRef idx="1">
+              <a:schemeClr val="accent1"/>
+            </a:fillRef>
+            <a:effectRef idx="0">
+              <a:schemeClr val="accent1"/>
+            </a:effectRef>
+            <a:fontRef idx="minor">
+              <a:schemeClr val="lt1"/>
+            </a:fontRef>
+          </p:style>
+        </p:cxnSp>
+      </p:grpSp>
+      <p:sp>
+        <p:nvSpPr>
+          <p:cNvPr id="475" name="Rectangle 474">
+            <a:extLst>
+              <a:ext uri="{FF2B5EF4-FFF2-40B4-BE49-F238E27FC236}">
+                <a16:creationId xmlns:a16="http://schemas.microsoft.com/office/drawing/2014/main" id="{D8513A9B-2DA8-A4FD-1D5D-219B0ADB576B}"/>
+              </a:ext>
+            </a:extLst>
+          </p:cNvPr>
+          <p:cNvSpPr/>
+          <p:nvPr/>
+        </p:nvSpPr>
+        <p:spPr>
+          <a:xfrm>
+            <a:off x="6160317" y="4770695"/>
+            <a:ext cx="1345924" cy="300640"/>
+          </a:xfrm>
+          <a:prstGeom prst="rect">
+            <a:avLst/>
+          </a:prstGeom>
+          <a:noFill/>
+          <a:ln w="31750">
+            <a:noFill/>
+          </a:ln>
+        </p:spPr>
+        <p:style>
+          <a:lnRef idx="2">
+            <a:schemeClr val="accent1">
+              <a:shade val="50000"/>
+            </a:schemeClr>
+          </a:lnRef>
+          <a:fillRef idx="1">
+            <a:schemeClr val="accent1"/>
+          </a:fillRef>
+          <a:effectRef idx="0">
+            <a:schemeClr val="accent1"/>
+          </a:effectRef>
+          <a:fontRef idx="minor">
+            <a:schemeClr val="lt1"/>
+          </a:fontRef>
+        </p:style>
+        <p:txBody>
+          <a:bodyPr rot="0" spcFirstLastPara="0" vertOverflow="overflow" horzOverflow="overflow" vert="horz" wrap="square" lIns="0" tIns="0" rIns="0" bIns="0" numCol="1" spcCol="0" rtlCol="0" fromWordArt="0" anchor="t" anchorCtr="0" forceAA="0" compatLnSpc="1">
+            <a:prstTxWarp prst="textNoShape">
+              <a:avLst/>
+            </a:prstTxWarp>
+            <a:noAutofit/>
+          </a:bodyPr>
+          <a:lstStyle/>
+          <a:p>
+            <a:pPr algn="ctr"/>
+            <a:r>
+              <a:rPr lang="en-US" sz="1400" dirty="0">
+                <a:solidFill>
+                  <a:schemeClr val="tx1"/>
+                </a:solidFill>
+                <a:latin typeface="Gotham Narrow Book" pitchFamily="50" charset="0"/>
+                <a:ea typeface="Roboto" panose="02000000000000000000" pitchFamily="2" charset="0"/>
+                <a:cs typeface="Arial" panose="020B0604020202020204" pitchFamily="34" charset="0"/>
+              </a:rPr>
+              <a:t>CAPS</a:t>
             </a:r>
           </a:p>
         </p:txBody>

--- a/icons.pptx
+++ b/icons.pptx
@@ -28359,7 +28359,7 @@
         </p:nvSpPr>
         <p:spPr>
           <a:xfrm>
-            <a:off x="6527810" y="4886986"/>
+            <a:off x="6511397" y="4886986"/>
             <a:ext cx="1345924" cy="300640"/>
           </a:xfrm>
           <a:prstGeom prst="rect">
@@ -35798,8 +35798,8 @@
         </p:nvGrpSpPr>
         <p:grpSpPr>
           <a:xfrm>
-            <a:off x="6469735" y="3896329"/>
-            <a:ext cx="1336678" cy="933329"/>
+            <a:off x="6469735" y="3908474"/>
+            <a:ext cx="1319284" cy="921184"/>
             <a:chOff x="6469735" y="3896329"/>
             <a:chExt cx="1336678" cy="933329"/>
           </a:xfrm>
@@ -37057,7 +37057,7 @@
                 </a:pathLst>
               </a:custGeom>
               <a:solidFill>
-                <a:srgbClr val="CF3131"/>
+                <a:srgbClr val="FF0000"/>
               </a:solidFill>
               <a:ln w="19050">
                 <a:solidFill>

--- a/icons.pptx
+++ b/icons.pptx
@@ -264,7 +264,7 @@
           <a:p>
             <a:fld id="{1EB8CFBF-CDC5-4956-B865-DB8938F6B74E}" type="datetimeFigureOut">
               <a:rPr lang="en-CA" smtClean="0"/>
-              <a:t>2024-05-30</a:t>
+              <a:t>2024-06-03</a:t>
             </a:fld>
             <a:endParaRPr lang="en-CA"/>
           </a:p>
@@ -464,7 +464,7 @@
           <a:p>
             <a:fld id="{1EB8CFBF-CDC5-4956-B865-DB8938F6B74E}" type="datetimeFigureOut">
               <a:rPr lang="en-CA" smtClean="0"/>
-              <a:t>2024-05-30</a:t>
+              <a:t>2024-06-03</a:t>
             </a:fld>
             <a:endParaRPr lang="en-CA"/>
           </a:p>
@@ -674,7 +674,7 @@
           <a:p>
             <a:fld id="{1EB8CFBF-CDC5-4956-B865-DB8938F6B74E}" type="datetimeFigureOut">
               <a:rPr lang="en-CA" smtClean="0"/>
-              <a:t>2024-05-30</a:t>
+              <a:t>2024-06-03</a:t>
             </a:fld>
             <a:endParaRPr lang="en-CA"/>
           </a:p>
@@ -874,7 +874,7 @@
           <a:p>
             <a:fld id="{1EB8CFBF-CDC5-4956-B865-DB8938F6B74E}" type="datetimeFigureOut">
               <a:rPr lang="en-CA" smtClean="0"/>
-              <a:t>2024-05-30</a:t>
+              <a:t>2024-06-03</a:t>
             </a:fld>
             <a:endParaRPr lang="en-CA"/>
           </a:p>
@@ -1150,7 +1150,7 @@
           <a:p>
             <a:fld id="{1EB8CFBF-CDC5-4956-B865-DB8938F6B74E}" type="datetimeFigureOut">
               <a:rPr lang="en-CA" smtClean="0"/>
-              <a:t>2024-05-30</a:t>
+              <a:t>2024-06-03</a:t>
             </a:fld>
             <a:endParaRPr lang="en-CA"/>
           </a:p>
@@ -1418,7 +1418,7 @@
           <a:p>
             <a:fld id="{1EB8CFBF-CDC5-4956-B865-DB8938F6B74E}" type="datetimeFigureOut">
               <a:rPr lang="en-CA" smtClean="0"/>
-              <a:t>2024-05-30</a:t>
+              <a:t>2024-06-03</a:t>
             </a:fld>
             <a:endParaRPr lang="en-CA"/>
           </a:p>
@@ -1833,7 +1833,7 @@
           <a:p>
             <a:fld id="{1EB8CFBF-CDC5-4956-B865-DB8938F6B74E}" type="datetimeFigureOut">
               <a:rPr lang="en-CA" smtClean="0"/>
-              <a:t>2024-05-30</a:t>
+              <a:t>2024-06-03</a:t>
             </a:fld>
             <a:endParaRPr lang="en-CA"/>
           </a:p>
@@ -1975,7 +1975,7 @@
           <a:p>
             <a:fld id="{1EB8CFBF-CDC5-4956-B865-DB8938F6B74E}" type="datetimeFigureOut">
               <a:rPr lang="en-CA" smtClean="0"/>
-              <a:t>2024-05-30</a:t>
+              <a:t>2024-06-03</a:t>
             </a:fld>
             <a:endParaRPr lang="en-CA"/>
           </a:p>
@@ -2088,7 +2088,7 @@
           <a:p>
             <a:fld id="{1EB8CFBF-CDC5-4956-B865-DB8938F6B74E}" type="datetimeFigureOut">
               <a:rPr lang="en-CA" smtClean="0"/>
-              <a:t>2024-05-30</a:t>
+              <a:t>2024-06-03</a:t>
             </a:fld>
             <a:endParaRPr lang="en-CA"/>
           </a:p>
@@ -2401,7 +2401,7 @@
           <a:p>
             <a:fld id="{1EB8CFBF-CDC5-4956-B865-DB8938F6B74E}" type="datetimeFigureOut">
               <a:rPr lang="en-CA" smtClean="0"/>
-              <a:t>2024-05-30</a:t>
+              <a:t>2024-06-03</a:t>
             </a:fld>
             <a:endParaRPr lang="en-CA"/>
           </a:p>
@@ -2690,7 +2690,7 @@
           <a:p>
             <a:fld id="{1EB8CFBF-CDC5-4956-B865-DB8938F6B74E}" type="datetimeFigureOut">
               <a:rPr lang="en-CA" smtClean="0"/>
-              <a:t>2024-05-30</a:t>
+              <a:t>2024-06-03</a:t>
             </a:fld>
             <a:endParaRPr lang="en-CA"/>
           </a:p>
@@ -2933,7 +2933,7 @@
           <a:p>
             <a:fld id="{1EB8CFBF-CDC5-4956-B865-DB8938F6B74E}" type="datetimeFigureOut">
               <a:rPr lang="en-CA" smtClean="0"/>
-              <a:t>2024-05-30</a:t>
+              <a:t>2024-06-03</a:t>
             </a:fld>
             <a:endParaRPr lang="en-CA"/>
           </a:p>
@@ -20634,7 +20634,7 @@
         </p:nvGrpSpPr>
         <p:grpSpPr>
           <a:xfrm>
-            <a:off x="9880887" y="1448238"/>
+            <a:off x="9880887" y="1448239"/>
             <a:ext cx="1065241" cy="849789"/>
             <a:chOff x="8845550" y="3751551"/>
             <a:chExt cx="924983" cy="737899"/>
@@ -23804,6 +23804,1667 @@
           </a:p>
         </p:txBody>
       </p:sp>
+      <p:grpSp>
+        <p:nvGrpSpPr>
+          <p:cNvPr id="455" name="Group 454">
+            <a:extLst>
+              <a:ext uri="{FF2B5EF4-FFF2-40B4-BE49-F238E27FC236}">
+                <a16:creationId xmlns:a16="http://schemas.microsoft.com/office/drawing/2014/main" id="{B554162D-B186-FF9B-4A96-245946F24DB5}"/>
+              </a:ext>
+            </a:extLst>
+          </p:cNvPr>
+          <p:cNvGrpSpPr/>
+          <p:nvPr/>
+        </p:nvGrpSpPr>
+        <p:grpSpPr>
+          <a:xfrm>
+            <a:off x="1431386" y="3611689"/>
+            <a:ext cx="1292967" cy="945229"/>
+            <a:chOff x="6002020" y="3655000"/>
+            <a:chExt cx="1598774" cy="1168790"/>
+          </a:xfrm>
+        </p:grpSpPr>
+        <p:sp>
+          <p:nvSpPr>
+            <p:cNvPr id="454" name="Freeform: Shape 453">
+              <a:extLst>
+                <a:ext uri="{FF2B5EF4-FFF2-40B4-BE49-F238E27FC236}">
+                  <a16:creationId xmlns:a16="http://schemas.microsoft.com/office/drawing/2014/main" id="{86B1341C-3D76-E3A1-CA9E-D14441ABC487}"/>
+                </a:ext>
+              </a:extLst>
+            </p:cNvPr>
+            <p:cNvSpPr/>
+            <p:nvPr/>
+          </p:nvSpPr>
+          <p:spPr>
+            <a:xfrm>
+              <a:off x="6368746" y="3655000"/>
+              <a:ext cx="257522" cy="440287"/>
+            </a:xfrm>
+            <a:custGeom>
+              <a:avLst/>
+              <a:gdLst>
+                <a:gd name="connsiteX0" fmla="*/ 77434 w 209784"/>
+                <a:gd name="connsiteY0" fmla="*/ 0 h 416468"/>
+                <a:gd name="connsiteX1" fmla="*/ 132350 w 209784"/>
+                <a:gd name="connsiteY1" fmla="*/ 0 h 416468"/>
+                <a:gd name="connsiteX2" fmla="*/ 146079 w 209784"/>
+                <a:gd name="connsiteY2" fmla="*/ 13729 h 416468"/>
+                <a:gd name="connsiteX3" fmla="*/ 146079 w 209784"/>
+                <a:gd name="connsiteY3" fmla="*/ 85840 h 416468"/>
+                <a:gd name="connsiteX4" fmla="*/ 195075 w 209784"/>
+                <a:gd name="connsiteY4" fmla="*/ 170315 h 416468"/>
+                <a:gd name="connsiteX5" fmla="*/ 199543 w 209784"/>
+                <a:gd name="connsiteY5" fmla="*/ 172166 h 416468"/>
+                <a:gd name="connsiteX6" fmla="*/ 209784 w 209784"/>
+                <a:gd name="connsiteY6" fmla="*/ 196890 h 416468"/>
+                <a:gd name="connsiteX7" fmla="*/ 209784 w 209784"/>
+                <a:gd name="connsiteY7" fmla="*/ 381503 h 416468"/>
+                <a:gd name="connsiteX8" fmla="*/ 174819 w 209784"/>
+                <a:gd name="connsiteY8" fmla="*/ 416468 h 416468"/>
+                <a:gd name="connsiteX9" fmla="*/ 34965 w 209784"/>
+                <a:gd name="connsiteY9" fmla="*/ 416468 h 416468"/>
+                <a:gd name="connsiteX10" fmla="*/ 0 w 209784"/>
+                <a:gd name="connsiteY10" fmla="*/ 381503 h 416468"/>
+                <a:gd name="connsiteX11" fmla="*/ 0 w 209784"/>
+                <a:gd name="connsiteY11" fmla="*/ 196890 h 416468"/>
+                <a:gd name="connsiteX12" fmla="*/ 10241 w 209784"/>
+                <a:gd name="connsiteY12" fmla="*/ 172166 h 416468"/>
+                <a:gd name="connsiteX13" fmla="*/ 14709 w 209784"/>
+                <a:gd name="connsiteY13" fmla="*/ 170315 h 416468"/>
+                <a:gd name="connsiteX14" fmla="*/ 63705 w 209784"/>
+                <a:gd name="connsiteY14" fmla="*/ 85840 h 416468"/>
+                <a:gd name="connsiteX15" fmla="*/ 63705 w 209784"/>
+                <a:gd name="connsiteY15" fmla="*/ 13729 h 416468"/>
+                <a:gd name="connsiteX16" fmla="*/ 77434 w 209784"/>
+                <a:gd name="connsiteY16" fmla="*/ 0 h 416468"/>
+                <a:gd name="connsiteX0" fmla="*/ 77434 w 209784"/>
+                <a:gd name="connsiteY0" fmla="*/ 0 h 416468"/>
+                <a:gd name="connsiteX1" fmla="*/ 132350 w 209784"/>
+                <a:gd name="connsiteY1" fmla="*/ 0 h 416468"/>
+                <a:gd name="connsiteX2" fmla="*/ 146079 w 209784"/>
+                <a:gd name="connsiteY2" fmla="*/ 13729 h 416468"/>
+                <a:gd name="connsiteX3" fmla="*/ 146079 w 209784"/>
+                <a:gd name="connsiteY3" fmla="*/ 85840 h 416468"/>
+                <a:gd name="connsiteX4" fmla="*/ 199543 w 209784"/>
+                <a:gd name="connsiteY4" fmla="*/ 172166 h 416468"/>
+                <a:gd name="connsiteX5" fmla="*/ 209784 w 209784"/>
+                <a:gd name="connsiteY5" fmla="*/ 196890 h 416468"/>
+                <a:gd name="connsiteX6" fmla="*/ 209784 w 209784"/>
+                <a:gd name="connsiteY6" fmla="*/ 381503 h 416468"/>
+                <a:gd name="connsiteX7" fmla="*/ 174819 w 209784"/>
+                <a:gd name="connsiteY7" fmla="*/ 416468 h 416468"/>
+                <a:gd name="connsiteX8" fmla="*/ 34965 w 209784"/>
+                <a:gd name="connsiteY8" fmla="*/ 416468 h 416468"/>
+                <a:gd name="connsiteX9" fmla="*/ 0 w 209784"/>
+                <a:gd name="connsiteY9" fmla="*/ 381503 h 416468"/>
+                <a:gd name="connsiteX10" fmla="*/ 0 w 209784"/>
+                <a:gd name="connsiteY10" fmla="*/ 196890 h 416468"/>
+                <a:gd name="connsiteX11" fmla="*/ 10241 w 209784"/>
+                <a:gd name="connsiteY11" fmla="*/ 172166 h 416468"/>
+                <a:gd name="connsiteX12" fmla="*/ 14709 w 209784"/>
+                <a:gd name="connsiteY12" fmla="*/ 170315 h 416468"/>
+                <a:gd name="connsiteX13" fmla="*/ 63705 w 209784"/>
+                <a:gd name="connsiteY13" fmla="*/ 85840 h 416468"/>
+                <a:gd name="connsiteX14" fmla="*/ 63705 w 209784"/>
+                <a:gd name="connsiteY14" fmla="*/ 13729 h 416468"/>
+                <a:gd name="connsiteX15" fmla="*/ 77434 w 209784"/>
+                <a:gd name="connsiteY15" fmla="*/ 0 h 416468"/>
+                <a:gd name="connsiteX0" fmla="*/ 77434 w 209784"/>
+                <a:gd name="connsiteY0" fmla="*/ 0 h 416468"/>
+                <a:gd name="connsiteX1" fmla="*/ 132350 w 209784"/>
+                <a:gd name="connsiteY1" fmla="*/ 0 h 416468"/>
+                <a:gd name="connsiteX2" fmla="*/ 146079 w 209784"/>
+                <a:gd name="connsiteY2" fmla="*/ 13729 h 416468"/>
+                <a:gd name="connsiteX3" fmla="*/ 146079 w 209784"/>
+                <a:gd name="connsiteY3" fmla="*/ 85840 h 416468"/>
+                <a:gd name="connsiteX4" fmla="*/ 199543 w 209784"/>
+                <a:gd name="connsiteY4" fmla="*/ 172166 h 416468"/>
+                <a:gd name="connsiteX5" fmla="*/ 209784 w 209784"/>
+                <a:gd name="connsiteY5" fmla="*/ 196890 h 416468"/>
+                <a:gd name="connsiteX6" fmla="*/ 209784 w 209784"/>
+                <a:gd name="connsiteY6" fmla="*/ 381503 h 416468"/>
+                <a:gd name="connsiteX7" fmla="*/ 174819 w 209784"/>
+                <a:gd name="connsiteY7" fmla="*/ 416468 h 416468"/>
+                <a:gd name="connsiteX8" fmla="*/ 34965 w 209784"/>
+                <a:gd name="connsiteY8" fmla="*/ 416468 h 416468"/>
+                <a:gd name="connsiteX9" fmla="*/ 0 w 209784"/>
+                <a:gd name="connsiteY9" fmla="*/ 381503 h 416468"/>
+                <a:gd name="connsiteX10" fmla="*/ 0 w 209784"/>
+                <a:gd name="connsiteY10" fmla="*/ 196890 h 416468"/>
+                <a:gd name="connsiteX11" fmla="*/ 10241 w 209784"/>
+                <a:gd name="connsiteY11" fmla="*/ 172166 h 416468"/>
+                <a:gd name="connsiteX12" fmla="*/ 63705 w 209784"/>
+                <a:gd name="connsiteY12" fmla="*/ 85840 h 416468"/>
+                <a:gd name="connsiteX13" fmla="*/ 63705 w 209784"/>
+                <a:gd name="connsiteY13" fmla="*/ 13729 h 416468"/>
+                <a:gd name="connsiteX14" fmla="*/ 77434 w 209784"/>
+                <a:gd name="connsiteY14" fmla="*/ 0 h 416468"/>
+              </a:gdLst>
+              <a:ahLst/>
+              <a:cxnLst>
+                <a:cxn ang="0">
+                  <a:pos x="connsiteX0" y="connsiteY0"/>
+                </a:cxn>
+                <a:cxn ang="0">
+                  <a:pos x="connsiteX1" y="connsiteY1"/>
+                </a:cxn>
+                <a:cxn ang="0">
+                  <a:pos x="connsiteX2" y="connsiteY2"/>
+                </a:cxn>
+                <a:cxn ang="0">
+                  <a:pos x="connsiteX3" y="connsiteY3"/>
+                </a:cxn>
+                <a:cxn ang="0">
+                  <a:pos x="connsiteX4" y="connsiteY4"/>
+                </a:cxn>
+                <a:cxn ang="0">
+                  <a:pos x="connsiteX5" y="connsiteY5"/>
+                </a:cxn>
+                <a:cxn ang="0">
+                  <a:pos x="connsiteX6" y="connsiteY6"/>
+                </a:cxn>
+                <a:cxn ang="0">
+                  <a:pos x="connsiteX7" y="connsiteY7"/>
+                </a:cxn>
+                <a:cxn ang="0">
+                  <a:pos x="connsiteX8" y="connsiteY8"/>
+                </a:cxn>
+                <a:cxn ang="0">
+                  <a:pos x="connsiteX9" y="connsiteY9"/>
+                </a:cxn>
+                <a:cxn ang="0">
+                  <a:pos x="connsiteX10" y="connsiteY10"/>
+                </a:cxn>
+                <a:cxn ang="0">
+                  <a:pos x="connsiteX11" y="connsiteY11"/>
+                </a:cxn>
+                <a:cxn ang="0">
+                  <a:pos x="connsiteX12" y="connsiteY12"/>
+                </a:cxn>
+                <a:cxn ang="0">
+                  <a:pos x="connsiteX13" y="connsiteY13"/>
+                </a:cxn>
+                <a:cxn ang="0">
+                  <a:pos x="connsiteX14" y="connsiteY14"/>
+                </a:cxn>
+              </a:cxnLst>
+              <a:rect l="l" t="t" r="r" b="b"/>
+              <a:pathLst>
+                <a:path w="209784" h="416468">
+                  <a:moveTo>
+                    <a:pt x="77434" y="0"/>
+                  </a:moveTo>
+                  <a:lnTo>
+                    <a:pt x="132350" y="0"/>
+                  </a:lnTo>
+                  <a:cubicBezTo>
+                    <a:pt x="139932" y="0"/>
+                    <a:pt x="146079" y="6147"/>
+                    <a:pt x="146079" y="13729"/>
+                  </a:cubicBezTo>
+                  <a:lnTo>
+                    <a:pt x="146079" y="85840"/>
+                  </a:lnTo>
+                  <a:lnTo>
+                    <a:pt x="199543" y="172166"/>
+                  </a:lnTo>
+                  <a:cubicBezTo>
+                    <a:pt x="205871" y="178493"/>
+                    <a:pt x="209784" y="187235"/>
+                    <a:pt x="209784" y="196890"/>
+                  </a:cubicBezTo>
+                  <a:lnTo>
+                    <a:pt x="209784" y="381503"/>
+                  </a:lnTo>
+                  <a:cubicBezTo>
+                    <a:pt x="209784" y="400814"/>
+                    <a:pt x="194130" y="416468"/>
+                    <a:pt x="174819" y="416468"/>
+                  </a:cubicBezTo>
+                  <a:lnTo>
+                    <a:pt x="34965" y="416468"/>
+                  </a:lnTo>
+                  <a:cubicBezTo>
+                    <a:pt x="15654" y="416468"/>
+                    <a:pt x="0" y="400814"/>
+                    <a:pt x="0" y="381503"/>
+                  </a:cubicBezTo>
+                  <a:lnTo>
+                    <a:pt x="0" y="196890"/>
+                  </a:lnTo>
+                  <a:cubicBezTo>
+                    <a:pt x="0" y="187235"/>
+                    <a:pt x="3913" y="178493"/>
+                    <a:pt x="10241" y="172166"/>
+                  </a:cubicBezTo>
+                  <a:lnTo>
+                    <a:pt x="63705" y="85840"/>
+                  </a:lnTo>
+                  <a:lnTo>
+                    <a:pt x="63705" y="13729"/>
+                  </a:lnTo>
+                  <a:cubicBezTo>
+                    <a:pt x="63705" y="6147"/>
+                    <a:pt x="69852" y="0"/>
+                    <a:pt x="77434" y="0"/>
+                  </a:cubicBezTo>
+                  <a:close/>
+                </a:path>
+              </a:pathLst>
+            </a:custGeom>
+            <a:solidFill>
+              <a:schemeClr val="tx1"/>
+            </a:solidFill>
+          </p:spPr>
+          <p:style>
+            <a:lnRef idx="2">
+              <a:schemeClr val="accent1">
+                <a:shade val="15000"/>
+              </a:schemeClr>
+            </a:lnRef>
+            <a:fillRef idx="1">
+              <a:schemeClr val="accent1"/>
+            </a:fillRef>
+            <a:effectRef idx="0">
+              <a:schemeClr val="accent1"/>
+            </a:effectRef>
+            <a:fontRef idx="minor">
+              <a:schemeClr val="lt1"/>
+            </a:fontRef>
+          </p:style>
+          <p:txBody>
+            <a:bodyPr rtlCol="0" anchor="ctr"/>
+            <a:lstStyle/>
+            <a:p>
+              <a:pPr algn="ctr"/>
+              <a:endParaRPr lang="en-CA"/>
+            </a:p>
+          </p:txBody>
+        </p:sp>
+        <p:sp>
+          <p:nvSpPr>
+            <p:cNvPr id="7" name="Rectangle: Rounded Corners 6">
+              <a:extLst>
+                <a:ext uri="{FF2B5EF4-FFF2-40B4-BE49-F238E27FC236}">
+                  <a16:creationId xmlns:a16="http://schemas.microsoft.com/office/drawing/2014/main" id="{D7A8D04D-3D32-05AB-2538-AE67DAE49FC3}"/>
+                </a:ext>
+              </a:extLst>
+            </p:cNvPr>
+            <p:cNvSpPr/>
+            <p:nvPr/>
+          </p:nvSpPr>
+          <p:spPr>
+            <a:xfrm>
+              <a:off x="6002020" y="3986013"/>
+              <a:ext cx="1598774" cy="837777"/>
+            </a:xfrm>
+            <a:prstGeom prst="roundRect">
+              <a:avLst>
+                <a:gd name="adj" fmla="val 6569"/>
+              </a:avLst>
+            </a:prstGeom>
+            <a:solidFill>
+              <a:srgbClr val="D9D9D9"/>
+            </a:solidFill>
+            <a:ln w="19050" cap="flat">
+              <a:solidFill>
+                <a:srgbClr val="000000"/>
+              </a:solidFill>
+              <a:prstDash val="solid"/>
+              <a:round/>
+            </a:ln>
+          </p:spPr>
+          <p:txBody>
+            <a:bodyPr lIns="0" tIns="0" rIns="0" bIns="0" rtlCol="0" anchor="ctr"/>
+            <a:lstStyle/>
+            <a:p>
+              <a:endParaRPr lang="en-CA" sz="1000">
+                <a:solidFill>
+                  <a:schemeClr val="tx1"/>
+                </a:solidFill>
+              </a:endParaRPr>
+            </a:p>
+          </p:txBody>
+        </p:sp>
+        <p:grpSp>
+          <p:nvGrpSpPr>
+            <p:cNvPr id="25" name="Group 24">
+              <a:extLst>
+                <a:ext uri="{FF2B5EF4-FFF2-40B4-BE49-F238E27FC236}">
+                  <a16:creationId xmlns:a16="http://schemas.microsoft.com/office/drawing/2014/main" id="{62808983-0F00-FB46-B928-C381A39EB86B}"/>
+                </a:ext>
+              </a:extLst>
+            </p:cNvPr>
+            <p:cNvGrpSpPr/>
+            <p:nvPr/>
+          </p:nvGrpSpPr>
+          <p:grpSpPr>
+            <a:xfrm>
+              <a:off x="7306283" y="4152121"/>
+              <a:ext cx="217371" cy="217371"/>
+              <a:chOff x="7754247" y="3440218"/>
+              <a:chExt cx="217371" cy="217371"/>
+            </a:xfrm>
+          </p:grpSpPr>
+          <p:sp>
+            <p:nvSpPr>
+              <p:cNvPr id="13" name="Arc 12">
+                <a:extLst>
+                  <a:ext uri="{FF2B5EF4-FFF2-40B4-BE49-F238E27FC236}">
+                    <a16:creationId xmlns:a16="http://schemas.microsoft.com/office/drawing/2014/main" id="{5C65C522-BFF4-D33D-13CA-356DC32A97B6}"/>
+                  </a:ext>
+                </a:extLst>
+              </p:cNvPr>
+              <p:cNvSpPr/>
+              <p:nvPr/>
+            </p:nvSpPr>
+            <p:spPr>
+              <a:xfrm rot="18900000">
+                <a:off x="7774731" y="3460702"/>
+                <a:ext cx="176403" cy="176403"/>
+              </a:xfrm>
+              <a:prstGeom prst="arc">
+                <a:avLst/>
+              </a:prstGeom>
+              <a:ln w="19050" cap="rnd">
+                <a:solidFill>
+                  <a:schemeClr val="tx1"/>
+                </a:solidFill>
+              </a:ln>
+            </p:spPr>
+            <p:style>
+              <a:lnRef idx="1">
+                <a:schemeClr val="accent1"/>
+              </a:lnRef>
+              <a:fillRef idx="0">
+                <a:schemeClr val="accent1"/>
+              </a:fillRef>
+              <a:effectRef idx="0">
+                <a:schemeClr val="accent1"/>
+              </a:effectRef>
+              <a:fontRef idx="minor">
+                <a:schemeClr val="tx1"/>
+              </a:fontRef>
+            </p:style>
+            <p:txBody>
+              <a:bodyPr rtlCol="0" anchor="ctr"/>
+              <a:lstStyle/>
+              <a:p>
+                <a:pPr algn="ctr"/>
+                <a:endParaRPr lang="en-CA"/>
+              </a:p>
+            </p:txBody>
+          </p:sp>
+          <p:sp>
+            <p:nvSpPr>
+              <p:cNvPr id="14" name="Freeform: Shape 13">
+                <a:extLst>
+                  <a:ext uri="{FF2B5EF4-FFF2-40B4-BE49-F238E27FC236}">
+                    <a16:creationId xmlns:a16="http://schemas.microsoft.com/office/drawing/2014/main" id="{80E1A490-2117-88D8-2D3A-CAC899C398C2}"/>
+                  </a:ext>
+                </a:extLst>
+              </p:cNvPr>
+              <p:cNvSpPr/>
+              <p:nvPr/>
+            </p:nvSpPr>
+            <p:spPr>
+              <a:xfrm>
+                <a:off x="7754247" y="3440218"/>
+                <a:ext cx="217371" cy="217371"/>
+              </a:xfrm>
+              <a:custGeom>
+                <a:avLst/>
+                <a:gdLst>
+                  <a:gd name="connsiteX0" fmla="*/ 0 w 59780"/>
+                  <a:gd name="connsiteY0" fmla="*/ 32611 h 65221"/>
+                  <a:gd name="connsiteX1" fmla="*/ 29890 w 59780"/>
+                  <a:gd name="connsiteY1" fmla="*/ 0 h 65221"/>
+                  <a:gd name="connsiteX2" fmla="*/ 59781 w 59780"/>
+                  <a:gd name="connsiteY2" fmla="*/ 32611 h 65221"/>
+                  <a:gd name="connsiteX3" fmla="*/ 29890 w 59780"/>
+                  <a:gd name="connsiteY3" fmla="*/ 65221 h 65221"/>
+                  <a:gd name="connsiteX4" fmla="*/ 0 w 59780"/>
+                  <a:gd name="connsiteY4" fmla="*/ 32611 h 65221"/>
+                </a:gdLst>
+                <a:ahLst/>
+                <a:cxnLst>
+                  <a:cxn ang="0">
+                    <a:pos x="connsiteX0" y="connsiteY0"/>
+                  </a:cxn>
+                  <a:cxn ang="0">
+                    <a:pos x="connsiteX1" y="connsiteY1"/>
+                  </a:cxn>
+                  <a:cxn ang="0">
+                    <a:pos x="connsiteX2" y="connsiteY2"/>
+                  </a:cxn>
+                  <a:cxn ang="0">
+                    <a:pos x="connsiteX3" y="connsiteY3"/>
+                  </a:cxn>
+                  <a:cxn ang="0">
+                    <a:pos x="connsiteX4" y="connsiteY4"/>
+                  </a:cxn>
+                </a:cxnLst>
+                <a:rect l="l" t="t" r="r" b="b"/>
+                <a:pathLst>
+                  <a:path w="59780" h="65221">
+                    <a:moveTo>
+                      <a:pt x="0" y="32611"/>
+                    </a:moveTo>
+                    <a:cubicBezTo>
+                      <a:pt x="0" y="14599"/>
+                      <a:pt x="13380" y="0"/>
+                      <a:pt x="29890" y="0"/>
+                    </a:cubicBezTo>
+                    <a:cubicBezTo>
+                      <a:pt x="46401" y="0"/>
+                      <a:pt x="59781" y="14599"/>
+                      <a:pt x="59781" y="32611"/>
+                    </a:cubicBezTo>
+                    <a:cubicBezTo>
+                      <a:pt x="59781" y="50623"/>
+                      <a:pt x="46401" y="65221"/>
+                      <a:pt x="29890" y="65221"/>
+                    </a:cubicBezTo>
+                    <a:cubicBezTo>
+                      <a:pt x="13380" y="65221"/>
+                      <a:pt x="0" y="50623"/>
+                      <a:pt x="0" y="32611"/>
+                    </a:cubicBezTo>
+                    <a:close/>
+                  </a:path>
+                </a:pathLst>
+              </a:custGeom>
+              <a:solidFill>
+                <a:schemeClr val="bg1"/>
+              </a:solidFill>
+              <a:ln w="19050" cap="flat">
+                <a:solidFill>
+                  <a:srgbClr val="000000"/>
+                </a:solidFill>
+                <a:prstDash val="solid"/>
+                <a:round/>
+              </a:ln>
+            </p:spPr>
+            <p:txBody>
+              <a:bodyPr lIns="0" tIns="0" rIns="0" bIns="0" rtlCol="0" anchor="ctr"/>
+              <a:lstStyle/>
+              <a:p>
+                <a:endParaRPr lang="en-CA" sz="1000"/>
+              </a:p>
+            </p:txBody>
+          </p:sp>
+          <p:sp>
+            <p:nvSpPr>
+              <p:cNvPr id="17" name="Arc 16">
+                <a:extLst>
+                  <a:ext uri="{FF2B5EF4-FFF2-40B4-BE49-F238E27FC236}">
+                    <a16:creationId xmlns:a16="http://schemas.microsoft.com/office/drawing/2014/main" id="{D1C6A07F-C1BC-98B5-BF5C-44D57D65ADCF}"/>
+                  </a:ext>
+                </a:extLst>
+              </p:cNvPr>
+              <p:cNvSpPr/>
+              <p:nvPr/>
+            </p:nvSpPr>
+            <p:spPr>
+              <a:xfrm>
+                <a:off x="7799425" y="3485396"/>
+                <a:ext cx="127014" cy="127014"/>
+              </a:xfrm>
+              <a:prstGeom prst="arc">
+                <a:avLst/>
+              </a:prstGeom>
+              <a:ln w="19050" cap="rnd">
+                <a:solidFill>
+                  <a:schemeClr val="tx1"/>
+                </a:solidFill>
+              </a:ln>
+            </p:spPr>
+            <p:style>
+              <a:lnRef idx="1">
+                <a:schemeClr val="accent1"/>
+              </a:lnRef>
+              <a:fillRef idx="0">
+                <a:schemeClr val="accent1"/>
+              </a:fillRef>
+              <a:effectRef idx="0">
+                <a:schemeClr val="accent1"/>
+              </a:effectRef>
+              <a:fontRef idx="minor">
+                <a:schemeClr val="tx1"/>
+              </a:fontRef>
+            </p:style>
+            <p:txBody>
+              <a:bodyPr rtlCol="0" anchor="ctr"/>
+              <a:lstStyle/>
+              <a:p>
+                <a:pPr algn="ctr"/>
+                <a:endParaRPr lang="en-CA" dirty="0"/>
+              </a:p>
+            </p:txBody>
+          </p:sp>
+          <p:sp>
+            <p:nvSpPr>
+              <p:cNvPr id="18" name="Arc 17">
+                <a:extLst>
+                  <a:ext uri="{FF2B5EF4-FFF2-40B4-BE49-F238E27FC236}">
+                    <a16:creationId xmlns:a16="http://schemas.microsoft.com/office/drawing/2014/main" id="{98EBD3CA-C328-725F-689C-D852A01D3E37}"/>
+                  </a:ext>
+                </a:extLst>
+              </p:cNvPr>
+              <p:cNvSpPr/>
+              <p:nvPr/>
+            </p:nvSpPr>
+            <p:spPr>
+              <a:xfrm rot="10800000">
+                <a:off x="7799425" y="3485396"/>
+                <a:ext cx="127014" cy="127014"/>
+              </a:xfrm>
+              <a:prstGeom prst="arc">
+                <a:avLst/>
+              </a:prstGeom>
+              <a:ln w="19050" cap="rnd">
+                <a:solidFill>
+                  <a:schemeClr val="tx1"/>
+                </a:solidFill>
+              </a:ln>
+            </p:spPr>
+            <p:style>
+              <a:lnRef idx="1">
+                <a:schemeClr val="accent1"/>
+              </a:lnRef>
+              <a:fillRef idx="0">
+                <a:schemeClr val="accent1"/>
+              </a:fillRef>
+              <a:effectRef idx="0">
+                <a:schemeClr val="accent1"/>
+              </a:effectRef>
+              <a:fontRef idx="minor">
+                <a:schemeClr val="tx1"/>
+              </a:fontRef>
+            </p:style>
+            <p:txBody>
+              <a:bodyPr rtlCol="0" anchor="ctr"/>
+              <a:lstStyle/>
+              <a:p>
+                <a:pPr algn="ctr"/>
+                <a:endParaRPr lang="en-CA"/>
+              </a:p>
+            </p:txBody>
+          </p:sp>
+          <p:cxnSp>
+            <p:nvCxnSpPr>
+              <p:cNvPr id="20" name="Straight Connector 19">
+                <a:extLst>
+                  <a:ext uri="{FF2B5EF4-FFF2-40B4-BE49-F238E27FC236}">
+                    <a16:creationId xmlns:a16="http://schemas.microsoft.com/office/drawing/2014/main" id="{5BEF88C0-E98F-4E33-5F60-6EAA347DAD91}"/>
+                  </a:ext>
+                </a:extLst>
+              </p:cNvPr>
+              <p:cNvCxnSpPr>
+                <a:cxnSpLocks/>
+              </p:cNvCxnSpPr>
+              <p:nvPr/>
+            </p:nvCxnSpPr>
+            <p:spPr>
+              <a:xfrm>
+                <a:off x="7830157" y="3516128"/>
+                <a:ext cx="65551" cy="65550"/>
+              </a:xfrm>
+              <a:prstGeom prst="line">
+                <a:avLst/>
+              </a:prstGeom>
+              <a:ln w="19050" cap="rnd">
+                <a:solidFill>
+                  <a:schemeClr val="tx1"/>
+                </a:solidFill>
+              </a:ln>
+            </p:spPr>
+            <p:style>
+              <a:lnRef idx="1">
+                <a:schemeClr val="accent1"/>
+              </a:lnRef>
+              <a:fillRef idx="0">
+                <a:schemeClr val="accent1"/>
+              </a:fillRef>
+              <a:effectRef idx="0">
+                <a:schemeClr val="accent1"/>
+              </a:effectRef>
+              <a:fontRef idx="minor">
+                <a:schemeClr val="tx1"/>
+              </a:fontRef>
+            </p:style>
+          </p:cxnSp>
+        </p:grpSp>
+        <p:grpSp>
+          <p:nvGrpSpPr>
+            <p:cNvPr id="33" name="Group 32">
+              <a:extLst>
+                <a:ext uri="{FF2B5EF4-FFF2-40B4-BE49-F238E27FC236}">
+                  <a16:creationId xmlns:a16="http://schemas.microsoft.com/office/drawing/2014/main" id="{0F65869C-60A6-6854-8B29-F0641996B2AD}"/>
+                </a:ext>
+              </a:extLst>
+            </p:cNvPr>
+            <p:cNvGrpSpPr/>
+            <p:nvPr/>
+          </p:nvGrpSpPr>
+          <p:grpSpPr>
+            <a:xfrm rot="10800000">
+              <a:off x="6837907" y="4115889"/>
+              <a:ext cx="163220" cy="112142"/>
+              <a:chOff x="8702304" y="3875445"/>
+              <a:chExt cx="213901" cy="146963"/>
+            </a:xfrm>
+          </p:grpSpPr>
+          <p:sp>
+            <p:nvSpPr>
+              <p:cNvPr id="31" name="Freeform: Shape 30">
+                <a:extLst>
+                  <a:ext uri="{FF2B5EF4-FFF2-40B4-BE49-F238E27FC236}">
+                    <a16:creationId xmlns:a16="http://schemas.microsoft.com/office/drawing/2014/main" id="{0AA2EDF3-3DCC-BF07-BF45-9AA8B3D2870E}"/>
+                  </a:ext>
+                </a:extLst>
+              </p:cNvPr>
+              <p:cNvSpPr/>
+              <p:nvPr/>
+            </p:nvSpPr>
+            <p:spPr>
+              <a:xfrm>
+                <a:off x="8716203" y="3875445"/>
+                <a:ext cx="146964" cy="146963"/>
+              </a:xfrm>
+              <a:custGeom>
+                <a:avLst/>
+                <a:gdLst>
+                  <a:gd name="connsiteX0" fmla="*/ 0 w 59780"/>
+                  <a:gd name="connsiteY0" fmla="*/ 32611 h 65221"/>
+                  <a:gd name="connsiteX1" fmla="*/ 29890 w 59780"/>
+                  <a:gd name="connsiteY1" fmla="*/ 0 h 65221"/>
+                  <a:gd name="connsiteX2" fmla="*/ 59781 w 59780"/>
+                  <a:gd name="connsiteY2" fmla="*/ 32611 h 65221"/>
+                  <a:gd name="connsiteX3" fmla="*/ 29890 w 59780"/>
+                  <a:gd name="connsiteY3" fmla="*/ 65221 h 65221"/>
+                  <a:gd name="connsiteX4" fmla="*/ 0 w 59780"/>
+                  <a:gd name="connsiteY4" fmla="*/ 32611 h 65221"/>
+                </a:gdLst>
+                <a:ahLst/>
+                <a:cxnLst>
+                  <a:cxn ang="0">
+                    <a:pos x="connsiteX0" y="connsiteY0"/>
+                  </a:cxn>
+                  <a:cxn ang="0">
+                    <a:pos x="connsiteX1" y="connsiteY1"/>
+                  </a:cxn>
+                  <a:cxn ang="0">
+                    <a:pos x="connsiteX2" y="connsiteY2"/>
+                  </a:cxn>
+                  <a:cxn ang="0">
+                    <a:pos x="connsiteX3" y="connsiteY3"/>
+                  </a:cxn>
+                  <a:cxn ang="0">
+                    <a:pos x="connsiteX4" y="connsiteY4"/>
+                  </a:cxn>
+                </a:cxnLst>
+                <a:rect l="l" t="t" r="r" b="b"/>
+                <a:pathLst>
+                  <a:path w="59780" h="65221">
+                    <a:moveTo>
+                      <a:pt x="0" y="32611"/>
+                    </a:moveTo>
+                    <a:cubicBezTo>
+                      <a:pt x="0" y="14599"/>
+                      <a:pt x="13380" y="0"/>
+                      <a:pt x="29890" y="0"/>
+                    </a:cubicBezTo>
+                    <a:cubicBezTo>
+                      <a:pt x="46401" y="0"/>
+                      <a:pt x="59781" y="14599"/>
+                      <a:pt x="59781" y="32611"/>
+                    </a:cubicBezTo>
+                    <a:cubicBezTo>
+                      <a:pt x="59781" y="50623"/>
+                      <a:pt x="46401" y="65221"/>
+                      <a:pt x="29890" y="65221"/>
+                    </a:cubicBezTo>
+                    <a:cubicBezTo>
+                      <a:pt x="13380" y="65221"/>
+                      <a:pt x="0" y="50623"/>
+                      <a:pt x="0" y="32611"/>
+                    </a:cubicBezTo>
+                    <a:close/>
+                  </a:path>
+                </a:pathLst>
+              </a:custGeom>
+              <a:solidFill>
+                <a:srgbClr val="ECAE01"/>
+              </a:solidFill>
+              <a:ln w="19050" cap="flat">
+                <a:solidFill>
+                  <a:srgbClr val="000000"/>
+                </a:solidFill>
+                <a:prstDash val="solid"/>
+                <a:round/>
+              </a:ln>
+            </p:spPr>
+            <p:txBody>
+              <a:bodyPr rot="0" spcFirstLastPara="0" vertOverflow="overflow" horzOverflow="overflow" vert="horz" wrap="square" lIns="0" tIns="0" rIns="0" bIns="0" numCol="1" spcCol="0" rtlCol="0" fromWordArt="0" anchor="ctr" anchorCtr="0" forceAA="0" compatLnSpc="1">
+                <a:prstTxWarp prst="textNoShape">
+                  <a:avLst/>
+                </a:prstTxWarp>
+                <a:noAutofit/>
+              </a:bodyPr>
+              <a:lstStyle/>
+              <a:p>
+                <a:endParaRPr lang="en-CA" sz="1000"/>
+              </a:p>
+            </p:txBody>
+          </p:sp>
+          <p:sp>
+            <p:nvSpPr>
+              <p:cNvPr id="32" name="Rectangle: Rounded Corners 31">
+                <a:extLst>
+                  <a:ext uri="{FF2B5EF4-FFF2-40B4-BE49-F238E27FC236}">
+                    <a16:creationId xmlns:a16="http://schemas.microsoft.com/office/drawing/2014/main" id="{630D1607-A704-2087-0F0E-3608C4EB7E9B}"/>
+                  </a:ext>
+                </a:extLst>
+              </p:cNvPr>
+              <p:cNvSpPr/>
+              <p:nvPr/>
+            </p:nvSpPr>
+            <p:spPr>
+              <a:xfrm>
+                <a:off x="8702304" y="3923715"/>
+                <a:ext cx="213901" cy="50414"/>
+              </a:xfrm>
+              <a:prstGeom prst="roundRect">
+                <a:avLst>
+                  <a:gd name="adj" fmla="val 41953"/>
+                </a:avLst>
+              </a:prstGeom>
+              <a:solidFill>
+                <a:schemeClr val="tx1">
+                  <a:lumMod val="75000"/>
+                  <a:lumOff val="25000"/>
+                </a:schemeClr>
+              </a:solidFill>
+              <a:ln w="19050" cap="flat">
+                <a:solidFill>
+                  <a:srgbClr val="000000"/>
+                </a:solidFill>
+                <a:prstDash val="solid"/>
+                <a:round/>
+              </a:ln>
+            </p:spPr>
+            <p:txBody>
+              <a:bodyPr rot="0" spcFirstLastPara="0" vertOverflow="overflow" horzOverflow="overflow" vert="horz" wrap="square" lIns="0" tIns="0" rIns="0" bIns="0" numCol="1" spcCol="0" rtlCol="0" fromWordArt="0" anchor="ctr" anchorCtr="0" forceAA="0" compatLnSpc="1">
+                <a:prstTxWarp prst="textNoShape">
+                  <a:avLst/>
+                </a:prstTxWarp>
+                <a:noAutofit/>
+              </a:bodyPr>
+              <a:lstStyle/>
+              <a:p>
+                <a:endParaRPr lang="en-CA" sz="1000" dirty="0">
+                  <a:solidFill>
+                    <a:schemeClr val="tx1"/>
+                  </a:solidFill>
+                </a:endParaRPr>
+              </a:p>
+            </p:txBody>
+          </p:sp>
+        </p:grpSp>
+        <p:grpSp>
+          <p:nvGrpSpPr>
+            <p:cNvPr id="38" name="Group 37">
+              <a:extLst>
+                <a:ext uri="{FF2B5EF4-FFF2-40B4-BE49-F238E27FC236}">
+                  <a16:creationId xmlns:a16="http://schemas.microsoft.com/office/drawing/2014/main" id="{4F58E0C8-351B-EB39-62EF-0FAA1A9B0BAE}"/>
+                </a:ext>
+              </a:extLst>
+            </p:cNvPr>
+            <p:cNvGrpSpPr/>
+            <p:nvPr/>
+          </p:nvGrpSpPr>
+          <p:grpSpPr>
+            <a:xfrm rot="10800000">
+              <a:off x="6837907" y="4343037"/>
+              <a:ext cx="163220" cy="112142"/>
+              <a:chOff x="8702304" y="3875445"/>
+              <a:chExt cx="213901" cy="146963"/>
+            </a:xfrm>
+          </p:grpSpPr>
+          <p:sp>
+            <p:nvSpPr>
+              <p:cNvPr id="40" name="Freeform: Shape 39">
+                <a:extLst>
+                  <a:ext uri="{FF2B5EF4-FFF2-40B4-BE49-F238E27FC236}">
+                    <a16:creationId xmlns:a16="http://schemas.microsoft.com/office/drawing/2014/main" id="{DEE4D044-F009-3F3F-8C27-849ED52229BA}"/>
+                  </a:ext>
+                </a:extLst>
+              </p:cNvPr>
+              <p:cNvSpPr/>
+              <p:nvPr/>
+            </p:nvSpPr>
+            <p:spPr>
+              <a:xfrm>
+                <a:off x="8716203" y="3875445"/>
+                <a:ext cx="146964" cy="146963"/>
+              </a:xfrm>
+              <a:custGeom>
+                <a:avLst/>
+                <a:gdLst>
+                  <a:gd name="connsiteX0" fmla="*/ 0 w 59780"/>
+                  <a:gd name="connsiteY0" fmla="*/ 32611 h 65221"/>
+                  <a:gd name="connsiteX1" fmla="*/ 29890 w 59780"/>
+                  <a:gd name="connsiteY1" fmla="*/ 0 h 65221"/>
+                  <a:gd name="connsiteX2" fmla="*/ 59781 w 59780"/>
+                  <a:gd name="connsiteY2" fmla="*/ 32611 h 65221"/>
+                  <a:gd name="connsiteX3" fmla="*/ 29890 w 59780"/>
+                  <a:gd name="connsiteY3" fmla="*/ 65221 h 65221"/>
+                  <a:gd name="connsiteX4" fmla="*/ 0 w 59780"/>
+                  <a:gd name="connsiteY4" fmla="*/ 32611 h 65221"/>
+                </a:gdLst>
+                <a:ahLst/>
+                <a:cxnLst>
+                  <a:cxn ang="0">
+                    <a:pos x="connsiteX0" y="connsiteY0"/>
+                  </a:cxn>
+                  <a:cxn ang="0">
+                    <a:pos x="connsiteX1" y="connsiteY1"/>
+                  </a:cxn>
+                  <a:cxn ang="0">
+                    <a:pos x="connsiteX2" y="connsiteY2"/>
+                  </a:cxn>
+                  <a:cxn ang="0">
+                    <a:pos x="connsiteX3" y="connsiteY3"/>
+                  </a:cxn>
+                  <a:cxn ang="0">
+                    <a:pos x="connsiteX4" y="connsiteY4"/>
+                  </a:cxn>
+                </a:cxnLst>
+                <a:rect l="l" t="t" r="r" b="b"/>
+                <a:pathLst>
+                  <a:path w="59780" h="65221">
+                    <a:moveTo>
+                      <a:pt x="0" y="32611"/>
+                    </a:moveTo>
+                    <a:cubicBezTo>
+                      <a:pt x="0" y="14599"/>
+                      <a:pt x="13380" y="0"/>
+                      <a:pt x="29890" y="0"/>
+                    </a:cubicBezTo>
+                    <a:cubicBezTo>
+                      <a:pt x="46401" y="0"/>
+                      <a:pt x="59781" y="14599"/>
+                      <a:pt x="59781" y="32611"/>
+                    </a:cubicBezTo>
+                    <a:cubicBezTo>
+                      <a:pt x="59781" y="50623"/>
+                      <a:pt x="46401" y="65221"/>
+                      <a:pt x="29890" y="65221"/>
+                    </a:cubicBezTo>
+                    <a:cubicBezTo>
+                      <a:pt x="13380" y="65221"/>
+                      <a:pt x="0" y="50623"/>
+                      <a:pt x="0" y="32611"/>
+                    </a:cubicBezTo>
+                    <a:close/>
+                  </a:path>
+                </a:pathLst>
+              </a:custGeom>
+              <a:solidFill>
+                <a:srgbClr val="ECAE01"/>
+              </a:solidFill>
+              <a:ln w="19050" cap="flat">
+                <a:solidFill>
+                  <a:srgbClr val="000000"/>
+                </a:solidFill>
+                <a:prstDash val="solid"/>
+                <a:round/>
+              </a:ln>
+            </p:spPr>
+            <p:txBody>
+              <a:bodyPr rot="0" spcFirstLastPara="0" vertOverflow="overflow" horzOverflow="overflow" vert="horz" wrap="square" lIns="0" tIns="0" rIns="0" bIns="0" numCol="1" spcCol="0" rtlCol="0" fromWordArt="0" anchor="ctr" anchorCtr="0" forceAA="0" compatLnSpc="1">
+                <a:prstTxWarp prst="textNoShape">
+                  <a:avLst/>
+                </a:prstTxWarp>
+                <a:noAutofit/>
+              </a:bodyPr>
+              <a:lstStyle/>
+              <a:p>
+                <a:endParaRPr lang="en-CA" sz="1000"/>
+              </a:p>
+            </p:txBody>
+          </p:sp>
+          <p:sp>
+            <p:nvSpPr>
+              <p:cNvPr id="41" name="Rectangle: Rounded Corners 40">
+                <a:extLst>
+                  <a:ext uri="{FF2B5EF4-FFF2-40B4-BE49-F238E27FC236}">
+                    <a16:creationId xmlns:a16="http://schemas.microsoft.com/office/drawing/2014/main" id="{5FC69A60-CDB5-4F90-5835-F889C9CE0656}"/>
+                  </a:ext>
+                </a:extLst>
+              </p:cNvPr>
+              <p:cNvSpPr/>
+              <p:nvPr/>
+            </p:nvSpPr>
+            <p:spPr>
+              <a:xfrm>
+                <a:off x="8702304" y="3923715"/>
+                <a:ext cx="213901" cy="50414"/>
+              </a:xfrm>
+              <a:prstGeom prst="roundRect">
+                <a:avLst>
+                  <a:gd name="adj" fmla="val 41953"/>
+                </a:avLst>
+              </a:prstGeom>
+              <a:solidFill>
+                <a:schemeClr val="tx1">
+                  <a:lumMod val="75000"/>
+                  <a:lumOff val="25000"/>
+                </a:schemeClr>
+              </a:solidFill>
+              <a:ln w="19050" cap="flat">
+                <a:solidFill>
+                  <a:srgbClr val="000000"/>
+                </a:solidFill>
+                <a:prstDash val="solid"/>
+                <a:round/>
+              </a:ln>
+            </p:spPr>
+            <p:txBody>
+              <a:bodyPr rot="0" spcFirstLastPara="0" vertOverflow="overflow" horzOverflow="overflow" vert="horz" wrap="square" lIns="0" tIns="0" rIns="0" bIns="0" numCol="1" spcCol="0" rtlCol="0" fromWordArt="0" anchor="ctr" anchorCtr="0" forceAA="0" compatLnSpc="1">
+                <a:prstTxWarp prst="textNoShape">
+                  <a:avLst/>
+                </a:prstTxWarp>
+                <a:noAutofit/>
+              </a:bodyPr>
+              <a:lstStyle/>
+              <a:p>
+                <a:endParaRPr lang="en-CA" sz="1000" dirty="0">
+                  <a:solidFill>
+                    <a:schemeClr val="tx1"/>
+                  </a:solidFill>
+                </a:endParaRPr>
+              </a:p>
+            </p:txBody>
+          </p:sp>
+        </p:grpSp>
+        <p:grpSp>
+          <p:nvGrpSpPr>
+            <p:cNvPr id="42" name="Group 41">
+              <a:extLst>
+                <a:ext uri="{FF2B5EF4-FFF2-40B4-BE49-F238E27FC236}">
+                  <a16:creationId xmlns:a16="http://schemas.microsoft.com/office/drawing/2014/main" id="{4826793F-F24A-C8B9-08AD-5DF7686BEBF1}"/>
+                </a:ext>
+              </a:extLst>
+            </p:cNvPr>
+            <p:cNvGrpSpPr/>
+            <p:nvPr/>
+          </p:nvGrpSpPr>
+          <p:grpSpPr>
+            <a:xfrm rot="10800000">
+              <a:off x="6837907" y="4570186"/>
+              <a:ext cx="163220" cy="112142"/>
+              <a:chOff x="8702304" y="3875445"/>
+              <a:chExt cx="213901" cy="146963"/>
+            </a:xfrm>
+          </p:grpSpPr>
+          <p:sp>
+            <p:nvSpPr>
+              <p:cNvPr id="47" name="Freeform: Shape 46">
+                <a:extLst>
+                  <a:ext uri="{FF2B5EF4-FFF2-40B4-BE49-F238E27FC236}">
+                    <a16:creationId xmlns:a16="http://schemas.microsoft.com/office/drawing/2014/main" id="{061803D4-B942-4CA2-D21D-5DEC6AA1E521}"/>
+                  </a:ext>
+                </a:extLst>
+              </p:cNvPr>
+              <p:cNvSpPr/>
+              <p:nvPr/>
+            </p:nvSpPr>
+            <p:spPr>
+              <a:xfrm>
+                <a:off x="8716203" y="3875445"/>
+                <a:ext cx="146964" cy="146963"/>
+              </a:xfrm>
+              <a:custGeom>
+                <a:avLst/>
+                <a:gdLst>
+                  <a:gd name="connsiteX0" fmla="*/ 0 w 59780"/>
+                  <a:gd name="connsiteY0" fmla="*/ 32611 h 65221"/>
+                  <a:gd name="connsiteX1" fmla="*/ 29890 w 59780"/>
+                  <a:gd name="connsiteY1" fmla="*/ 0 h 65221"/>
+                  <a:gd name="connsiteX2" fmla="*/ 59781 w 59780"/>
+                  <a:gd name="connsiteY2" fmla="*/ 32611 h 65221"/>
+                  <a:gd name="connsiteX3" fmla="*/ 29890 w 59780"/>
+                  <a:gd name="connsiteY3" fmla="*/ 65221 h 65221"/>
+                  <a:gd name="connsiteX4" fmla="*/ 0 w 59780"/>
+                  <a:gd name="connsiteY4" fmla="*/ 32611 h 65221"/>
+                </a:gdLst>
+                <a:ahLst/>
+                <a:cxnLst>
+                  <a:cxn ang="0">
+                    <a:pos x="connsiteX0" y="connsiteY0"/>
+                  </a:cxn>
+                  <a:cxn ang="0">
+                    <a:pos x="connsiteX1" y="connsiteY1"/>
+                  </a:cxn>
+                  <a:cxn ang="0">
+                    <a:pos x="connsiteX2" y="connsiteY2"/>
+                  </a:cxn>
+                  <a:cxn ang="0">
+                    <a:pos x="connsiteX3" y="connsiteY3"/>
+                  </a:cxn>
+                  <a:cxn ang="0">
+                    <a:pos x="connsiteX4" y="connsiteY4"/>
+                  </a:cxn>
+                </a:cxnLst>
+                <a:rect l="l" t="t" r="r" b="b"/>
+                <a:pathLst>
+                  <a:path w="59780" h="65221">
+                    <a:moveTo>
+                      <a:pt x="0" y="32611"/>
+                    </a:moveTo>
+                    <a:cubicBezTo>
+                      <a:pt x="0" y="14599"/>
+                      <a:pt x="13380" y="0"/>
+                      <a:pt x="29890" y="0"/>
+                    </a:cubicBezTo>
+                    <a:cubicBezTo>
+                      <a:pt x="46401" y="0"/>
+                      <a:pt x="59781" y="14599"/>
+                      <a:pt x="59781" y="32611"/>
+                    </a:cubicBezTo>
+                    <a:cubicBezTo>
+                      <a:pt x="59781" y="50623"/>
+                      <a:pt x="46401" y="65221"/>
+                      <a:pt x="29890" y="65221"/>
+                    </a:cubicBezTo>
+                    <a:cubicBezTo>
+                      <a:pt x="13380" y="65221"/>
+                      <a:pt x="0" y="50623"/>
+                      <a:pt x="0" y="32611"/>
+                    </a:cubicBezTo>
+                    <a:close/>
+                  </a:path>
+                </a:pathLst>
+              </a:custGeom>
+              <a:solidFill>
+                <a:srgbClr val="ECAE01"/>
+              </a:solidFill>
+              <a:ln w="19050" cap="flat">
+                <a:solidFill>
+                  <a:srgbClr val="000000"/>
+                </a:solidFill>
+                <a:prstDash val="solid"/>
+                <a:round/>
+              </a:ln>
+            </p:spPr>
+            <p:txBody>
+              <a:bodyPr rot="0" spcFirstLastPara="0" vertOverflow="overflow" horzOverflow="overflow" vert="horz" wrap="square" lIns="0" tIns="0" rIns="0" bIns="0" numCol="1" spcCol="0" rtlCol="0" fromWordArt="0" anchor="ctr" anchorCtr="0" forceAA="0" compatLnSpc="1">
+                <a:prstTxWarp prst="textNoShape">
+                  <a:avLst/>
+                </a:prstTxWarp>
+                <a:noAutofit/>
+              </a:bodyPr>
+              <a:lstStyle/>
+              <a:p>
+                <a:endParaRPr lang="en-CA" sz="1000"/>
+              </a:p>
+            </p:txBody>
+          </p:sp>
+          <p:sp>
+            <p:nvSpPr>
+              <p:cNvPr id="48" name="Rectangle: Rounded Corners 47">
+                <a:extLst>
+                  <a:ext uri="{FF2B5EF4-FFF2-40B4-BE49-F238E27FC236}">
+                    <a16:creationId xmlns:a16="http://schemas.microsoft.com/office/drawing/2014/main" id="{A89C8F6F-6493-4F3C-FA5E-0EE2486F297A}"/>
+                  </a:ext>
+                </a:extLst>
+              </p:cNvPr>
+              <p:cNvSpPr/>
+              <p:nvPr/>
+            </p:nvSpPr>
+            <p:spPr>
+              <a:xfrm>
+                <a:off x="8702304" y="3923715"/>
+                <a:ext cx="213901" cy="50414"/>
+              </a:xfrm>
+              <a:prstGeom prst="roundRect">
+                <a:avLst>
+                  <a:gd name="adj" fmla="val 41953"/>
+                </a:avLst>
+              </a:prstGeom>
+              <a:solidFill>
+                <a:schemeClr val="tx1">
+                  <a:lumMod val="75000"/>
+                  <a:lumOff val="25000"/>
+                </a:schemeClr>
+              </a:solidFill>
+              <a:ln w="19050" cap="flat">
+                <a:solidFill>
+                  <a:srgbClr val="000000"/>
+                </a:solidFill>
+                <a:prstDash val="solid"/>
+                <a:round/>
+              </a:ln>
+            </p:spPr>
+            <p:txBody>
+              <a:bodyPr rot="0" spcFirstLastPara="0" vertOverflow="overflow" horzOverflow="overflow" vert="horz" wrap="square" lIns="0" tIns="0" rIns="0" bIns="0" numCol="1" spcCol="0" rtlCol="0" fromWordArt="0" anchor="ctr" anchorCtr="0" forceAA="0" compatLnSpc="1">
+                <a:prstTxWarp prst="textNoShape">
+                  <a:avLst/>
+                </a:prstTxWarp>
+                <a:noAutofit/>
+              </a:bodyPr>
+              <a:lstStyle/>
+              <a:p>
+                <a:endParaRPr lang="en-CA" sz="1000" dirty="0">
+                  <a:solidFill>
+                    <a:schemeClr val="tx1"/>
+                  </a:solidFill>
+                </a:endParaRPr>
+              </a:p>
+            </p:txBody>
+          </p:sp>
+        </p:grpSp>
+        <p:grpSp>
+          <p:nvGrpSpPr>
+            <p:cNvPr id="56" name="Group 55">
+              <a:extLst>
+                <a:ext uri="{FF2B5EF4-FFF2-40B4-BE49-F238E27FC236}">
+                  <a16:creationId xmlns:a16="http://schemas.microsoft.com/office/drawing/2014/main" id="{C3CA8037-D96F-9AA6-6D9D-1ABF42CF14BA}"/>
+                </a:ext>
+              </a:extLst>
+            </p:cNvPr>
+            <p:cNvGrpSpPr/>
+            <p:nvPr/>
+          </p:nvGrpSpPr>
+          <p:grpSpPr>
+            <a:xfrm>
+              <a:off x="7068445" y="4112872"/>
+              <a:ext cx="157948" cy="586126"/>
+              <a:chOff x="5493154" y="3729034"/>
+              <a:chExt cx="165059" cy="612513"/>
+            </a:xfrm>
+          </p:grpSpPr>
+          <p:sp>
+            <p:nvSpPr>
+              <p:cNvPr id="49" name="Rectangle: Rounded Corners 48">
+                <a:extLst>
+                  <a:ext uri="{FF2B5EF4-FFF2-40B4-BE49-F238E27FC236}">
+                    <a16:creationId xmlns:a16="http://schemas.microsoft.com/office/drawing/2014/main" id="{F38736C3-754C-79AC-6511-B39E68B90249}"/>
+                  </a:ext>
+                </a:extLst>
+              </p:cNvPr>
+              <p:cNvSpPr/>
+              <p:nvPr/>
+            </p:nvSpPr>
+            <p:spPr>
+              <a:xfrm>
+                <a:off x="5493154" y="3729034"/>
+                <a:ext cx="165059" cy="612513"/>
+              </a:xfrm>
+              <a:prstGeom prst="roundRect">
+                <a:avLst/>
+              </a:prstGeom>
+              <a:solidFill>
+                <a:schemeClr val="bg1">
+                  <a:lumMod val="75000"/>
+                </a:schemeClr>
+              </a:solidFill>
+              <a:ln w="19050" cap="flat">
+                <a:solidFill>
+                  <a:schemeClr val="tx1"/>
+                </a:solidFill>
+                <a:prstDash val="solid"/>
+                <a:round/>
+              </a:ln>
+            </p:spPr>
+            <p:txBody>
+              <a:bodyPr lIns="0" tIns="0" rIns="0" bIns="0" rtlCol="0" anchor="ctr"/>
+              <a:lstStyle/>
+              <a:p>
+                <a:endParaRPr lang="en-CA" sz="1000">
+                  <a:solidFill>
+                    <a:schemeClr val="tx1"/>
+                  </a:solidFill>
+                </a:endParaRPr>
+              </a:p>
+            </p:txBody>
+          </p:sp>
+          <p:cxnSp>
+            <p:nvCxnSpPr>
+              <p:cNvPr id="54" name="Straight Connector 53">
+                <a:extLst>
+                  <a:ext uri="{FF2B5EF4-FFF2-40B4-BE49-F238E27FC236}">
+                    <a16:creationId xmlns:a16="http://schemas.microsoft.com/office/drawing/2014/main" id="{4D900A3B-318A-717D-9F52-6DA12DB8B88F}"/>
+                  </a:ext>
+                </a:extLst>
+              </p:cNvPr>
+              <p:cNvCxnSpPr>
+                <a:cxnSpLocks/>
+              </p:cNvCxnSpPr>
+              <p:nvPr/>
+            </p:nvCxnSpPr>
+            <p:spPr>
+              <a:xfrm flipV="1">
+                <a:off x="5575670" y="3961449"/>
+                <a:ext cx="0" cy="289897"/>
+              </a:xfrm>
+              <a:prstGeom prst="line">
+                <a:avLst/>
+              </a:prstGeom>
+              <a:ln w="19050" cap="rnd">
+                <a:solidFill>
+                  <a:schemeClr val="tx1"/>
+                </a:solidFill>
+              </a:ln>
+            </p:spPr>
+            <p:style>
+              <a:lnRef idx="1">
+                <a:schemeClr val="accent1"/>
+              </a:lnRef>
+              <a:fillRef idx="0">
+                <a:schemeClr val="accent1"/>
+              </a:fillRef>
+              <a:effectRef idx="0">
+                <a:schemeClr val="accent1"/>
+              </a:effectRef>
+              <a:fontRef idx="minor">
+                <a:schemeClr val="tx1"/>
+              </a:fontRef>
+            </p:style>
+          </p:cxnSp>
+          <p:sp>
+            <p:nvSpPr>
+              <p:cNvPr id="51" name="Oval 50">
+                <a:extLst>
+                  <a:ext uri="{FF2B5EF4-FFF2-40B4-BE49-F238E27FC236}">
+                    <a16:creationId xmlns:a16="http://schemas.microsoft.com/office/drawing/2014/main" id="{E92BE5ED-3C6D-1A5D-FAE5-A69EFCC5CBDB}"/>
+                  </a:ext>
+                </a:extLst>
+              </p:cNvPr>
+              <p:cNvSpPr/>
+              <p:nvPr/>
+            </p:nvSpPr>
+            <p:spPr>
+              <a:xfrm>
+                <a:off x="5539578" y="4227065"/>
+                <a:ext cx="72186" cy="72186"/>
+              </a:xfrm>
+              <a:prstGeom prst="ellipse">
+                <a:avLst/>
+              </a:prstGeom>
+              <a:solidFill>
+                <a:schemeClr val="tx1">
+                  <a:lumMod val="75000"/>
+                  <a:lumOff val="25000"/>
+                </a:schemeClr>
+              </a:solidFill>
+              <a:ln w="19050" cap="flat">
+                <a:solidFill>
+                  <a:schemeClr val="tx1"/>
+                </a:solidFill>
+                <a:prstDash val="solid"/>
+                <a:round/>
+              </a:ln>
+            </p:spPr>
+            <p:txBody>
+              <a:bodyPr rot="0" spcFirstLastPara="0" vertOverflow="overflow" horzOverflow="overflow" vert="horz" wrap="square" lIns="0" tIns="0" rIns="0" bIns="0" numCol="1" spcCol="0" rtlCol="0" fromWordArt="0" anchor="ctr" anchorCtr="0" forceAA="0" compatLnSpc="1">
+                <a:prstTxWarp prst="textNoShape">
+                  <a:avLst/>
+                </a:prstTxWarp>
+                <a:noAutofit/>
+              </a:bodyPr>
+              <a:lstStyle/>
+              <a:p>
+                <a:endParaRPr lang="en-CA" sz="1000" dirty="0">
+                  <a:solidFill>
+                    <a:schemeClr val="tx1"/>
+                  </a:solidFill>
+                </a:endParaRPr>
+              </a:p>
+            </p:txBody>
+          </p:sp>
+        </p:grpSp>
+        <p:sp>
+          <p:nvSpPr>
+            <p:cNvPr id="57" name="Diamond 56">
+              <a:extLst>
+                <a:ext uri="{FF2B5EF4-FFF2-40B4-BE49-F238E27FC236}">
+                  <a16:creationId xmlns:a16="http://schemas.microsoft.com/office/drawing/2014/main" id="{FCCE3D09-1CEC-1C10-D86E-C81D224F5EE9}"/>
+                </a:ext>
+              </a:extLst>
+            </p:cNvPr>
+            <p:cNvSpPr/>
+            <p:nvPr/>
+          </p:nvSpPr>
+          <p:spPr>
+            <a:xfrm>
+              <a:off x="6518254" y="4123805"/>
+              <a:ext cx="92075" cy="92075"/>
+            </a:xfrm>
+            <a:prstGeom prst="diamond">
+              <a:avLst/>
+            </a:prstGeom>
+            <a:solidFill>
+              <a:schemeClr val="tx1"/>
+            </a:solidFill>
+            <a:ln w="19050" cap="rnd">
+              <a:solidFill>
+                <a:schemeClr val="tx1"/>
+              </a:solidFill>
+              <a:round/>
+            </a:ln>
+          </p:spPr>
+          <p:style>
+            <a:lnRef idx="2">
+              <a:schemeClr val="accent1">
+                <a:shade val="50000"/>
+              </a:schemeClr>
+            </a:lnRef>
+            <a:fillRef idx="1">
+              <a:schemeClr val="accent1"/>
+            </a:fillRef>
+            <a:effectRef idx="0">
+              <a:schemeClr val="accent1"/>
+            </a:effectRef>
+            <a:fontRef idx="minor">
+              <a:schemeClr val="lt1"/>
+            </a:fontRef>
+          </p:style>
+          <p:txBody>
+            <a:bodyPr wrap="square" rtlCol="0" anchor="ctr">
+              <a:noAutofit/>
+            </a:bodyPr>
+            <a:lstStyle/>
+            <a:p>
+              <a:pPr algn="ctr"/>
+              <a:endParaRPr lang="en-CA" sz="4400">
+                <a:cs typeface="Arial" panose="020B0604020202020204" pitchFamily="34" charset="0"/>
+              </a:endParaRPr>
+            </a:p>
+          </p:txBody>
+        </p:sp>
+        <p:cxnSp>
+          <p:nvCxnSpPr>
+            <p:cNvPr id="59" name="Straight Connector 58">
+              <a:extLst>
+                <a:ext uri="{FF2B5EF4-FFF2-40B4-BE49-F238E27FC236}">
+                  <a16:creationId xmlns:a16="http://schemas.microsoft.com/office/drawing/2014/main" id="{93518668-DEEF-BA2F-DD64-3129EB4CB0D1}"/>
+                </a:ext>
+              </a:extLst>
+            </p:cNvPr>
+            <p:cNvCxnSpPr>
+              <a:cxnSpLocks/>
+            </p:cNvCxnSpPr>
+            <p:nvPr/>
+          </p:nvCxnSpPr>
+          <p:spPr>
+            <a:xfrm>
+              <a:off x="6455799" y="4253666"/>
+              <a:ext cx="216984" cy="0"/>
+            </a:xfrm>
+            <a:prstGeom prst="line">
+              <a:avLst/>
+            </a:prstGeom>
+            <a:ln w="19050" cap="rnd">
+              <a:solidFill>
+                <a:schemeClr val="tx1"/>
+              </a:solidFill>
+            </a:ln>
+          </p:spPr>
+          <p:style>
+            <a:lnRef idx="1">
+              <a:schemeClr val="accent1"/>
+            </a:lnRef>
+            <a:fillRef idx="0">
+              <a:schemeClr val="accent1"/>
+            </a:fillRef>
+            <a:effectRef idx="0">
+              <a:schemeClr val="accent1"/>
+            </a:effectRef>
+            <a:fontRef idx="minor">
+              <a:schemeClr val="tx1"/>
+            </a:fontRef>
+          </p:style>
+        </p:cxnSp>
+        <p:grpSp>
+          <p:nvGrpSpPr>
+            <p:cNvPr id="61" name="Group 60">
+              <a:extLst>
+                <a:ext uri="{FF2B5EF4-FFF2-40B4-BE49-F238E27FC236}">
+                  <a16:creationId xmlns:a16="http://schemas.microsoft.com/office/drawing/2014/main" id="{38FB7574-BC02-2E51-E4BC-78438CE071FD}"/>
+                </a:ext>
+              </a:extLst>
+            </p:cNvPr>
+            <p:cNvGrpSpPr/>
+            <p:nvPr/>
+          </p:nvGrpSpPr>
+          <p:grpSpPr>
+            <a:xfrm>
+              <a:off x="6127921" y="4112872"/>
+              <a:ext cx="157948" cy="586126"/>
+              <a:chOff x="5493154" y="3729034"/>
+              <a:chExt cx="165059" cy="612513"/>
+            </a:xfrm>
+          </p:grpSpPr>
+          <p:sp>
+            <p:nvSpPr>
+              <p:cNvPr id="62" name="Rectangle: Rounded Corners 61">
+                <a:extLst>
+                  <a:ext uri="{FF2B5EF4-FFF2-40B4-BE49-F238E27FC236}">
+                    <a16:creationId xmlns:a16="http://schemas.microsoft.com/office/drawing/2014/main" id="{75565510-51EA-CA37-B747-68F6AA8FCDA1}"/>
+                  </a:ext>
+                </a:extLst>
+              </p:cNvPr>
+              <p:cNvSpPr/>
+              <p:nvPr/>
+            </p:nvSpPr>
+            <p:spPr>
+              <a:xfrm>
+                <a:off x="5493154" y="3729034"/>
+                <a:ext cx="165059" cy="612513"/>
+              </a:xfrm>
+              <a:prstGeom prst="roundRect">
+                <a:avLst/>
+              </a:prstGeom>
+              <a:solidFill>
+                <a:schemeClr val="bg1">
+                  <a:lumMod val="75000"/>
+                </a:schemeClr>
+              </a:solidFill>
+              <a:ln w="19050" cap="flat">
+                <a:solidFill>
+                  <a:schemeClr val="tx1"/>
+                </a:solidFill>
+                <a:prstDash val="solid"/>
+                <a:round/>
+              </a:ln>
+            </p:spPr>
+            <p:txBody>
+              <a:bodyPr lIns="0" tIns="0" rIns="0" bIns="0" rtlCol="0" anchor="ctr"/>
+              <a:lstStyle/>
+              <a:p>
+                <a:endParaRPr lang="en-CA" sz="1000">
+                  <a:solidFill>
+                    <a:schemeClr val="tx1"/>
+                  </a:solidFill>
+                </a:endParaRPr>
+              </a:p>
+            </p:txBody>
+          </p:sp>
+          <p:sp>
+            <p:nvSpPr>
+              <p:cNvPr id="450" name="Rectangle: Rounded Corners 449">
+                <a:extLst>
+                  <a:ext uri="{FF2B5EF4-FFF2-40B4-BE49-F238E27FC236}">
+                    <a16:creationId xmlns:a16="http://schemas.microsoft.com/office/drawing/2014/main" id="{697C3231-624A-1F92-9EE5-1E12A96AE600}"/>
+                  </a:ext>
+                </a:extLst>
+              </p:cNvPr>
+              <p:cNvSpPr/>
+              <p:nvPr/>
+            </p:nvSpPr>
+            <p:spPr>
+              <a:xfrm>
+                <a:off x="5550837" y="4008693"/>
+                <a:ext cx="47777" cy="237376"/>
+              </a:xfrm>
+              <a:prstGeom prst="roundRect">
+                <a:avLst>
+                  <a:gd name="adj" fmla="val 50000"/>
+                </a:avLst>
+              </a:prstGeom>
+              <a:solidFill>
+                <a:srgbClr val="FF0000"/>
+              </a:solidFill>
+              <a:ln w="19050" cap="flat">
+                <a:solidFill>
+                  <a:schemeClr val="tx1"/>
+                </a:solidFill>
+                <a:prstDash val="solid"/>
+                <a:round/>
+              </a:ln>
+            </p:spPr>
+            <p:txBody>
+              <a:bodyPr lIns="0" tIns="0" rIns="0" bIns="0" rtlCol="0" anchor="ctr"/>
+              <a:lstStyle/>
+              <a:p>
+                <a:endParaRPr lang="en-CA" sz="1000">
+                  <a:solidFill>
+                    <a:schemeClr val="tx1"/>
+                  </a:solidFill>
+                </a:endParaRPr>
+              </a:p>
+            </p:txBody>
+          </p:sp>
+          <p:sp>
+            <p:nvSpPr>
+              <p:cNvPr id="449" name="Oval 448">
+                <a:extLst>
+                  <a:ext uri="{FF2B5EF4-FFF2-40B4-BE49-F238E27FC236}">
+                    <a16:creationId xmlns:a16="http://schemas.microsoft.com/office/drawing/2014/main" id="{C0A486FA-00EC-4DC7-F323-02894205DAEC}"/>
+                  </a:ext>
+                </a:extLst>
+              </p:cNvPr>
+              <p:cNvSpPr/>
+              <p:nvPr/>
+            </p:nvSpPr>
+            <p:spPr>
+              <a:xfrm>
+                <a:off x="5539578" y="4227065"/>
+                <a:ext cx="72186" cy="72186"/>
+              </a:xfrm>
+              <a:prstGeom prst="ellipse">
+                <a:avLst/>
+              </a:prstGeom>
+              <a:solidFill>
+                <a:schemeClr val="tx1">
+                  <a:lumMod val="75000"/>
+                  <a:lumOff val="25000"/>
+                </a:schemeClr>
+              </a:solidFill>
+              <a:ln w="19050" cap="flat">
+                <a:solidFill>
+                  <a:schemeClr val="tx1"/>
+                </a:solidFill>
+                <a:prstDash val="solid"/>
+                <a:round/>
+              </a:ln>
+            </p:spPr>
+            <p:txBody>
+              <a:bodyPr rot="0" spcFirstLastPara="0" vertOverflow="overflow" horzOverflow="overflow" vert="horz" wrap="square" lIns="0" tIns="0" rIns="0" bIns="0" numCol="1" spcCol="0" rtlCol="0" fromWordArt="0" anchor="ctr" anchorCtr="0" forceAA="0" compatLnSpc="1">
+                <a:prstTxWarp prst="textNoShape">
+                  <a:avLst/>
+                </a:prstTxWarp>
+                <a:noAutofit/>
+              </a:bodyPr>
+              <a:lstStyle/>
+              <a:p>
+                <a:endParaRPr lang="en-CA" sz="1000" dirty="0">
+                  <a:solidFill>
+                    <a:schemeClr val="tx1"/>
+                  </a:solidFill>
+                </a:endParaRPr>
+              </a:p>
+            </p:txBody>
+          </p:sp>
+        </p:grpSp>
+      </p:grpSp>
+      <p:sp>
+        <p:nvSpPr>
+          <p:cNvPr id="456" name="Rectangle 455">
+            <a:extLst>
+              <a:ext uri="{FF2B5EF4-FFF2-40B4-BE49-F238E27FC236}">
+                <a16:creationId xmlns:a16="http://schemas.microsoft.com/office/drawing/2014/main" id="{9E13F0B6-C723-DADA-1256-DF5E19110B2F}"/>
+              </a:ext>
+            </a:extLst>
+          </p:cNvPr>
+          <p:cNvSpPr/>
+          <p:nvPr/>
+        </p:nvSpPr>
+        <p:spPr>
+          <a:xfrm>
+            <a:off x="1402473" y="4669953"/>
+            <a:ext cx="1345924" cy="378592"/>
+          </a:xfrm>
+          <a:prstGeom prst="rect">
+            <a:avLst/>
+          </a:prstGeom>
+          <a:noFill/>
+          <a:ln w="31750">
+            <a:noFill/>
+          </a:ln>
+        </p:spPr>
+        <p:style>
+          <a:lnRef idx="2">
+            <a:schemeClr val="accent1">
+              <a:shade val="50000"/>
+            </a:schemeClr>
+          </a:lnRef>
+          <a:fillRef idx="1">
+            <a:schemeClr val="accent1"/>
+          </a:fillRef>
+          <a:effectRef idx="0">
+            <a:schemeClr val="accent1"/>
+          </a:effectRef>
+          <a:fontRef idx="minor">
+            <a:schemeClr val="lt1"/>
+          </a:fontRef>
+        </p:style>
+        <p:txBody>
+          <a:bodyPr rot="0" spcFirstLastPara="0" vertOverflow="overflow" horzOverflow="overflow" vert="horz" wrap="square" lIns="0" tIns="0" rIns="0" bIns="0" numCol="1" spcCol="0" rtlCol="0" fromWordArt="0" anchor="t" anchorCtr="0" forceAA="0" compatLnSpc="1">
+            <a:prstTxWarp prst="textNoShape">
+              <a:avLst/>
+            </a:prstTxWarp>
+            <a:noAutofit/>
+          </a:bodyPr>
+          <a:lstStyle/>
+          <a:p>
+            <a:pPr algn="ctr"/>
+            <a:r>
+              <a:rPr lang="en-US" sz="1400" dirty="0">
+                <a:solidFill>
+                  <a:schemeClr val="tx1"/>
+                </a:solidFill>
+                <a:latin typeface="Gotham Narrow Book" pitchFamily="50" charset="0"/>
+                <a:ea typeface="Roboto" panose="02000000000000000000" pitchFamily="2" charset="0"/>
+                <a:cs typeface="Arial" panose="020B0604020202020204" pitchFamily="34" charset="0"/>
+              </a:rPr>
+              <a:t>Six jet atomizer</a:t>
+            </a:r>
+            <a:endParaRPr lang="el-GR" sz="1400" dirty="0">
+              <a:solidFill>
+                <a:schemeClr val="tx1"/>
+              </a:solidFill>
+              <a:latin typeface="Gotham Narrow Book" pitchFamily="50" charset="0"/>
+              <a:ea typeface="Roboto" panose="02000000000000000000" pitchFamily="2" charset="0"/>
+              <a:cs typeface="Arial" panose="020B0604020202020204" pitchFamily="34" charset="0"/>
+            </a:endParaRPr>
+          </a:p>
+        </p:txBody>
+      </p:sp>
     </p:spTree>
     <p:extLst>
       <p:ext uri="{BB962C8B-B14F-4D97-AF65-F5344CB8AC3E}">
@@ -23848,7 +25509,7 @@
         </p:nvSpPr>
         <p:spPr>
           <a:xfrm>
-            <a:off x="2538283" y="4886986"/>
+            <a:off x="2503383" y="4886986"/>
             <a:ext cx="1345924" cy="300640"/>
           </a:xfrm>
           <a:prstGeom prst="rect">
@@ -24140,7 +25801,7 @@
         </p:nvGrpSpPr>
         <p:grpSpPr>
           <a:xfrm>
-            <a:off x="2505565" y="3989672"/>
+            <a:off x="2470665" y="3989672"/>
             <a:ext cx="1442896" cy="834119"/>
             <a:chOff x="20512288" y="3594938"/>
             <a:chExt cx="1442896" cy="834119"/>

--- a/icons.pptx
+++ b/icons.pptx
@@ -4339,7 +4339,7 @@
         </p:nvSpPr>
         <p:spPr>
           <a:xfrm>
-            <a:off x="3132167" y="4740774"/>
+            <a:off x="3105663" y="4740774"/>
             <a:ext cx="1345924" cy="378592"/>
           </a:xfrm>
           <a:prstGeom prst="rect">
@@ -11154,7 +11154,7 @@
         </p:nvGrpSpPr>
         <p:grpSpPr>
           <a:xfrm>
-            <a:off x="3831602" y="3416300"/>
+            <a:off x="3805098" y="3416300"/>
             <a:ext cx="769613" cy="1233537"/>
             <a:chOff x="4090458" y="-759257"/>
             <a:chExt cx="617093" cy="989078"/>
@@ -19474,10 +19474,10 @@
       </p:sp>
       <p:grpSp>
         <p:nvGrpSpPr>
-          <p:cNvPr id="46" name="Group 45">
+          <p:cNvPr id="478" name="Group 477">
             <a:extLst>
               <a:ext uri="{FF2B5EF4-FFF2-40B4-BE49-F238E27FC236}">
-                <a16:creationId xmlns:a16="http://schemas.microsoft.com/office/drawing/2014/main" id="{68AE8600-970B-8785-39B8-4E8C434C09D4}"/>
+                <a16:creationId xmlns:a16="http://schemas.microsoft.com/office/drawing/2014/main" id="{6841922E-354A-FE45-D1DE-A226CD32572E}"/>
               </a:ext>
             </a:extLst>
           </p:cNvPr>
@@ -25465,6 +25465,975 @@
           </a:p>
         </p:txBody>
       </p:sp>
+      <p:grpSp>
+        <p:nvGrpSpPr>
+          <p:cNvPr id="494" name="Group 493">
+            <a:extLst>
+              <a:ext uri="{FF2B5EF4-FFF2-40B4-BE49-F238E27FC236}">
+                <a16:creationId xmlns:a16="http://schemas.microsoft.com/office/drawing/2014/main" id="{D7E20EC8-FD70-51BF-B5B1-46F3817A5C88}"/>
+              </a:ext>
+            </a:extLst>
+          </p:cNvPr>
+          <p:cNvGrpSpPr/>
+          <p:nvPr/>
+        </p:nvGrpSpPr>
+        <p:grpSpPr>
+          <a:xfrm>
+            <a:off x="3379813" y="3631302"/>
+            <a:ext cx="1292967" cy="925616"/>
+            <a:chOff x="4533815" y="3631302"/>
+            <a:chExt cx="1292967" cy="925616"/>
+          </a:xfrm>
+        </p:grpSpPr>
+        <p:grpSp>
+          <p:nvGrpSpPr>
+            <p:cNvPr id="493" name="Group 492">
+              <a:extLst>
+                <a:ext uri="{FF2B5EF4-FFF2-40B4-BE49-F238E27FC236}">
+                  <a16:creationId xmlns:a16="http://schemas.microsoft.com/office/drawing/2014/main" id="{B1B985DB-6623-75B9-A9F7-C8939398ED36}"/>
+                </a:ext>
+              </a:extLst>
+            </p:cNvPr>
+            <p:cNvGrpSpPr/>
+            <p:nvPr/>
+          </p:nvGrpSpPr>
+          <p:grpSpPr>
+            <a:xfrm>
+              <a:off x="5174325" y="3631302"/>
+              <a:ext cx="224782" cy="410390"/>
+              <a:chOff x="6933290" y="3718595"/>
+              <a:chExt cx="224782" cy="410390"/>
+            </a:xfrm>
+          </p:grpSpPr>
+          <p:sp>
+            <p:nvSpPr>
+              <p:cNvPr id="492" name="Rectangle: Rounded Corners 491">
+                <a:extLst>
+                  <a:ext uri="{FF2B5EF4-FFF2-40B4-BE49-F238E27FC236}">
+                    <a16:creationId xmlns:a16="http://schemas.microsoft.com/office/drawing/2014/main" id="{A3A4FF71-EACA-2D27-8162-AC6139707DF2}"/>
+                  </a:ext>
+                </a:extLst>
+              </p:cNvPr>
+              <p:cNvSpPr/>
+              <p:nvPr/>
+            </p:nvSpPr>
+            <p:spPr>
+              <a:xfrm>
+                <a:off x="6974755" y="3736055"/>
+                <a:ext cx="141852" cy="392930"/>
+              </a:xfrm>
+              <a:prstGeom prst="roundRect">
+                <a:avLst/>
+              </a:prstGeom>
+              <a:solidFill>
+                <a:srgbClr val="D9D9D9"/>
+              </a:solidFill>
+              <a:ln w="19050" cap="flat">
+                <a:solidFill>
+                  <a:srgbClr val="000000"/>
+                </a:solidFill>
+                <a:prstDash val="solid"/>
+                <a:round/>
+              </a:ln>
+            </p:spPr>
+            <p:txBody>
+              <a:bodyPr lIns="0" tIns="0" rIns="0" bIns="0" rtlCol="0" anchor="ctr"/>
+              <a:lstStyle/>
+              <a:p>
+                <a:endParaRPr lang="en-CA" sz="1000">
+                  <a:solidFill>
+                    <a:schemeClr val="tx1"/>
+                  </a:solidFill>
+                </a:endParaRPr>
+              </a:p>
+            </p:txBody>
+          </p:sp>
+          <p:sp>
+            <p:nvSpPr>
+              <p:cNvPr id="491" name="Rectangle: Rounded Corners 490">
+                <a:extLst>
+                  <a:ext uri="{FF2B5EF4-FFF2-40B4-BE49-F238E27FC236}">
+                    <a16:creationId xmlns:a16="http://schemas.microsoft.com/office/drawing/2014/main" id="{FFA61DFF-DDAB-4743-5229-0D8B22D0D60B}"/>
+                  </a:ext>
+                </a:extLst>
+              </p:cNvPr>
+              <p:cNvSpPr/>
+              <p:nvPr/>
+            </p:nvSpPr>
+            <p:spPr>
+              <a:xfrm>
+                <a:off x="6933290" y="3718595"/>
+                <a:ext cx="224782" cy="54670"/>
+              </a:xfrm>
+              <a:prstGeom prst="roundRect">
+                <a:avLst/>
+              </a:prstGeom>
+              <a:solidFill>
+                <a:srgbClr val="D9D9D9"/>
+              </a:solidFill>
+              <a:ln w="19050" cap="flat">
+                <a:solidFill>
+                  <a:srgbClr val="000000"/>
+                </a:solidFill>
+                <a:prstDash val="solid"/>
+                <a:round/>
+              </a:ln>
+            </p:spPr>
+            <p:txBody>
+              <a:bodyPr lIns="0" tIns="0" rIns="0" bIns="0" rtlCol="0" anchor="ctr"/>
+              <a:lstStyle/>
+              <a:p>
+                <a:endParaRPr lang="en-CA" sz="1000">
+                  <a:solidFill>
+                    <a:schemeClr val="tx1"/>
+                  </a:solidFill>
+                </a:endParaRPr>
+              </a:p>
+            </p:txBody>
+          </p:sp>
+        </p:grpSp>
+        <p:sp>
+          <p:nvSpPr>
+            <p:cNvPr id="3" name="Rectangle: Rounded Corners 2">
+              <a:extLst>
+                <a:ext uri="{FF2B5EF4-FFF2-40B4-BE49-F238E27FC236}">
+                  <a16:creationId xmlns:a16="http://schemas.microsoft.com/office/drawing/2014/main" id="{33B1EDC4-382E-5497-DEB4-C86A983C09BC}"/>
+                </a:ext>
+              </a:extLst>
+            </p:cNvPr>
+            <p:cNvSpPr/>
+            <p:nvPr/>
+          </p:nvSpPr>
+          <p:spPr>
+            <a:xfrm>
+              <a:off x="4533815" y="3879387"/>
+              <a:ext cx="1292967" cy="677531"/>
+            </a:xfrm>
+            <a:prstGeom prst="roundRect">
+              <a:avLst>
+                <a:gd name="adj" fmla="val 6569"/>
+              </a:avLst>
+            </a:prstGeom>
+            <a:solidFill>
+              <a:srgbClr val="F2F2F2"/>
+            </a:solidFill>
+            <a:ln w="19050" cap="flat">
+              <a:solidFill>
+                <a:srgbClr val="000000"/>
+              </a:solidFill>
+              <a:prstDash val="solid"/>
+              <a:round/>
+            </a:ln>
+          </p:spPr>
+          <p:txBody>
+            <a:bodyPr lIns="0" tIns="0" rIns="0" bIns="0" rtlCol="0" anchor="ctr"/>
+            <a:lstStyle/>
+            <a:p>
+              <a:endParaRPr lang="en-CA" sz="1000">
+                <a:solidFill>
+                  <a:schemeClr val="tx1"/>
+                </a:solidFill>
+              </a:endParaRPr>
+            </a:p>
+          </p:txBody>
+        </p:sp>
+        <p:sp>
+          <p:nvSpPr>
+            <p:cNvPr id="464" name="Freeform: Shape 463">
+              <a:extLst>
+                <a:ext uri="{FF2B5EF4-FFF2-40B4-BE49-F238E27FC236}">
+                  <a16:creationId xmlns:a16="http://schemas.microsoft.com/office/drawing/2014/main" id="{268A325B-00BB-0A58-2010-277C437A9F65}"/>
+                </a:ext>
+              </a:extLst>
+            </p:cNvPr>
+            <p:cNvSpPr/>
+            <p:nvPr/>
+          </p:nvSpPr>
+          <p:spPr>
+            <a:xfrm>
+              <a:off x="4834493" y="3879387"/>
+              <a:ext cx="331104" cy="677531"/>
+            </a:xfrm>
+            <a:custGeom>
+              <a:avLst/>
+              <a:gdLst>
+                <a:gd name="connsiteX0" fmla="*/ 0 w 601004"/>
+                <a:gd name="connsiteY0" fmla="*/ 0 h 834120"/>
+                <a:gd name="connsiteX1" fmla="*/ 601004 w 601004"/>
+                <a:gd name="connsiteY1" fmla="*/ 0 h 834120"/>
+                <a:gd name="connsiteX2" fmla="*/ 601004 w 601004"/>
+                <a:gd name="connsiteY2" fmla="*/ 834120 h 834120"/>
+                <a:gd name="connsiteX3" fmla="*/ 0 w 601004"/>
+                <a:gd name="connsiteY3" fmla="*/ 834120 h 834120"/>
+              </a:gdLst>
+              <a:ahLst/>
+              <a:cxnLst>
+                <a:cxn ang="0">
+                  <a:pos x="connsiteX0" y="connsiteY0"/>
+                </a:cxn>
+                <a:cxn ang="0">
+                  <a:pos x="connsiteX1" y="connsiteY1"/>
+                </a:cxn>
+                <a:cxn ang="0">
+                  <a:pos x="connsiteX2" y="connsiteY2"/>
+                </a:cxn>
+                <a:cxn ang="0">
+                  <a:pos x="connsiteX3" y="connsiteY3"/>
+                </a:cxn>
+              </a:cxnLst>
+              <a:rect l="l" t="t" r="r" b="b"/>
+              <a:pathLst>
+                <a:path w="601004" h="834120">
+                  <a:moveTo>
+                    <a:pt x="0" y="0"/>
+                  </a:moveTo>
+                  <a:lnTo>
+                    <a:pt x="601004" y="0"/>
+                  </a:lnTo>
+                  <a:lnTo>
+                    <a:pt x="601004" y="834120"/>
+                  </a:lnTo>
+                  <a:lnTo>
+                    <a:pt x="0" y="834120"/>
+                  </a:lnTo>
+                  <a:close/>
+                </a:path>
+              </a:pathLst>
+            </a:custGeom>
+            <a:solidFill>
+              <a:srgbClr val="BFBFBF"/>
+            </a:solidFill>
+            <a:ln w="19050" cap="flat">
+              <a:solidFill>
+                <a:srgbClr val="000000"/>
+              </a:solidFill>
+              <a:prstDash val="solid"/>
+              <a:round/>
+            </a:ln>
+          </p:spPr>
+          <p:txBody>
+            <a:bodyPr wrap="square" lIns="0" tIns="0" rIns="0" bIns="0" rtlCol="0" anchor="ctr">
+              <a:noAutofit/>
+            </a:bodyPr>
+            <a:lstStyle/>
+            <a:p>
+              <a:endParaRPr lang="en-CA" sz="1000"/>
+            </a:p>
+          </p:txBody>
+        </p:sp>
+        <p:grpSp>
+          <p:nvGrpSpPr>
+            <p:cNvPr id="480" name="Group 479">
+              <a:extLst>
+                <a:ext uri="{FF2B5EF4-FFF2-40B4-BE49-F238E27FC236}">
+                  <a16:creationId xmlns:a16="http://schemas.microsoft.com/office/drawing/2014/main" id="{01815946-9A1D-2043-EF49-FA9FDB0DF050}"/>
+                </a:ext>
+              </a:extLst>
+            </p:cNvPr>
+            <p:cNvGrpSpPr/>
+            <p:nvPr/>
+          </p:nvGrpSpPr>
+          <p:grpSpPr>
+            <a:xfrm>
+              <a:off x="5528055" y="3970136"/>
+              <a:ext cx="80579" cy="455075"/>
+              <a:chOff x="5537339" y="3970136"/>
+              <a:chExt cx="80579" cy="455075"/>
+            </a:xfrm>
+          </p:grpSpPr>
+          <p:sp>
+            <p:nvSpPr>
+              <p:cNvPr id="467" name="Rectangle: Rounded Corners 466">
+                <a:extLst>
+                  <a:ext uri="{FF2B5EF4-FFF2-40B4-BE49-F238E27FC236}">
+                    <a16:creationId xmlns:a16="http://schemas.microsoft.com/office/drawing/2014/main" id="{68A99197-E37F-45C1-EF76-9C1055EDB6EA}"/>
+                  </a:ext>
+                </a:extLst>
+              </p:cNvPr>
+              <p:cNvSpPr/>
+              <p:nvPr/>
+            </p:nvSpPr>
+            <p:spPr>
+              <a:xfrm>
+                <a:off x="5537339" y="3970136"/>
+                <a:ext cx="80579" cy="455075"/>
+              </a:xfrm>
+              <a:prstGeom prst="roundRect">
+                <a:avLst/>
+              </a:prstGeom>
+              <a:solidFill>
+                <a:srgbClr val="000000"/>
+              </a:solidFill>
+              <a:ln w="19050" cap="flat">
+                <a:solidFill>
+                  <a:srgbClr val="000000"/>
+                </a:solidFill>
+                <a:prstDash val="solid"/>
+                <a:round/>
+              </a:ln>
+            </p:spPr>
+            <p:txBody>
+              <a:bodyPr lIns="0" tIns="0" rIns="0" bIns="0" rtlCol="0" anchor="ctr"/>
+              <a:lstStyle/>
+              <a:p>
+                <a:endParaRPr lang="en-CA" sz="1000"/>
+              </a:p>
+            </p:txBody>
+          </p:sp>
+          <p:sp>
+            <p:nvSpPr>
+              <p:cNvPr id="468" name="Rectangle: Rounded Corners 467">
+                <a:extLst>
+                  <a:ext uri="{FF2B5EF4-FFF2-40B4-BE49-F238E27FC236}">
+                    <a16:creationId xmlns:a16="http://schemas.microsoft.com/office/drawing/2014/main" id="{2603C124-4B8B-2DC4-BCAA-D211710183E6}"/>
+                  </a:ext>
+                </a:extLst>
+              </p:cNvPr>
+              <p:cNvSpPr/>
+              <p:nvPr/>
+            </p:nvSpPr>
+            <p:spPr>
+              <a:xfrm>
+                <a:off x="5555309" y="4199213"/>
+                <a:ext cx="44639" cy="165283"/>
+              </a:xfrm>
+              <a:prstGeom prst="roundRect">
+                <a:avLst/>
+              </a:prstGeom>
+              <a:solidFill>
+                <a:srgbClr val="B5BBD0"/>
+              </a:solidFill>
+              <a:ln>
+                <a:noFill/>
+              </a:ln>
+            </p:spPr>
+            <p:style>
+              <a:lnRef idx="2">
+                <a:schemeClr val="accent1">
+                  <a:shade val="15000"/>
+                </a:schemeClr>
+              </a:lnRef>
+              <a:fillRef idx="1">
+                <a:schemeClr val="accent1"/>
+              </a:fillRef>
+              <a:effectRef idx="0">
+                <a:schemeClr val="accent1"/>
+              </a:effectRef>
+              <a:fontRef idx="minor">
+                <a:schemeClr val="lt1"/>
+              </a:fontRef>
+            </p:style>
+            <p:txBody>
+              <a:bodyPr rtlCol="0" anchor="ctr"/>
+              <a:lstStyle/>
+              <a:p>
+                <a:pPr algn="ctr"/>
+                <a:endParaRPr lang="en-CA"/>
+              </a:p>
+            </p:txBody>
+          </p:sp>
+          <p:sp>
+            <p:nvSpPr>
+              <p:cNvPr id="473" name="Freeform: Shape 472">
+                <a:extLst>
+                  <a:ext uri="{FF2B5EF4-FFF2-40B4-BE49-F238E27FC236}">
+                    <a16:creationId xmlns:a16="http://schemas.microsoft.com/office/drawing/2014/main" id="{830FD67E-0C18-B948-4DA4-A53A02C789A9}"/>
+                  </a:ext>
+                </a:extLst>
+              </p:cNvPr>
+              <p:cNvSpPr/>
+              <p:nvPr/>
+            </p:nvSpPr>
+            <p:spPr>
+              <a:xfrm flipH="1">
+                <a:off x="5542890" y="4343174"/>
+                <a:ext cx="69476" cy="69476"/>
+              </a:xfrm>
+              <a:custGeom>
+                <a:avLst/>
+                <a:gdLst>
+                  <a:gd name="connsiteX0" fmla="*/ 0 w 27173"/>
+                  <a:gd name="connsiteY0" fmla="*/ 13588 h 27175"/>
+                  <a:gd name="connsiteX1" fmla="*/ 13587 w 27173"/>
+                  <a:gd name="connsiteY1" fmla="*/ 0 h 27175"/>
+                  <a:gd name="connsiteX2" fmla="*/ 27173 w 27173"/>
+                  <a:gd name="connsiteY2" fmla="*/ 13588 h 27175"/>
+                  <a:gd name="connsiteX3" fmla="*/ 13587 w 27173"/>
+                  <a:gd name="connsiteY3" fmla="*/ 27176 h 27175"/>
+                  <a:gd name="connsiteX4" fmla="*/ 0 w 27173"/>
+                  <a:gd name="connsiteY4" fmla="*/ 13588 h 27175"/>
+                </a:gdLst>
+                <a:ahLst/>
+                <a:cxnLst>
+                  <a:cxn ang="0">
+                    <a:pos x="connsiteX0" y="connsiteY0"/>
+                  </a:cxn>
+                  <a:cxn ang="0">
+                    <a:pos x="connsiteX1" y="connsiteY1"/>
+                  </a:cxn>
+                  <a:cxn ang="0">
+                    <a:pos x="connsiteX2" y="connsiteY2"/>
+                  </a:cxn>
+                  <a:cxn ang="0">
+                    <a:pos x="connsiteX3" y="connsiteY3"/>
+                  </a:cxn>
+                  <a:cxn ang="0">
+                    <a:pos x="connsiteX4" y="connsiteY4"/>
+                  </a:cxn>
+                </a:cxnLst>
+                <a:rect l="l" t="t" r="r" b="b"/>
+                <a:pathLst>
+                  <a:path w="27173" h="27175">
+                    <a:moveTo>
+                      <a:pt x="0" y="13588"/>
+                    </a:moveTo>
+                    <a:cubicBezTo>
+                      <a:pt x="0" y="6082"/>
+                      <a:pt x="6083" y="0"/>
+                      <a:pt x="13587" y="0"/>
+                    </a:cubicBezTo>
+                    <a:cubicBezTo>
+                      <a:pt x="21090" y="0"/>
+                      <a:pt x="27173" y="6082"/>
+                      <a:pt x="27173" y="13588"/>
+                    </a:cubicBezTo>
+                    <a:cubicBezTo>
+                      <a:pt x="27173" y="21094"/>
+                      <a:pt x="21090" y="27176"/>
+                      <a:pt x="13587" y="27176"/>
+                    </a:cubicBezTo>
+                    <a:cubicBezTo>
+                      <a:pt x="6083" y="27176"/>
+                      <a:pt x="0" y="21094"/>
+                      <a:pt x="0" y="13588"/>
+                    </a:cubicBezTo>
+                    <a:close/>
+                  </a:path>
+                </a:pathLst>
+              </a:custGeom>
+              <a:solidFill>
+                <a:schemeClr val="bg1">
+                  <a:lumMod val="65000"/>
+                </a:schemeClr>
+              </a:solidFill>
+              <a:ln w="19050" cap="flat">
+                <a:solidFill>
+                  <a:srgbClr val="000000"/>
+                </a:solidFill>
+                <a:prstDash val="solid"/>
+                <a:round/>
+              </a:ln>
+            </p:spPr>
+            <p:txBody>
+              <a:bodyPr lIns="0" tIns="0" rIns="0" bIns="0" rtlCol="0" anchor="ctr"/>
+              <a:lstStyle/>
+              <a:p>
+                <a:endParaRPr lang="en-CA" sz="1000"/>
+              </a:p>
+            </p:txBody>
+          </p:sp>
+        </p:grpSp>
+        <p:grpSp>
+          <p:nvGrpSpPr>
+            <p:cNvPr id="481" name="Group 480">
+              <a:extLst>
+                <a:ext uri="{FF2B5EF4-FFF2-40B4-BE49-F238E27FC236}">
+                  <a16:creationId xmlns:a16="http://schemas.microsoft.com/office/drawing/2014/main" id="{21486AA9-12A3-4619-059F-EFADA473F751}"/>
+                </a:ext>
+              </a:extLst>
+            </p:cNvPr>
+            <p:cNvGrpSpPr/>
+            <p:nvPr/>
+          </p:nvGrpSpPr>
+          <p:grpSpPr>
+            <a:xfrm>
+              <a:off x="5682776" y="3970136"/>
+              <a:ext cx="80579" cy="455075"/>
+              <a:chOff x="5537339" y="3970136"/>
+              <a:chExt cx="80579" cy="455075"/>
+            </a:xfrm>
+          </p:grpSpPr>
+          <p:sp>
+            <p:nvSpPr>
+              <p:cNvPr id="482" name="Rectangle: Rounded Corners 481">
+                <a:extLst>
+                  <a:ext uri="{FF2B5EF4-FFF2-40B4-BE49-F238E27FC236}">
+                    <a16:creationId xmlns:a16="http://schemas.microsoft.com/office/drawing/2014/main" id="{53896FD8-079B-A716-5EA9-7450F37A899D}"/>
+                  </a:ext>
+                </a:extLst>
+              </p:cNvPr>
+              <p:cNvSpPr/>
+              <p:nvPr/>
+            </p:nvSpPr>
+            <p:spPr>
+              <a:xfrm>
+                <a:off x="5537339" y="3970136"/>
+                <a:ext cx="80579" cy="455075"/>
+              </a:xfrm>
+              <a:prstGeom prst="roundRect">
+                <a:avLst/>
+              </a:prstGeom>
+              <a:solidFill>
+                <a:srgbClr val="000000"/>
+              </a:solidFill>
+              <a:ln w="19050" cap="flat">
+                <a:solidFill>
+                  <a:srgbClr val="000000"/>
+                </a:solidFill>
+                <a:prstDash val="solid"/>
+                <a:round/>
+              </a:ln>
+            </p:spPr>
+            <p:txBody>
+              <a:bodyPr lIns="0" tIns="0" rIns="0" bIns="0" rtlCol="0" anchor="ctr"/>
+              <a:lstStyle/>
+              <a:p>
+                <a:endParaRPr lang="en-CA" sz="1000"/>
+              </a:p>
+            </p:txBody>
+          </p:sp>
+          <p:sp>
+            <p:nvSpPr>
+              <p:cNvPr id="483" name="Rectangle: Rounded Corners 482">
+                <a:extLst>
+                  <a:ext uri="{FF2B5EF4-FFF2-40B4-BE49-F238E27FC236}">
+                    <a16:creationId xmlns:a16="http://schemas.microsoft.com/office/drawing/2014/main" id="{9A72D2A0-8DCD-0FEC-5654-3E89F74DF66B}"/>
+                  </a:ext>
+                </a:extLst>
+              </p:cNvPr>
+              <p:cNvSpPr/>
+              <p:nvPr/>
+            </p:nvSpPr>
+            <p:spPr>
+              <a:xfrm>
+                <a:off x="5555309" y="4199213"/>
+                <a:ext cx="44639" cy="165283"/>
+              </a:xfrm>
+              <a:prstGeom prst="roundRect">
+                <a:avLst/>
+              </a:prstGeom>
+              <a:solidFill>
+                <a:srgbClr val="B5BBD0"/>
+              </a:solidFill>
+              <a:ln>
+                <a:noFill/>
+              </a:ln>
+            </p:spPr>
+            <p:style>
+              <a:lnRef idx="2">
+                <a:schemeClr val="accent1">
+                  <a:shade val="15000"/>
+                </a:schemeClr>
+              </a:lnRef>
+              <a:fillRef idx="1">
+                <a:schemeClr val="accent1"/>
+              </a:fillRef>
+              <a:effectRef idx="0">
+                <a:schemeClr val="accent1"/>
+              </a:effectRef>
+              <a:fontRef idx="minor">
+                <a:schemeClr val="lt1"/>
+              </a:fontRef>
+            </p:style>
+            <p:txBody>
+              <a:bodyPr rtlCol="0" anchor="ctr"/>
+              <a:lstStyle/>
+              <a:p>
+                <a:pPr algn="ctr"/>
+                <a:endParaRPr lang="en-CA"/>
+              </a:p>
+            </p:txBody>
+          </p:sp>
+          <p:sp>
+            <p:nvSpPr>
+              <p:cNvPr id="484" name="Freeform: Shape 483">
+                <a:extLst>
+                  <a:ext uri="{FF2B5EF4-FFF2-40B4-BE49-F238E27FC236}">
+                    <a16:creationId xmlns:a16="http://schemas.microsoft.com/office/drawing/2014/main" id="{51A8A7D1-77FD-A75C-19D6-7ABB6CE5570E}"/>
+                  </a:ext>
+                </a:extLst>
+              </p:cNvPr>
+              <p:cNvSpPr/>
+              <p:nvPr/>
+            </p:nvSpPr>
+            <p:spPr>
+              <a:xfrm flipH="1">
+                <a:off x="5542890" y="4343174"/>
+                <a:ext cx="69476" cy="69476"/>
+              </a:xfrm>
+              <a:custGeom>
+                <a:avLst/>
+                <a:gdLst>
+                  <a:gd name="connsiteX0" fmla="*/ 0 w 27173"/>
+                  <a:gd name="connsiteY0" fmla="*/ 13588 h 27175"/>
+                  <a:gd name="connsiteX1" fmla="*/ 13587 w 27173"/>
+                  <a:gd name="connsiteY1" fmla="*/ 0 h 27175"/>
+                  <a:gd name="connsiteX2" fmla="*/ 27173 w 27173"/>
+                  <a:gd name="connsiteY2" fmla="*/ 13588 h 27175"/>
+                  <a:gd name="connsiteX3" fmla="*/ 13587 w 27173"/>
+                  <a:gd name="connsiteY3" fmla="*/ 27176 h 27175"/>
+                  <a:gd name="connsiteX4" fmla="*/ 0 w 27173"/>
+                  <a:gd name="connsiteY4" fmla="*/ 13588 h 27175"/>
+                </a:gdLst>
+                <a:ahLst/>
+                <a:cxnLst>
+                  <a:cxn ang="0">
+                    <a:pos x="connsiteX0" y="connsiteY0"/>
+                  </a:cxn>
+                  <a:cxn ang="0">
+                    <a:pos x="connsiteX1" y="connsiteY1"/>
+                  </a:cxn>
+                  <a:cxn ang="0">
+                    <a:pos x="connsiteX2" y="connsiteY2"/>
+                  </a:cxn>
+                  <a:cxn ang="0">
+                    <a:pos x="connsiteX3" y="connsiteY3"/>
+                  </a:cxn>
+                  <a:cxn ang="0">
+                    <a:pos x="connsiteX4" y="connsiteY4"/>
+                  </a:cxn>
+                </a:cxnLst>
+                <a:rect l="l" t="t" r="r" b="b"/>
+                <a:pathLst>
+                  <a:path w="27173" h="27175">
+                    <a:moveTo>
+                      <a:pt x="0" y="13588"/>
+                    </a:moveTo>
+                    <a:cubicBezTo>
+                      <a:pt x="0" y="6082"/>
+                      <a:pt x="6083" y="0"/>
+                      <a:pt x="13587" y="0"/>
+                    </a:cubicBezTo>
+                    <a:cubicBezTo>
+                      <a:pt x="21090" y="0"/>
+                      <a:pt x="27173" y="6082"/>
+                      <a:pt x="27173" y="13588"/>
+                    </a:cubicBezTo>
+                    <a:cubicBezTo>
+                      <a:pt x="27173" y="21094"/>
+                      <a:pt x="21090" y="27176"/>
+                      <a:pt x="13587" y="27176"/>
+                    </a:cubicBezTo>
+                    <a:cubicBezTo>
+                      <a:pt x="6083" y="27176"/>
+                      <a:pt x="0" y="21094"/>
+                      <a:pt x="0" y="13588"/>
+                    </a:cubicBezTo>
+                    <a:close/>
+                  </a:path>
+                </a:pathLst>
+              </a:custGeom>
+              <a:solidFill>
+                <a:schemeClr val="bg1">
+                  <a:lumMod val="65000"/>
+                </a:schemeClr>
+              </a:solidFill>
+              <a:ln w="19050" cap="flat">
+                <a:solidFill>
+                  <a:srgbClr val="000000"/>
+                </a:solidFill>
+                <a:prstDash val="solid"/>
+                <a:round/>
+              </a:ln>
+            </p:spPr>
+            <p:txBody>
+              <a:bodyPr lIns="0" tIns="0" rIns="0" bIns="0" rtlCol="0" anchor="ctr"/>
+              <a:lstStyle/>
+              <a:p>
+                <a:endParaRPr lang="en-CA" sz="1000"/>
+              </a:p>
+            </p:txBody>
+          </p:sp>
+        </p:grpSp>
+        <p:sp>
+          <p:nvSpPr>
+            <p:cNvPr id="485" name="Rectangle: Rounded Corners 484">
+              <a:extLst>
+                <a:ext uri="{FF2B5EF4-FFF2-40B4-BE49-F238E27FC236}">
+                  <a16:creationId xmlns:a16="http://schemas.microsoft.com/office/drawing/2014/main" id="{BF102F51-C96B-BC78-9F89-1E7BC46C781F}"/>
+                </a:ext>
+              </a:extLst>
+            </p:cNvPr>
+            <p:cNvSpPr/>
+            <p:nvPr/>
+          </p:nvSpPr>
+          <p:spPr>
+            <a:xfrm>
+              <a:off x="5223190" y="3970136"/>
+              <a:ext cx="119118" cy="135436"/>
+            </a:xfrm>
+            <a:prstGeom prst="roundRect">
+              <a:avLst/>
+            </a:prstGeom>
+            <a:solidFill>
+              <a:srgbClr val="ECAE01"/>
+            </a:solidFill>
+            <a:ln w="19050" cap="flat">
+              <a:solidFill>
+                <a:srgbClr val="000000"/>
+              </a:solidFill>
+              <a:prstDash val="solid"/>
+              <a:round/>
+            </a:ln>
+          </p:spPr>
+          <p:txBody>
+            <a:bodyPr wrap="square" lIns="0" tIns="0" rIns="0" bIns="0" rtlCol="0" anchor="ctr">
+              <a:noAutofit/>
+            </a:bodyPr>
+            <a:lstStyle/>
+            <a:p>
+              <a:endParaRPr lang="en-CA" sz="1000">
+                <a:solidFill>
+                  <a:schemeClr val="tx1"/>
+                </a:solidFill>
+              </a:endParaRPr>
+            </a:p>
+          </p:txBody>
+        </p:sp>
+        <p:sp>
+          <p:nvSpPr>
+            <p:cNvPr id="486" name="Oval 485">
+              <a:extLst>
+                <a:ext uri="{FF2B5EF4-FFF2-40B4-BE49-F238E27FC236}">
+                  <a16:creationId xmlns:a16="http://schemas.microsoft.com/office/drawing/2014/main" id="{8336C686-FC4E-D9F9-3C19-0FF71745AC41}"/>
+                </a:ext>
+              </a:extLst>
+            </p:cNvPr>
+            <p:cNvSpPr/>
+            <p:nvPr/>
+          </p:nvSpPr>
+          <p:spPr>
+            <a:xfrm>
+              <a:off x="4630028" y="4157620"/>
+              <a:ext cx="105210" cy="105210"/>
+            </a:xfrm>
+            <a:prstGeom prst="ellipse">
+              <a:avLst/>
+            </a:prstGeom>
+            <a:solidFill>
+              <a:schemeClr val="bg1">
+                <a:lumMod val="65000"/>
+              </a:schemeClr>
+            </a:solidFill>
+            <a:ln w="19050" cap="flat">
+              <a:solidFill>
+                <a:srgbClr val="000000"/>
+              </a:solidFill>
+              <a:prstDash val="solid"/>
+              <a:round/>
+            </a:ln>
+          </p:spPr>
+          <p:txBody>
+            <a:bodyPr lIns="0" tIns="0" rIns="0" bIns="0" rtlCol="0" anchor="ctr"/>
+            <a:lstStyle/>
+            <a:p>
+              <a:endParaRPr lang="en-CA" sz="1000">
+                <a:solidFill>
+                  <a:schemeClr val="tx1"/>
+                </a:solidFill>
+              </a:endParaRPr>
+            </a:p>
+          </p:txBody>
+        </p:sp>
+        <p:sp>
+          <p:nvSpPr>
+            <p:cNvPr id="487" name="Oval 486">
+              <a:extLst>
+                <a:ext uri="{FF2B5EF4-FFF2-40B4-BE49-F238E27FC236}">
+                  <a16:creationId xmlns:a16="http://schemas.microsoft.com/office/drawing/2014/main" id="{6DC3B3E4-2E3A-2276-40F3-704D887D4232}"/>
+                </a:ext>
+              </a:extLst>
+            </p:cNvPr>
+            <p:cNvSpPr/>
+            <p:nvPr/>
+          </p:nvSpPr>
+          <p:spPr>
+            <a:xfrm>
+              <a:off x="4656001" y="4042795"/>
+              <a:ext cx="53264" cy="53264"/>
+            </a:xfrm>
+            <a:prstGeom prst="ellipse">
+              <a:avLst/>
+            </a:prstGeom>
+            <a:solidFill>
+              <a:srgbClr val="00B050"/>
+            </a:solidFill>
+            <a:ln w="19050" cap="flat">
+              <a:solidFill>
+                <a:srgbClr val="000000"/>
+              </a:solidFill>
+              <a:prstDash val="solid"/>
+              <a:round/>
+            </a:ln>
+          </p:spPr>
+          <p:txBody>
+            <a:bodyPr lIns="0" tIns="0" rIns="0" bIns="0" rtlCol="0" anchor="ctr"/>
+            <a:lstStyle/>
+            <a:p>
+              <a:endParaRPr lang="en-CA" sz="1000">
+                <a:solidFill>
+                  <a:schemeClr val="tx1"/>
+                </a:solidFill>
+              </a:endParaRPr>
+            </a:p>
+          </p:txBody>
+        </p:sp>
+        <p:sp>
+          <p:nvSpPr>
+            <p:cNvPr id="489" name="Rectangle: Rounded Corners 488">
+              <a:extLst>
+                <a:ext uri="{FF2B5EF4-FFF2-40B4-BE49-F238E27FC236}">
+                  <a16:creationId xmlns:a16="http://schemas.microsoft.com/office/drawing/2014/main" id="{1985F3E0-D182-7C3F-1F8E-3867E29C44AB}"/>
+                </a:ext>
+              </a:extLst>
+            </p:cNvPr>
+            <p:cNvSpPr/>
+            <p:nvPr/>
+          </p:nvSpPr>
+          <p:spPr>
+            <a:xfrm>
+              <a:off x="4646674" y="4333962"/>
+              <a:ext cx="71918" cy="144086"/>
+            </a:xfrm>
+            <a:prstGeom prst="roundRect">
+              <a:avLst/>
+            </a:prstGeom>
+            <a:solidFill>
+              <a:srgbClr val="000000"/>
+            </a:solidFill>
+            <a:ln w="19050" cap="flat">
+              <a:solidFill>
+                <a:srgbClr val="000000"/>
+              </a:solidFill>
+              <a:prstDash val="solid"/>
+              <a:round/>
+            </a:ln>
+          </p:spPr>
+          <p:txBody>
+            <a:bodyPr lIns="0" tIns="0" rIns="0" bIns="0" rtlCol="0" anchor="ctr"/>
+            <a:lstStyle/>
+            <a:p>
+              <a:endParaRPr lang="en-CA" sz="1000"/>
+            </a:p>
+          </p:txBody>
+        </p:sp>
+        <p:sp>
+          <p:nvSpPr>
+            <p:cNvPr id="490" name="Rectangle: Rounded Corners 489">
+              <a:extLst>
+                <a:ext uri="{FF2B5EF4-FFF2-40B4-BE49-F238E27FC236}">
+                  <a16:creationId xmlns:a16="http://schemas.microsoft.com/office/drawing/2014/main" id="{AC02C670-B65E-3AA8-2BF2-BC420FE72239}"/>
+                </a:ext>
+              </a:extLst>
+            </p:cNvPr>
+            <p:cNvSpPr/>
+            <p:nvPr/>
+          </p:nvSpPr>
+          <p:spPr>
+            <a:xfrm>
+              <a:off x="4584392" y="3929907"/>
+              <a:ext cx="196482" cy="45720"/>
+            </a:xfrm>
+            <a:prstGeom prst="roundRect">
+              <a:avLst/>
+            </a:prstGeom>
+            <a:solidFill>
+              <a:srgbClr val="0083E6"/>
+            </a:solidFill>
+            <a:ln w="19050" cap="flat">
+              <a:solidFill>
+                <a:srgbClr val="000000"/>
+              </a:solidFill>
+              <a:prstDash val="solid"/>
+              <a:round/>
+            </a:ln>
+          </p:spPr>
+          <p:txBody>
+            <a:bodyPr lIns="0" tIns="0" rIns="0" bIns="0" rtlCol="0" anchor="ctr"/>
+            <a:lstStyle/>
+            <a:p>
+              <a:endParaRPr lang="en-CA" sz="1000">
+                <a:solidFill>
+                  <a:schemeClr val="tx1"/>
+                </a:solidFill>
+              </a:endParaRPr>
+            </a:p>
+          </p:txBody>
+        </p:sp>
+      </p:grpSp>
+      <p:sp>
+        <p:nvSpPr>
+          <p:cNvPr id="495" name="Rectangle 494">
+            <a:extLst>
+              <a:ext uri="{FF2B5EF4-FFF2-40B4-BE49-F238E27FC236}">
+                <a16:creationId xmlns:a16="http://schemas.microsoft.com/office/drawing/2014/main" id="{0EEB8443-5B13-0E50-BE40-4E7FAD5FFFAE}"/>
+              </a:ext>
+            </a:extLst>
+          </p:cNvPr>
+          <p:cNvSpPr/>
+          <p:nvPr/>
+        </p:nvSpPr>
+        <p:spPr>
+          <a:xfrm>
+            <a:off x="3338633" y="4669953"/>
+            <a:ext cx="1345924" cy="378592"/>
+          </a:xfrm>
+          <a:prstGeom prst="rect">
+            <a:avLst/>
+          </a:prstGeom>
+          <a:noFill/>
+          <a:ln w="31750">
+            <a:noFill/>
+          </a:ln>
+        </p:spPr>
+        <p:style>
+          <a:lnRef idx="2">
+            <a:schemeClr val="accent1">
+              <a:shade val="50000"/>
+            </a:schemeClr>
+          </a:lnRef>
+          <a:fillRef idx="1">
+            <a:schemeClr val="accent1"/>
+          </a:fillRef>
+          <a:effectRef idx="0">
+            <a:schemeClr val="accent1"/>
+          </a:effectRef>
+          <a:fontRef idx="minor">
+            <a:schemeClr val="lt1"/>
+          </a:fontRef>
+        </p:style>
+        <p:txBody>
+          <a:bodyPr rot="0" spcFirstLastPara="0" vertOverflow="overflow" horzOverflow="overflow" vert="horz" wrap="square" lIns="0" tIns="0" rIns="0" bIns="0" numCol="1" spcCol="0" rtlCol="0" fromWordArt="0" anchor="t" anchorCtr="0" forceAA="0" compatLnSpc="1">
+            <a:prstTxWarp prst="textNoShape">
+              <a:avLst/>
+            </a:prstTxWarp>
+            <a:noAutofit/>
+          </a:bodyPr>
+          <a:lstStyle/>
+          <a:p>
+            <a:pPr algn="ctr"/>
+            <a:r>
+              <a:rPr lang="en-US" sz="1400" dirty="0">
+                <a:solidFill>
+                  <a:schemeClr val="tx1"/>
+                </a:solidFill>
+                <a:latin typeface="Gotham Narrow Book" pitchFamily="50" charset="0"/>
+                <a:ea typeface="Roboto" panose="02000000000000000000" pitchFamily="2" charset="0"/>
+                <a:cs typeface="Arial" panose="020B0604020202020204" pitchFamily="34" charset="0"/>
+              </a:rPr>
+              <a:t>Fluidized bed generator</a:t>
+            </a:r>
+            <a:endParaRPr lang="el-GR" sz="1400" dirty="0">
+              <a:solidFill>
+                <a:schemeClr val="tx1"/>
+              </a:solidFill>
+              <a:latin typeface="Gotham Narrow Book" pitchFamily="50" charset="0"/>
+              <a:ea typeface="Roboto" panose="02000000000000000000" pitchFamily="2" charset="0"/>
+              <a:cs typeface="Arial" panose="020B0604020202020204" pitchFamily="34" charset="0"/>
+            </a:endParaRPr>
+          </a:p>
+        </p:txBody>
+      </p:sp>
     </p:spTree>
     <p:extLst>
       <p:ext uri="{BB962C8B-B14F-4D97-AF65-F5344CB8AC3E}">
@@ -25509,7 +26478,7 @@
         </p:nvSpPr>
         <p:spPr>
           <a:xfrm>
-            <a:off x="2503383" y="4886986"/>
+            <a:off x="2861096" y="4148199"/>
             <a:ext cx="1345924" cy="300640"/>
           </a:xfrm>
           <a:prstGeom prst="rect">
@@ -25801,7 +26770,7 @@
         </p:nvGrpSpPr>
         <p:grpSpPr>
           <a:xfrm>
-            <a:off x="2470665" y="3989672"/>
+            <a:off x="2828378" y="3250885"/>
             <a:ext cx="1442896" cy="834119"/>
             <a:chOff x="20512288" y="3594938"/>
             <a:chExt cx="1442896" cy="834119"/>
@@ -26860,1300 +27829,6 @@
           </p:txBody>
         </p:sp>
       </p:grpSp>
-      <p:grpSp>
-        <p:nvGrpSpPr>
-          <p:cNvPr id="270" name="Group 269">
-            <a:extLst>
-              <a:ext uri="{FF2B5EF4-FFF2-40B4-BE49-F238E27FC236}">
-                <a16:creationId xmlns:a16="http://schemas.microsoft.com/office/drawing/2014/main" id="{4CE860E9-6114-352D-DD64-476278E07711}"/>
-              </a:ext>
-            </a:extLst>
-          </p:cNvPr>
-          <p:cNvGrpSpPr/>
-          <p:nvPr/>
-        </p:nvGrpSpPr>
-        <p:grpSpPr>
-          <a:xfrm>
-            <a:off x="4467229" y="3989671"/>
-            <a:ext cx="1442896" cy="834119"/>
-            <a:chOff x="16548284" y="5864004"/>
-            <a:chExt cx="1442896" cy="834119"/>
-          </a:xfrm>
-        </p:grpSpPr>
-        <p:sp>
-          <p:nvSpPr>
-            <p:cNvPr id="122" name="Freeform: Shape 121">
-              <a:extLst>
-                <a:ext uri="{FF2B5EF4-FFF2-40B4-BE49-F238E27FC236}">
-                  <a16:creationId xmlns:a16="http://schemas.microsoft.com/office/drawing/2014/main" id="{A2C94AA4-B93F-3C6A-27D0-41D3DEBA66BB}"/>
-                </a:ext>
-              </a:extLst>
-            </p:cNvPr>
-            <p:cNvSpPr/>
-            <p:nvPr/>
-          </p:nvSpPr>
-          <p:spPr>
-            <a:xfrm>
-              <a:off x="16548284" y="5864004"/>
-              <a:ext cx="1442896" cy="834119"/>
-            </a:xfrm>
-            <a:custGeom>
-              <a:avLst/>
-              <a:gdLst>
-                <a:gd name="connsiteX0" fmla="*/ 52625 w 1442896"/>
-                <a:gd name="connsiteY0" fmla="*/ 0 h 834119"/>
-                <a:gd name="connsiteX1" fmla="*/ 1390271 w 1442896"/>
-                <a:gd name="connsiteY1" fmla="*/ 0 h 834119"/>
-                <a:gd name="connsiteX2" fmla="*/ 1442896 w 1442896"/>
-                <a:gd name="connsiteY2" fmla="*/ 52625 h 834119"/>
-                <a:gd name="connsiteX3" fmla="*/ 1442896 w 1442896"/>
-                <a:gd name="connsiteY3" fmla="*/ 188233 h 834119"/>
-                <a:gd name="connsiteX4" fmla="*/ 1416072 w 1442896"/>
-                <a:gd name="connsiteY4" fmla="*/ 188233 h 834119"/>
-                <a:gd name="connsiteX5" fmla="*/ 1407706 w 1442896"/>
-                <a:gd name="connsiteY5" fmla="*/ 196599 h 834119"/>
-                <a:gd name="connsiteX6" fmla="*/ 1407706 w 1442896"/>
-                <a:gd name="connsiteY6" fmla="*/ 230063 h 834119"/>
-                <a:gd name="connsiteX7" fmla="*/ 1416072 w 1442896"/>
-                <a:gd name="connsiteY7" fmla="*/ 238429 h 834119"/>
-                <a:gd name="connsiteX8" fmla="*/ 1442896 w 1442896"/>
-                <a:gd name="connsiteY8" fmla="*/ 238429 h 834119"/>
-                <a:gd name="connsiteX9" fmla="*/ 1442896 w 1442896"/>
-                <a:gd name="connsiteY9" fmla="*/ 595691 h 834119"/>
-                <a:gd name="connsiteX10" fmla="*/ 1416072 w 1442896"/>
-                <a:gd name="connsiteY10" fmla="*/ 595691 h 834119"/>
-                <a:gd name="connsiteX11" fmla="*/ 1407706 w 1442896"/>
-                <a:gd name="connsiteY11" fmla="*/ 604057 h 834119"/>
-                <a:gd name="connsiteX12" fmla="*/ 1407706 w 1442896"/>
-                <a:gd name="connsiteY12" fmla="*/ 637521 h 834119"/>
-                <a:gd name="connsiteX13" fmla="*/ 1416072 w 1442896"/>
-                <a:gd name="connsiteY13" fmla="*/ 645887 h 834119"/>
-                <a:gd name="connsiteX14" fmla="*/ 1442896 w 1442896"/>
-                <a:gd name="connsiteY14" fmla="*/ 645887 h 834119"/>
-                <a:gd name="connsiteX15" fmla="*/ 1442896 w 1442896"/>
-                <a:gd name="connsiteY15" fmla="*/ 781494 h 834119"/>
-                <a:gd name="connsiteX16" fmla="*/ 1390271 w 1442896"/>
-                <a:gd name="connsiteY16" fmla="*/ 834119 h 834119"/>
-                <a:gd name="connsiteX17" fmla="*/ 52625 w 1442896"/>
-                <a:gd name="connsiteY17" fmla="*/ 834119 h 834119"/>
-                <a:gd name="connsiteX18" fmla="*/ 0 w 1442896"/>
-                <a:gd name="connsiteY18" fmla="*/ 781494 h 834119"/>
-                <a:gd name="connsiteX19" fmla="*/ 0 w 1442896"/>
-                <a:gd name="connsiteY19" fmla="*/ 645887 h 834119"/>
-                <a:gd name="connsiteX20" fmla="*/ 29744 w 1442896"/>
-                <a:gd name="connsiteY20" fmla="*/ 645887 h 834119"/>
-                <a:gd name="connsiteX21" fmla="*/ 38110 w 1442896"/>
-                <a:gd name="connsiteY21" fmla="*/ 637521 h 834119"/>
-                <a:gd name="connsiteX22" fmla="*/ 38110 w 1442896"/>
-                <a:gd name="connsiteY22" fmla="*/ 604057 h 834119"/>
-                <a:gd name="connsiteX23" fmla="*/ 29744 w 1442896"/>
-                <a:gd name="connsiteY23" fmla="*/ 595691 h 834119"/>
-                <a:gd name="connsiteX24" fmla="*/ 0 w 1442896"/>
-                <a:gd name="connsiteY24" fmla="*/ 595691 h 834119"/>
-                <a:gd name="connsiteX25" fmla="*/ 0 w 1442896"/>
-                <a:gd name="connsiteY25" fmla="*/ 238429 h 834119"/>
-                <a:gd name="connsiteX26" fmla="*/ 29744 w 1442896"/>
-                <a:gd name="connsiteY26" fmla="*/ 238429 h 834119"/>
-                <a:gd name="connsiteX27" fmla="*/ 38110 w 1442896"/>
-                <a:gd name="connsiteY27" fmla="*/ 230063 h 834119"/>
-                <a:gd name="connsiteX28" fmla="*/ 38110 w 1442896"/>
-                <a:gd name="connsiteY28" fmla="*/ 196599 h 834119"/>
-                <a:gd name="connsiteX29" fmla="*/ 29744 w 1442896"/>
-                <a:gd name="connsiteY29" fmla="*/ 188233 h 834119"/>
-                <a:gd name="connsiteX30" fmla="*/ 0 w 1442896"/>
-                <a:gd name="connsiteY30" fmla="*/ 188233 h 834119"/>
-                <a:gd name="connsiteX31" fmla="*/ 0 w 1442896"/>
-                <a:gd name="connsiteY31" fmla="*/ 52625 h 834119"/>
-                <a:gd name="connsiteX32" fmla="*/ 52625 w 1442896"/>
-                <a:gd name="connsiteY32" fmla="*/ 0 h 834119"/>
-              </a:gdLst>
-              <a:ahLst/>
-              <a:cxnLst>
-                <a:cxn ang="0">
-                  <a:pos x="connsiteX0" y="connsiteY0"/>
-                </a:cxn>
-                <a:cxn ang="0">
-                  <a:pos x="connsiteX1" y="connsiteY1"/>
-                </a:cxn>
-                <a:cxn ang="0">
-                  <a:pos x="connsiteX2" y="connsiteY2"/>
-                </a:cxn>
-                <a:cxn ang="0">
-                  <a:pos x="connsiteX3" y="connsiteY3"/>
-                </a:cxn>
-                <a:cxn ang="0">
-                  <a:pos x="connsiteX4" y="connsiteY4"/>
-                </a:cxn>
-                <a:cxn ang="0">
-                  <a:pos x="connsiteX5" y="connsiteY5"/>
-                </a:cxn>
-                <a:cxn ang="0">
-                  <a:pos x="connsiteX6" y="connsiteY6"/>
-                </a:cxn>
-                <a:cxn ang="0">
-                  <a:pos x="connsiteX7" y="connsiteY7"/>
-                </a:cxn>
-                <a:cxn ang="0">
-                  <a:pos x="connsiteX8" y="connsiteY8"/>
-                </a:cxn>
-                <a:cxn ang="0">
-                  <a:pos x="connsiteX9" y="connsiteY9"/>
-                </a:cxn>
-                <a:cxn ang="0">
-                  <a:pos x="connsiteX10" y="connsiteY10"/>
-                </a:cxn>
-                <a:cxn ang="0">
-                  <a:pos x="connsiteX11" y="connsiteY11"/>
-                </a:cxn>
-                <a:cxn ang="0">
-                  <a:pos x="connsiteX12" y="connsiteY12"/>
-                </a:cxn>
-                <a:cxn ang="0">
-                  <a:pos x="connsiteX13" y="connsiteY13"/>
-                </a:cxn>
-                <a:cxn ang="0">
-                  <a:pos x="connsiteX14" y="connsiteY14"/>
-                </a:cxn>
-                <a:cxn ang="0">
-                  <a:pos x="connsiteX15" y="connsiteY15"/>
-                </a:cxn>
-                <a:cxn ang="0">
-                  <a:pos x="connsiteX16" y="connsiteY16"/>
-                </a:cxn>
-                <a:cxn ang="0">
-                  <a:pos x="connsiteX17" y="connsiteY17"/>
-                </a:cxn>
-                <a:cxn ang="0">
-                  <a:pos x="connsiteX18" y="connsiteY18"/>
-                </a:cxn>
-                <a:cxn ang="0">
-                  <a:pos x="connsiteX19" y="connsiteY19"/>
-                </a:cxn>
-                <a:cxn ang="0">
-                  <a:pos x="connsiteX20" y="connsiteY20"/>
-                </a:cxn>
-                <a:cxn ang="0">
-                  <a:pos x="connsiteX21" y="connsiteY21"/>
-                </a:cxn>
-                <a:cxn ang="0">
-                  <a:pos x="connsiteX22" y="connsiteY22"/>
-                </a:cxn>
-                <a:cxn ang="0">
-                  <a:pos x="connsiteX23" y="connsiteY23"/>
-                </a:cxn>
-                <a:cxn ang="0">
-                  <a:pos x="connsiteX24" y="connsiteY24"/>
-                </a:cxn>
-                <a:cxn ang="0">
-                  <a:pos x="connsiteX25" y="connsiteY25"/>
-                </a:cxn>
-                <a:cxn ang="0">
-                  <a:pos x="connsiteX26" y="connsiteY26"/>
-                </a:cxn>
-                <a:cxn ang="0">
-                  <a:pos x="connsiteX27" y="connsiteY27"/>
-                </a:cxn>
-                <a:cxn ang="0">
-                  <a:pos x="connsiteX28" y="connsiteY28"/>
-                </a:cxn>
-                <a:cxn ang="0">
-                  <a:pos x="connsiteX29" y="connsiteY29"/>
-                </a:cxn>
-                <a:cxn ang="0">
-                  <a:pos x="connsiteX30" y="connsiteY30"/>
-                </a:cxn>
-                <a:cxn ang="0">
-                  <a:pos x="connsiteX31" y="connsiteY31"/>
-                </a:cxn>
-                <a:cxn ang="0">
-                  <a:pos x="connsiteX32" y="connsiteY32"/>
-                </a:cxn>
-              </a:cxnLst>
-              <a:rect l="l" t="t" r="r" b="b"/>
-              <a:pathLst>
-                <a:path w="1442896" h="834119">
-                  <a:moveTo>
-                    <a:pt x="52625" y="0"/>
-                  </a:moveTo>
-                  <a:lnTo>
-                    <a:pt x="1390271" y="0"/>
-                  </a:lnTo>
-                  <a:cubicBezTo>
-                    <a:pt x="1419335" y="0"/>
-                    <a:pt x="1442896" y="23561"/>
-                    <a:pt x="1442896" y="52625"/>
-                  </a:cubicBezTo>
-                  <a:lnTo>
-                    <a:pt x="1442896" y="188233"/>
-                  </a:lnTo>
-                  <a:lnTo>
-                    <a:pt x="1416072" y="188233"/>
-                  </a:lnTo>
-                  <a:cubicBezTo>
-                    <a:pt x="1411452" y="188233"/>
-                    <a:pt x="1407706" y="191979"/>
-                    <a:pt x="1407706" y="196599"/>
-                  </a:cubicBezTo>
-                  <a:lnTo>
-                    <a:pt x="1407706" y="230063"/>
-                  </a:lnTo>
-                  <a:cubicBezTo>
-                    <a:pt x="1407706" y="234683"/>
-                    <a:pt x="1411452" y="238429"/>
-                    <a:pt x="1416072" y="238429"/>
-                  </a:cubicBezTo>
-                  <a:lnTo>
-                    <a:pt x="1442896" y="238429"/>
-                  </a:lnTo>
-                  <a:lnTo>
-                    <a:pt x="1442896" y="595691"/>
-                  </a:lnTo>
-                  <a:lnTo>
-                    <a:pt x="1416072" y="595691"/>
-                  </a:lnTo>
-                  <a:cubicBezTo>
-                    <a:pt x="1411452" y="595691"/>
-                    <a:pt x="1407706" y="599437"/>
-                    <a:pt x="1407706" y="604057"/>
-                  </a:cubicBezTo>
-                  <a:lnTo>
-                    <a:pt x="1407706" y="637521"/>
-                  </a:lnTo>
-                  <a:cubicBezTo>
-                    <a:pt x="1407706" y="642141"/>
-                    <a:pt x="1411452" y="645887"/>
-                    <a:pt x="1416072" y="645887"/>
-                  </a:cubicBezTo>
-                  <a:lnTo>
-                    <a:pt x="1442896" y="645887"/>
-                  </a:lnTo>
-                  <a:lnTo>
-                    <a:pt x="1442896" y="781494"/>
-                  </a:lnTo>
-                  <a:cubicBezTo>
-                    <a:pt x="1442896" y="810558"/>
-                    <a:pt x="1419335" y="834119"/>
-                    <a:pt x="1390271" y="834119"/>
-                  </a:cubicBezTo>
-                  <a:lnTo>
-                    <a:pt x="52625" y="834119"/>
-                  </a:lnTo>
-                  <a:cubicBezTo>
-                    <a:pt x="23561" y="834119"/>
-                    <a:pt x="0" y="810558"/>
-                    <a:pt x="0" y="781494"/>
-                  </a:cubicBezTo>
-                  <a:lnTo>
-                    <a:pt x="0" y="645887"/>
-                  </a:lnTo>
-                  <a:lnTo>
-                    <a:pt x="29744" y="645887"/>
-                  </a:lnTo>
-                  <a:cubicBezTo>
-                    <a:pt x="34364" y="645887"/>
-                    <a:pt x="38110" y="642141"/>
-                    <a:pt x="38110" y="637521"/>
-                  </a:cubicBezTo>
-                  <a:lnTo>
-                    <a:pt x="38110" y="604057"/>
-                  </a:lnTo>
-                  <a:cubicBezTo>
-                    <a:pt x="38110" y="599437"/>
-                    <a:pt x="34364" y="595691"/>
-                    <a:pt x="29744" y="595691"/>
-                  </a:cubicBezTo>
-                  <a:lnTo>
-                    <a:pt x="0" y="595691"/>
-                  </a:lnTo>
-                  <a:lnTo>
-                    <a:pt x="0" y="238429"/>
-                  </a:lnTo>
-                  <a:lnTo>
-                    <a:pt x="29744" y="238429"/>
-                  </a:lnTo>
-                  <a:cubicBezTo>
-                    <a:pt x="34364" y="238429"/>
-                    <a:pt x="38110" y="234683"/>
-                    <a:pt x="38110" y="230063"/>
-                  </a:cubicBezTo>
-                  <a:lnTo>
-                    <a:pt x="38110" y="196599"/>
-                  </a:lnTo>
-                  <a:cubicBezTo>
-                    <a:pt x="38110" y="191979"/>
-                    <a:pt x="34364" y="188233"/>
-                    <a:pt x="29744" y="188233"/>
-                  </a:cubicBezTo>
-                  <a:lnTo>
-                    <a:pt x="0" y="188233"/>
-                  </a:lnTo>
-                  <a:lnTo>
-                    <a:pt x="0" y="52625"/>
-                  </a:lnTo>
-                  <a:cubicBezTo>
-                    <a:pt x="0" y="23561"/>
-                    <a:pt x="23561" y="0"/>
-                    <a:pt x="52625" y="0"/>
-                  </a:cubicBezTo>
-                  <a:close/>
-                </a:path>
-              </a:pathLst>
-            </a:custGeom>
-            <a:solidFill>
-              <a:schemeClr val="bg1">
-                <a:lumMod val="85000"/>
-              </a:schemeClr>
-            </a:solidFill>
-            <a:ln w="19050" cap="rnd">
-              <a:solidFill>
-                <a:schemeClr val="tx1"/>
-              </a:solidFill>
-              <a:round/>
-            </a:ln>
-          </p:spPr>
-          <p:style>
-            <a:lnRef idx="2">
-              <a:schemeClr val="accent1">
-                <a:shade val="50000"/>
-              </a:schemeClr>
-            </a:lnRef>
-            <a:fillRef idx="1">
-              <a:schemeClr val="accent1"/>
-            </a:fillRef>
-            <a:effectRef idx="0">
-              <a:schemeClr val="accent1"/>
-            </a:effectRef>
-            <a:fontRef idx="minor">
-              <a:schemeClr val="lt1"/>
-            </a:fontRef>
-          </p:style>
-          <p:txBody>
-            <a:bodyPr wrap="square" rtlCol="0" anchor="ctr">
-              <a:noAutofit/>
-            </a:bodyPr>
-            <a:lstStyle/>
-            <a:p>
-              <a:pPr algn="ctr"/>
-              <a:endParaRPr lang="en-US" sz="4400" dirty="0">
-                <a:cs typeface="Arial" panose="020B0604020202020204" pitchFamily="34" charset="0"/>
-              </a:endParaRPr>
-            </a:p>
-          </p:txBody>
-        </p:sp>
-        <p:sp>
-          <p:nvSpPr>
-            <p:cNvPr id="123" name="Rectangle: Rounded Corners 122">
-              <a:extLst>
-                <a:ext uri="{FF2B5EF4-FFF2-40B4-BE49-F238E27FC236}">
-                  <a16:creationId xmlns:a16="http://schemas.microsoft.com/office/drawing/2014/main" id="{1FEC597C-58DB-AEB9-8D6B-52B40C2D0557}"/>
-                </a:ext>
-              </a:extLst>
-            </p:cNvPr>
-            <p:cNvSpPr/>
-            <p:nvPr/>
-          </p:nvSpPr>
-          <p:spPr>
-            <a:xfrm>
-              <a:off x="16633876" y="5985127"/>
-              <a:ext cx="97714" cy="588983"/>
-            </a:xfrm>
-            <a:prstGeom prst="roundRect">
-              <a:avLst>
-                <a:gd name="adj" fmla="val 9220"/>
-              </a:avLst>
-            </a:prstGeom>
-            <a:solidFill>
-              <a:schemeClr val="bg1">
-                <a:lumMod val="50000"/>
-              </a:schemeClr>
-            </a:solidFill>
-            <a:ln w="19050">
-              <a:solidFill>
-                <a:schemeClr val="tx1"/>
-              </a:solidFill>
-            </a:ln>
-          </p:spPr>
-          <p:style>
-            <a:lnRef idx="2">
-              <a:schemeClr val="accent1">
-                <a:shade val="50000"/>
-              </a:schemeClr>
-            </a:lnRef>
-            <a:fillRef idx="1">
-              <a:schemeClr val="accent1"/>
-            </a:fillRef>
-            <a:effectRef idx="0">
-              <a:schemeClr val="accent1"/>
-            </a:effectRef>
-            <a:fontRef idx="minor">
-              <a:schemeClr val="lt1"/>
-            </a:fontRef>
-          </p:style>
-          <p:txBody>
-            <a:bodyPr rtlCol="0" anchor="ctr"/>
-            <a:lstStyle/>
-            <a:p>
-              <a:pPr algn="ctr"/>
-              <a:endParaRPr lang="en-US" sz="4400" dirty="0">
-                <a:cs typeface="Arial" panose="020B0604020202020204" pitchFamily="34" charset="0"/>
-              </a:endParaRPr>
-            </a:p>
-          </p:txBody>
-        </p:sp>
-        <p:sp>
-          <p:nvSpPr>
-            <p:cNvPr id="124" name="Rectangle: Rounded Corners 123">
-              <a:extLst>
-                <a:ext uri="{FF2B5EF4-FFF2-40B4-BE49-F238E27FC236}">
-                  <a16:creationId xmlns:a16="http://schemas.microsoft.com/office/drawing/2014/main" id="{AF3147FE-4A8B-4710-4E9A-7C2074F74667}"/>
-                </a:ext>
-              </a:extLst>
-            </p:cNvPr>
-            <p:cNvSpPr/>
-            <p:nvPr/>
-          </p:nvSpPr>
-          <p:spPr>
-            <a:xfrm>
-              <a:off x="17819740" y="5985127"/>
-              <a:ext cx="97714" cy="588983"/>
-            </a:xfrm>
-            <a:prstGeom prst="roundRect">
-              <a:avLst>
-                <a:gd name="adj" fmla="val 9220"/>
-              </a:avLst>
-            </a:prstGeom>
-            <a:solidFill>
-              <a:schemeClr val="bg1">
-                <a:lumMod val="50000"/>
-              </a:schemeClr>
-            </a:solidFill>
-            <a:ln w="19050">
-              <a:solidFill>
-                <a:schemeClr val="tx1"/>
-              </a:solidFill>
-            </a:ln>
-          </p:spPr>
-          <p:style>
-            <a:lnRef idx="2">
-              <a:schemeClr val="accent1">
-                <a:shade val="50000"/>
-              </a:schemeClr>
-            </a:lnRef>
-            <a:fillRef idx="1">
-              <a:schemeClr val="accent1"/>
-            </a:fillRef>
-            <a:effectRef idx="0">
-              <a:schemeClr val="accent1"/>
-            </a:effectRef>
-            <a:fontRef idx="minor">
-              <a:schemeClr val="lt1"/>
-            </a:fontRef>
-          </p:style>
-          <p:txBody>
-            <a:bodyPr rtlCol="0" anchor="ctr"/>
-            <a:lstStyle/>
-            <a:p>
-              <a:pPr algn="ctr"/>
-              <a:endParaRPr lang="en-US" sz="4400" dirty="0">
-                <a:cs typeface="Arial" panose="020B0604020202020204" pitchFamily="34" charset="0"/>
-              </a:endParaRPr>
-            </a:p>
-          </p:txBody>
-        </p:sp>
-        <p:sp>
-          <p:nvSpPr>
-            <p:cNvPr id="125" name="Rectangle: Rounded Corners 124">
-              <a:extLst>
-                <a:ext uri="{FF2B5EF4-FFF2-40B4-BE49-F238E27FC236}">
-                  <a16:creationId xmlns:a16="http://schemas.microsoft.com/office/drawing/2014/main" id="{C532BF84-408D-B22C-D8BD-246B640CE4F6}"/>
-                </a:ext>
-              </a:extLst>
-            </p:cNvPr>
-            <p:cNvSpPr/>
-            <p:nvPr/>
-          </p:nvSpPr>
-          <p:spPr>
-            <a:xfrm>
-              <a:off x="17082744" y="6055800"/>
-              <a:ext cx="483198" cy="285410"/>
-            </a:xfrm>
-            <a:prstGeom prst="roundRect">
-              <a:avLst>
-                <a:gd name="adj" fmla="val 9220"/>
-              </a:avLst>
-            </a:prstGeom>
-            <a:solidFill>
-              <a:schemeClr val="bg1"/>
-            </a:solidFill>
-            <a:ln w="19050">
-              <a:solidFill>
-                <a:schemeClr val="tx1"/>
-              </a:solidFill>
-            </a:ln>
-          </p:spPr>
-          <p:style>
-            <a:lnRef idx="2">
-              <a:schemeClr val="accent1">
-                <a:shade val="50000"/>
-              </a:schemeClr>
-            </a:lnRef>
-            <a:fillRef idx="1">
-              <a:schemeClr val="accent1"/>
-            </a:fillRef>
-            <a:effectRef idx="0">
-              <a:schemeClr val="accent1"/>
-            </a:effectRef>
-            <a:fontRef idx="minor">
-              <a:schemeClr val="lt1"/>
-            </a:fontRef>
-          </p:style>
-          <p:txBody>
-            <a:bodyPr rtlCol="0" anchor="ctr"/>
-            <a:lstStyle/>
-            <a:p>
-              <a:pPr algn="ctr"/>
-              <a:endParaRPr lang="en-US" sz="4400">
-                <a:cs typeface="Arial" panose="020B0604020202020204" pitchFamily="34" charset="0"/>
-              </a:endParaRPr>
-            </a:p>
-          </p:txBody>
-        </p:sp>
-        <p:grpSp>
-          <p:nvGrpSpPr>
-            <p:cNvPr id="126" name="Group 125">
-              <a:extLst>
-                <a:ext uri="{FF2B5EF4-FFF2-40B4-BE49-F238E27FC236}">
-                  <a16:creationId xmlns:a16="http://schemas.microsoft.com/office/drawing/2014/main" id="{4A3787E1-2D02-3560-DA67-B54D0DB569FD}"/>
-                </a:ext>
-              </a:extLst>
-            </p:cNvPr>
-            <p:cNvGrpSpPr/>
-            <p:nvPr/>
-          </p:nvGrpSpPr>
-          <p:grpSpPr>
-            <a:xfrm>
-              <a:off x="17120707" y="6101279"/>
-              <a:ext cx="407273" cy="194453"/>
-              <a:chOff x="9520201" y="1425316"/>
-              <a:chExt cx="407273" cy="194453"/>
-            </a:xfrm>
-            <a:solidFill>
-              <a:srgbClr val="66BFE2"/>
-            </a:solidFill>
-          </p:grpSpPr>
-          <p:grpSp>
-            <p:nvGrpSpPr>
-              <p:cNvPr id="127" name="Group 126">
-                <a:extLst>
-                  <a:ext uri="{FF2B5EF4-FFF2-40B4-BE49-F238E27FC236}">
-                    <a16:creationId xmlns:a16="http://schemas.microsoft.com/office/drawing/2014/main" id="{E0F49A2E-8556-0ABC-7458-35F720760E71}"/>
-                  </a:ext>
-                </a:extLst>
-              </p:cNvPr>
-              <p:cNvGrpSpPr/>
-              <p:nvPr/>
-            </p:nvGrpSpPr>
-            <p:grpSpPr>
-              <a:xfrm>
-                <a:off x="9520201" y="1425316"/>
-                <a:ext cx="407273" cy="79094"/>
-                <a:chOff x="9520201" y="1425316"/>
-                <a:chExt cx="407273" cy="79094"/>
-              </a:xfrm>
-              <a:grpFill/>
-            </p:grpSpPr>
-            <p:sp>
-              <p:nvSpPr>
-                <p:cNvPr id="261" name="Rectangle 260">
-                  <a:extLst>
-                    <a:ext uri="{FF2B5EF4-FFF2-40B4-BE49-F238E27FC236}">
-                      <a16:creationId xmlns:a16="http://schemas.microsoft.com/office/drawing/2014/main" id="{FD3D8038-48FD-19E3-4E92-3E1C72D4D068}"/>
-                    </a:ext>
-                  </a:extLst>
-                </p:cNvPr>
-                <p:cNvSpPr/>
-                <p:nvPr/>
-              </p:nvSpPr>
-              <p:spPr>
-                <a:xfrm>
-                  <a:off x="9520201" y="1425316"/>
-                  <a:ext cx="78200" cy="79094"/>
-                </a:xfrm>
-                <a:prstGeom prst="rect">
-                  <a:avLst/>
-                </a:prstGeom>
-                <a:grpFill/>
-                <a:ln w="19050" cap="rnd">
-                  <a:solidFill>
-                    <a:schemeClr val="tx1"/>
-                  </a:solidFill>
-                  <a:round/>
-                </a:ln>
-              </p:spPr>
-              <p:style>
-                <a:lnRef idx="2">
-                  <a:schemeClr val="accent1">
-                    <a:shade val="50000"/>
-                  </a:schemeClr>
-                </a:lnRef>
-                <a:fillRef idx="1">
-                  <a:schemeClr val="accent1"/>
-                </a:fillRef>
-                <a:effectRef idx="0">
-                  <a:schemeClr val="accent1"/>
-                </a:effectRef>
-                <a:fontRef idx="minor">
-                  <a:schemeClr val="lt1"/>
-                </a:fontRef>
-              </p:style>
-              <p:txBody>
-                <a:bodyPr rtlCol="0" anchor="ctr"/>
-                <a:lstStyle/>
-                <a:p>
-                  <a:pPr algn="ctr"/>
-                  <a:endParaRPr lang="en-US" sz="4400">
-                    <a:cs typeface="Arial" panose="020B0604020202020204" pitchFamily="34" charset="0"/>
-                  </a:endParaRPr>
-                </a:p>
-              </p:txBody>
-            </p:sp>
-            <p:sp>
-              <p:nvSpPr>
-                <p:cNvPr id="262" name="Rectangle 261">
-                  <a:extLst>
-                    <a:ext uri="{FF2B5EF4-FFF2-40B4-BE49-F238E27FC236}">
-                      <a16:creationId xmlns:a16="http://schemas.microsoft.com/office/drawing/2014/main" id="{286EAB5D-6BFD-6600-52FC-4C4853ABA4C2}"/>
-                    </a:ext>
-                  </a:extLst>
-                </p:cNvPr>
-                <p:cNvSpPr/>
-                <p:nvPr/>
-              </p:nvSpPr>
-              <p:spPr>
-                <a:xfrm>
-                  <a:off x="9629892" y="1425316"/>
-                  <a:ext cx="78200" cy="79094"/>
-                </a:xfrm>
-                <a:prstGeom prst="rect">
-                  <a:avLst/>
-                </a:prstGeom>
-                <a:grpFill/>
-                <a:ln w="19050" cap="rnd">
-                  <a:solidFill>
-                    <a:schemeClr val="tx1"/>
-                  </a:solidFill>
-                  <a:round/>
-                </a:ln>
-              </p:spPr>
-              <p:style>
-                <a:lnRef idx="2">
-                  <a:schemeClr val="accent1">
-                    <a:shade val="50000"/>
-                  </a:schemeClr>
-                </a:lnRef>
-                <a:fillRef idx="1">
-                  <a:schemeClr val="accent1"/>
-                </a:fillRef>
-                <a:effectRef idx="0">
-                  <a:schemeClr val="accent1"/>
-                </a:effectRef>
-                <a:fontRef idx="minor">
-                  <a:schemeClr val="lt1"/>
-                </a:fontRef>
-              </p:style>
-              <p:txBody>
-                <a:bodyPr rtlCol="0" anchor="ctr"/>
-                <a:lstStyle/>
-                <a:p>
-                  <a:pPr algn="ctr"/>
-                  <a:endParaRPr lang="en-US" sz="4400">
-                    <a:cs typeface="Arial" panose="020B0604020202020204" pitchFamily="34" charset="0"/>
-                  </a:endParaRPr>
-                </a:p>
-              </p:txBody>
-            </p:sp>
-            <p:sp>
-              <p:nvSpPr>
-                <p:cNvPr id="263" name="Rectangle 262">
-                  <a:extLst>
-                    <a:ext uri="{FF2B5EF4-FFF2-40B4-BE49-F238E27FC236}">
-                      <a16:creationId xmlns:a16="http://schemas.microsoft.com/office/drawing/2014/main" id="{AF47225A-1180-4476-D3B0-37693A645F2B}"/>
-                    </a:ext>
-                  </a:extLst>
-                </p:cNvPr>
-                <p:cNvSpPr/>
-                <p:nvPr/>
-              </p:nvSpPr>
-              <p:spPr>
-                <a:xfrm>
-                  <a:off x="9739583" y="1425316"/>
-                  <a:ext cx="78200" cy="79094"/>
-                </a:xfrm>
-                <a:prstGeom prst="rect">
-                  <a:avLst/>
-                </a:prstGeom>
-                <a:grpFill/>
-                <a:ln w="19050" cap="rnd">
-                  <a:solidFill>
-                    <a:schemeClr val="tx1"/>
-                  </a:solidFill>
-                  <a:round/>
-                </a:ln>
-              </p:spPr>
-              <p:style>
-                <a:lnRef idx="2">
-                  <a:schemeClr val="accent1">
-                    <a:shade val="50000"/>
-                  </a:schemeClr>
-                </a:lnRef>
-                <a:fillRef idx="1">
-                  <a:schemeClr val="accent1"/>
-                </a:fillRef>
-                <a:effectRef idx="0">
-                  <a:schemeClr val="accent1"/>
-                </a:effectRef>
-                <a:fontRef idx="minor">
-                  <a:schemeClr val="lt1"/>
-                </a:fontRef>
-              </p:style>
-              <p:txBody>
-                <a:bodyPr rtlCol="0" anchor="ctr"/>
-                <a:lstStyle/>
-                <a:p>
-                  <a:pPr algn="ctr"/>
-                  <a:endParaRPr lang="en-US" sz="4400">
-                    <a:cs typeface="Arial" panose="020B0604020202020204" pitchFamily="34" charset="0"/>
-                  </a:endParaRPr>
-                </a:p>
-              </p:txBody>
-            </p:sp>
-            <p:sp>
-              <p:nvSpPr>
-                <p:cNvPr id="264" name="Rectangle 263">
-                  <a:extLst>
-                    <a:ext uri="{FF2B5EF4-FFF2-40B4-BE49-F238E27FC236}">
-                      <a16:creationId xmlns:a16="http://schemas.microsoft.com/office/drawing/2014/main" id="{E79DC771-D938-3E33-2FAB-94DFC22FCD3B}"/>
-                    </a:ext>
-                  </a:extLst>
-                </p:cNvPr>
-                <p:cNvSpPr/>
-                <p:nvPr/>
-              </p:nvSpPr>
-              <p:spPr>
-                <a:xfrm>
-                  <a:off x="9849274" y="1425316"/>
-                  <a:ext cx="78200" cy="79094"/>
-                </a:xfrm>
-                <a:prstGeom prst="rect">
-                  <a:avLst/>
-                </a:prstGeom>
-                <a:grpFill/>
-                <a:ln w="19050" cap="rnd">
-                  <a:solidFill>
-                    <a:schemeClr val="tx1"/>
-                  </a:solidFill>
-                  <a:round/>
-                </a:ln>
-              </p:spPr>
-              <p:style>
-                <a:lnRef idx="2">
-                  <a:schemeClr val="accent1">
-                    <a:shade val="50000"/>
-                  </a:schemeClr>
-                </a:lnRef>
-                <a:fillRef idx="1">
-                  <a:schemeClr val="accent1"/>
-                </a:fillRef>
-                <a:effectRef idx="0">
-                  <a:schemeClr val="accent1"/>
-                </a:effectRef>
-                <a:fontRef idx="minor">
-                  <a:schemeClr val="lt1"/>
-                </a:fontRef>
-              </p:style>
-              <p:txBody>
-                <a:bodyPr rtlCol="0" anchor="ctr"/>
-                <a:lstStyle/>
-                <a:p>
-                  <a:pPr algn="ctr"/>
-                  <a:endParaRPr lang="en-US" sz="4400">
-                    <a:cs typeface="Arial" panose="020B0604020202020204" pitchFamily="34" charset="0"/>
-                  </a:endParaRPr>
-                </a:p>
-              </p:txBody>
-            </p:sp>
-          </p:grpSp>
-          <p:grpSp>
-            <p:nvGrpSpPr>
-              <p:cNvPr id="256" name="Group 255">
-                <a:extLst>
-                  <a:ext uri="{FF2B5EF4-FFF2-40B4-BE49-F238E27FC236}">
-                    <a16:creationId xmlns:a16="http://schemas.microsoft.com/office/drawing/2014/main" id="{16FEEB6F-547E-6941-D6EA-A714C315A2BE}"/>
-                  </a:ext>
-                </a:extLst>
-              </p:cNvPr>
-              <p:cNvGrpSpPr/>
-              <p:nvPr/>
-            </p:nvGrpSpPr>
-            <p:grpSpPr>
-              <a:xfrm>
-                <a:off x="9520201" y="1540675"/>
-                <a:ext cx="407273" cy="79094"/>
-                <a:chOff x="9520201" y="1425316"/>
-                <a:chExt cx="407273" cy="79094"/>
-              </a:xfrm>
-              <a:grpFill/>
-            </p:grpSpPr>
-            <p:sp>
-              <p:nvSpPr>
-                <p:cNvPr id="257" name="Rectangle 256">
-                  <a:extLst>
-                    <a:ext uri="{FF2B5EF4-FFF2-40B4-BE49-F238E27FC236}">
-                      <a16:creationId xmlns:a16="http://schemas.microsoft.com/office/drawing/2014/main" id="{F2C43EC1-475D-5910-95EF-2BEFCF450B0D}"/>
-                    </a:ext>
-                  </a:extLst>
-                </p:cNvPr>
-                <p:cNvSpPr/>
-                <p:nvPr/>
-              </p:nvSpPr>
-              <p:spPr>
-                <a:xfrm>
-                  <a:off x="9520201" y="1425316"/>
-                  <a:ext cx="78200" cy="79094"/>
-                </a:xfrm>
-                <a:prstGeom prst="rect">
-                  <a:avLst/>
-                </a:prstGeom>
-                <a:grpFill/>
-                <a:ln w="19050" cap="rnd">
-                  <a:solidFill>
-                    <a:schemeClr val="tx1"/>
-                  </a:solidFill>
-                  <a:round/>
-                </a:ln>
-              </p:spPr>
-              <p:style>
-                <a:lnRef idx="2">
-                  <a:schemeClr val="accent1">
-                    <a:shade val="50000"/>
-                  </a:schemeClr>
-                </a:lnRef>
-                <a:fillRef idx="1">
-                  <a:schemeClr val="accent1"/>
-                </a:fillRef>
-                <a:effectRef idx="0">
-                  <a:schemeClr val="accent1"/>
-                </a:effectRef>
-                <a:fontRef idx="minor">
-                  <a:schemeClr val="lt1"/>
-                </a:fontRef>
-              </p:style>
-              <p:txBody>
-                <a:bodyPr rtlCol="0" anchor="ctr"/>
-                <a:lstStyle/>
-                <a:p>
-                  <a:pPr algn="ctr"/>
-                  <a:endParaRPr lang="en-US" sz="4400">
-                    <a:cs typeface="Arial" panose="020B0604020202020204" pitchFamily="34" charset="0"/>
-                  </a:endParaRPr>
-                </a:p>
-              </p:txBody>
-            </p:sp>
-            <p:sp>
-              <p:nvSpPr>
-                <p:cNvPr id="258" name="Rectangle 257">
-                  <a:extLst>
-                    <a:ext uri="{FF2B5EF4-FFF2-40B4-BE49-F238E27FC236}">
-                      <a16:creationId xmlns:a16="http://schemas.microsoft.com/office/drawing/2014/main" id="{B3BA9432-991C-D0E2-7C19-1C60D7300060}"/>
-                    </a:ext>
-                  </a:extLst>
-                </p:cNvPr>
-                <p:cNvSpPr/>
-                <p:nvPr/>
-              </p:nvSpPr>
-              <p:spPr>
-                <a:xfrm>
-                  <a:off x="9629892" y="1425316"/>
-                  <a:ext cx="78200" cy="79094"/>
-                </a:xfrm>
-                <a:prstGeom prst="rect">
-                  <a:avLst/>
-                </a:prstGeom>
-                <a:grpFill/>
-                <a:ln w="19050" cap="rnd">
-                  <a:solidFill>
-                    <a:schemeClr val="tx1"/>
-                  </a:solidFill>
-                  <a:round/>
-                </a:ln>
-              </p:spPr>
-              <p:style>
-                <a:lnRef idx="2">
-                  <a:schemeClr val="accent1">
-                    <a:shade val="50000"/>
-                  </a:schemeClr>
-                </a:lnRef>
-                <a:fillRef idx="1">
-                  <a:schemeClr val="accent1"/>
-                </a:fillRef>
-                <a:effectRef idx="0">
-                  <a:schemeClr val="accent1"/>
-                </a:effectRef>
-                <a:fontRef idx="minor">
-                  <a:schemeClr val="lt1"/>
-                </a:fontRef>
-              </p:style>
-              <p:txBody>
-                <a:bodyPr rtlCol="0" anchor="ctr"/>
-                <a:lstStyle/>
-                <a:p>
-                  <a:pPr algn="ctr"/>
-                  <a:endParaRPr lang="en-US" sz="4400">
-                    <a:cs typeface="Arial" panose="020B0604020202020204" pitchFamily="34" charset="0"/>
-                  </a:endParaRPr>
-                </a:p>
-              </p:txBody>
-            </p:sp>
-            <p:sp>
-              <p:nvSpPr>
-                <p:cNvPr id="259" name="Rectangle 258">
-                  <a:extLst>
-                    <a:ext uri="{FF2B5EF4-FFF2-40B4-BE49-F238E27FC236}">
-                      <a16:creationId xmlns:a16="http://schemas.microsoft.com/office/drawing/2014/main" id="{22EC4B60-BFD4-C41D-AB62-06EC5D748CF8}"/>
-                    </a:ext>
-                  </a:extLst>
-                </p:cNvPr>
-                <p:cNvSpPr/>
-                <p:nvPr/>
-              </p:nvSpPr>
-              <p:spPr>
-                <a:xfrm>
-                  <a:off x="9739583" y="1425316"/>
-                  <a:ext cx="78200" cy="79094"/>
-                </a:xfrm>
-                <a:prstGeom prst="rect">
-                  <a:avLst/>
-                </a:prstGeom>
-                <a:grpFill/>
-                <a:ln w="19050" cap="rnd">
-                  <a:solidFill>
-                    <a:schemeClr val="tx1"/>
-                  </a:solidFill>
-                  <a:round/>
-                </a:ln>
-              </p:spPr>
-              <p:style>
-                <a:lnRef idx="2">
-                  <a:schemeClr val="accent1">
-                    <a:shade val="50000"/>
-                  </a:schemeClr>
-                </a:lnRef>
-                <a:fillRef idx="1">
-                  <a:schemeClr val="accent1"/>
-                </a:fillRef>
-                <a:effectRef idx="0">
-                  <a:schemeClr val="accent1"/>
-                </a:effectRef>
-                <a:fontRef idx="minor">
-                  <a:schemeClr val="lt1"/>
-                </a:fontRef>
-              </p:style>
-              <p:txBody>
-                <a:bodyPr rtlCol="0" anchor="ctr"/>
-                <a:lstStyle/>
-                <a:p>
-                  <a:pPr algn="ctr"/>
-                  <a:endParaRPr lang="en-US" sz="4400">
-                    <a:cs typeface="Arial" panose="020B0604020202020204" pitchFamily="34" charset="0"/>
-                  </a:endParaRPr>
-                </a:p>
-              </p:txBody>
-            </p:sp>
-            <p:sp>
-              <p:nvSpPr>
-                <p:cNvPr id="260" name="Rectangle 259">
-                  <a:extLst>
-                    <a:ext uri="{FF2B5EF4-FFF2-40B4-BE49-F238E27FC236}">
-                      <a16:creationId xmlns:a16="http://schemas.microsoft.com/office/drawing/2014/main" id="{9E8008A2-406C-28D6-A6AA-E535E728D07A}"/>
-                    </a:ext>
-                  </a:extLst>
-                </p:cNvPr>
-                <p:cNvSpPr/>
-                <p:nvPr/>
-              </p:nvSpPr>
-              <p:spPr>
-                <a:xfrm>
-                  <a:off x="9849274" y="1425316"/>
-                  <a:ext cx="78200" cy="79094"/>
-                </a:xfrm>
-                <a:prstGeom prst="rect">
-                  <a:avLst/>
-                </a:prstGeom>
-                <a:grpFill/>
-                <a:ln w="19050" cap="rnd">
-                  <a:solidFill>
-                    <a:schemeClr val="tx1"/>
-                  </a:solidFill>
-                  <a:round/>
-                </a:ln>
-              </p:spPr>
-              <p:style>
-                <a:lnRef idx="2">
-                  <a:schemeClr val="accent1">
-                    <a:shade val="50000"/>
-                  </a:schemeClr>
-                </a:lnRef>
-                <a:fillRef idx="1">
-                  <a:schemeClr val="accent1"/>
-                </a:fillRef>
-                <a:effectRef idx="0">
-                  <a:schemeClr val="accent1"/>
-                </a:effectRef>
-                <a:fontRef idx="minor">
-                  <a:schemeClr val="lt1"/>
-                </a:fontRef>
-              </p:style>
-              <p:txBody>
-                <a:bodyPr rtlCol="0" anchor="ctr"/>
-                <a:lstStyle/>
-                <a:p>
-                  <a:pPr algn="ctr"/>
-                  <a:endParaRPr lang="en-US" sz="4400">
-                    <a:cs typeface="Arial" panose="020B0604020202020204" pitchFamily="34" charset="0"/>
-                  </a:endParaRPr>
-                </a:p>
-              </p:txBody>
-            </p:sp>
-          </p:grpSp>
-        </p:grpSp>
-        <p:grpSp>
-          <p:nvGrpSpPr>
-            <p:cNvPr id="265" name="Group 264">
-              <a:extLst>
-                <a:ext uri="{FF2B5EF4-FFF2-40B4-BE49-F238E27FC236}">
-                  <a16:creationId xmlns:a16="http://schemas.microsoft.com/office/drawing/2014/main" id="{C6C36D85-BB4D-6C6A-92CF-B57E2380ED29}"/>
-                </a:ext>
-              </a:extLst>
-            </p:cNvPr>
-            <p:cNvGrpSpPr/>
-            <p:nvPr/>
-          </p:nvGrpSpPr>
-          <p:grpSpPr>
-            <a:xfrm>
-              <a:off x="17639665" y="6065481"/>
-              <a:ext cx="109188" cy="428275"/>
-              <a:chOff x="10032790" y="1432486"/>
-              <a:chExt cx="109188" cy="428275"/>
-            </a:xfrm>
-          </p:grpSpPr>
-          <p:sp>
-            <p:nvSpPr>
-              <p:cNvPr id="266" name="Oval 265">
-                <a:extLst>
-                  <a:ext uri="{FF2B5EF4-FFF2-40B4-BE49-F238E27FC236}">
-                    <a16:creationId xmlns:a16="http://schemas.microsoft.com/office/drawing/2014/main" id="{F0966D9E-0866-6617-9B9B-6E60BC6483FB}"/>
-                  </a:ext>
-                </a:extLst>
-              </p:cNvPr>
-              <p:cNvSpPr/>
-              <p:nvPr/>
-            </p:nvSpPr>
-            <p:spPr>
-              <a:xfrm>
-                <a:off x="10032790" y="1432486"/>
-                <a:ext cx="109188" cy="109188"/>
-              </a:xfrm>
-              <a:prstGeom prst="ellipse">
-                <a:avLst/>
-              </a:prstGeom>
-              <a:solidFill>
-                <a:schemeClr val="bg1">
-                  <a:lumMod val="95000"/>
-                </a:schemeClr>
-              </a:solidFill>
-              <a:ln w="19050">
-                <a:solidFill>
-                  <a:schemeClr val="tx1"/>
-                </a:solidFill>
-              </a:ln>
-            </p:spPr>
-            <p:style>
-              <a:lnRef idx="2">
-                <a:schemeClr val="accent1">
-                  <a:shade val="50000"/>
-                </a:schemeClr>
-              </a:lnRef>
-              <a:fillRef idx="1">
-                <a:schemeClr val="accent1"/>
-              </a:fillRef>
-              <a:effectRef idx="0">
-                <a:schemeClr val="accent1"/>
-              </a:effectRef>
-              <a:fontRef idx="minor">
-                <a:schemeClr val="lt1"/>
-              </a:fontRef>
-            </p:style>
-            <p:txBody>
-              <a:bodyPr wrap="square" rtlCol="0" anchor="ctr">
-                <a:noAutofit/>
-              </a:bodyPr>
-              <a:lstStyle/>
-              <a:p>
-                <a:pPr algn="ctr"/>
-                <a:endParaRPr lang="en-CA" sz="6600">
-                  <a:cs typeface="Arial" panose="020B0604020202020204" pitchFamily="34" charset="0"/>
-                </a:endParaRPr>
-              </a:p>
-            </p:txBody>
-          </p:sp>
-          <p:cxnSp>
-            <p:nvCxnSpPr>
-              <p:cNvPr id="267" name="Straight Connector 266">
-                <a:extLst>
-                  <a:ext uri="{FF2B5EF4-FFF2-40B4-BE49-F238E27FC236}">
-                    <a16:creationId xmlns:a16="http://schemas.microsoft.com/office/drawing/2014/main" id="{AE9FCE41-4B24-A6BA-2DBE-390C06992418}"/>
-                  </a:ext>
-                </a:extLst>
-              </p:cNvPr>
-              <p:cNvCxnSpPr>
-                <a:cxnSpLocks/>
-              </p:cNvCxnSpPr>
-              <p:nvPr/>
-            </p:nvCxnSpPr>
-            <p:spPr>
-              <a:xfrm flipV="1">
-                <a:off x="10087384" y="1602252"/>
-                <a:ext cx="0" cy="45817"/>
-              </a:xfrm>
-              <a:prstGeom prst="line">
-                <a:avLst/>
-              </a:prstGeom>
-              <a:ln w="19050" cap="rnd">
-                <a:solidFill>
-                  <a:schemeClr val="tx1"/>
-                </a:solidFill>
-              </a:ln>
-            </p:spPr>
-            <p:style>
-              <a:lnRef idx="1">
-                <a:schemeClr val="accent1"/>
-              </a:lnRef>
-              <a:fillRef idx="0">
-                <a:schemeClr val="accent1"/>
-              </a:fillRef>
-              <a:effectRef idx="0">
-                <a:schemeClr val="accent1"/>
-              </a:effectRef>
-              <a:fontRef idx="minor">
-                <a:schemeClr val="tx1"/>
-              </a:fontRef>
-            </p:style>
-          </p:cxnSp>
-          <p:cxnSp>
-            <p:nvCxnSpPr>
-              <p:cNvPr id="268" name="Straight Connector 267">
-                <a:extLst>
-                  <a:ext uri="{FF2B5EF4-FFF2-40B4-BE49-F238E27FC236}">
-                    <a16:creationId xmlns:a16="http://schemas.microsoft.com/office/drawing/2014/main" id="{9C42B63C-A5C5-6B05-8650-E83850A3729C}"/>
-                  </a:ext>
-                </a:extLst>
-              </p:cNvPr>
-              <p:cNvCxnSpPr>
-                <a:cxnSpLocks/>
-              </p:cNvCxnSpPr>
-              <p:nvPr/>
-            </p:nvCxnSpPr>
-            <p:spPr>
-              <a:xfrm flipV="1">
-                <a:off x="10087384" y="1708647"/>
-                <a:ext cx="0" cy="45817"/>
-              </a:xfrm>
-              <a:prstGeom prst="line">
-                <a:avLst/>
-              </a:prstGeom>
-              <a:ln w="19050" cap="rnd">
-                <a:solidFill>
-                  <a:schemeClr val="tx1"/>
-                </a:solidFill>
-              </a:ln>
-            </p:spPr>
-            <p:style>
-              <a:lnRef idx="1">
-                <a:schemeClr val="accent1"/>
-              </a:lnRef>
-              <a:fillRef idx="0">
-                <a:schemeClr val="accent1"/>
-              </a:fillRef>
-              <a:effectRef idx="0">
-                <a:schemeClr val="accent1"/>
-              </a:effectRef>
-              <a:fontRef idx="minor">
-                <a:schemeClr val="tx1"/>
-              </a:fontRef>
-            </p:style>
-          </p:cxnSp>
-          <p:sp>
-            <p:nvSpPr>
-              <p:cNvPr id="269" name="Rectangle: Rounded Corners 268">
-                <a:extLst>
-                  <a:ext uri="{FF2B5EF4-FFF2-40B4-BE49-F238E27FC236}">
-                    <a16:creationId xmlns:a16="http://schemas.microsoft.com/office/drawing/2014/main" id="{6E35615C-3FD0-3560-3BA7-2A0EDF1E1E85}"/>
-                  </a:ext>
-                </a:extLst>
-              </p:cNvPr>
-              <p:cNvSpPr/>
-              <p:nvPr/>
-            </p:nvSpPr>
-            <p:spPr>
-              <a:xfrm>
-                <a:off x="10064525" y="1815042"/>
-                <a:ext cx="45719" cy="45719"/>
-              </a:xfrm>
-              <a:prstGeom prst="roundRect">
-                <a:avLst/>
-              </a:prstGeom>
-              <a:solidFill>
-                <a:schemeClr val="bg1">
-                  <a:lumMod val="95000"/>
-                </a:schemeClr>
-              </a:solidFill>
-              <a:ln w="19050">
-                <a:solidFill>
-                  <a:schemeClr val="tx1"/>
-                </a:solidFill>
-              </a:ln>
-            </p:spPr>
-            <p:style>
-              <a:lnRef idx="2">
-                <a:schemeClr val="accent1">
-                  <a:shade val="50000"/>
-                </a:schemeClr>
-              </a:lnRef>
-              <a:fillRef idx="1">
-                <a:schemeClr val="accent1"/>
-              </a:fillRef>
-              <a:effectRef idx="0">
-                <a:schemeClr val="accent1"/>
-              </a:effectRef>
-              <a:fontRef idx="minor">
-                <a:schemeClr val="lt1"/>
-              </a:fontRef>
-            </p:style>
-            <p:txBody>
-              <a:bodyPr wrap="square" rtlCol="0" anchor="ctr">
-                <a:noAutofit/>
-              </a:bodyPr>
-              <a:lstStyle/>
-              <a:p>
-                <a:pPr algn="ctr"/>
-                <a:endParaRPr lang="en-CA" sz="6600">
-                  <a:cs typeface="Arial" panose="020B0604020202020204" pitchFamily="34" charset="0"/>
-                </a:endParaRPr>
-              </a:p>
-            </p:txBody>
-          </p:sp>
-        </p:grpSp>
-      </p:grpSp>
       <p:sp>
         <p:nvSpPr>
           <p:cNvPr id="271" name="Rectangle 270">
@@ -28168,7 +27843,7 @@
         </p:nvSpPr>
         <p:spPr>
           <a:xfrm>
-            <a:off x="4529652" y="4886986"/>
+            <a:off x="5152705" y="4148199"/>
             <a:ext cx="1345924" cy="300640"/>
           </a:xfrm>
           <a:prstGeom prst="rect">
@@ -28241,7 +27916,7 @@
         </p:nvSpPr>
         <p:spPr>
           <a:xfrm>
-            <a:off x="4224530" y="2334663"/>
+            <a:off x="4264286" y="2334663"/>
             <a:ext cx="1345924" cy="300640"/>
           </a:xfrm>
           <a:prstGeom prst="rect">
@@ -31982,7 +31657,7 @@
         </p:nvSpPr>
         <p:spPr>
           <a:xfrm>
-            <a:off x="909877" y="4275809"/>
+            <a:off x="1450470" y="3537022"/>
             <a:ext cx="1345924" cy="300640"/>
           </a:xfrm>
           <a:prstGeom prst="rect">
@@ -32055,7 +31730,7 @@
         </p:nvGrpSpPr>
         <p:grpSpPr>
           <a:xfrm>
-            <a:off x="1157079" y="3962334"/>
+            <a:off x="1697672" y="3223547"/>
             <a:ext cx="834119" cy="866449"/>
             <a:chOff x="6096000" y="1097965"/>
             <a:chExt cx="834119" cy="866449"/>
@@ -37793,7 +37468,7 @@
         </p:nvSpPr>
         <p:spPr>
           <a:xfrm>
-            <a:off x="896450" y="4886986"/>
+            <a:off x="1437043" y="4148199"/>
             <a:ext cx="1345924" cy="300640"/>
           </a:xfrm>
           <a:prstGeom prst="rect">
@@ -39526,6 +39201,5040 @@
           </p:grpSp>
         </p:grpSp>
       </p:grpSp>
+      <p:grpSp>
+        <p:nvGrpSpPr>
+          <p:cNvPr id="4" name="Group 3">
+            <a:extLst>
+              <a:ext uri="{FF2B5EF4-FFF2-40B4-BE49-F238E27FC236}">
+                <a16:creationId xmlns:a16="http://schemas.microsoft.com/office/drawing/2014/main" id="{2E84F562-2F1E-9DBB-4E92-E4AA1F25D338}"/>
+              </a:ext>
+            </a:extLst>
+          </p:cNvPr>
+          <p:cNvGrpSpPr/>
+          <p:nvPr/>
+        </p:nvGrpSpPr>
+        <p:grpSpPr>
+          <a:xfrm>
+            <a:off x="3674783" y="4976738"/>
+            <a:ext cx="1250560" cy="834120"/>
+            <a:chOff x="7387542" y="3722800"/>
+            <a:chExt cx="1250560" cy="834120"/>
+          </a:xfrm>
+        </p:grpSpPr>
+        <p:grpSp>
+          <p:nvGrpSpPr>
+            <p:cNvPr id="49" name="Group 48">
+              <a:extLst>
+                <a:ext uri="{FF2B5EF4-FFF2-40B4-BE49-F238E27FC236}">
+                  <a16:creationId xmlns:a16="http://schemas.microsoft.com/office/drawing/2014/main" id="{6ABD7124-7F08-F31A-0025-D692D92941C6}"/>
+                </a:ext>
+              </a:extLst>
+            </p:cNvPr>
+            <p:cNvGrpSpPr/>
+            <p:nvPr/>
+          </p:nvGrpSpPr>
+          <p:grpSpPr>
+            <a:xfrm>
+              <a:off x="7478306" y="4438516"/>
+              <a:ext cx="1069032" cy="118404"/>
+              <a:chOff x="7401750" y="4424210"/>
+              <a:chExt cx="1069032" cy="118404"/>
+            </a:xfrm>
+          </p:grpSpPr>
+          <p:sp>
+            <p:nvSpPr>
+              <p:cNvPr id="468" name="Rectangle: Rounded Corners 467">
+                <a:extLst>
+                  <a:ext uri="{FF2B5EF4-FFF2-40B4-BE49-F238E27FC236}">
+                    <a16:creationId xmlns:a16="http://schemas.microsoft.com/office/drawing/2014/main" id="{1270E48E-FA0F-0894-6805-FD938900F2D4}"/>
+                  </a:ext>
+                </a:extLst>
+              </p:cNvPr>
+              <p:cNvSpPr/>
+              <p:nvPr/>
+            </p:nvSpPr>
+            <p:spPr>
+              <a:xfrm rot="5400000">
+                <a:off x="7373122" y="4452838"/>
+                <a:ext cx="118401" cy="61146"/>
+              </a:xfrm>
+              <a:prstGeom prst="roundRect">
+                <a:avLst>
+                  <a:gd name="adj" fmla="val 22789"/>
+                </a:avLst>
+              </a:prstGeom>
+              <a:solidFill>
+                <a:schemeClr val="bg1">
+                  <a:lumMod val="50000"/>
+                </a:schemeClr>
+              </a:solidFill>
+              <a:ln w="19050">
+                <a:solidFill>
+                  <a:schemeClr val="tx1"/>
+                </a:solidFill>
+              </a:ln>
+            </p:spPr>
+            <p:style>
+              <a:lnRef idx="2">
+                <a:schemeClr val="accent1">
+                  <a:shade val="50000"/>
+                </a:schemeClr>
+              </a:lnRef>
+              <a:fillRef idx="1">
+                <a:schemeClr val="accent1"/>
+              </a:fillRef>
+              <a:effectRef idx="0">
+                <a:schemeClr val="accent1"/>
+              </a:effectRef>
+              <a:fontRef idx="minor">
+                <a:schemeClr val="lt1"/>
+              </a:fontRef>
+            </p:style>
+            <p:txBody>
+              <a:bodyPr rtlCol="0" anchor="ctr"/>
+              <a:lstStyle/>
+              <a:p>
+                <a:pPr algn="ctr"/>
+                <a:endParaRPr lang="en-CA" sz="4400">
+                  <a:cs typeface="Arial" panose="020B0604020202020204" pitchFamily="34" charset="0"/>
+                </a:endParaRPr>
+              </a:p>
+            </p:txBody>
+          </p:sp>
+          <p:sp>
+            <p:nvSpPr>
+              <p:cNvPr id="469" name="Rectangle: Rounded Corners 468">
+                <a:extLst>
+                  <a:ext uri="{FF2B5EF4-FFF2-40B4-BE49-F238E27FC236}">
+                    <a16:creationId xmlns:a16="http://schemas.microsoft.com/office/drawing/2014/main" id="{F91FA1CC-B772-88C3-188B-C3C8BDE36228}"/>
+                  </a:ext>
+                </a:extLst>
+              </p:cNvPr>
+              <p:cNvSpPr/>
+              <p:nvPr/>
+            </p:nvSpPr>
+            <p:spPr>
+              <a:xfrm rot="5400000">
+                <a:off x="8381008" y="4452841"/>
+                <a:ext cx="118401" cy="61146"/>
+              </a:xfrm>
+              <a:prstGeom prst="roundRect">
+                <a:avLst>
+                  <a:gd name="adj" fmla="val 22789"/>
+                </a:avLst>
+              </a:prstGeom>
+              <a:solidFill>
+                <a:schemeClr val="bg1">
+                  <a:lumMod val="50000"/>
+                </a:schemeClr>
+              </a:solidFill>
+              <a:ln w="19050">
+                <a:solidFill>
+                  <a:schemeClr val="tx1"/>
+                </a:solidFill>
+              </a:ln>
+            </p:spPr>
+            <p:style>
+              <a:lnRef idx="2">
+                <a:schemeClr val="accent1">
+                  <a:shade val="50000"/>
+                </a:schemeClr>
+              </a:lnRef>
+              <a:fillRef idx="1">
+                <a:schemeClr val="accent1"/>
+              </a:fillRef>
+              <a:effectRef idx="0">
+                <a:schemeClr val="accent1"/>
+              </a:effectRef>
+              <a:fontRef idx="minor">
+                <a:schemeClr val="lt1"/>
+              </a:fontRef>
+            </p:style>
+            <p:txBody>
+              <a:bodyPr rtlCol="0" anchor="ctr"/>
+              <a:lstStyle/>
+              <a:p>
+                <a:pPr algn="ctr"/>
+                <a:endParaRPr lang="en-CA" sz="4400">
+                  <a:cs typeface="Arial" panose="020B0604020202020204" pitchFamily="34" charset="0"/>
+                </a:endParaRPr>
+              </a:p>
+            </p:txBody>
+          </p:sp>
+        </p:grpSp>
+        <p:sp>
+          <p:nvSpPr>
+            <p:cNvPr id="50" name="Rectangle: Rounded Corners 49">
+              <a:extLst>
+                <a:ext uri="{FF2B5EF4-FFF2-40B4-BE49-F238E27FC236}">
+                  <a16:creationId xmlns:a16="http://schemas.microsoft.com/office/drawing/2014/main" id="{714D846A-07A4-5D96-83A7-B1970315D9D1}"/>
+                </a:ext>
+              </a:extLst>
+            </p:cNvPr>
+            <p:cNvSpPr/>
+            <p:nvPr/>
+          </p:nvSpPr>
+          <p:spPr>
+            <a:xfrm>
+              <a:off x="7387542" y="3722800"/>
+              <a:ext cx="1250560" cy="792774"/>
+            </a:xfrm>
+            <a:prstGeom prst="roundRect">
+              <a:avLst>
+                <a:gd name="adj" fmla="val 6660"/>
+              </a:avLst>
+            </a:prstGeom>
+            <a:solidFill>
+              <a:srgbClr val="404040"/>
+            </a:solidFill>
+            <a:ln w="19050" cap="flat">
+              <a:solidFill>
+                <a:srgbClr val="000000"/>
+              </a:solidFill>
+              <a:prstDash val="solid"/>
+              <a:round/>
+            </a:ln>
+          </p:spPr>
+          <p:txBody>
+            <a:bodyPr lIns="0" tIns="0" rIns="0" bIns="0" rtlCol="0" anchor="ctr"/>
+            <a:lstStyle/>
+            <a:p>
+              <a:endParaRPr lang="en-CA" sz="1000">
+                <a:solidFill>
+                  <a:schemeClr val="tx1"/>
+                </a:solidFill>
+              </a:endParaRPr>
+            </a:p>
+          </p:txBody>
+        </p:sp>
+        <p:sp>
+          <p:nvSpPr>
+            <p:cNvPr id="51" name="Rectangle: Rounded Corners 50">
+              <a:extLst>
+                <a:ext uri="{FF2B5EF4-FFF2-40B4-BE49-F238E27FC236}">
+                  <a16:creationId xmlns:a16="http://schemas.microsoft.com/office/drawing/2014/main" id="{EC776FBA-6E4D-2051-6711-F2BEC6D62041}"/>
+                </a:ext>
+              </a:extLst>
+            </p:cNvPr>
+            <p:cNvSpPr/>
+            <p:nvPr/>
+          </p:nvSpPr>
+          <p:spPr>
+            <a:xfrm>
+              <a:off x="7755224" y="3885925"/>
+              <a:ext cx="515198" cy="384626"/>
+            </a:xfrm>
+            <a:prstGeom prst="roundRect">
+              <a:avLst>
+                <a:gd name="adj" fmla="val 6698"/>
+              </a:avLst>
+            </a:prstGeom>
+            <a:solidFill>
+              <a:schemeClr val="bg1">
+                <a:lumMod val="95000"/>
+              </a:schemeClr>
+            </a:solidFill>
+            <a:ln w="19050" cap="flat">
+              <a:solidFill>
+                <a:srgbClr val="000000"/>
+              </a:solidFill>
+              <a:prstDash val="solid"/>
+              <a:round/>
+            </a:ln>
+          </p:spPr>
+          <p:txBody>
+            <a:bodyPr lIns="0" tIns="0" rIns="0" bIns="0" rtlCol="0" anchor="ctr"/>
+            <a:lstStyle/>
+            <a:p>
+              <a:endParaRPr lang="en-CA" sz="1000">
+                <a:solidFill>
+                  <a:schemeClr val="tx1"/>
+                </a:solidFill>
+              </a:endParaRPr>
+            </a:p>
+          </p:txBody>
+        </p:sp>
+        <p:sp>
+          <p:nvSpPr>
+            <p:cNvPr id="52" name="Oval 51">
+              <a:extLst>
+                <a:ext uri="{FF2B5EF4-FFF2-40B4-BE49-F238E27FC236}">
+                  <a16:creationId xmlns:a16="http://schemas.microsoft.com/office/drawing/2014/main" id="{AEBA1E74-94D1-FAB0-C2F6-ED80DA5BD4EE}"/>
+                </a:ext>
+              </a:extLst>
+            </p:cNvPr>
+            <p:cNvSpPr/>
+            <p:nvPr/>
+          </p:nvSpPr>
+          <p:spPr>
+            <a:xfrm>
+              <a:off x="8389965" y="4011586"/>
+              <a:ext cx="127866" cy="127862"/>
+            </a:xfrm>
+            <a:prstGeom prst="ellipse">
+              <a:avLst/>
+            </a:prstGeom>
+            <a:solidFill>
+              <a:srgbClr val="D9D9D9"/>
+            </a:solidFill>
+            <a:ln w="19050" cap="flat">
+              <a:solidFill>
+                <a:srgbClr val="000000"/>
+              </a:solidFill>
+              <a:prstDash val="solid"/>
+              <a:round/>
+            </a:ln>
+          </p:spPr>
+          <p:txBody>
+            <a:bodyPr lIns="0" tIns="0" rIns="0" bIns="0" rtlCol="0" anchor="ctr"/>
+            <a:lstStyle/>
+            <a:p>
+              <a:endParaRPr lang="en-CA" sz="1000">
+                <a:solidFill>
+                  <a:schemeClr val="tx1"/>
+                </a:solidFill>
+              </a:endParaRPr>
+            </a:p>
+          </p:txBody>
+        </p:sp>
+        <p:grpSp>
+          <p:nvGrpSpPr>
+            <p:cNvPr id="53" name="Group 52">
+              <a:extLst>
+                <a:ext uri="{FF2B5EF4-FFF2-40B4-BE49-F238E27FC236}">
+                  <a16:creationId xmlns:a16="http://schemas.microsoft.com/office/drawing/2014/main" id="{0CBC7CD1-43D2-3A88-075B-2BB05C00938C}"/>
+                </a:ext>
+              </a:extLst>
+            </p:cNvPr>
+            <p:cNvGrpSpPr/>
+            <p:nvPr/>
+          </p:nvGrpSpPr>
+          <p:grpSpPr>
+            <a:xfrm>
+              <a:off x="7832401" y="3964146"/>
+              <a:ext cx="204096" cy="223964"/>
+              <a:chOff x="7832401" y="3964146"/>
+              <a:chExt cx="204096" cy="223964"/>
+            </a:xfrm>
+          </p:grpSpPr>
+          <p:cxnSp>
+            <p:nvCxnSpPr>
+              <p:cNvPr id="448" name="Straight Connector 447">
+                <a:extLst>
+                  <a:ext uri="{FF2B5EF4-FFF2-40B4-BE49-F238E27FC236}">
+                    <a16:creationId xmlns:a16="http://schemas.microsoft.com/office/drawing/2014/main" id="{E54601B0-005D-4A71-2E6F-97A3B4952611}"/>
+                  </a:ext>
+                </a:extLst>
+              </p:cNvPr>
+              <p:cNvCxnSpPr>
+                <a:cxnSpLocks/>
+              </p:cNvCxnSpPr>
+              <p:nvPr/>
+            </p:nvCxnSpPr>
+            <p:spPr>
+              <a:xfrm>
+                <a:off x="7832401" y="3964146"/>
+                <a:ext cx="204096" cy="0"/>
+              </a:xfrm>
+              <a:prstGeom prst="line">
+                <a:avLst/>
+              </a:prstGeom>
+              <a:noFill/>
+              <a:ln w="19050" cap="rnd">
+                <a:solidFill>
+                  <a:schemeClr val="tx1"/>
+                </a:solidFill>
+                <a:round/>
+              </a:ln>
+            </p:spPr>
+            <p:style>
+              <a:lnRef idx="2">
+                <a:schemeClr val="accent1">
+                  <a:shade val="50000"/>
+                </a:schemeClr>
+              </a:lnRef>
+              <a:fillRef idx="1">
+                <a:schemeClr val="accent1"/>
+              </a:fillRef>
+              <a:effectRef idx="0">
+                <a:schemeClr val="accent1"/>
+              </a:effectRef>
+              <a:fontRef idx="minor">
+                <a:schemeClr val="lt1"/>
+              </a:fontRef>
+            </p:style>
+          </p:cxnSp>
+          <p:cxnSp>
+            <p:nvCxnSpPr>
+              <p:cNvPr id="465" name="Straight Connector 464">
+                <a:extLst>
+                  <a:ext uri="{FF2B5EF4-FFF2-40B4-BE49-F238E27FC236}">
+                    <a16:creationId xmlns:a16="http://schemas.microsoft.com/office/drawing/2014/main" id="{3D203680-D466-C2EB-54A6-47CB5DA30368}"/>
+                  </a:ext>
+                </a:extLst>
+              </p:cNvPr>
+              <p:cNvCxnSpPr>
+                <a:cxnSpLocks/>
+              </p:cNvCxnSpPr>
+              <p:nvPr/>
+            </p:nvCxnSpPr>
+            <p:spPr>
+              <a:xfrm>
+                <a:off x="7832401" y="4038801"/>
+                <a:ext cx="154689" cy="0"/>
+              </a:xfrm>
+              <a:prstGeom prst="line">
+                <a:avLst/>
+              </a:prstGeom>
+              <a:noFill/>
+              <a:ln w="19050" cap="rnd">
+                <a:solidFill>
+                  <a:schemeClr val="tx1"/>
+                </a:solidFill>
+                <a:round/>
+              </a:ln>
+            </p:spPr>
+            <p:style>
+              <a:lnRef idx="2">
+                <a:schemeClr val="accent1">
+                  <a:shade val="50000"/>
+                </a:schemeClr>
+              </a:lnRef>
+              <a:fillRef idx="1">
+                <a:schemeClr val="accent1"/>
+              </a:fillRef>
+              <a:effectRef idx="0">
+                <a:schemeClr val="accent1"/>
+              </a:effectRef>
+              <a:fontRef idx="minor">
+                <a:schemeClr val="lt1"/>
+              </a:fontRef>
+            </p:style>
+          </p:cxnSp>
+          <p:cxnSp>
+            <p:nvCxnSpPr>
+              <p:cNvPr id="466" name="Straight Connector 465">
+                <a:extLst>
+                  <a:ext uri="{FF2B5EF4-FFF2-40B4-BE49-F238E27FC236}">
+                    <a16:creationId xmlns:a16="http://schemas.microsoft.com/office/drawing/2014/main" id="{656EDCA8-32F0-438B-5307-DA63BC1B895B}"/>
+                  </a:ext>
+                </a:extLst>
+              </p:cNvPr>
+              <p:cNvCxnSpPr>
+                <a:cxnSpLocks/>
+              </p:cNvCxnSpPr>
+              <p:nvPr/>
+            </p:nvCxnSpPr>
+            <p:spPr>
+              <a:xfrm>
+                <a:off x="7832401" y="4113456"/>
+                <a:ext cx="154689" cy="0"/>
+              </a:xfrm>
+              <a:prstGeom prst="line">
+                <a:avLst/>
+              </a:prstGeom>
+              <a:noFill/>
+              <a:ln w="19050" cap="rnd">
+                <a:solidFill>
+                  <a:schemeClr val="tx1"/>
+                </a:solidFill>
+                <a:round/>
+              </a:ln>
+            </p:spPr>
+            <p:style>
+              <a:lnRef idx="2">
+                <a:schemeClr val="accent1">
+                  <a:shade val="50000"/>
+                </a:schemeClr>
+              </a:lnRef>
+              <a:fillRef idx="1">
+                <a:schemeClr val="accent1"/>
+              </a:fillRef>
+              <a:effectRef idx="0">
+                <a:schemeClr val="accent1"/>
+              </a:effectRef>
+              <a:fontRef idx="minor">
+                <a:schemeClr val="lt1"/>
+              </a:fontRef>
+            </p:style>
+          </p:cxnSp>
+          <p:cxnSp>
+            <p:nvCxnSpPr>
+              <p:cNvPr id="467" name="Straight Connector 466">
+                <a:extLst>
+                  <a:ext uri="{FF2B5EF4-FFF2-40B4-BE49-F238E27FC236}">
+                    <a16:creationId xmlns:a16="http://schemas.microsoft.com/office/drawing/2014/main" id="{1579BC48-96E2-B565-9C9C-24ECFD318F5E}"/>
+                  </a:ext>
+                </a:extLst>
+              </p:cNvPr>
+              <p:cNvCxnSpPr>
+                <a:cxnSpLocks/>
+              </p:cNvCxnSpPr>
+              <p:nvPr/>
+            </p:nvCxnSpPr>
+            <p:spPr>
+              <a:xfrm>
+                <a:off x="7832401" y="4188110"/>
+                <a:ext cx="154689" cy="0"/>
+              </a:xfrm>
+              <a:prstGeom prst="line">
+                <a:avLst/>
+              </a:prstGeom>
+              <a:noFill/>
+              <a:ln w="19050" cap="rnd">
+                <a:solidFill>
+                  <a:schemeClr val="tx1"/>
+                </a:solidFill>
+                <a:round/>
+              </a:ln>
+            </p:spPr>
+            <p:style>
+              <a:lnRef idx="2">
+                <a:schemeClr val="accent1">
+                  <a:shade val="50000"/>
+                </a:schemeClr>
+              </a:lnRef>
+              <a:fillRef idx="1">
+                <a:schemeClr val="accent1"/>
+              </a:fillRef>
+              <a:effectRef idx="0">
+                <a:schemeClr val="accent1"/>
+              </a:effectRef>
+              <a:fontRef idx="minor">
+                <a:schemeClr val="lt1"/>
+              </a:fontRef>
+            </p:style>
+          </p:cxnSp>
+        </p:grpSp>
+        <p:sp>
+          <p:nvSpPr>
+            <p:cNvPr id="60" name="Rectangle: Rounded Corners 59">
+              <a:extLst>
+                <a:ext uri="{FF2B5EF4-FFF2-40B4-BE49-F238E27FC236}">
+                  <a16:creationId xmlns:a16="http://schemas.microsoft.com/office/drawing/2014/main" id="{D0F88B00-FE76-A6E7-D613-6AB28CBA4F88}"/>
+                </a:ext>
+              </a:extLst>
+            </p:cNvPr>
+            <p:cNvSpPr/>
+            <p:nvPr/>
+          </p:nvSpPr>
+          <p:spPr>
+            <a:xfrm>
+              <a:off x="7925013" y="3776774"/>
+              <a:ext cx="175894" cy="68994"/>
+            </a:xfrm>
+            <a:prstGeom prst="roundRect">
+              <a:avLst/>
+            </a:prstGeom>
+            <a:solidFill>
+              <a:srgbClr val="D9D9D9"/>
+            </a:solidFill>
+            <a:ln w="19050" cap="flat">
+              <a:solidFill>
+                <a:srgbClr val="000000"/>
+              </a:solidFill>
+              <a:prstDash val="solid"/>
+              <a:round/>
+            </a:ln>
+          </p:spPr>
+          <p:txBody>
+            <a:bodyPr lIns="0" tIns="0" rIns="0" bIns="0" rtlCol="0" anchor="ctr"/>
+            <a:lstStyle/>
+            <a:p>
+              <a:endParaRPr lang="en-CA" sz="1000">
+                <a:solidFill>
+                  <a:schemeClr val="tx1"/>
+                </a:solidFill>
+              </a:endParaRPr>
+            </a:p>
+          </p:txBody>
+        </p:sp>
+      </p:grpSp>
+      <p:sp>
+        <p:nvSpPr>
+          <p:cNvPr id="470" name="Rectangle 469">
+            <a:extLst>
+              <a:ext uri="{FF2B5EF4-FFF2-40B4-BE49-F238E27FC236}">
+                <a16:creationId xmlns:a16="http://schemas.microsoft.com/office/drawing/2014/main" id="{F7B8237A-8F46-540A-C1A3-635F2C4397B6}"/>
+              </a:ext>
+            </a:extLst>
+          </p:cNvPr>
+          <p:cNvSpPr/>
+          <p:nvPr/>
+        </p:nvSpPr>
+        <p:spPr>
+          <a:xfrm>
+            <a:off x="4331102" y="5920775"/>
+            <a:ext cx="1345924" cy="378592"/>
+          </a:xfrm>
+          <a:prstGeom prst="rect">
+            <a:avLst/>
+          </a:prstGeom>
+          <a:noFill/>
+          <a:ln w="31750">
+            <a:noFill/>
+          </a:ln>
+        </p:spPr>
+        <p:style>
+          <a:lnRef idx="2">
+            <a:schemeClr val="accent1">
+              <a:shade val="50000"/>
+            </a:schemeClr>
+          </a:lnRef>
+          <a:fillRef idx="1">
+            <a:schemeClr val="accent1"/>
+          </a:fillRef>
+          <a:effectRef idx="0">
+            <a:schemeClr val="accent1"/>
+          </a:effectRef>
+          <a:fontRef idx="minor">
+            <a:schemeClr val="lt1"/>
+          </a:fontRef>
+        </p:style>
+        <p:txBody>
+          <a:bodyPr rot="0" spcFirstLastPara="0" vertOverflow="overflow" horzOverflow="overflow" vert="horz" wrap="square" lIns="0" tIns="0" rIns="0" bIns="0" numCol="1" spcCol="0" rtlCol="0" fromWordArt="0" anchor="t" anchorCtr="0" forceAA="0" compatLnSpc="1">
+            <a:prstTxWarp prst="textNoShape">
+              <a:avLst/>
+            </a:prstTxWarp>
+            <a:noAutofit/>
+          </a:bodyPr>
+          <a:lstStyle/>
+          <a:p>
+            <a:pPr algn="ctr"/>
+            <a:r>
+              <a:rPr lang="en-US" sz="1400" dirty="0">
+                <a:solidFill>
+                  <a:schemeClr val="tx1"/>
+                </a:solidFill>
+                <a:latin typeface="Gotham Narrow Book" pitchFamily="50" charset="0"/>
+                <a:ea typeface="Roboto" panose="02000000000000000000" pitchFamily="2" charset="0"/>
+                <a:cs typeface="Arial" panose="020B0604020202020204" pitchFamily="34" charset="0"/>
+              </a:rPr>
+              <a:t>Aethalometer</a:t>
+            </a:r>
+            <a:endParaRPr lang="el-GR" sz="1400" dirty="0">
+              <a:solidFill>
+                <a:schemeClr val="tx1"/>
+              </a:solidFill>
+              <a:latin typeface="Gotham Narrow Book" pitchFamily="50" charset="0"/>
+              <a:ea typeface="Roboto" panose="02000000000000000000" pitchFamily="2" charset="0"/>
+              <a:cs typeface="Arial" panose="020B0604020202020204" pitchFamily="34" charset="0"/>
+            </a:endParaRPr>
+          </a:p>
+        </p:txBody>
+      </p:sp>
+      <p:grpSp>
+        <p:nvGrpSpPr>
+          <p:cNvPr id="497" name="Group 496">
+            <a:extLst>
+              <a:ext uri="{FF2B5EF4-FFF2-40B4-BE49-F238E27FC236}">
+                <a16:creationId xmlns:a16="http://schemas.microsoft.com/office/drawing/2014/main" id="{4379A942-3D1D-EB83-7BA8-76B6D1715487}"/>
+              </a:ext>
+            </a:extLst>
+          </p:cNvPr>
+          <p:cNvGrpSpPr/>
+          <p:nvPr/>
+        </p:nvGrpSpPr>
+        <p:grpSpPr>
+          <a:xfrm>
+            <a:off x="5072193" y="4976738"/>
+            <a:ext cx="1250560" cy="834120"/>
+            <a:chOff x="8113373" y="3989670"/>
+            <a:chExt cx="1250560" cy="834120"/>
+          </a:xfrm>
+        </p:grpSpPr>
+        <p:grpSp>
+          <p:nvGrpSpPr>
+            <p:cNvPr id="472" name="Group 471">
+              <a:extLst>
+                <a:ext uri="{FF2B5EF4-FFF2-40B4-BE49-F238E27FC236}">
+                  <a16:creationId xmlns:a16="http://schemas.microsoft.com/office/drawing/2014/main" id="{85EC14BC-466E-8BB8-84E9-2616FAD5BC1B}"/>
+                </a:ext>
+              </a:extLst>
+            </p:cNvPr>
+            <p:cNvGrpSpPr/>
+            <p:nvPr/>
+          </p:nvGrpSpPr>
+          <p:grpSpPr>
+            <a:xfrm>
+              <a:off x="8204137" y="4705386"/>
+              <a:ext cx="1069032" cy="118404"/>
+              <a:chOff x="7401750" y="4424210"/>
+              <a:chExt cx="1069032" cy="118404"/>
+            </a:xfrm>
+            <a:solidFill>
+              <a:schemeClr val="bg1"/>
+            </a:solidFill>
+          </p:grpSpPr>
+          <p:sp>
+            <p:nvSpPr>
+              <p:cNvPr id="482" name="Rectangle: Rounded Corners 481">
+                <a:extLst>
+                  <a:ext uri="{FF2B5EF4-FFF2-40B4-BE49-F238E27FC236}">
+                    <a16:creationId xmlns:a16="http://schemas.microsoft.com/office/drawing/2014/main" id="{01C73D78-7F2A-AEEB-5A33-1A028EDC6E0A}"/>
+                  </a:ext>
+                </a:extLst>
+              </p:cNvPr>
+              <p:cNvSpPr/>
+              <p:nvPr/>
+            </p:nvSpPr>
+            <p:spPr>
+              <a:xfrm rot="5400000">
+                <a:off x="7373122" y="4452838"/>
+                <a:ext cx="118401" cy="61146"/>
+              </a:xfrm>
+              <a:prstGeom prst="roundRect">
+                <a:avLst>
+                  <a:gd name="adj" fmla="val 22789"/>
+                </a:avLst>
+              </a:prstGeom>
+              <a:grpFill/>
+              <a:ln w="19050">
+                <a:solidFill>
+                  <a:schemeClr val="tx1"/>
+                </a:solidFill>
+              </a:ln>
+            </p:spPr>
+            <p:style>
+              <a:lnRef idx="2">
+                <a:schemeClr val="accent1">
+                  <a:shade val="50000"/>
+                </a:schemeClr>
+              </a:lnRef>
+              <a:fillRef idx="1">
+                <a:schemeClr val="accent1"/>
+              </a:fillRef>
+              <a:effectRef idx="0">
+                <a:schemeClr val="accent1"/>
+              </a:effectRef>
+              <a:fontRef idx="minor">
+                <a:schemeClr val="lt1"/>
+              </a:fontRef>
+            </p:style>
+            <p:txBody>
+              <a:bodyPr rtlCol="0" anchor="ctr"/>
+              <a:lstStyle/>
+              <a:p>
+                <a:pPr algn="ctr"/>
+                <a:endParaRPr lang="en-CA" sz="4400">
+                  <a:cs typeface="Arial" panose="020B0604020202020204" pitchFamily="34" charset="0"/>
+                </a:endParaRPr>
+              </a:p>
+            </p:txBody>
+          </p:sp>
+          <p:sp>
+            <p:nvSpPr>
+              <p:cNvPr id="483" name="Rectangle: Rounded Corners 482">
+                <a:extLst>
+                  <a:ext uri="{FF2B5EF4-FFF2-40B4-BE49-F238E27FC236}">
+                    <a16:creationId xmlns:a16="http://schemas.microsoft.com/office/drawing/2014/main" id="{ECF9F741-7EAF-F95F-EDF2-6DDF0DDE4D36}"/>
+                  </a:ext>
+                </a:extLst>
+              </p:cNvPr>
+              <p:cNvSpPr/>
+              <p:nvPr/>
+            </p:nvSpPr>
+            <p:spPr>
+              <a:xfrm rot="5400000">
+                <a:off x="8381008" y="4452841"/>
+                <a:ext cx="118401" cy="61146"/>
+              </a:xfrm>
+              <a:prstGeom prst="roundRect">
+                <a:avLst>
+                  <a:gd name="adj" fmla="val 22789"/>
+                </a:avLst>
+              </a:prstGeom>
+              <a:grpFill/>
+              <a:ln w="19050">
+                <a:solidFill>
+                  <a:schemeClr val="tx1"/>
+                </a:solidFill>
+              </a:ln>
+            </p:spPr>
+            <p:style>
+              <a:lnRef idx="2">
+                <a:schemeClr val="accent1">
+                  <a:shade val="50000"/>
+                </a:schemeClr>
+              </a:lnRef>
+              <a:fillRef idx="1">
+                <a:schemeClr val="accent1"/>
+              </a:fillRef>
+              <a:effectRef idx="0">
+                <a:schemeClr val="accent1"/>
+              </a:effectRef>
+              <a:fontRef idx="minor">
+                <a:schemeClr val="lt1"/>
+              </a:fontRef>
+            </p:style>
+            <p:txBody>
+              <a:bodyPr rtlCol="0" anchor="ctr"/>
+              <a:lstStyle/>
+              <a:p>
+                <a:pPr algn="ctr"/>
+                <a:endParaRPr lang="en-CA" sz="4400">
+                  <a:cs typeface="Arial" panose="020B0604020202020204" pitchFamily="34" charset="0"/>
+                </a:endParaRPr>
+              </a:p>
+            </p:txBody>
+          </p:sp>
+        </p:grpSp>
+        <p:sp>
+          <p:nvSpPr>
+            <p:cNvPr id="473" name="Rectangle: Rounded Corners 472">
+              <a:extLst>
+                <a:ext uri="{FF2B5EF4-FFF2-40B4-BE49-F238E27FC236}">
+                  <a16:creationId xmlns:a16="http://schemas.microsoft.com/office/drawing/2014/main" id="{A3E6B292-CA46-A7E6-F1B3-4152133791D8}"/>
+                </a:ext>
+              </a:extLst>
+            </p:cNvPr>
+            <p:cNvSpPr/>
+            <p:nvPr/>
+          </p:nvSpPr>
+          <p:spPr>
+            <a:xfrm>
+              <a:off x="8113373" y="3989670"/>
+              <a:ext cx="1250560" cy="792774"/>
+            </a:xfrm>
+            <a:prstGeom prst="roundRect">
+              <a:avLst>
+                <a:gd name="adj" fmla="val 6660"/>
+              </a:avLst>
+            </a:prstGeom>
+            <a:solidFill>
+              <a:srgbClr val="404040"/>
+            </a:solidFill>
+            <a:ln w="19050" cap="flat">
+              <a:solidFill>
+                <a:srgbClr val="000000"/>
+              </a:solidFill>
+              <a:prstDash val="solid"/>
+              <a:round/>
+            </a:ln>
+          </p:spPr>
+          <p:txBody>
+            <a:bodyPr lIns="0" tIns="0" rIns="0" bIns="0" rtlCol="0" anchor="ctr"/>
+            <a:lstStyle/>
+            <a:p>
+              <a:endParaRPr lang="en-CA" sz="1000">
+                <a:solidFill>
+                  <a:schemeClr val="tx1"/>
+                </a:solidFill>
+              </a:endParaRPr>
+            </a:p>
+          </p:txBody>
+        </p:sp>
+        <p:sp>
+          <p:nvSpPr>
+            <p:cNvPr id="474" name="Rectangle: Rounded Corners 473">
+              <a:extLst>
+                <a:ext uri="{FF2B5EF4-FFF2-40B4-BE49-F238E27FC236}">
+                  <a16:creationId xmlns:a16="http://schemas.microsoft.com/office/drawing/2014/main" id="{ABDA5C36-9592-0B91-AE1E-ACAC47800CEB}"/>
+                </a:ext>
+              </a:extLst>
+            </p:cNvPr>
+            <p:cNvSpPr/>
+            <p:nvPr/>
+          </p:nvSpPr>
+          <p:spPr>
+            <a:xfrm>
+              <a:off x="8890895" y="4210495"/>
+              <a:ext cx="234903" cy="202784"/>
+            </a:xfrm>
+            <a:prstGeom prst="roundRect">
+              <a:avLst>
+                <a:gd name="adj" fmla="val 6698"/>
+              </a:avLst>
+            </a:prstGeom>
+            <a:solidFill>
+              <a:schemeClr val="bg1"/>
+            </a:solidFill>
+            <a:ln w="19050" cap="flat">
+              <a:solidFill>
+                <a:srgbClr val="000000"/>
+              </a:solidFill>
+              <a:prstDash val="solid"/>
+              <a:round/>
+            </a:ln>
+          </p:spPr>
+          <p:txBody>
+            <a:bodyPr lIns="0" tIns="0" rIns="0" bIns="0" rtlCol="0" anchor="ctr"/>
+            <a:lstStyle/>
+            <a:p>
+              <a:endParaRPr lang="en-CA" sz="1000" dirty="0">
+                <a:solidFill>
+                  <a:schemeClr val="tx1"/>
+                </a:solidFill>
+              </a:endParaRPr>
+            </a:p>
+          </p:txBody>
+        </p:sp>
+        <p:sp>
+          <p:nvSpPr>
+            <p:cNvPr id="475" name="Oval 474">
+              <a:extLst>
+                <a:ext uri="{FF2B5EF4-FFF2-40B4-BE49-F238E27FC236}">
+                  <a16:creationId xmlns:a16="http://schemas.microsoft.com/office/drawing/2014/main" id="{2428F550-A4EA-6A16-B48B-94C8AE7D5D32}"/>
+                </a:ext>
+              </a:extLst>
+            </p:cNvPr>
+            <p:cNvSpPr/>
+            <p:nvPr/>
+          </p:nvSpPr>
+          <p:spPr>
+            <a:xfrm>
+              <a:off x="8645882" y="4399698"/>
+              <a:ext cx="45720" cy="45719"/>
+            </a:xfrm>
+            <a:prstGeom prst="ellipse">
+              <a:avLst/>
+            </a:prstGeom>
+            <a:solidFill>
+              <a:srgbClr val="00A44D"/>
+            </a:solidFill>
+            <a:ln w="19050" cap="flat">
+              <a:solidFill>
+                <a:srgbClr val="000000"/>
+              </a:solidFill>
+              <a:prstDash val="solid"/>
+              <a:round/>
+            </a:ln>
+          </p:spPr>
+          <p:txBody>
+            <a:bodyPr lIns="0" tIns="0" rIns="0" bIns="0" rtlCol="0" anchor="ctr"/>
+            <a:lstStyle/>
+            <a:p>
+              <a:endParaRPr lang="en-CA" sz="1000">
+                <a:solidFill>
+                  <a:schemeClr val="tx1"/>
+                </a:solidFill>
+              </a:endParaRPr>
+            </a:p>
+          </p:txBody>
+        </p:sp>
+        <p:sp>
+          <p:nvSpPr>
+            <p:cNvPr id="485" name="Rectangle: Rounded Corners 484">
+              <a:extLst>
+                <a:ext uri="{FF2B5EF4-FFF2-40B4-BE49-F238E27FC236}">
+                  <a16:creationId xmlns:a16="http://schemas.microsoft.com/office/drawing/2014/main" id="{AA47ECFC-B765-7C89-90AD-9C5D2EC587E1}"/>
+                </a:ext>
+              </a:extLst>
+            </p:cNvPr>
+            <p:cNvSpPr/>
+            <p:nvPr/>
+          </p:nvSpPr>
+          <p:spPr>
+            <a:xfrm>
+              <a:off x="8295364" y="4049949"/>
+              <a:ext cx="886578" cy="672216"/>
+            </a:xfrm>
+            <a:prstGeom prst="roundRect">
+              <a:avLst>
+                <a:gd name="adj" fmla="val 1537"/>
+              </a:avLst>
+            </a:prstGeom>
+            <a:noFill/>
+            <a:ln w="19050" cap="flat">
+              <a:solidFill>
+                <a:srgbClr val="14A181"/>
+              </a:solidFill>
+              <a:prstDash val="solid"/>
+              <a:round/>
+            </a:ln>
+          </p:spPr>
+          <p:txBody>
+            <a:bodyPr lIns="0" tIns="0" rIns="0" bIns="0" rtlCol="0" anchor="ctr"/>
+            <a:lstStyle/>
+            <a:p>
+              <a:endParaRPr lang="en-CA" sz="1000">
+                <a:solidFill>
+                  <a:schemeClr val="tx1"/>
+                </a:solidFill>
+              </a:endParaRPr>
+            </a:p>
+          </p:txBody>
+        </p:sp>
+        <p:sp>
+          <p:nvSpPr>
+            <p:cNvPr id="488" name="Rectangle: Rounded Corners 487">
+              <a:extLst>
+                <a:ext uri="{FF2B5EF4-FFF2-40B4-BE49-F238E27FC236}">
+                  <a16:creationId xmlns:a16="http://schemas.microsoft.com/office/drawing/2014/main" id="{A413C61A-EB4E-6D9A-569F-2A876FD9EEAC}"/>
+                </a:ext>
+              </a:extLst>
+            </p:cNvPr>
+            <p:cNvSpPr/>
+            <p:nvPr/>
+          </p:nvSpPr>
+          <p:spPr>
+            <a:xfrm>
+              <a:off x="8359189" y="4102664"/>
+              <a:ext cx="189197" cy="78799"/>
+            </a:xfrm>
+            <a:prstGeom prst="roundRect">
+              <a:avLst/>
+            </a:prstGeom>
+            <a:solidFill>
+              <a:srgbClr val="14A181"/>
+            </a:solidFill>
+            <a:ln w="19050" cap="flat">
+              <a:solidFill>
+                <a:srgbClr val="000000"/>
+              </a:solidFill>
+              <a:prstDash val="solid"/>
+              <a:round/>
+            </a:ln>
+          </p:spPr>
+          <p:txBody>
+            <a:bodyPr lIns="0" tIns="0" rIns="0" bIns="0" rtlCol="0" anchor="ctr"/>
+            <a:lstStyle/>
+            <a:p>
+              <a:endParaRPr lang="en-CA" sz="1000">
+                <a:solidFill>
+                  <a:schemeClr val="tx1"/>
+                </a:solidFill>
+              </a:endParaRPr>
+            </a:p>
+          </p:txBody>
+        </p:sp>
+        <p:sp>
+          <p:nvSpPr>
+            <p:cNvPr id="489" name="Rectangle: Rounded Corners 488">
+              <a:extLst>
+                <a:ext uri="{FF2B5EF4-FFF2-40B4-BE49-F238E27FC236}">
+                  <a16:creationId xmlns:a16="http://schemas.microsoft.com/office/drawing/2014/main" id="{82B845F9-D095-17A2-D9CF-59E84C12ABF3}"/>
+                </a:ext>
+              </a:extLst>
+            </p:cNvPr>
+            <p:cNvSpPr/>
+            <p:nvPr/>
+          </p:nvSpPr>
+          <p:spPr>
+            <a:xfrm>
+              <a:off x="8645882" y="4261539"/>
+              <a:ext cx="196214" cy="101225"/>
+            </a:xfrm>
+            <a:prstGeom prst="roundRect">
+              <a:avLst>
+                <a:gd name="adj" fmla="val 6698"/>
+              </a:avLst>
+            </a:prstGeom>
+            <a:solidFill>
+              <a:srgbClr val="00A44D"/>
+            </a:solidFill>
+            <a:ln w="19050" cap="flat">
+              <a:solidFill>
+                <a:srgbClr val="000000"/>
+              </a:solidFill>
+              <a:prstDash val="solid"/>
+              <a:round/>
+            </a:ln>
+          </p:spPr>
+          <p:txBody>
+            <a:bodyPr lIns="0" tIns="0" rIns="0" bIns="0" rtlCol="0" anchor="ctr"/>
+            <a:lstStyle/>
+            <a:p>
+              <a:endParaRPr lang="en-CA" sz="1000" dirty="0">
+                <a:solidFill>
+                  <a:schemeClr val="tx1"/>
+                </a:solidFill>
+              </a:endParaRPr>
+            </a:p>
+          </p:txBody>
+        </p:sp>
+        <p:sp>
+          <p:nvSpPr>
+            <p:cNvPr id="491" name="Rectangle: Rounded Corners 490">
+              <a:extLst>
+                <a:ext uri="{FF2B5EF4-FFF2-40B4-BE49-F238E27FC236}">
+                  <a16:creationId xmlns:a16="http://schemas.microsoft.com/office/drawing/2014/main" id="{29EB2DF1-58A0-0BB8-460E-4833E7D648B1}"/>
+                </a:ext>
+              </a:extLst>
+            </p:cNvPr>
+            <p:cNvSpPr/>
+            <p:nvPr/>
+          </p:nvSpPr>
+          <p:spPr>
+            <a:xfrm>
+              <a:off x="8862172" y="4582191"/>
+              <a:ext cx="263626" cy="72457"/>
+            </a:xfrm>
+            <a:prstGeom prst="roundRect">
+              <a:avLst/>
+            </a:prstGeom>
+            <a:solidFill>
+              <a:srgbClr val="14A181"/>
+            </a:solidFill>
+            <a:ln w="19050" cap="flat">
+              <a:solidFill>
+                <a:srgbClr val="000000"/>
+              </a:solidFill>
+              <a:prstDash val="solid"/>
+              <a:round/>
+            </a:ln>
+          </p:spPr>
+          <p:txBody>
+            <a:bodyPr lIns="0" tIns="0" rIns="0" bIns="0" rtlCol="0" anchor="ctr"/>
+            <a:lstStyle/>
+            <a:p>
+              <a:endParaRPr lang="en-CA" sz="1000">
+                <a:solidFill>
+                  <a:schemeClr val="tx1"/>
+                </a:solidFill>
+              </a:endParaRPr>
+            </a:p>
+          </p:txBody>
+        </p:sp>
+        <p:sp>
+          <p:nvSpPr>
+            <p:cNvPr id="492" name="Oval 491">
+              <a:extLst>
+                <a:ext uri="{FF2B5EF4-FFF2-40B4-BE49-F238E27FC236}">
+                  <a16:creationId xmlns:a16="http://schemas.microsoft.com/office/drawing/2014/main" id="{EED257C8-42E6-B914-C957-B8E1AF640932}"/>
+                </a:ext>
+              </a:extLst>
+            </p:cNvPr>
+            <p:cNvSpPr/>
+            <p:nvPr/>
+          </p:nvSpPr>
+          <p:spPr>
+            <a:xfrm>
+              <a:off x="8721129" y="4399698"/>
+              <a:ext cx="45720" cy="45719"/>
+            </a:xfrm>
+            <a:prstGeom prst="ellipse">
+              <a:avLst/>
+            </a:prstGeom>
+            <a:solidFill>
+              <a:srgbClr val="F6B803"/>
+            </a:solidFill>
+            <a:ln w="19050" cap="flat">
+              <a:solidFill>
+                <a:srgbClr val="000000"/>
+              </a:solidFill>
+              <a:prstDash val="solid"/>
+              <a:round/>
+            </a:ln>
+          </p:spPr>
+          <p:txBody>
+            <a:bodyPr lIns="0" tIns="0" rIns="0" bIns="0" rtlCol="0" anchor="ctr"/>
+            <a:lstStyle/>
+            <a:p>
+              <a:endParaRPr lang="en-CA" sz="1000">
+                <a:solidFill>
+                  <a:schemeClr val="tx1"/>
+                </a:solidFill>
+              </a:endParaRPr>
+            </a:p>
+          </p:txBody>
+        </p:sp>
+        <p:sp>
+          <p:nvSpPr>
+            <p:cNvPr id="493" name="Oval 492">
+              <a:extLst>
+                <a:ext uri="{FF2B5EF4-FFF2-40B4-BE49-F238E27FC236}">
+                  <a16:creationId xmlns:a16="http://schemas.microsoft.com/office/drawing/2014/main" id="{6F4CDC5D-6D07-B992-0F9D-B6869FA336F9}"/>
+                </a:ext>
+              </a:extLst>
+            </p:cNvPr>
+            <p:cNvSpPr/>
+            <p:nvPr/>
+          </p:nvSpPr>
+          <p:spPr>
+            <a:xfrm>
+              <a:off x="8796376" y="4399698"/>
+              <a:ext cx="45720" cy="45719"/>
+            </a:xfrm>
+            <a:prstGeom prst="ellipse">
+              <a:avLst/>
+            </a:prstGeom>
+            <a:solidFill>
+              <a:srgbClr val="FF0000"/>
+            </a:solidFill>
+            <a:ln w="19050" cap="flat">
+              <a:solidFill>
+                <a:srgbClr val="000000"/>
+              </a:solidFill>
+              <a:prstDash val="solid"/>
+              <a:round/>
+            </a:ln>
+          </p:spPr>
+          <p:txBody>
+            <a:bodyPr lIns="0" tIns="0" rIns="0" bIns="0" rtlCol="0" anchor="ctr"/>
+            <a:lstStyle/>
+            <a:p>
+              <a:endParaRPr lang="en-CA" sz="1000">
+                <a:solidFill>
+                  <a:schemeClr val="tx1"/>
+                </a:solidFill>
+              </a:endParaRPr>
+            </a:p>
+          </p:txBody>
+        </p:sp>
+        <p:sp>
+          <p:nvSpPr>
+            <p:cNvPr id="495" name="Oval 494">
+              <a:extLst>
+                <a:ext uri="{FF2B5EF4-FFF2-40B4-BE49-F238E27FC236}">
+                  <a16:creationId xmlns:a16="http://schemas.microsoft.com/office/drawing/2014/main" id="{9BE1E18D-F82E-A973-508C-5F51C020BE23}"/>
+                </a:ext>
+              </a:extLst>
+            </p:cNvPr>
+            <p:cNvSpPr/>
+            <p:nvPr/>
+          </p:nvSpPr>
+          <p:spPr>
+            <a:xfrm>
+              <a:off x="9231413" y="4338932"/>
+              <a:ext cx="82470" cy="82467"/>
+            </a:xfrm>
+            <a:prstGeom prst="ellipse">
+              <a:avLst/>
+            </a:prstGeom>
+            <a:solidFill>
+              <a:srgbClr val="D9D9D9"/>
+            </a:solidFill>
+            <a:ln w="19050" cap="flat">
+              <a:solidFill>
+                <a:srgbClr val="000000"/>
+              </a:solidFill>
+              <a:prstDash val="solid"/>
+              <a:round/>
+            </a:ln>
+          </p:spPr>
+          <p:txBody>
+            <a:bodyPr lIns="0" tIns="0" rIns="0" bIns="0" rtlCol="0" anchor="ctr"/>
+            <a:lstStyle/>
+            <a:p>
+              <a:endParaRPr lang="en-CA" sz="1000">
+                <a:solidFill>
+                  <a:schemeClr val="tx1"/>
+                </a:solidFill>
+              </a:endParaRPr>
+            </a:p>
+          </p:txBody>
+        </p:sp>
+        <p:sp>
+          <p:nvSpPr>
+            <p:cNvPr id="498" name="Rectangle: Rounded Corners 497">
+              <a:extLst>
+                <a:ext uri="{FF2B5EF4-FFF2-40B4-BE49-F238E27FC236}">
+                  <a16:creationId xmlns:a16="http://schemas.microsoft.com/office/drawing/2014/main" id="{12A1AB97-E88D-E367-1634-D01A8FBDC444}"/>
+                </a:ext>
+              </a:extLst>
+            </p:cNvPr>
+            <p:cNvSpPr/>
+            <p:nvPr/>
+          </p:nvSpPr>
+          <p:spPr>
+            <a:xfrm>
+              <a:off x="8295364" y="4049949"/>
+              <a:ext cx="886578" cy="672216"/>
+            </a:xfrm>
+            <a:prstGeom prst="roundRect">
+              <a:avLst>
+                <a:gd name="adj" fmla="val 1537"/>
+              </a:avLst>
+            </a:prstGeom>
+            <a:noFill/>
+            <a:ln w="34925" cap="flat" cmpd="dbl">
+              <a:solidFill>
+                <a:schemeClr val="tx1"/>
+              </a:solidFill>
+              <a:prstDash val="solid"/>
+              <a:round/>
+            </a:ln>
+          </p:spPr>
+          <p:txBody>
+            <a:bodyPr lIns="0" tIns="0" rIns="0" bIns="0" rtlCol="0" anchor="ctr"/>
+            <a:lstStyle/>
+            <a:p>
+              <a:endParaRPr lang="en-CA" sz="1000">
+                <a:solidFill>
+                  <a:schemeClr val="tx1"/>
+                </a:solidFill>
+              </a:endParaRPr>
+            </a:p>
+          </p:txBody>
+        </p:sp>
+      </p:grpSp>
+      <p:grpSp>
+        <p:nvGrpSpPr>
+          <p:cNvPr id="503" name="Group 502">
+            <a:extLst>
+              <a:ext uri="{FF2B5EF4-FFF2-40B4-BE49-F238E27FC236}">
+                <a16:creationId xmlns:a16="http://schemas.microsoft.com/office/drawing/2014/main" id="{5AE2DF5F-C031-D917-0E15-557A66A1F7BB}"/>
+              </a:ext>
+            </a:extLst>
+          </p:cNvPr>
+          <p:cNvGrpSpPr/>
+          <p:nvPr/>
+        </p:nvGrpSpPr>
+        <p:grpSpPr>
+          <a:xfrm>
+            <a:off x="7107574" y="3362422"/>
+            <a:ext cx="1336678" cy="717445"/>
+            <a:chOff x="8503559" y="3189857"/>
+            <a:chExt cx="1336678" cy="717445"/>
+          </a:xfrm>
+        </p:grpSpPr>
+        <p:grpSp>
+          <p:nvGrpSpPr>
+            <p:cNvPr id="504" name="Group 503">
+              <a:extLst>
+                <a:ext uri="{FF2B5EF4-FFF2-40B4-BE49-F238E27FC236}">
+                  <a16:creationId xmlns:a16="http://schemas.microsoft.com/office/drawing/2014/main" id="{114DBAAE-C96A-55DF-7E1C-3ECF101A57BD}"/>
+                </a:ext>
+              </a:extLst>
+            </p:cNvPr>
+            <p:cNvGrpSpPr/>
+            <p:nvPr/>
+          </p:nvGrpSpPr>
+          <p:grpSpPr>
+            <a:xfrm>
+              <a:off x="8568008" y="3788901"/>
+              <a:ext cx="1207781" cy="118401"/>
+              <a:chOff x="8562486" y="3788901"/>
+              <a:chExt cx="1207781" cy="118401"/>
+            </a:xfrm>
+          </p:grpSpPr>
+          <p:sp>
+            <p:nvSpPr>
+              <p:cNvPr id="83" name="Rectangle: Rounded Corners 82">
+                <a:extLst>
+                  <a:ext uri="{FF2B5EF4-FFF2-40B4-BE49-F238E27FC236}">
+                    <a16:creationId xmlns:a16="http://schemas.microsoft.com/office/drawing/2014/main" id="{B6BA3C40-0C62-A74E-BD8B-0CFAC50DF7CF}"/>
+                  </a:ext>
+                </a:extLst>
+              </p:cNvPr>
+              <p:cNvSpPr/>
+              <p:nvPr/>
+            </p:nvSpPr>
+            <p:spPr>
+              <a:xfrm rot="5400000">
+                <a:off x="8533858" y="3817529"/>
+                <a:ext cx="118401" cy="61146"/>
+              </a:xfrm>
+              <a:prstGeom prst="roundRect">
+                <a:avLst>
+                  <a:gd name="adj" fmla="val 22789"/>
+                </a:avLst>
+              </a:prstGeom>
+              <a:solidFill>
+                <a:schemeClr val="bg1">
+                  <a:lumMod val="50000"/>
+                </a:schemeClr>
+              </a:solidFill>
+              <a:ln w="19050">
+                <a:solidFill>
+                  <a:schemeClr val="tx1"/>
+                </a:solidFill>
+              </a:ln>
+            </p:spPr>
+            <p:style>
+              <a:lnRef idx="2">
+                <a:schemeClr val="accent1">
+                  <a:shade val="50000"/>
+                </a:schemeClr>
+              </a:lnRef>
+              <a:fillRef idx="1">
+                <a:schemeClr val="accent1"/>
+              </a:fillRef>
+              <a:effectRef idx="0">
+                <a:schemeClr val="accent1"/>
+              </a:effectRef>
+              <a:fontRef idx="minor">
+                <a:schemeClr val="lt1"/>
+              </a:fontRef>
+            </p:style>
+            <p:txBody>
+              <a:bodyPr rtlCol="0" anchor="ctr"/>
+              <a:lstStyle/>
+              <a:p>
+                <a:pPr algn="ctr"/>
+                <a:endParaRPr lang="en-CA" sz="4400">
+                  <a:cs typeface="Arial" panose="020B0604020202020204" pitchFamily="34" charset="0"/>
+                </a:endParaRPr>
+              </a:p>
+            </p:txBody>
+          </p:sp>
+          <p:sp>
+            <p:nvSpPr>
+              <p:cNvPr id="84" name="Rectangle: Rounded Corners 83">
+                <a:extLst>
+                  <a:ext uri="{FF2B5EF4-FFF2-40B4-BE49-F238E27FC236}">
+                    <a16:creationId xmlns:a16="http://schemas.microsoft.com/office/drawing/2014/main" id="{BE40CEE3-4618-86F2-AC6B-EA774A74A9FB}"/>
+                  </a:ext>
+                </a:extLst>
+              </p:cNvPr>
+              <p:cNvSpPr/>
+              <p:nvPr/>
+            </p:nvSpPr>
+            <p:spPr>
+              <a:xfrm rot="5400000">
+                <a:off x="9680493" y="3817529"/>
+                <a:ext cx="118401" cy="61146"/>
+              </a:xfrm>
+              <a:prstGeom prst="roundRect">
+                <a:avLst>
+                  <a:gd name="adj" fmla="val 22789"/>
+                </a:avLst>
+              </a:prstGeom>
+              <a:solidFill>
+                <a:schemeClr val="bg1">
+                  <a:lumMod val="50000"/>
+                </a:schemeClr>
+              </a:solidFill>
+              <a:ln w="19050">
+                <a:solidFill>
+                  <a:schemeClr val="tx1"/>
+                </a:solidFill>
+              </a:ln>
+            </p:spPr>
+            <p:style>
+              <a:lnRef idx="2">
+                <a:schemeClr val="accent1">
+                  <a:shade val="50000"/>
+                </a:schemeClr>
+              </a:lnRef>
+              <a:fillRef idx="1">
+                <a:schemeClr val="accent1"/>
+              </a:fillRef>
+              <a:effectRef idx="0">
+                <a:schemeClr val="accent1"/>
+              </a:effectRef>
+              <a:fontRef idx="minor">
+                <a:schemeClr val="lt1"/>
+              </a:fontRef>
+            </p:style>
+            <p:txBody>
+              <a:bodyPr rtlCol="0" anchor="ctr"/>
+              <a:lstStyle/>
+              <a:p>
+                <a:pPr algn="ctr"/>
+                <a:endParaRPr lang="en-CA" sz="4400" dirty="0">
+                  <a:cs typeface="Arial" panose="020B0604020202020204" pitchFamily="34" charset="0"/>
+                </a:endParaRPr>
+              </a:p>
+            </p:txBody>
+          </p:sp>
+        </p:grpSp>
+        <p:sp>
+          <p:nvSpPr>
+            <p:cNvPr id="505" name="Rectangle: Rounded Corners 504">
+              <a:extLst>
+                <a:ext uri="{FF2B5EF4-FFF2-40B4-BE49-F238E27FC236}">
+                  <a16:creationId xmlns:a16="http://schemas.microsoft.com/office/drawing/2014/main" id="{9C523707-44EF-50B8-3BA0-90850AAB70A2}"/>
+                </a:ext>
+              </a:extLst>
+            </p:cNvPr>
+            <p:cNvSpPr/>
+            <p:nvPr/>
+          </p:nvSpPr>
+          <p:spPr>
+            <a:xfrm>
+              <a:off x="8503559" y="3189857"/>
+              <a:ext cx="1336678" cy="679780"/>
+            </a:xfrm>
+            <a:prstGeom prst="roundRect">
+              <a:avLst>
+                <a:gd name="adj" fmla="val 3608"/>
+              </a:avLst>
+            </a:prstGeom>
+            <a:solidFill>
+              <a:schemeClr val="bg1">
+                <a:lumMod val="85000"/>
+              </a:schemeClr>
+            </a:solidFill>
+            <a:ln w="19050" cap="rnd">
+              <a:solidFill>
+                <a:schemeClr val="tx1"/>
+              </a:solidFill>
+              <a:round/>
+            </a:ln>
+          </p:spPr>
+          <p:style>
+            <a:lnRef idx="2">
+              <a:schemeClr val="accent1">
+                <a:shade val="50000"/>
+              </a:schemeClr>
+            </a:lnRef>
+            <a:fillRef idx="1">
+              <a:schemeClr val="accent1"/>
+            </a:fillRef>
+            <a:effectRef idx="0">
+              <a:schemeClr val="accent1"/>
+            </a:effectRef>
+            <a:fontRef idx="minor">
+              <a:schemeClr val="lt1"/>
+            </a:fontRef>
+          </p:style>
+          <p:txBody>
+            <a:bodyPr rot="0" spcFirstLastPara="0" vertOverflow="overflow" horzOverflow="overflow" vert="horz" wrap="square" lIns="0" tIns="0" rIns="0" bIns="0" numCol="1" spcCol="0" rtlCol="0" fromWordArt="0" anchor="ctr" anchorCtr="0" forceAA="0" compatLnSpc="1">
+              <a:prstTxWarp prst="textNoShape">
+                <a:avLst/>
+              </a:prstTxWarp>
+              <a:noAutofit/>
+            </a:bodyPr>
+            <a:lstStyle/>
+            <a:p>
+              <a:pPr algn="ctr"/>
+              <a:endParaRPr lang="en-CA" sz="800" dirty="0">
+                <a:cs typeface="Segoe UI" panose="020B0502040204020203" pitchFamily="34" charset="0"/>
+              </a:endParaRPr>
+            </a:p>
+          </p:txBody>
+        </p:sp>
+        <p:grpSp>
+          <p:nvGrpSpPr>
+            <p:cNvPr id="506" name="Group 505">
+              <a:extLst>
+                <a:ext uri="{FF2B5EF4-FFF2-40B4-BE49-F238E27FC236}">
+                  <a16:creationId xmlns:a16="http://schemas.microsoft.com/office/drawing/2014/main" id="{391CF586-FDDC-2A1E-A29E-088DF8A6C11C}"/>
+                </a:ext>
+              </a:extLst>
+            </p:cNvPr>
+            <p:cNvGrpSpPr/>
+            <p:nvPr/>
+          </p:nvGrpSpPr>
+          <p:grpSpPr>
+            <a:xfrm>
+              <a:off x="9500373" y="3559636"/>
+              <a:ext cx="214269" cy="135316"/>
+              <a:chOff x="9487817" y="3529493"/>
+              <a:chExt cx="241160" cy="152298"/>
+            </a:xfrm>
+          </p:grpSpPr>
+          <p:sp>
+            <p:nvSpPr>
+              <p:cNvPr id="75" name="Rectangle: Rounded Corners 74">
+                <a:extLst>
+                  <a:ext uri="{FF2B5EF4-FFF2-40B4-BE49-F238E27FC236}">
+                    <a16:creationId xmlns:a16="http://schemas.microsoft.com/office/drawing/2014/main" id="{8603D4C0-A909-09B3-7DDF-597FBA6308DC}"/>
+                  </a:ext>
+                </a:extLst>
+              </p:cNvPr>
+              <p:cNvSpPr/>
+              <p:nvPr/>
+            </p:nvSpPr>
+            <p:spPr>
+              <a:xfrm>
+                <a:off x="9487817" y="3529493"/>
+                <a:ext cx="241160" cy="152298"/>
+              </a:xfrm>
+              <a:prstGeom prst="roundRect">
+                <a:avLst>
+                  <a:gd name="adj" fmla="val 6319"/>
+                </a:avLst>
+              </a:prstGeom>
+              <a:solidFill>
+                <a:srgbClr val="00B0F0"/>
+              </a:solidFill>
+              <a:ln w="19050">
+                <a:solidFill>
+                  <a:schemeClr val="tx1"/>
+                </a:solidFill>
+              </a:ln>
+            </p:spPr>
+            <p:style>
+              <a:lnRef idx="2">
+                <a:schemeClr val="accent1">
+                  <a:shade val="50000"/>
+                </a:schemeClr>
+              </a:lnRef>
+              <a:fillRef idx="1">
+                <a:schemeClr val="accent1"/>
+              </a:fillRef>
+              <a:effectRef idx="0">
+                <a:schemeClr val="accent1"/>
+              </a:effectRef>
+              <a:fontRef idx="minor">
+                <a:schemeClr val="lt1"/>
+              </a:fontRef>
+            </p:style>
+            <p:txBody>
+              <a:bodyPr rtlCol="0" anchor="ctr"/>
+              <a:lstStyle/>
+              <a:p>
+                <a:pPr algn="ctr"/>
+                <a:endParaRPr lang="en-US" sz="4400">
+                  <a:cs typeface="Arial" panose="020B0604020202020204" pitchFamily="34" charset="0"/>
+                </a:endParaRPr>
+              </a:p>
+            </p:txBody>
+          </p:sp>
+          <p:cxnSp>
+            <p:nvCxnSpPr>
+              <p:cNvPr id="81" name="Straight Connector 80">
+                <a:extLst>
+                  <a:ext uri="{FF2B5EF4-FFF2-40B4-BE49-F238E27FC236}">
+                    <a16:creationId xmlns:a16="http://schemas.microsoft.com/office/drawing/2014/main" id="{130E7C1D-FF61-86E2-879E-1C33E877E233}"/>
+                  </a:ext>
+                </a:extLst>
+              </p:cNvPr>
+              <p:cNvCxnSpPr>
+                <a:cxnSpLocks/>
+              </p:cNvCxnSpPr>
+              <p:nvPr/>
+            </p:nvCxnSpPr>
+            <p:spPr>
+              <a:xfrm>
+                <a:off x="9538355" y="3579461"/>
+                <a:ext cx="72886" cy="0"/>
+              </a:xfrm>
+              <a:prstGeom prst="line">
+                <a:avLst/>
+              </a:prstGeom>
+              <a:noFill/>
+              <a:ln w="19050" cap="rnd">
+                <a:solidFill>
+                  <a:schemeClr val="tx1"/>
+                </a:solidFill>
+                <a:round/>
+              </a:ln>
+            </p:spPr>
+            <p:style>
+              <a:lnRef idx="2">
+                <a:schemeClr val="accent1">
+                  <a:shade val="50000"/>
+                </a:schemeClr>
+              </a:lnRef>
+              <a:fillRef idx="1">
+                <a:schemeClr val="accent1"/>
+              </a:fillRef>
+              <a:effectRef idx="0">
+                <a:schemeClr val="accent1"/>
+              </a:effectRef>
+              <a:fontRef idx="minor">
+                <a:schemeClr val="lt1"/>
+              </a:fontRef>
+            </p:style>
+          </p:cxnSp>
+          <p:cxnSp>
+            <p:nvCxnSpPr>
+              <p:cNvPr id="82" name="Straight Connector 81">
+                <a:extLst>
+                  <a:ext uri="{FF2B5EF4-FFF2-40B4-BE49-F238E27FC236}">
+                    <a16:creationId xmlns:a16="http://schemas.microsoft.com/office/drawing/2014/main" id="{A2C9D766-CBE9-A1C2-5BA2-18FC6B75795A}"/>
+                  </a:ext>
+                </a:extLst>
+              </p:cNvPr>
+              <p:cNvCxnSpPr>
+                <a:cxnSpLocks/>
+              </p:cNvCxnSpPr>
+              <p:nvPr/>
+            </p:nvCxnSpPr>
+            <p:spPr>
+              <a:xfrm>
+                <a:off x="9538355" y="3629939"/>
+                <a:ext cx="89519" cy="0"/>
+              </a:xfrm>
+              <a:prstGeom prst="line">
+                <a:avLst/>
+              </a:prstGeom>
+              <a:noFill/>
+              <a:ln w="19050" cap="rnd">
+                <a:solidFill>
+                  <a:schemeClr val="tx1"/>
+                </a:solidFill>
+                <a:round/>
+              </a:ln>
+            </p:spPr>
+            <p:style>
+              <a:lnRef idx="2">
+                <a:schemeClr val="accent1">
+                  <a:shade val="50000"/>
+                </a:schemeClr>
+              </a:lnRef>
+              <a:fillRef idx="1">
+                <a:schemeClr val="accent1"/>
+              </a:fillRef>
+              <a:effectRef idx="0">
+                <a:schemeClr val="accent1"/>
+              </a:effectRef>
+              <a:fontRef idx="minor">
+                <a:schemeClr val="lt1"/>
+              </a:fontRef>
+            </p:style>
+          </p:cxnSp>
+        </p:grpSp>
+        <p:sp>
+          <p:nvSpPr>
+            <p:cNvPr id="507" name="Oval 506">
+              <a:extLst>
+                <a:ext uri="{FF2B5EF4-FFF2-40B4-BE49-F238E27FC236}">
+                  <a16:creationId xmlns:a16="http://schemas.microsoft.com/office/drawing/2014/main" id="{A1CF6FD4-792A-29F3-19CA-D822129CB209}"/>
+                </a:ext>
+              </a:extLst>
+            </p:cNvPr>
+            <p:cNvSpPr/>
+            <p:nvPr/>
+          </p:nvSpPr>
+          <p:spPr>
+            <a:xfrm>
+              <a:off x="9632950" y="3479799"/>
+              <a:ext cx="45719" cy="45719"/>
+            </a:xfrm>
+            <a:prstGeom prst="ellipse">
+              <a:avLst/>
+            </a:prstGeom>
+            <a:solidFill>
+              <a:srgbClr val="D024F7"/>
+            </a:solidFill>
+            <a:ln w="19050" cap="rnd">
+              <a:solidFill>
+                <a:schemeClr val="tx1"/>
+              </a:solidFill>
+              <a:round/>
+            </a:ln>
+          </p:spPr>
+          <p:style>
+            <a:lnRef idx="2">
+              <a:schemeClr val="accent1">
+                <a:shade val="50000"/>
+              </a:schemeClr>
+            </a:lnRef>
+            <a:fillRef idx="1">
+              <a:schemeClr val="accent1"/>
+            </a:fillRef>
+            <a:effectRef idx="0">
+              <a:schemeClr val="accent1"/>
+            </a:effectRef>
+            <a:fontRef idx="minor">
+              <a:schemeClr val="lt1"/>
+            </a:fontRef>
+          </p:style>
+          <p:txBody>
+            <a:bodyPr rtlCol="0" anchor="ctr"/>
+            <a:lstStyle/>
+            <a:p>
+              <a:pPr algn="ctr"/>
+              <a:endParaRPr lang="en-CA"/>
+            </a:p>
+          </p:txBody>
+        </p:sp>
+        <p:sp>
+          <p:nvSpPr>
+            <p:cNvPr id="508" name="Oval 507">
+              <a:extLst>
+                <a:ext uri="{FF2B5EF4-FFF2-40B4-BE49-F238E27FC236}">
+                  <a16:creationId xmlns:a16="http://schemas.microsoft.com/office/drawing/2014/main" id="{06377181-043F-C8EC-A528-E9DDF5F0436F}"/>
+                </a:ext>
+              </a:extLst>
+            </p:cNvPr>
+            <p:cNvSpPr/>
+            <p:nvPr/>
+          </p:nvSpPr>
+          <p:spPr>
+            <a:xfrm>
+              <a:off x="8643946" y="3626836"/>
+              <a:ext cx="152883" cy="152883"/>
+            </a:xfrm>
+            <a:prstGeom prst="ellipse">
+              <a:avLst/>
+            </a:prstGeom>
+            <a:solidFill>
+              <a:srgbClr val="0244AC"/>
+            </a:solidFill>
+            <a:ln w="19050">
+              <a:solidFill>
+                <a:schemeClr val="tx1"/>
+              </a:solidFill>
+            </a:ln>
+          </p:spPr>
+          <p:style>
+            <a:lnRef idx="2">
+              <a:schemeClr val="accent1">
+                <a:shade val="15000"/>
+              </a:schemeClr>
+            </a:lnRef>
+            <a:fillRef idx="1">
+              <a:schemeClr val="accent1"/>
+            </a:fillRef>
+            <a:effectRef idx="0">
+              <a:schemeClr val="accent1"/>
+            </a:effectRef>
+            <a:fontRef idx="minor">
+              <a:schemeClr val="lt1"/>
+            </a:fontRef>
+          </p:style>
+          <p:txBody>
+            <a:bodyPr rtlCol="0" anchor="ctr"/>
+            <a:lstStyle/>
+            <a:p>
+              <a:pPr algn="ctr"/>
+              <a:endParaRPr lang="en-CA"/>
+            </a:p>
+          </p:txBody>
+        </p:sp>
+        <p:grpSp>
+          <p:nvGrpSpPr>
+            <p:cNvPr id="509" name="Group 508">
+              <a:extLst>
+                <a:ext uri="{FF2B5EF4-FFF2-40B4-BE49-F238E27FC236}">
+                  <a16:creationId xmlns:a16="http://schemas.microsoft.com/office/drawing/2014/main" id="{D72F32CF-A0E1-8C27-2F86-B8ECA53999A4}"/>
+                </a:ext>
+              </a:extLst>
+            </p:cNvPr>
+            <p:cNvGrpSpPr/>
+            <p:nvPr/>
+          </p:nvGrpSpPr>
+          <p:grpSpPr>
+            <a:xfrm>
+              <a:off x="9515605" y="3745340"/>
+              <a:ext cx="185584" cy="45719"/>
+              <a:chOff x="9495553" y="3714055"/>
+              <a:chExt cx="185584" cy="57150"/>
+            </a:xfrm>
+          </p:grpSpPr>
+          <p:cxnSp>
+            <p:nvCxnSpPr>
+              <p:cNvPr id="71" name="Straight Connector 70">
+                <a:extLst>
+                  <a:ext uri="{FF2B5EF4-FFF2-40B4-BE49-F238E27FC236}">
+                    <a16:creationId xmlns:a16="http://schemas.microsoft.com/office/drawing/2014/main" id="{C66DBB42-06D9-D2C7-B55E-0128070D1DBD}"/>
+                  </a:ext>
+                </a:extLst>
+              </p:cNvPr>
+              <p:cNvCxnSpPr>
+                <a:cxnSpLocks/>
+              </p:cNvCxnSpPr>
+              <p:nvPr/>
+            </p:nvCxnSpPr>
+            <p:spPr>
+              <a:xfrm>
+                <a:off x="9495553" y="3714055"/>
+                <a:ext cx="185584" cy="0"/>
+              </a:xfrm>
+              <a:prstGeom prst="line">
+                <a:avLst/>
+              </a:prstGeom>
+              <a:noFill/>
+              <a:ln w="19050" cap="rnd">
+                <a:solidFill>
+                  <a:schemeClr val="tx1"/>
+                </a:solidFill>
+                <a:round/>
+              </a:ln>
+            </p:spPr>
+            <p:style>
+              <a:lnRef idx="2">
+                <a:schemeClr val="accent1">
+                  <a:shade val="50000"/>
+                </a:schemeClr>
+              </a:lnRef>
+              <a:fillRef idx="1">
+                <a:schemeClr val="accent1"/>
+              </a:fillRef>
+              <a:effectRef idx="0">
+                <a:schemeClr val="accent1"/>
+              </a:effectRef>
+              <a:fontRef idx="minor">
+                <a:schemeClr val="lt1"/>
+              </a:fontRef>
+            </p:style>
+          </p:cxnSp>
+          <p:cxnSp>
+            <p:nvCxnSpPr>
+              <p:cNvPr id="72" name="Straight Connector 71">
+                <a:extLst>
+                  <a:ext uri="{FF2B5EF4-FFF2-40B4-BE49-F238E27FC236}">
+                    <a16:creationId xmlns:a16="http://schemas.microsoft.com/office/drawing/2014/main" id="{4AD64C65-3647-8AE1-8EB0-60BBF9039D22}"/>
+                  </a:ext>
+                </a:extLst>
+              </p:cNvPr>
+              <p:cNvCxnSpPr>
+                <a:cxnSpLocks/>
+              </p:cNvCxnSpPr>
+              <p:nvPr/>
+            </p:nvCxnSpPr>
+            <p:spPr>
+              <a:xfrm>
+                <a:off x="9495553" y="3771205"/>
+                <a:ext cx="185584" cy="0"/>
+              </a:xfrm>
+              <a:prstGeom prst="line">
+                <a:avLst/>
+              </a:prstGeom>
+              <a:noFill/>
+              <a:ln w="19050" cap="rnd">
+                <a:solidFill>
+                  <a:schemeClr val="tx1"/>
+                </a:solidFill>
+                <a:round/>
+              </a:ln>
+            </p:spPr>
+            <p:style>
+              <a:lnRef idx="2">
+                <a:schemeClr val="accent1">
+                  <a:shade val="50000"/>
+                </a:schemeClr>
+              </a:lnRef>
+              <a:fillRef idx="1">
+                <a:schemeClr val="accent1"/>
+              </a:fillRef>
+              <a:effectRef idx="0">
+                <a:schemeClr val="accent1"/>
+              </a:effectRef>
+              <a:fontRef idx="minor">
+                <a:schemeClr val="lt1"/>
+              </a:fontRef>
+            </p:style>
+          </p:cxnSp>
+        </p:grpSp>
+        <p:cxnSp>
+          <p:nvCxnSpPr>
+            <p:cNvPr id="510" name="Straight Connector 509">
+              <a:extLst>
+                <a:ext uri="{FF2B5EF4-FFF2-40B4-BE49-F238E27FC236}">
+                  <a16:creationId xmlns:a16="http://schemas.microsoft.com/office/drawing/2014/main" id="{ABAEF1AA-258F-EEE2-23E8-6CBC7243624B}"/>
+                </a:ext>
+              </a:extLst>
+            </p:cNvPr>
+            <p:cNvCxnSpPr>
+              <a:cxnSpLocks/>
+            </p:cNvCxnSpPr>
+            <p:nvPr/>
+          </p:nvCxnSpPr>
+          <p:spPr>
+            <a:xfrm>
+              <a:off x="9035044" y="3487161"/>
+              <a:ext cx="238975" cy="0"/>
+            </a:xfrm>
+            <a:prstGeom prst="line">
+              <a:avLst/>
+            </a:prstGeom>
+            <a:noFill/>
+            <a:ln w="19050" cap="rnd">
+              <a:solidFill>
+                <a:schemeClr val="tx1"/>
+              </a:solidFill>
+              <a:round/>
+            </a:ln>
+          </p:spPr>
+          <p:style>
+            <a:lnRef idx="2">
+              <a:schemeClr val="accent1">
+                <a:shade val="50000"/>
+              </a:schemeClr>
+            </a:lnRef>
+            <a:fillRef idx="1">
+              <a:schemeClr val="accent1"/>
+            </a:fillRef>
+            <a:effectRef idx="0">
+              <a:schemeClr val="accent1"/>
+            </a:effectRef>
+            <a:fontRef idx="minor">
+              <a:schemeClr val="lt1"/>
+            </a:fontRef>
+          </p:style>
+        </p:cxnSp>
+        <p:cxnSp>
+          <p:nvCxnSpPr>
+            <p:cNvPr id="511" name="Straight Connector 510">
+              <a:extLst>
+                <a:ext uri="{FF2B5EF4-FFF2-40B4-BE49-F238E27FC236}">
+                  <a16:creationId xmlns:a16="http://schemas.microsoft.com/office/drawing/2014/main" id="{1409DBFC-3A0B-49B2-1355-D4A9B397FBB0}"/>
+                </a:ext>
+              </a:extLst>
+            </p:cNvPr>
+            <p:cNvCxnSpPr>
+              <a:cxnSpLocks/>
+            </p:cNvCxnSpPr>
+            <p:nvPr/>
+          </p:nvCxnSpPr>
+          <p:spPr>
+            <a:xfrm>
+              <a:off x="8646583" y="3817361"/>
+              <a:ext cx="147109" cy="0"/>
+            </a:xfrm>
+            <a:prstGeom prst="line">
+              <a:avLst/>
+            </a:prstGeom>
+            <a:noFill/>
+            <a:ln w="19050" cap="rnd">
+              <a:solidFill>
+                <a:schemeClr val="tx1"/>
+              </a:solidFill>
+              <a:round/>
+            </a:ln>
+          </p:spPr>
+          <p:style>
+            <a:lnRef idx="2">
+              <a:schemeClr val="accent1">
+                <a:shade val="50000"/>
+              </a:schemeClr>
+            </a:lnRef>
+            <a:fillRef idx="1">
+              <a:schemeClr val="accent1"/>
+            </a:fillRef>
+            <a:effectRef idx="0">
+              <a:schemeClr val="accent1"/>
+            </a:effectRef>
+            <a:fontRef idx="minor">
+              <a:schemeClr val="lt1"/>
+            </a:fontRef>
+          </p:style>
+        </p:cxnSp>
+      </p:grpSp>
+      <p:sp>
+        <p:nvSpPr>
+          <p:cNvPr id="86" name="Rectangle 85">
+            <a:extLst>
+              <a:ext uri="{FF2B5EF4-FFF2-40B4-BE49-F238E27FC236}">
+                <a16:creationId xmlns:a16="http://schemas.microsoft.com/office/drawing/2014/main" id="{D8513A9B-2DA8-A4FD-1D5D-219B0ADB576B}"/>
+              </a:ext>
+            </a:extLst>
+          </p:cNvPr>
+          <p:cNvSpPr/>
+          <p:nvPr/>
+        </p:nvSpPr>
+        <p:spPr>
+          <a:xfrm>
+            <a:off x="7099820" y="4180594"/>
+            <a:ext cx="1345924" cy="300640"/>
+          </a:xfrm>
+          <a:prstGeom prst="rect">
+            <a:avLst/>
+          </a:prstGeom>
+          <a:noFill/>
+          <a:ln w="31750">
+            <a:noFill/>
+          </a:ln>
+        </p:spPr>
+        <p:style>
+          <a:lnRef idx="2">
+            <a:schemeClr val="accent1">
+              <a:shade val="50000"/>
+            </a:schemeClr>
+          </a:lnRef>
+          <a:fillRef idx="1">
+            <a:schemeClr val="accent1"/>
+          </a:fillRef>
+          <a:effectRef idx="0">
+            <a:schemeClr val="accent1"/>
+          </a:effectRef>
+          <a:fontRef idx="minor">
+            <a:schemeClr val="lt1"/>
+          </a:fontRef>
+        </p:style>
+        <p:txBody>
+          <a:bodyPr rot="0" spcFirstLastPara="0" vertOverflow="overflow" horzOverflow="overflow" vert="horz" wrap="square" lIns="0" tIns="0" rIns="0" bIns="0" numCol="1" spcCol="0" rtlCol="0" fromWordArt="0" anchor="t" anchorCtr="0" forceAA="0" compatLnSpc="1">
+            <a:prstTxWarp prst="textNoShape">
+              <a:avLst/>
+            </a:prstTxWarp>
+            <a:noAutofit/>
+          </a:bodyPr>
+          <a:lstStyle/>
+          <a:p>
+            <a:pPr algn="ctr"/>
+            <a:r>
+              <a:rPr lang="en-US" sz="1400" dirty="0">
+                <a:solidFill>
+                  <a:schemeClr val="tx1"/>
+                </a:solidFill>
+                <a:latin typeface="Gotham Narrow Book" pitchFamily="50" charset="0"/>
+                <a:ea typeface="Roboto" panose="02000000000000000000" pitchFamily="2" charset="0"/>
+                <a:cs typeface="Arial" panose="020B0604020202020204" pitchFamily="34" charset="0"/>
+              </a:rPr>
+              <a:t>CAPS</a:t>
+            </a:r>
+          </a:p>
+        </p:txBody>
+      </p:sp>
+      <p:grpSp>
+        <p:nvGrpSpPr>
+          <p:cNvPr id="100" name="Group 99">
+            <a:extLst>
+              <a:ext uri="{FF2B5EF4-FFF2-40B4-BE49-F238E27FC236}">
+                <a16:creationId xmlns:a16="http://schemas.microsoft.com/office/drawing/2014/main" id="{F7BA5369-14EE-AD53-7A08-124C9C0687FF}"/>
+              </a:ext>
+            </a:extLst>
+          </p:cNvPr>
+          <p:cNvGrpSpPr/>
+          <p:nvPr/>
+        </p:nvGrpSpPr>
+        <p:grpSpPr>
+          <a:xfrm>
+            <a:off x="5090282" y="3250884"/>
+            <a:ext cx="1442896" cy="834119"/>
+            <a:chOff x="4549689" y="3989671"/>
+            <a:chExt cx="1442896" cy="834119"/>
+          </a:xfrm>
+        </p:grpSpPr>
+        <p:sp>
+          <p:nvSpPr>
+            <p:cNvPr id="122" name="Freeform: Shape 121">
+              <a:extLst>
+                <a:ext uri="{FF2B5EF4-FFF2-40B4-BE49-F238E27FC236}">
+                  <a16:creationId xmlns:a16="http://schemas.microsoft.com/office/drawing/2014/main" id="{A2C94AA4-B93F-3C6A-27D0-41D3DEBA66BB}"/>
+                </a:ext>
+              </a:extLst>
+            </p:cNvPr>
+            <p:cNvSpPr/>
+            <p:nvPr/>
+          </p:nvSpPr>
+          <p:spPr>
+            <a:xfrm>
+              <a:off x="4549689" y="3989671"/>
+              <a:ext cx="1442896" cy="834119"/>
+            </a:xfrm>
+            <a:custGeom>
+              <a:avLst/>
+              <a:gdLst>
+                <a:gd name="connsiteX0" fmla="*/ 52625 w 1442896"/>
+                <a:gd name="connsiteY0" fmla="*/ 0 h 834119"/>
+                <a:gd name="connsiteX1" fmla="*/ 1390271 w 1442896"/>
+                <a:gd name="connsiteY1" fmla="*/ 0 h 834119"/>
+                <a:gd name="connsiteX2" fmla="*/ 1442896 w 1442896"/>
+                <a:gd name="connsiteY2" fmla="*/ 52625 h 834119"/>
+                <a:gd name="connsiteX3" fmla="*/ 1442896 w 1442896"/>
+                <a:gd name="connsiteY3" fmla="*/ 188233 h 834119"/>
+                <a:gd name="connsiteX4" fmla="*/ 1416072 w 1442896"/>
+                <a:gd name="connsiteY4" fmla="*/ 188233 h 834119"/>
+                <a:gd name="connsiteX5" fmla="*/ 1407706 w 1442896"/>
+                <a:gd name="connsiteY5" fmla="*/ 196599 h 834119"/>
+                <a:gd name="connsiteX6" fmla="*/ 1407706 w 1442896"/>
+                <a:gd name="connsiteY6" fmla="*/ 230063 h 834119"/>
+                <a:gd name="connsiteX7" fmla="*/ 1416072 w 1442896"/>
+                <a:gd name="connsiteY7" fmla="*/ 238429 h 834119"/>
+                <a:gd name="connsiteX8" fmla="*/ 1442896 w 1442896"/>
+                <a:gd name="connsiteY8" fmla="*/ 238429 h 834119"/>
+                <a:gd name="connsiteX9" fmla="*/ 1442896 w 1442896"/>
+                <a:gd name="connsiteY9" fmla="*/ 595691 h 834119"/>
+                <a:gd name="connsiteX10" fmla="*/ 1416072 w 1442896"/>
+                <a:gd name="connsiteY10" fmla="*/ 595691 h 834119"/>
+                <a:gd name="connsiteX11" fmla="*/ 1407706 w 1442896"/>
+                <a:gd name="connsiteY11" fmla="*/ 604057 h 834119"/>
+                <a:gd name="connsiteX12" fmla="*/ 1407706 w 1442896"/>
+                <a:gd name="connsiteY12" fmla="*/ 637521 h 834119"/>
+                <a:gd name="connsiteX13" fmla="*/ 1416072 w 1442896"/>
+                <a:gd name="connsiteY13" fmla="*/ 645887 h 834119"/>
+                <a:gd name="connsiteX14" fmla="*/ 1442896 w 1442896"/>
+                <a:gd name="connsiteY14" fmla="*/ 645887 h 834119"/>
+                <a:gd name="connsiteX15" fmla="*/ 1442896 w 1442896"/>
+                <a:gd name="connsiteY15" fmla="*/ 781494 h 834119"/>
+                <a:gd name="connsiteX16" fmla="*/ 1390271 w 1442896"/>
+                <a:gd name="connsiteY16" fmla="*/ 834119 h 834119"/>
+                <a:gd name="connsiteX17" fmla="*/ 52625 w 1442896"/>
+                <a:gd name="connsiteY17" fmla="*/ 834119 h 834119"/>
+                <a:gd name="connsiteX18" fmla="*/ 0 w 1442896"/>
+                <a:gd name="connsiteY18" fmla="*/ 781494 h 834119"/>
+                <a:gd name="connsiteX19" fmla="*/ 0 w 1442896"/>
+                <a:gd name="connsiteY19" fmla="*/ 645887 h 834119"/>
+                <a:gd name="connsiteX20" fmla="*/ 29744 w 1442896"/>
+                <a:gd name="connsiteY20" fmla="*/ 645887 h 834119"/>
+                <a:gd name="connsiteX21" fmla="*/ 38110 w 1442896"/>
+                <a:gd name="connsiteY21" fmla="*/ 637521 h 834119"/>
+                <a:gd name="connsiteX22" fmla="*/ 38110 w 1442896"/>
+                <a:gd name="connsiteY22" fmla="*/ 604057 h 834119"/>
+                <a:gd name="connsiteX23" fmla="*/ 29744 w 1442896"/>
+                <a:gd name="connsiteY23" fmla="*/ 595691 h 834119"/>
+                <a:gd name="connsiteX24" fmla="*/ 0 w 1442896"/>
+                <a:gd name="connsiteY24" fmla="*/ 595691 h 834119"/>
+                <a:gd name="connsiteX25" fmla="*/ 0 w 1442896"/>
+                <a:gd name="connsiteY25" fmla="*/ 238429 h 834119"/>
+                <a:gd name="connsiteX26" fmla="*/ 29744 w 1442896"/>
+                <a:gd name="connsiteY26" fmla="*/ 238429 h 834119"/>
+                <a:gd name="connsiteX27" fmla="*/ 38110 w 1442896"/>
+                <a:gd name="connsiteY27" fmla="*/ 230063 h 834119"/>
+                <a:gd name="connsiteX28" fmla="*/ 38110 w 1442896"/>
+                <a:gd name="connsiteY28" fmla="*/ 196599 h 834119"/>
+                <a:gd name="connsiteX29" fmla="*/ 29744 w 1442896"/>
+                <a:gd name="connsiteY29" fmla="*/ 188233 h 834119"/>
+                <a:gd name="connsiteX30" fmla="*/ 0 w 1442896"/>
+                <a:gd name="connsiteY30" fmla="*/ 188233 h 834119"/>
+                <a:gd name="connsiteX31" fmla="*/ 0 w 1442896"/>
+                <a:gd name="connsiteY31" fmla="*/ 52625 h 834119"/>
+                <a:gd name="connsiteX32" fmla="*/ 52625 w 1442896"/>
+                <a:gd name="connsiteY32" fmla="*/ 0 h 834119"/>
+              </a:gdLst>
+              <a:ahLst/>
+              <a:cxnLst>
+                <a:cxn ang="0">
+                  <a:pos x="connsiteX0" y="connsiteY0"/>
+                </a:cxn>
+                <a:cxn ang="0">
+                  <a:pos x="connsiteX1" y="connsiteY1"/>
+                </a:cxn>
+                <a:cxn ang="0">
+                  <a:pos x="connsiteX2" y="connsiteY2"/>
+                </a:cxn>
+                <a:cxn ang="0">
+                  <a:pos x="connsiteX3" y="connsiteY3"/>
+                </a:cxn>
+                <a:cxn ang="0">
+                  <a:pos x="connsiteX4" y="connsiteY4"/>
+                </a:cxn>
+                <a:cxn ang="0">
+                  <a:pos x="connsiteX5" y="connsiteY5"/>
+                </a:cxn>
+                <a:cxn ang="0">
+                  <a:pos x="connsiteX6" y="connsiteY6"/>
+                </a:cxn>
+                <a:cxn ang="0">
+                  <a:pos x="connsiteX7" y="connsiteY7"/>
+                </a:cxn>
+                <a:cxn ang="0">
+                  <a:pos x="connsiteX8" y="connsiteY8"/>
+                </a:cxn>
+                <a:cxn ang="0">
+                  <a:pos x="connsiteX9" y="connsiteY9"/>
+                </a:cxn>
+                <a:cxn ang="0">
+                  <a:pos x="connsiteX10" y="connsiteY10"/>
+                </a:cxn>
+                <a:cxn ang="0">
+                  <a:pos x="connsiteX11" y="connsiteY11"/>
+                </a:cxn>
+                <a:cxn ang="0">
+                  <a:pos x="connsiteX12" y="connsiteY12"/>
+                </a:cxn>
+                <a:cxn ang="0">
+                  <a:pos x="connsiteX13" y="connsiteY13"/>
+                </a:cxn>
+                <a:cxn ang="0">
+                  <a:pos x="connsiteX14" y="connsiteY14"/>
+                </a:cxn>
+                <a:cxn ang="0">
+                  <a:pos x="connsiteX15" y="connsiteY15"/>
+                </a:cxn>
+                <a:cxn ang="0">
+                  <a:pos x="connsiteX16" y="connsiteY16"/>
+                </a:cxn>
+                <a:cxn ang="0">
+                  <a:pos x="connsiteX17" y="connsiteY17"/>
+                </a:cxn>
+                <a:cxn ang="0">
+                  <a:pos x="connsiteX18" y="connsiteY18"/>
+                </a:cxn>
+                <a:cxn ang="0">
+                  <a:pos x="connsiteX19" y="connsiteY19"/>
+                </a:cxn>
+                <a:cxn ang="0">
+                  <a:pos x="connsiteX20" y="connsiteY20"/>
+                </a:cxn>
+                <a:cxn ang="0">
+                  <a:pos x="connsiteX21" y="connsiteY21"/>
+                </a:cxn>
+                <a:cxn ang="0">
+                  <a:pos x="connsiteX22" y="connsiteY22"/>
+                </a:cxn>
+                <a:cxn ang="0">
+                  <a:pos x="connsiteX23" y="connsiteY23"/>
+                </a:cxn>
+                <a:cxn ang="0">
+                  <a:pos x="connsiteX24" y="connsiteY24"/>
+                </a:cxn>
+                <a:cxn ang="0">
+                  <a:pos x="connsiteX25" y="connsiteY25"/>
+                </a:cxn>
+                <a:cxn ang="0">
+                  <a:pos x="connsiteX26" y="connsiteY26"/>
+                </a:cxn>
+                <a:cxn ang="0">
+                  <a:pos x="connsiteX27" y="connsiteY27"/>
+                </a:cxn>
+                <a:cxn ang="0">
+                  <a:pos x="connsiteX28" y="connsiteY28"/>
+                </a:cxn>
+                <a:cxn ang="0">
+                  <a:pos x="connsiteX29" y="connsiteY29"/>
+                </a:cxn>
+                <a:cxn ang="0">
+                  <a:pos x="connsiteX30" y="connsiteY30"/>
+                </a:cxn>
+                <a:cxn ang="0">
+                  <a:pos x="connsiteX31" y="connsiteY31"/>
+                </a:cxn>
+                <a:cxn ang="0">
+                  <a:pos x="connsiteX32" y="connsiteY32"/>
+                </a:cxn>
+              </a:cxnLst>
+              <a:rect l="l" t="t" r="r" b="b"/>
+              <a:pathLst>
+                <a:path w="1442896" h="834119">
+                  <a:moveTo>
+                    <a:pt x="52625" y="0"/>
+                  </a:moveTo>
+                  <a:lnTo>
+                    <a:pt x="1390271" y="0"/>
+                  </a:lnTo>
+                  <a:cubicBezTo>
+                    <a:pt x="1419335" y="0"/>
+                    <a:pt x="1442896" y="23561"/>
+                    <a:pt x="1442896" y="52625"/>
+                  </a:cubicBezTo>
+                  <a:lnTo>
+                    <a:pt x="1442896" y="188233"/>
+                  </a:lnTo>
+                  <a:lnTo>
+                    <a:pt x="1416072" y="188233"/>
+                  </a:lnTo>
+                  <a:cubicBezTo>
+                    <a:pt x="1411452" y="188233"/>
+                    <a:pt x="1407706" y="191979"/>
+                    <a:pt x="1407706" y="196599"/>
+                  </a:cubicBezTo>
+                  <a:lnTo>
+                    <a:pt x="1407706" y="230063"/>
+                  </a:lnTo>
+                  <a:cubicBezTo>
+                    <a:pt x="1407706" y="234683"/>
+                    <a:pt x="1411452" y="238429"/>
+                    <a:pt x="1416072" y="238429"/>
+                  </a:cubicBezTo>
+                  <a:lnTo>
+                    <a:pt x="1442896" y="238429"/>
+                  </a:lnTo>
+                  <a:lnTo>
+                    <a:pt x="1442896" y="595691"/>
+                  </a:lnTo>
+                  <a:lnTo>
+                    <a:pt x="1416072" y="595691"/>
+                  </a:lnTo>
+                  <a:cubicBezTo>
+                    <a:pt x="1411452" y="595691"/>
+                    <a:pt x="1407706" y="599437"/>
+                    <a:pt x="1407706" y="604057"/>
+                  </a:cubicBezTo>
+                  <a:lnTo>
+                    <a:pt x="1407706" y="637521"/>
+                  </a:lnTo>
+                  <a:cubicBezTo>
+                    <a:pt x="1407706" y="642141"/>
+                    <a:pt x="1411452" y="645887"/>
+                    <a:pt x="1416072" y="645887"/>
+                  </a:cubicBezTo>
+                  <a:lnTo>
+                    <a:pt x="1442896" y="645887"/>
+                  </a:lnTo>
+                  <a:lnTo>
+                    <a:pt x="1442896" y="781494"/>
+                  </a:lnTo>
+                  <a:cubicBezTo>
+                    <a:pt x="1442896" y="810558"/>
+                    <a:pt x="1419335" y="834119"/>
+                    <a:pt x="1390271" y="834119"/>
+                  </a:cubicBezTo>
+                  <a:lnTo>
+                    <a:pt x="52625" y="834119"/>
+                  </a:lnTo>
+                  <a:cubicBezTo>
+                    <a:pt x="23561" y="834119"/>
+                    <a:pt x="0" y="810558"/>
+                    <a:pt x="0" y="781494"/>
+                  </a:cubicBezTo>
+                  <a:lnTo>
+                    <a:pt x="0" y="645887"/>
+                  </a:lnTo>
+                  <a:lnTo>
+                    <a:pt x="29744" y="645887"/>
+                  </a:lnTo>
+                  <a:cubicBezTo>
+                    <a:pt x="34364" y="645887"/>
+                    <a:pt x="38110" y="642141"/>
+                    <a:pt x="38110" y="637521"/>
+                  </a:cubicBezTo>
+                  <a:lnTo>
+                    <a:pt x="38110" y="604057"/>
+                  </a:lnTo>
+                  <a:cubicBezTo>
+                    <a:pt x="38110" y="599437"/>
+                    <a:pt x="34364" y="595691"/>
+                    <a:pt x="29744" y="595691"/>
+                  </a:cubicBezTo>
+                  <a:lnTo>
+                    <a:pt x="0" y="595691"/>
+                  </a:lnTo>
+                  <a:lnTo>
+                    <a:pt x="0" y="238429"/>
+                  </a:lnTo>
+                  <a:lnTo>
+                    <a:pt x="29744" y="238429"/>
+                  </a:lnTo>
+                  <a:cubicBezTo>
+                    <a:pt x="34364" y="238429"/>
+                    <a:pt x="38110" y="234683"/>
+                    <a:pt x="38110" y="230063"/>
+                  </a:cubicBezTo>
+                  <a:lnTo>
+                    <a:pt x="38110" y="196599"/>
+                  </a:lnTo>
+                  <a:cubicBezTo>
+                    <a:pt x="38110" y="191979"/>
+                    <a:pt x="34364" y="188233"/>
+                    <a:pt x="29744" y="188233"/>
+                  </a:cubicBezTo>
+                  <a:lnTo>
+                    <a:pt x="0" y="188233"/>
+                  </a:lnTo>
+                  <a:lnTo>
+                    <a:pt x="0" y="52625"/>
+                  </a:lnTo>
+                  <a:cubicBezTo>
+                    <a:pt x="0" y="23561"/>
+                    <a:pt x="23561" y="0"/>
+                    <a:pt x="52625" y="0"/>
+                  </a:cubicBezTo>
+                  <a:close/>
+                </a:path>
+              </a:pathLst>
+            </a:custGeom>
+            <a:solidFill>
+              <a:schemeClr val="bg1">
+                <a:lumMod val="85000"/>
+              </a:schemeClr>
+            </a:solidFill>
+            <a:ln w="19050" cap="rnd">
+              <a:solidFill>
+                <a:schemeClr val="tx1"/>
+              </a:solidFill>
+              <a:round/>
+            </a:ln>
+          </p:spPr>
+          <p:style>
+            <a:lnRef idx="2">
+              <a:schemeClr val="accent1">
+                <a:shade val="50000"/>
+              </a:schemeClr>
+            </a:lnRef>
+            <a:fillRef idx="1">
+              <a:schemeClr val="accent1"/>
+            </a:fillRef>
+            <a:effectRef idx="0">
+              <a:schemeClr val="accent1"/>
+            </a:effectRef>
+            <a:fontRef idx="minor">
+              <a:schemeClr val="lt1"/>
+            </a:fontRef>
+          </p:style>
+          <p:txBody>
+            <a:bodyPr wrap="square" rtlCol="0" anchor="ctr">
+              <a:noAutofit/>
+            </a:bodyPr>
+            <a:lstStyle/>
+            <a:p>
+              <a:pPr algn="ctr"/>
+              <a:endParaRPr lang="en-US" sz="4400" dirty="0">
+                <a:cs typeface="Arial" panose="020B0604020202020204" pitchFamily="34" charset="0"/>
+              </a:endParaRPr>
+            </a:p>
+          </p:txBody>
+        </p:sp>
+        <p:sp>
+          <p:nvSpPr>
+            <p:cNvPr id="123" name="Rectangle: Rounded Corners 122">
+              <a:extLst>
+                <a:ext uri="{FF2B5EF4-FFF2-40B4-BE49-F238E27FC236}">
+                  <a16:creationId xmlns:a16="http://schemas.microsoft.com/office/drawing/2014/main" id="{1FEC597C-58DB-AEB9-8D6B-52B40C2D0557}"/>
+                </a:ext>
+              </a:extLst>
+            </p:cNvPr>
+            <p:cNvSpPr/>
+            <p:nvPr/>
+          </p:nvSpPr>
+          <p:spPr>
+            <a:xfrm>
+              <a:off x="4635281" y="4110794"/>
+              <a:ext cx="97714" cy="588983"/>
+            </a:xfrm>
+            <a:prstGeom prst="roundRect">
+              <a:avLst>
+                <a:gd name="adj" fmla="val 9220"/>
+              </a:avLst>
+            </a:prstGeom>
+            <a:solidFill>
+              <a:schemeClr val="bg1">
+                <a:lumMod val="50000"/>
+              </a:schemeClr>
+            </a:solidFill>
+            <a:ln w="19050">
+              <a:solidFill>
+                <a:schemeClr val="tx1"/>
+              </a:solidFill>
+            </a:ln>
+          </p:spPr>
+          <p:style>
+            <a:lnRef idx="2">
+              <a:schemeClr val="accent1">
+                <a:shade val="50000"/>
+              </a:schemeClr>
+            </a:lnRef>
+            <a:fillRef idx="1">
+              <a:schemeClr val="accent1"/>
+            </a:fillRef>
+            <a:effectRef idx="0">
+              <a:schemeClr val="accent1"/>
+            </a:effectRef>
+            <a:fontRef idx="minor">
+              <a:schemeClr val="lt1"/>
+            </a:fontRef>
+          </p:style>
+          <p:txBody>
+            <a:bodyPr rtlCol="0" anchor="ctr"/>
+            <a:lstStyle/>
+            <a:p>
+              <a:pPr algn="ctr"/>
+              <a:endParaRPr lang="en-US" sz="4400" dirty="0">
+                <a:cs typeface="Arial" panose="020B0604020202020204" pitchFamily="34" charset="0"/>
+              </a:endParaRPr>
+            </a:p>
+          </p:txBody>
+        </p:sp>
+        <p:sp>
+          <p:nvSpPr>
+            <p:cNvPr id="124" name="Rectangle: Rounded Corners 123">
+              <a:extLst>
+                <a:ext uri="{FF2B5EF4-FFF2-40B4-BE49-F238E27FC236}">
+                  <a16:creationId xmlns:a16="http://schemas.microsoft.com/office/drawing/2014/main" id="{AF3147FE-4A8B-4710-4E9A-7C2074F74667}"/>
+                </a:ext>
+              </a:extLst>
+            </p:cNvPr>
+            <p:cNvSpPr/>
+            <p:nvPr/>
+          </p:nvSpPr>
+          <p:spPr>
+            <a:xfrm>
+              <a:off x="5821145" y="4110794"/>
+              <a:ext cx="97714" cy="588983"/>
+            </a:xfrm>
+            <a:prstGeom prst="roundRect">
+              <a:avLst>
+                <a:gd name="adj" fmla="val 9220"/>
+              </a:avLst>
+            </a:prstGeom>
+            <a:solidFill>
+              <a:schemeClr val="bg1">
+                <a:lumMod val="50000"/>
+              </a:schemeClr>
+            </a:solidFill>
+            <a:ln w="19050">
+              <a:solidFill>
+                <a:schemeClr val="tx1"/>
+              </a:solidFill>
+            </a:ln>
+          </p:spPr>
+          <p:style>
+            <a:lnRef idx="2">
+              <a:schemeClr val="accent1">
+                <a:shade val="50000"/>
+              </a:schemeClr>
+            </a:lnRef>
+            <a:fillRef idx="1">
+              <a:schemeClr val="accent1"/>
+            </a:fillRef>
+            <a:effectRef idx="0">
+              <a:schemeClr val="accent1"/>
+            </a:effectRef>
+            <a:fontRef idx="minor">
+              <a:schemeClr val="lt1"/>
+            </a:fontRef>
+          </p:style>
+          <p:txBody>
+            <a:bodyPr rtlCol="0" anchor="ctr"/>
+            <a:lstStyle/>
+            <a:p>
+              <a:pPr algn="ctr"/>
+              <a:endParaRPr lang="en-US" sz="4400" dirty="0">
+                <a:cs typeface="Arial" panose="020B0604020202020204" pitchFamily="34" charset="0"/>
+              </a:endParaRPr>
+            </a:p>
+          </p:txBody>
+        </p:sp>
+        <p:grpSp>
+          <p:nvGrpSpPr>
+            <p:cNvPr id="93" name="Group 92">
+              <a:extLst>
+                <a:ext uri="{FF2B5EF4-FFF2-40B4-BE49-F238E27FC236}">
+                  <a16:creationId xmlns:a16="http://schemas.microsoft.com/office/drawing/2014/main" id="{B02B36F0-C445-750B-7899-3D71338D8F0A}"/>
+                </a:ext>
+              </a:extLst>
+            </p:cNvPr>
+            <p:cNvGrpSpPr/>
+            <p:nvPr/>
+          </p:nvGrpSpPr>
+          <p:grpSpPr>
+            <a:xfrm>
+              <a:off x="5130926" y="4188476"/>
+              <a:ext cx="452736" cy="267863"/>
+              <a:chOff x="5114611" y="4206770"/>
+              <a:chExt cx="452736" cy="267863"/>
+            </a:xfrm>
+          </p:grpSpPr>
+          <p:sp>
+            <p:nvSpPr>
+              <p:cNvPr id="125" name="Rectangle: Rounded Corners 124">
+                <a:extLst>
+                  <a:ext uri="{FF2B5EF4-FFF2-40B4-BE49-F238E27FC236}">
+                    <a16:creationId xmlns:a16="http://schemas.microsoft.com/office/drawing/2014/main" id="{C532BF84-408D-B22C-D8BD-246B640CE4F6}"/>
+                  </a:ext>
+                </a:extLst>
+              </p:cNvPr>
+              <p:cNvSpPr/>
+              <p:nvPr/>
+            </p:nvSpPr>
+            <p:spPr>
+              <a:xfrm>
+                <a:off x="5114611" y="4206770"/>
+                <a:ext cx="452736" cy="267863"/>
+              </a:xfrm>
+              <a:prstGeom prst="roundRect">
+                <a:avLst>
+                  <a:gd name="adj" fmla="val 6849"/>
+                </a:avLst>
+              </a:prstGeom>
+              <a:solidFill>
+                <a:schemeClr val="bg1"/>
+              </a:solidFill>
+              <a:ln w="19050">
+                <a:solidFill>
+                  <a:schemeClr val="tx1"/>
+                </a:solidFill>
+              </a:ln>
+            </p:spPr>
+            <p:style>
+              <a:lnRef idx="2">
+                <a:schemeClr val="accent1">
+                  <a:shade val="50000"/>
+                </a:schemeClr>
+              </a:lnRef>
+              <a:fillRef idx="1">
+                <a:schemeClr val="accent1"/>
+              </a:fillRef>
+              <a:effectRef idx="0">
+                <a:schemeClr val="accent1"/>
+              </a:effectRef>
+              <a:fontRef idx="minor">
+                <a:schemeClr val="lt1"/>
+              </a:fontRef>
+            </p:style>
+            <p:txBody>
+              <a:bodyPr rtlCol="0" anchor="ctr"/>
+              <a:lstStyle/>
+              <a:p>
+                <a:pPr algn="ctr"/>
+                <a:endParaRPr lang="en-US" sz="4400">
+                  <a:cs typeface="Arial" panose="020B0604020202020204" pitchFamily="34" charset="0"/>
+                </a:endParaRPr>
+              </a:p>
+            </p:txBody>
+          </p:sp>
+          <p:grpSp>
+            <p:nvGrpSpPr>
+              <p:cNvPr id="88" name="Group 87">
+                <a:extLst>
+                  <a:ext uri="{FF2B5EF4-FFF2-40B4-BE49-F238E27FC236}">
+                    <a16:creationId xmlns:a16="http://schemas.microsoft.com/office/drawing/2014/main" id="{802B817F-4CB9-638C-BB2F-943920BD8ABF}"/>
+                  </a:ext>
+                </a:extLst>
+              </p:cNvPr>
+              <p:cNvGrpSpPr/>
+              <p:nvPr/>
+            </p:nvGrpSpPr>
+            <p:grpSpPr>
+              <a:xfrm>
+                <a:off x="5147936" y="4247572"/>
+                <a:ext cx="386090" cy="186258"/>
+                <a:chOff x="5147936" y="4243925"/>
+                <a:chExt cx="386090" cy="186258"/>
+              </a:xfrm>
+            </p:grpSpPr>
+            <p:grpSp>
+              <p:nvGrpSpPr>
+                <p:cNvPr id="127" name="Group 126">
+                  <a:extLst>
+                    <a:ext uri="{FF2B5EF4-FFF2-40B4-BE49-F238E27FC236}">
+                      <a16:creationId xmlns:a16="http://schemas.microsoft.com/office/drawing/2014/main" id="{E0F49A2E-8556-0ABC-7458-35F720760E71}"/>
+                    </a:ext>
+                  </a:extLst>
+                </p:cNvPr>
+                <p:cNvGrpSpPr/>
+                <p:nvPr/>
+              </p:nvGrpSpPr>
+              <p:grpSpPr>
+                <a:xfrm>
+                  <a:off x="5147936" y="4243925"/>
+                  <a:ext cx="386088" cy="71830"/>
+                  <a:chOff x="9525334" y="1429236"/>
+                  <a:chExt cx="397008" cy="71254"/>
+                </a:xfrm>
+                <a:solidFill>
+                  <a:srgbClr val="66BFE2"/>
+                </a:solidFill>
+              </p:grpSpPr>
+              <p:sp>
+                <p:nvSpPr>
+                  <p:cNvPr id="261" name="Rectangle 260">
+                    <a:extLst>
+                      <a:ext uri="{FF2B5EF4-FFF2-40B4-BE49-F238E27FC236}">
+                        <a16:creationId xmlns:a16="http://schemas.microsoft.com/office/drawing/2014/main" id="{FD3D8038-48FD-19E3-4E92-3E1C72D4D068}"/>
+                      </a:ext>
+                    </a:extLst>
+                  </p:cNvPr>
+                  <p:cNvSpPr/>
+                  <p:nvPr/>
+                </p:nvSpPr>
+                <p:spPr>
+                  <a:xfrm>
+                    <a:off x="9525334" y="1429236"/>
+                    <a:ext cx="67935" cy="71254"/>
+                  </a:xfrm>
+                  <a:prstGeom prst="rect">
+                    <a:avLst/>
+                  </a:prstGeom>
+                  <a:grpFill/>
+                  <a:ln w="19050" cap="rnd">
+                    <a:solidFill>
+                      <a:schemeClr val="tx1"/>
+                    </a:solidFill>
+                    <a:round/>
+                  </a:ln>
+                </p:spPr>
+                <p:style>
+                  <a:lnRef idx="2">
+                    <a:schemeClr val="accent1">
+                      <a:shade val="50000"/>
+                    </a:schemeClr>
+                  </a:lnRef>
+                  <a:fillRef idx="1">
+                    <a:schemeClr val="accent1"/>
+                  </a:fillRef>
+                  <a:effectRef idx="0">
+                    <a:schemeClr val="accent1"/>
+                  </a:effectRef>
+                  <a:fontRef idx="minor">
+                    <a:schemeClr val="lt1"/>
+                  </a:fontRef>
+                </p:style>
+                <p:txBody>
+                  <a:bodyPr rtlCol="0" anchor="ctr"/>
+                  <a:lstStyle/>
+                  <a:p>
+                    <a:pPr algn="ctr"/>
+                    <a:endParaRPr lang="en-US" sz="4400">
+                      <a:cs typeface="Arial" panose="020B0604020202020204" pitchFamily="34" charset="0"/>
+                    </a:endParaRPr>
+                  </a:p>
+                </p:txBody>
+              </p:sp>
+              <p:sp>
+                <p:nvSpPr>
+                  <p:cNvPr id="262" name="Rectangle 261">
+                    <a:extLst>
+                      <a:ext uri="{FF2B5EF4-FFF2-40B4-BE49-F238E27FC236}">
+                        <a16:creationId xmlns:a16="http://schemas.microsoft.com/office/drawing/2014/main" id="{286EAB5D-6BFD-6600-52FC-4C4853ABA4C2}"/>
+                      </a:ext>
+                    </a:extLst>
+                  </p:cNvPr>
+                  <p:cNvSpPr/>
+                  <p:nvPr/>
+                </p:nvSpPr>
+                <p:spPr>
+                  <a:xfrm>
+                    <a:off x="9635025" y="1429236"/>
+                    <a:ext cx="67935" cy="71254"/>
+                  </a:xfrm>
+                  <a:prstGeom prst="rect">
+                    <a:avLst/>
+                  </a:prstGeom>
+                  <a:grpFill/>
+                  <a:ln w="19050" cap="rnd">
+                    <a:solidFill>
+                      <a:schemeClr val="tx1"/>
+                    </a:solidFill>
+                    <a:round/>
+                  </a:ln>
+                </p:spPr>
+                <p:style>
+                  <a:lnRef idx="2">
+                    <a:schemeClr val="accent1">
+                      <a:shade val="50000"/>
+                    </a:schemeClr>
+                  </a:lnRef>
+                  <a:fillRef idx="1">
+                    <a:schemeClr val="accent1"/>
+                  </a:fillRef>
+                  <a:effectRef idx="0">
+                    <a:schemeClr val="accent1"/>
+                  </a:effectRef>
+                  <a:fontRef idx="minor">
+                    <a:schemeClr val="lt1"/>
+                  </a:fontRef>
+                </p:style>
+                <p:txBody>
+                  <a:bodyPr rtlCol="0" anchor="ctr"/>
+                  <a:lstStyle/>
+                  <a:p>
+                    <a:pPr algn="ctr"/>
+                    <a:endParaRPr lang="en-US" sz="4400">
+                      <a:cs typeface="Arial" panose="020B0604020202020204" pitchFamily="34" charset="0"/>
+                    </a:endParaRPr>
+                  </a:p>
+                </p:txBody>
+              </p:sp>
+              <p:sp>
+                <p:nvSpPr>
+                  <p:cNvPr id="263" name="Rectangle 262">
+                    <a:extLst>
+                      <a:ext uri="{FF2B5EF4-FFF2-40B4-BE49-F238E27FC236}">
+                        <a16:creationId xmlns:a16="http://schemas.microsoft.com/office/drawing/2014/main" id="{AF47225A-1180-4476-D3B0-37693A645F2B}"/>
+                      </a:ext>
+                    </a:extLst>
+                  </p:cNvPr>
+                  <p:cNvSpPr/>
+                  <p:nvPr/>
+                </p:nvSpPr>
+                <p:spPr>
+                  <a:xfrm>
+                    <a:off x="9744716" y="1429236"/>
+                    <a:ext cx="67935" cy="71254"/>
+                  </a:xfrm>
+                  <a:prstGeom prst="rect">
+                    <a:avLst/>
+                  </a:prstGeom>
+                  <a:grpFill/>
+                  <a:ln w="19050" cap="rnd">
+                    <a:solidFill>
+                      <a:schemeClr val="tx1"/>
+                    </a:solidFill>
+                    <a:round/>
+                  </a:ln>
+                </p:spPr>
+                <p:style>
+                  <a:lnRef idx="2">
+                    <a:schemeClr val="accent1">
+                      <a:shade val="50000"/>
+                    </a:schemeClr>
+                  </a:lnRef>
+                  <a:fillRef idx="1">
+                    <a:schemeClr val="accent1"/>
+                  </a:fillRef>
+                  <a:effectRef idx="0">
+                    <a:schemeClr val="accent1"/>
+                  </a:effectRef>
+                  <a:fontRef idx="minor">
+                    <a:schemeClr val="lt1"/>
+                  </a:fontRef>
+                </p:style>
+                <p:txBody>
+                  <a:bodyPr rtlCol="0" anchor="ctr"/>
+                  <a:lstStyle/>
+                  <a:p>
+                    <a:pPr algn="ctr"/>
+                    <a:endParaRPr lang="en-US" sz="4400">
+                      <a:cs typeface="Arial" panose="020B0604020202020204" pitchFamily="34" charset="0"/>
+                    </a:endParaRPr>
+                  </a:p>
+                </p:txBody>
+              </p:sp>
+              <p:sp>
+                <p:nvSpPr>
+                  <p:cNvPr id="264" name="Rectangle 263">
+                    <a:extLst>
+                      <a:ext uri="{FF2B5EF4-FFF2-40B4-BE49-F238E27FC236}">
+                        <a16:creationId xmlns:a16="http://schemas.microsoft.com/office/drawing/2014/main" id="{E79DC771-D938-3E33-2FAB-94DFC22FCD3B}"/>
+                      </a:ext>
+                    </a:extLst>
+                  </p:cNvPr>
+                  <p:cNvSpPr/>
+                  <p:nvPr/>
+                </p:nvSpPr>
+                <p:spPr>
+                  <a:xfrm>
+                    <a:off x="9854407" y="1429236"/>
+                    <a:ext cx="67935" cy="71254"/>
+                  </a:xfrm>
+                  <a:prstGeom prst="rect">
+                    <a:avLst/>
+                  </a:prstGeom>
+                  <a:grpFill/>
+                  <a:ln w="19050" cap="rnd">
+                    <a:solidFill>
+                      <a:schemeClr val="tx1"/>
+                    </a:solidFill>
+                    <a:round/>
+                  </a:ln>
+                </p:spPr>
+                <p:style>
+                  <a:lnRef idx="2">
+                    <a:schemeClr val="accent1">
+                      <a:shade val="50000"/>
+                    </a:schemeClr>
+                  </a:lnRef>
+                  <a:fillRef idx="1">
+                    <a:schemeClr val="accent1"/>
+                  </a:fillRef>
+                  <a:effectRef idx="0">
+                    <a:schemeClr val="accent1"/>
+                  </a:effectRef>
+                  <a:fontRef idx="minor">
+                    <a:schemeClr val="lt1"/>
+                  </a:fontRef>
+                </p:style>
+                <p:txBody>
+                  <a:bodyPr rtlCol="0" anchor="ctr"/>
+                  <a:lstStyle/>
+                  <a:p>
+                    <a:pPr algn="ctr"/>
+                    <a:endParaRPr lang="en-US" sz="4400">
+                      <a:cs typeface="Arial" panose="020B0604020202020204" pitchFamily="34" charset="0"/>
+                    </a:endParaRPr>
+                  </a:p>
+                </p:txBody>
+              </p:sp>
+            </p:grpSp>
+            <p:grpSp>
+              <p:nvGrpSpPr>
+                <p:cNvPr id="256" name="Group 255">
+                  <a:extLst>
+                    <a:ext uri="{FF2B5EF4-FFF2-40B4-BE49-F238E27FC236}">
+                      <a16:creationId xmlns:a16="http://schemas.microsoft.com/office/drawing/2014/main" id="{16FEEB6F-547E-6941-D6EA-A714C315A2BE}"/>
+                    </a:ext>
+                  </a:extLst>
+                </p:cNvPr>
+                <p:cNvGrpSpPr/>
+                <p:nvPr/>
+              </p:nvGrpSpPr>
+              <p:grpSpPr>
+                <a:xfrm>
+                  <a:off x="5147936" y="4358353"/>
+                  <a:ext cx="386090" cy="71830"/>
+                  <a:chOff x="9525334" y="1429236"/>
+                  <a:chExt cx="397009" cy="71254"/>
+                </a:xfrm>
+                <a:solidFill>
+                  <a:srgbClr val="66BFE2"/>
+                </a:solidFill>
+              </p:grpSpPr>
+              <p:sp>
+                <p:nvSpPr>
+                  <p:cNvPr id="257" name="Rectangle 256">
+                    <a:extLst>
+                      <a:ext uri="{FF2B5EF4-FFF2-40B4-BE49-F238E27FC236}">
+                        <a16:creationId xmlns:a16="http://schemas.microsoft.com/office/drawing/2014/main" id="{F2C43EC1-475D-5910-95EF-2BEFCF450B0D}"/>
+                      </a:ext>
+                    </a:extLst>
+                  </p:cNvPr>
+                  <p:cNvSpPr/>
+                  <p:nvPr/>
+                </p:nvSpPr>
+                <p:spPr>
+                  <a:xfrm>
+                    <a:off x="9525334" y="1429236"/>
+                    <a:ext cx="67935" cy="71254"/>
+                  </a:xfrm>
+                  <a:prstGeom prst="rect">
+                    <a:avLst/>
+                  </a:prstGeom>
+                  <a:grpFill/>
+                  <a:ln w="19050" cap="rnd">
+                    <a:solidFill>
+                      <a:schemeClr val="tx1"/>
+                    </a:solidFill>
+                    <a:round/>
+                  </a:ln>
+                </p:spPr>
+                <p:style>
+                  <a:lnRef idx="2">
+                    <a:schemeClr val="accent1">
+                      <a:shade val="50000"/>
+                    </a:schemeClr>
+                  </a:lnRef>
+                  <a:fillRef idx="1">
+                    <a:schemeClr val="accent1"/>
+                  </a:fillRef>
+                  <a:effectRef idx="0">
+                    <a:schemeClr val="accent1"/>
+                  </a:effectRef>
+                  <a:fontRef idx="minor">
+                    <a:schemeClr val="lt1"/>
+                  </a:fontRef>
+                </p:style>
+                <p:txBody>
+                  <a:bodyPr rtlCol="0" anchor="ctr"/>
+                  <a:lstStyle/>
+                  <a:p>
+                    <a:pPr algn="ctr"/>
+                    <a:endParaRPr lang="en-US" sz="4400">
+                      <a:cs typeface="Arial" panose="020B0604020202020204" pitchFamily="34" charset="0"/>
+                    </a:endParaRPr>
+                  </a:p>
+                </p:txBody>
+              </p:sp>
+              <p:sp>
+                <p:nvSpPr>
+                  <p:cNvPr id="258" name="Rectangle 257">
+                    <a:extLst>
+                      <a:ext uri="{FF2B5EF4-FFF2-40B4-BE49-F238E27FC236}">
+                        <a16:creationId xmlns:a16="http://schemas.microsoft.com/office/drawing/2014/main" id="{B3BA9432-991C-D0E2-7C19-1C60D7300060}"/>
+                      </a:ext>
+                    </a:extLst>
+                  </p:cNvPr>
+                  <p:cNvSpPr/>
+                  <p:nvPr/>
+                </p:nvSpPr>
+                <p:spPr>
+                  <a:xfrm>
+                    <a:off x="9635025" y="1429236"/>
+                    <a:ext cx="67935" cy="71254"/>
+                  </a:xfrm>
+                  <a:prstGeom prst="rect">
+                    <a:avLst/>
+                  </a:prstGeom>
+                  <a:grpFill/>
+                  <a:ln w="19050" cap="rnd">
+                    <a:solidFill>
+                      <a:schemeClr val="tx1"/>
+                    </a:solidFill>
+                    <a:round/>
+                  </a:ln>
+                </p:spPr>
+                <p:style>
+                  <a:lnRef idx="2">
+                    <a:schemeClr val="accent1">
+                      <a:shade val="50000"/>
+                    </a:schemeClr>
+                  </a:lnRef>
+                  <a:fillRef idx="1">
+                    <a:schemeClr val="accent1"/>
+                  </a:fillRef>
+                  <a:effectRef idx="0">
+                    <a:schemeClr val="accent1"/>
+                  </a:effectRef>
+                  <a:fontRef idx="minor">
+                    <a:schemeClr val="lt1"/>
+                  </a:fontRef>
+                </p:style>
+                <p:txBody>
+                  <a:bodyPr rtlCol="0" anchor="ctr"/>
+                  <a:lstStyle/>
+                  <a:p>
+                    <a:pPr algn="ctr"/>
+                    <a:endParaRPr lang="en-US" sz="4400">
+                      <a:cs typeface="Arial" panose="020B0604020202020204" pitchFamily="34" charset="0"/>
+                    </a:endParaRPr>
+                  </a:p>
+                </p:txBody>
+              </p:sp>
+              <p:sp>
+                <p:nvSpPr>
+                  <p:cNvPr id="259" name="Rectangle 258">
+                    <a:extLst>
+                      <a:ext uri="{FF2B5EF4-FFF2-40B4-BE49-F238E27FC236}">
+                        <a16:creationId xmlns:a16="http://schemas.microsoft.com/office/drawing/2014/main" id="{22EC4B60-BFD4-C41D-AB62-06EC5D748CF8}"/>
+                      </a:ext>
+                    </a:extLst>
+                  </p:cNvPr>
+                  <p:cNvSpPr/>
+                  <p:nvPr/>
+                </p:nvSpPr>
+                <p:spPr>
+                  <a:xfrm>
+                    <a:off x="9744716" y="1429236"/>
+                    <a:ext cx="67935" cy="71254"/>
+                  </a:xfrm>
+                  <a:prstGeom prst="rect">
+                    <a:avLst/>
+                  </a:prstGeom>
+                  <a:grpFill/>
+                  <a:ln w="19050" cap="rnd">
+                    <a:solidFill>
+                      <a:schemeClr val="tx1"/>
+                    </a:solidFill>
+                    <a:round/>
+                  </a:ln>
+                </p:spPr>
+                <p:style>
+                  <a:lnRef idx="2">
+                    <a:schemeClr val="accent1">
+                      <a:shade val="50000"/>
+                    </a:schemeClr>
+                  </a:lnRef>
+                  <a:fillRef idx="1">
+                    <a:schemeClr val="accent1"/>
+                  </a:fillRef>
+                  <a:effectRef idx="0">
+                    <a:schemeClr val="accent1"/>
+                  </a:effectRef>
+                  <a:fontRef idx="minor">
+                    <a:schemeClr val="lt1"/>
+                  </a:fontRef>
+                </p:style>
+                <p:txBody>
+                  <a:bodyPr rtlCol="0" anchor="ctr"/>
+                  <a:lstStyle/>
+                  <a:p>
+                    <a:pPr algn="ctr"/>
+                    <a:endParaRPr lang="en-US" sz="4400">
+                      <a:cs typeface="Arial" panose="020B0604020202020204" pitchFamily="34" charset="0"/>
+                    </a:endParaRPr>
+                  </a:p>
+                </p:txBody>
+              </p:sp>
+              <p:sp>
+                <p:nvSpPr>
+                  <p:cNvPr id="260" name="Rectangle 259">
+                    <a:extLst>
+                      <a:ext uri="{FF2B5EF4-FFF2-40B4-BE49-F238E27FC236}">
+                        <a16:creationId xmlns:a16="http://schemas.microsoft.com/office/drawing/2014/main" id="{9E8008A2-406C-28D6-A6AA-E535E728D07A}"/>
+                      </a:ext>
+                    </a:extLst>
+                  </p:cNvPr>
+                  <p:cNvSpPr/>
+                  <p:nvPr/>
+                </p:nvSpPr>
+                <p:spPr>
+                  <a:xfrm>
+                    <a:off x="9854408" y="1429236"/>
+                    <a:ext cx="67935" cy="71254"/>
+                  </a:xfrm>
+                  <a:prstGeom prst="rect">
+                    <a:avLst/>
+                  </a:prstGeom>
+                  <a:grpFill/>
+                  <a:ln w="19050" cap="rnd">
+                    <a:solidFill>
+                      <a:schemeClr val="tx1"/>
+                    </a:solidFill>
+                    <a:round/>
+                  </a:ln>
+                </p:spPr>
+                <p:style>
+                  <a:lnRef idx="2">
+                    <a:schemeClr val="accent1">
+                      <a:shade val="50000"/>
+                    </a:schemeClr>
+                  </a:lnRef>
+                  <a:fillRef idx="1">
+                    <a:schemeClr val="accent1"/>
+                  </a:fillRef>
+                  <a:effectRef idx="0">
+                    <a:schemeClr val="accent1"/>
+                  </a:effectRef>
+                  <a:fontRef idx="minor">
+                    <a:schemeClr val="lt1"/>
+                  </a:fontRef>
+                </p:style>
+                <p:txBody>
+                  <a:bodyPr rtlCol="0" anchor="ctr"/>
+                  <a:lstStyle/>
+                  <a:p>
+                    <a:pPr algn="ctr"/>
+                    <a:endParaRPr lang="en-US" sz="4400">
+                      <a:cs typeface="Arial" panose="020B0604020202020204" pitchFamily="34" charset="0"/>
+                    </a:endParaRPr>
+                  </a:p>
+                </p:txBody>
+              </p:sp>
+            </p:grpSp>
+          </p:grpSp>
+        </p:grpSp>
+        <p:grpSp>
+          <p:nvGrpSpPr>
+            <p:cNvPr id="265" name="Group 264">
+              <a:extLst>
+                <a:ext uri="{FF2B5EF4-FFF2-40B4-BE49-F238E27FC236}">
+                  <a16:creationId xmlns:a16="http://schemas.microsoft.com/office/drawing/2014/main" id="{C6C36D85-BB4D-6C6A-92CF-B57E2380ED29}"/>
+                </a:ext>
+              </a:extLst>
+            </p:cNvPr>
+            <p:cNvGrpSpPr/>
+            <p:nvPr/>
+          </p:nvGrpSpPr>
+          <p:grpSpPr>
+            <a:xfrm>
+              <a:off x="5641070" y="4191148"/>
+              <a:ext cx="109188" cy="428275"/>
+              <a:chOff x="10032790" y="1432486"/>
+              <a:chExt cx="109188" cy="428275"/>
+            </a:xfrm>
+          </p:grpSpPr>
+          <p:sp>
+            <p:nvSpPr>
+              <p:cNvPr id="266" name="Oval 265">
+                <a:extLst>
+                  <a:ext uri="{FF2B5EF4-FFF2-40B4-BE49-F238E27FC236}">
+                    <a16:creationId xmlns:a16="http://schemas.microsoft.com/office/drawing/2014/main" id="{F0966D9E-0866-6617-9B9B-6E60BC6483FB}"/>
+                  </a:ext>
+                </a:extLst>
+              </p:cNvPr>
+              <p:cNvSpPr/>
+              <p:nvPr/>
+            </p:nvSpPr>
+            <p:spPr>
+              <a:xfrm>
+                <a:off x="10032790" y="1432486"/>
+                <a:ext cx="109188" cy="109188"/>
+              </a:xfrm>
+              <a:prstGeom prst="ellipse">
+                <a:avLst/>
+              </a:prstGeom>
+              <a:solidFill>
+                <a:schemeClr val="bg1">
+                  <a:lumMod val="95000"/>
+                </a:schemeClr>
+              </a:solidFill>
+              <a:ln w="19050">
+                <a:solidFill>
+                  <a:schemeClr val="tx1"/>
+                </a:solidFill>
+              </a:ln>
+            </p:spPr>
+            <p:style>
+              <a:lnRef idx="2">
+                <a:schemeClr val="accent1">
+                  <a:shade val="50000"/>
+                </a:schemeClr>
+              </a:lnRef>
+              <a:fillRef idx="1">
+                <a:schemeClr val="accent1"/>
+              </a:fillRef>
+              <a:effectRef idx="0">
+                <a:schemeClr val="accent1"/>
+              </a:effectRef>
+              <a:fontRef idx="minor">
+                <a:schemeClr val="lt1"/>
+              </a:fontRef>
+            </p:style>
+            <p:txBody>
+              <a:bodyPr wrap="square" rtlCol="0" anchor="ctr">
+                <a:noAutofit/>
+              </a:bodyPr>
+              <a:lstStyle/>
+              <a:p>
+                <a:pPr algn="ctr"/>
+                <a:endParaRPr lang="en-CA" sz="6600">
+                  <a:cs typeface="Arial" panose="020B0604020202020204" pitchFamily="34" charset="0"/>
+                </a:endParaRPr>
+              </a:p>
+            </p:txBody>
+          </p:sp>
+          <p:cxnSp>
+            <p:nvCxnSpPr>
+              <p:cNvPr id="267" name="Straight Connector 266">
+                <a:extLst>
+                  <a:ext uri="{FF2B5EF4-FFF2-40B4-BE49-F238E27FC236}">
+                    <a16:creationId xmlns:a16="http://schemas.microsoft.com/office/drawing/2014/main" id="{AE9FCE41-4B24-A6BA-2DBE-390C06992418}"/>
+                  </a:ext>
+                </a:extLst>
+              </p:cNvPr>
+              <p:cNvCxnSpPr>
+                <a:cxnSpLocks/>
+              </p:cNvCxnSpPr>
+              <p:nvPr/>
+            </p:nvCxnSpPr>
+            <p:spPr>
+              <a:xfrm flipV="1">
+                <a:off x="10087384" y="1602252"/>
+                <a:ext cx="0" cy="45817"/>
+              </a:xfrm>
+              <a:prstGeom prst="line">
+                <a:avLst/>
+              </a:prstGeom>
+              <a:ln w="19050" cap="rnd">
+                <a:solidFill>
+                  <a:schemeClr val="tx1"/>
+                </a:solidFill>
+              </a:ln>
+            </p:spPr>
+            <p:style>
+              <a:lnRef idx="1">
+                <a:schemeClr val="accent1"/>
+              </a:lnRef>
+              <a:fillRef idx="0">
+                <a:schemeClr val="accent1"/>
+              </a:fillRef>
+              <a:effectRef idx="0">
+                <a:schemeClr val="accent1"/>
+              </a:effectRef>
+              <a:fontRef idx="minor">
+                <a:schemeClr val="tx1"/>
+              </a:fontRef>
+            </p:style>
+          </p:cxnSp>
+          <p:cxnSp>
+            <p:nvCxnSpPr>
+              <p:cNvPr id="268" name="Straight Connector 267">
+                <a:extLst>
+                  <a:ext uri="{FF2B5EF4-FFF2-40B4-BE49-F238E27FC236}">
+                    <a16:creationId xmlns:a16="http://schemas.microsoft.com/office/drawing/2014/main" id="{9C42B63C-A5C5-6B05-8650-E83850A3729C}"/>
+                  </a:ext>
+                </a:extLst>
+              </p:cNvPr>
+              <p:cNvCxnSpPr>
+                <a:cxnSpLocks/>
+              </p:cNvCxnSpPr>
+              <p:nvPr/>
+            </p:nvCxnSpPr>
+            <p:spPr>
+              <a:xfrm flipV="1">
+                <a:off x="10087384" y="1708647"/>
+                <a:ext cx="0" cy="45817"/>
+              </a:xfrm>
+              <a:prstGeom prst="line">
+                <a:avLst/>
+              </a:prstGeom>
+              <a:ln w="19050" cap="rnd">
+                <a:solidFill>
+                  <a:schemeClr val="tx1"/>
+                </a:solidFill>
+              </a:ln>
+            </p:spPr>
+            <p:style>
+              <a:lnRef idx="1">
+                <a:schemeClr val="accent1"/>
+              </a:lnRef>
+              <a:fillRef idx="0">
+                <a:schemeClr val="accent1"/>
+              </a:fillRef>
+              <a:effectRef idx="0">
+                <a:schemeClr val="accent1"/>
+              </a:effectRef>
+              <a:fontRef idx="minor">
+                <a:schemeClr val="tx1"/>
+              </a:fontRef>
+            </p:style>
+          </p:cxnSp>
+          <p:sp>
+            <p:nvSpPr>
+              <p:cNvPr id="269" name="Rectangle: Rounded Corners 268">
+                <a:extLst>
+                  <a:ext uri="{FF2B5EF4-FFF2-40B4-BE49-F238E27FC236}">
+                    <a16:creationId xmlns:a16="http://schemas.microsoft.com/office/drawing/2014/main" id="{6E35615C-3FD0-3560-3BA7-2A0EDF1E1E85}"/>
+                  </a:ext>
+                </a:extLst>
+              </p:cNvPr>
+              <p:cNvSpPr/>
+              <p:nvPr/>
+            </p:nvSpPr>
+            <p:spPr>
+              <a:xfrm>
+                <a:off x="10064525" y="1815042"/>
+                <a:ext cx="45719" cy="45719"/>
+              </a:xfrm>
+              <a:prstGeom prst="roundRect">
+                <a:avLst/>
+              </a:prstGeom>
+              <a:solidFill>
+                <a:schemeClr val="bg1">
+                  <a:lumMod val="95000"/>
+                </a:schemeClr>
+              </a:solidFill>
+              <a:ln w="19050">
+                <a:solidFill>
+                  <a:schemeClr val="tx1"/>
+                </a:solidFill>
+              </a:ln>
+            </p:spPr>
+            <p:style>
+              <a:lnRef idx="2">
+                <a:schemeClr val="accent1">
+                  <a:shade val="50000"/>
+                </a:schemeClr>
+              </a:lnRef>
+              <a:fillRef idx="1">
+                <a:schemeClr val="accent1"/>
+              </a:fillRef>
+              <a:effectRef idx="0">
+                <a:schemeClr val="accent1"/>
+              </a:effectRef>
+              <a:fontRef idx="minor">
+                <a:schemeClr val="lt1"/>
+              </a:fontRef>
+            </p:style>
+            <p:txBody>
+              <a:bodyPr wrap="square" rtlCol="0" anchor="ctr">
+                <a:noAutofit/>
+              </a:bodyPr>
+              <a:lstStyle/>
+              <a:p>
+                <a:pPr algn="ctr"/>
+                <a:endParaRPr lang="en-CA" sz="6600">
+                  <a:cs typeface="Arial" panose="020B0604020202020204" pitchFamily="34" charset="0"/>
+                </a:endParaRPr>
+              </a:p>
+            </p:txBody>
+          </p:sp>
+        </p:grpSp>
+        <p:sp>
+          <p:nvSpPr>
+            <p:cNvPr id="97" name="Rectangle 96">
+              <a:extLst>
+                <a:ext uri="{FF2B5EF4-FFF2-40B4-BE49-F238E27FC236}">
+                  <a16:creationId xmlns:a16="http://schemas.microsoft.com/office/drawing/2014/main" id="{361BAB7D-2D6E-26F4-2BAA-C892FE714AE0}"/>
+                </a:ext>
+              </a:extLst>
+            </p:cNvPr>
+            <p:cNvSpPr/>
+            <p:nvPr/>
+          </p:nvSpPr>
+          <p:spPr>
+            <a:xfrm>
+              <a:off x="4829882" y="4187936"/>
+              <a:ext cx="171802" cy="71830"/>
+            </a:xfrm>
+            <a:prstGeom prst="rect">
+              <a:avLst/>
+            </a:prstGeom>
+            <a:solidFill>
+              <a:srgbClr val="66BFE2"/>
+            </a:solidFill>
+            <a:ln w="19050" cap="rnd">
+              <a:solidFill>
+                <a:schemeClr val="tx1"/>
+              </a:solidFill>
+              <a:round/>
+            </a:ln>
+          </p:spPr>
+          <p:style>
+            <a:lnRef idx="2">
+              <a:schemeClr val="accent1">
+                <a:shade val="50000"/>
+              </a:schemeClr>
+            </a:lnRef>
+            <a:fillRef idx="1">
+              <a:schemeClr val="accent1"/>
+            </a:fillRef>
+            <a:effectRef idx="0">
+              <a:schemeClr val="accent1"/>
+            </a:effectRef>
+            <a:fontRef idx="minor">
+              <a:schemeClr val="lt1"/>
+            </a:fontRef>
+          </p:style>
+          <p:txBody>
+            <a:bodyPr rtlCol="0" anchor="ctr"/>
+            <a:lstStyle/>
+            <a:p>
+              <a:pPr algn="ctr"/>
+              <a:endParaRPr lang="en-US" sz="4400">
+                <a:cs typeface="Arial" panose="020B0604020202020204" pitchFamily="34" charset="0"/>
+              </a:endParaRPr>
+            </a:p>
+          </p:txBody>
+        </p:sp>
+      </p:grpSp>
+      <p:grpSp>
+        <p:nvGrpSpPr>
+          <p:cNvPr id="1082" name="Group 1081">
+            <a:extLst>
+              <a:ext uri="{FF2B5EF4-FFF2-40B4-BE49-F238E27FC236}">
+                <a16:creationId xmlns:a16="http://schemas.microsoft.com/office/drawing/2014/main" id="{F631004F-02E7-2EED-EFAE-81CDE1003FC6}"/>
+              </a:ext>
+            </a:extLst>
+          </p:cNvPr>
+          <p:cNvGrpSpPr/>
+          <p:nvPr/>
+        </p:nvGrpSpPr>
+        <p:grpSpPr>
+          <a:xfrm>
+            <a:off x="9265914" y="3331036"/>
+            <a:ext cx="1442896" cy="748831"/>
+            <a:chOff x="6027414" y="3040918"/>
+            <a:chExt cx="1442896" cy="748831"/>
+          </a:xfrm>
+        </p:grpSpPr>
+        <p:sp>
+          <p:nvSpPr>
+            <p:cNvPr id="1052" name="Freeform: Shape 1051">
+              <a:extLst>
+                <a:ext uri="{FF2B5EF4-FFF2-40B4-BE49-F238E27FC236}">
+                  <a16:creationId xmlns:a16="http://schemas.microsoft.com/office/drawing/2014/main" id="{1F1F0E5A-D1A8-6259-0D70-0C7442B3F4F1}"/>
+                </a:ext>
+              </a:extLst>
+            </p:cNvPr>
+            <p:cNvSpPr/>
+            <p:nvPr/>
+          </p:nvSpPr>
+          <p:spPr>
+            <a:xfrm>
+              <a:off x="6027414" y="3040918"/>
+              <a:ext cx="1442896" cy="748831"/>
+            </a:xfrm>
+            <a:custGeom>
+              <a:avLst/>
+              <a:gdLst>
+                <a:gd name="connsiteX0" fmla="*/ 52625 w 1442896"/>
+                <a:gd name="connsiteY0" fmla="*/ 0 h 748831"/>
+                <a:gd name="connsiteX1" fmla="*/ 1390271 w 1442896"/>
+                <a:gd name="connsiteY1" fmla="*/ 0 h 748831"/>
+                <a:gd name="connsiteX2" fmla="*/ 1442896 w 1442896"/>
+                <a:gd name="connsiteY2" fmla="*/ 52625 h 748831"/>
+                <a:gd name="connsiteX3" fmla="*/ 1442896 w 1442896"/>
+                <a:gd name="connsiteY3" fmla="*/ 188233 h 748831"/>
+                <a:gd name="connsiteX4" fmla="*/ 1416072 w 1442896"/>
+                <a:gd name="connsiteY4" fmla="*/ 188233 h 748831"/>
+                <a:gd name="connsiteX5" fmla="*/ 1407706 w 1442896"/>
+                <a:gd name="connsiteY5" fmla="*/ 196599 h 748831"/>
+                <a:gd name="connsiteX6" fmla="*/ 1407706 w 1442896"/>
+                <a:gd name="connsiteY6" fmla="*/ 230063 h 748831"/>
+                <a:gd name="connsiteX7" fmla="*/ 1416072 w 1442896"/>
+                <a:gd name="connsiteY7" fmla="*/ 238429 h 748831"/>
+                <a:gd name="connsiteX8" fmla="*/ 1442896 w 1442896"/>
+                <a:gd name="connsiteY8" fmla="*/ 238429 h 748831"/>
+                <a:gd name="connsiteX9" fmla="*/ 1442896 w 1442896"/>
+                <a:gd name="connsiteY9" fmla="*/ 331924 h 748831"/>
+                <a:gd name="connsiteX10" fmla="*/ 1442896 w 1442896"/>
+                <a:gd name="connsiteY10" fmla="*/ 342642 h 748831"/>
+                <a:gd name="connsiteX11" fmla="*/ 1442896 w 1442896"/>
+                <a:gd name="connsiteY11" fmla="*/ 510403 h 748831"/>
+                <a:gd name="connsiteX12" fmla="*/ 1416072 w 1442896"/>
+                <a:gd name="connsiteY12" fmla="*/ 510403 h 748831"/>
+                <a:gd name="connsiteX13" fmla="*/ 1407706 w 1442896"/>
+                <a:gd name="connsiteY13" fmla="*/ 518769 h 748831"/>
+                <a:gd name="connsiteX14" fmla="*/ 1407706 w 1442896"/>
+                <a:gd name="connsiteY14" fmla="*/ 552233 h 748831"/>
+                <a:gd name="connsiteX15" fmla="*/ 1416072 w 1442896"/>
+                <a:gd name="connsiteY15" fmla="*/ 560599 h 748831"/>
+                <a:gd name="connsiteX16" fmla="*/ 1442896 w 1442896"/>
+                <a:gd name="connsiteY16" fmla="*/ 560599 h 748831"/>
+                <a:gd name="connsiteX17" fmla="*/ 1442896 w 1442896"/>
+                <a:gd name="connsiteY17" fmla="*/ 696206 h 748831"/>
+                <a:gd name="connsiteX18" fmla="*/ 1390271 w 1442896"/>
+                <a:gd name="connsiteY18" fmla="*/ 748831 h 748831"/>
+                <a:gd name="connsiteX19" fmla="*/ 52625 w 1442896"/>
+                <a:gd name="connsiteY19" fmla="*/ 748831 h 748831"/>
+                <a:gd name="connsiteX20" fmla="*/ 0 w 1442896"/>
+                <a:gd name="connsiteY20" fmla="*/ 696206 h 748831"/>
+                <a:gd name="connsiteX21" fmla="*/ 0 w 1442896"/>
+                <a:gd name="connsiteY21" fmla="*/ 560599 h 748831"/>
+                <a:gd name="connsiteX22" fmla="*/ 29744 w 1442896"/>
+                <a:gd name="connsiteY22" fmla="*/ 560599 h 748831"/>
+                <a:gd name="connsiteX23" fmla="*/ 38110 w 1442896"/>
+                <a:gd name="connsiteY23" fmla="*/ 552233 h 748831"/>
+                <a:gd name="connsiteX24" fmla="*/ 38110 w 1442896"/>
+                <a:gd name="connsiteY24" fmla="*/ 518769 h 748831"/>
+                <a:gd name="connsiteX25" fmla="*/ 29744 w 1442896"/>
+                <a:gd name="connsiteY25" fmla="*/ 510403 h 748831"/>
+                <a:gd name="connsiteX26" fmla="*/ 0 w 1442896"/>
+                <a:gd name="connsiteY26" fmla="*/ 510403 h 748831"/>
+                <a:gd name="connsiteX27" fmla="*/ 0 w 1442896"/>
+                <a:gd name="connsiteY27" fmla="*/ 342642 h 748831"/>
+                <a:gd name="connsiteX28" fmla="*/ 0 w 1442896"/>
+                <a:gd name="connsiteY28" fmla="*/ 331924 h 748831"/>
+                <a:gd name="connsiteX29" fmla="*/ 0 w 1442896"/>
+                <a:gd name="connsiteY29" fmla="*/ 238429 h 748831"/>
+                <a:gd name="connsiteX30" fmla="*/ 29744 w 1442896"/>
+                <a:gd name="connsiteY30" fmla="*/ 238429 h 748831"/>
+                <a:gd name="connsiteX31" fmla="*/ 38110 w 1442896"/>
+                <a:gd name="connsiteY31" fmla="*/ 230063 h 748831"/>
+                <a:gd name="connsiteX32" fmla="*/ 38110 w 1442896"/>
+                <a:gd name="connsiteY32" fmla="*/ 196599 h 748831"/>
+                <a:gd name="connsiteX33" fmla="*/ 29744 w 1442896"/>
+                <a:gd name="connsiteY33" fmla="*/ 188233 h 748831"/>
+                <a:gd name="connsiteX34" fmla="*/ 0 w 1442896"/>
+                <a:gd name="connsiteY34" fmla="*/ 188233 h 748831"/>
+                <a:gd name="connsiteX35" fmla="*/ 0 w 1442896"/>
+                <a:gd name="connsiteY35" fmla="*/ 52625 h 748831"/>
+                <a:gd name="connsiteX36" fmla="*/ 52625 w 1442896"/>
+                <a:gd name="connsiteY36" fmla="*/ 0 h 748831"/>
+              </a:gdLst>
+              <a:ahLst/>
+              <a:cxnLst>
+                <a:cxn ang="0">
+                  <a:pos x="connsiteX0" y="connsiteY0"/>
+                </a:cxn>
+                <a:cxn ang="0">
+                  <a:pos x="connsiteX1" y="connsiteY1"/>
+                </a:cxn>
+                <a:cxn ang="0">
+                  <a:pos x="connsiteX2" y="connsiteY2"/>
+                </a:cxn>
+                <a:cxn ang="0">
+                  <a:pos x="connsiteX3" y="connsiteY3"/>
+                </a:cxn>
+                <a:cxn ang="0">
+                  <a:pos x="connsiteX4" y="connsiteY4"/>
+                </a:cxn>
+                <a:cxn ang="0">
+                  <a:pos x="connsiteX5" y="connsiteY5"/>
+                </a:cxn>
+                <a:cxn ang="0">
+                  <a:pos x="connsiteX6" y="connsiteY6"/>
+                </a:cxn>
+                <a:cxn ang="0">
+                  <a:pos x="connsiteX7" y="connsiteY7"/>
+                </a:cxn>
+                <a:cxn ang="0">
+                  <a:pos x="connsiteX8" y="connsiteY8"/>
+                </a:cxn>
+                <a:cxn ang="0">
+                  <a:pos x="connsiteX9" y="connsiteY9"/>
+                </a:cxn>
+                <a:cxn ang="0">
+                  <a:pos x="connsiteX10" y="connsiteY10"/>
+                </a:cxn>
+                <a:cxn ang="0">
+                  <a:pos x="connsiteX11" y="connsiteY11"/>
+                </a:cxn>
+                <a:cxn ang="0">
+                  <a:pos x="connsiteX12" y="connsiteY12"/>
+                </a:cxn>
+                <a:cxn ang="0">
+                  <a:pos x="connsiteX13" y="connsiteY13"/>
+                </a:cxn>
+                <a:cxn ang="0">
+                  <a:pos x="connsiteX14" y="connsiteY14"/>
+                </a:cxn>
+                <a:cxn ang="0">
+                  <a:pos x="connsiteX15" y="connsiteY15"/>
+                </a:cxn>
+                <a:cxn ang="0">
+                  <a:pos x="connsiteX16" y="connsiteY16"/>
+                </a:cxn>
+                <a:cxn ang="0">
+                  <a:pos x="connsiteX17" y="connsiteY17"/>
+                </a:cxn>
+                <a:cxn ang="0">
+                  <a:pos x="connsiteX18" y="connsiteY18"/>
+                </a:cxn>
+                <a:cxn ang="0">
+                  <a:pos x="connsiteX19" y="connsiteY19"/>
+                </a:cxn>
+                <a:cxn ang="0">
+                  <a:pos x="connsiteX20" y="connsiteY20"/>
+                </a:cxn>
+                <a:cxn ang="0">
+                  <a:pos x="connsiteX21" y="connsiteY21"/>
+                </a:cxn>
+                <a:cxn ang="0">
+                  <a:pos x="connsiteX22" y="connsiteY22"/>
+                </a:cxn>
+                <a:cxn ang="0">
+                  <a:pos x="connsiteX23" y="connsiteY23"/>
+                </a:cxn>
+                <a:cxn ang="0">
+                  <a:pos x="connsiteX24" y="connsiteY24"/>
+                </a:cxn>
+                <a:cxn ang="0">
+                  <a:pos x="connsiteX25" y="connsiteY25"/>
+                </a:cxn>
+                <a:cxn ang="0">
+                  <a:pos x="connsiteX26" y="connsiteY26"/>
+                </a:cxn>
+                <a:cxn ang="0">
+                  <a:pos x="connsiteX27" y="connsiteY27"/>
+                </a:cxn>
+                <a:cxn ang="0">
+                  <a:pos x="connsiteX28" y="connsiteY28"/>
+                </a:cxn>
+                <a:cxn ang="0">
+                  <a:pos x="connsiteX29" y="connsiteY29"/>
+                </a:cxn>
+                <a:cxn ang="0">
+                  <a:pos x="connsiteX30" y="connsiteY30"/>
+                </a:cxn>
+                <a:cxn ang="0">
+                  <a:pos x="connsiteX31" y="connsiteY31"/>
+                </a:cxn>
+                <a:cxn ang="0">
+                  <a:pos x="connsiteX32" y="connsiteY32"/>
+                </a:cxn>
+                <a:cxn ang="0">
+                  <a:pos x="connsiteX33" y="connsiteY33"/>
+                </a:cxn>
+                <a:cxn ang="0">
+                  <a:pos x="connsiteX34" y="connsiteY34"/>
+                </a:cxn>
+                <a:cxn ang="0">
+                  <a:pos x="connsiteX35" y="connsiteY35"/>
+                </a:cxn>
+                <a:cxn ang="0">
+                  <a:pos x="connsiteX36" y="connsiteY36"/>
+                </a:cxn>
+              </a:cxnLst>
+              <a:rect l="l" t="t" r="r" b="b"/>
+              <a:pathLst>
+                <a:path w="1442896" h="748831">
+                  <a:moveTo>
+                    <a:pt x="52625" y="0"/>
+                  </a:moveTo>
+                  <a:lnTo>
+                    <a:pt x="1390271" y="0"/>
+                  </a:lnTo>
+                  <a:cubicBezTo>
+                    <a:pt x="1419335" y="0"/>
+                    <a:pt x="1442896" y="23561"/>
+                    <a:pt x="1442896" y="52625"/>
+                  </a:cubicBezTo>
+                  <a:lnTo>
+                    <a:pt x="1442896" y="188233"/>
+                  </a:lnTo>
+                  <a:lnTo>
+                    <a:pt x="1416072" y="188233"/>
+                  </a:lnTo>
+                  <a:cubicBezTo>
+                    <a:pt x="1411452" y="188233"/>
+                    <a:pt x="1407706" y="191979"/>
+                    <a:pt x="1407706" y="196599"/>
+                  </a:cubicBezTo>
+                  <a:lnTo>
+                    <a:pt x="1407706" y="230063"/>
+                  </a:lnTo>
+                  <a:cubicBezTo>
+                    <a:pt x="1407706" y="234683"/>
+                    <a:pt x="1411452" y="238429"/>
+                    <a:pt x="1416072" y="238429"/>
+                  </a:cubicBezTo>
+                  <a:lnTo>
+                    <a:pt x="1442896" y="238429"/>
+                  </a:lnTo>
+                  <a:lnTo>
+                    <a:pt x="1442896" y="331924"/>
+                  </a:lnTo>
+                  <a:lnTo>
+                    <a:pt x="1442896" y="342642"/>
+                  </a:lnTo>
+                  <a:lnTo>
+                    <a:pt x="1442896" y="510403"/>
+                  </a:lnTo>
+                  <a:lnTo>
+                    <a:pt x="1416072" y="510403"/>
+                  </a:lnTo>
+                  <a:cubicBezTo>
+                    <a:pt x="1411452" y="510403"/>
+                    <a:pt x="1407706" y="514149"/>
+                    <a:pt x="1407706" y="518769"/>
+                  </a:cubicBezTo>
+                  <a:lnTo>
+                    <a:pt x="1407706" y="552233"/>
+                  </a:lnTo>
+                  <a:cubicBezTo>
+                    <a:pt x="1407706" y="556853"/>
+                    <a:pt x="1411452" y="560599"/>
+                    <a:pt x="1416072" y="560599"/>
+                  </a:cubicBezTo>
+                  <a:lnTo>
+                    <a:pt x="1442896" y="560599"/>
+                  </a:lnTo>
+                  <a:lnTo>
+                    <a:pt x="1442896" y="696206"/>
+                  </a:lnTo>
+                  <a:cubicBezTo>
+                    <a:pt x="1442896" y="725270"/>
+                    <a:pt x="1419335" y="748831"/>
+                    <a:pt x="1390271" y="748831"/>
+                  </a:cubicBezTo>
+                  <a:lnTo>
+                    <a:pt x="52625" y="748831"/>
+                  </a:lnTo>
+                  <a:cubicBezTo>
+                    <a:pt x="23561" y="748831"/>
+                    <a:pt x="0" y="725270"/>
+                    <a:pt x="0" y="696206"/>
+                  </a:cubicBezTo>
+                  <a:lnTo>
+                    <a:pt x="0" y="560599"/>
+                  </a:lnTo>
+                  <a:lnTo>
+                    <a:pt x="29744" y="560599"/>
+                  </a:lnTo>
+                  <a:cubicBezTo>
+                    <a:pt x="34364" y="560599"/>
+                    <a:pt x="38110" y="556853"/>
+                    <a:pt x="38110" y="552233"/>
+                  </a:cubicBezTo>
+                  <a:lnTo>
+                    <a:pt x="38110" y="518769"/>
+                  </a:lnTo>
+                  <a:cubicBezTo>
+                    <a:pt x="38110" y="514149"/>
+                    <a:pt x="34364" y="510403"/>
+                    <a:pt x="29744" y="510403"/>
+                  </a:cubicBezTo>
+                  <a:lnTo>
+                    <a:pt x="0" y="510403"/>
+                  </a:lnTo>
+                  <a:lnTo>
+                    <a:pt x="0" y="342642"/>
+                  </a:lnTo>
+                  <a:lnTo>
+                    <a:pt x="0" y="331924"/>
+                  </a:lnTo>
+                  <a:lnTo>
+                    <a:pt x="0" y="238429"/>
+                  </a:lnTo>
+                  <a:lnTo>
+                    <a:pt x="29744" y="238429"/>
+                  </a:lnTo>
+                  <a:cubicBezTo>
+                    <a:pt x="34364" y="238429"/>
+                    <a:pt x="38110" y="234683"/>
+                    <a:pt x="38110" y="230063"/>
+                  </a:cubicBezTo>
+                  <a:lnTo>
+                    <a:pt x="38110" y="196599"/>
+                  </a:lnTo>
+                  <a:cubicBezTo>
+                    <a:pt x="38110" y="191979"/>
+                    <a:pt x="34364" y="188233"/>
+                    <a:pt x="29744" y="188233"/>
+                  </a:cubicBezTo>
+                  <a:lnTo>
+                    <a:pt x="0" y="188233"/>
+                  </a:lnTo>
+                  <a:lnTo>
+                    <a:pt x="0" y="52625"/>
+                  </a:lnTo>
+                  <a:cubicBezTo>
+                    <a:pt x="0" y="23561"/>
+                    <a:pt x="23561" y="0"/>
+                    <a:pt x="52625" y="0"/>
+                  </a:cubicBezTo>
+                  <a:close/>
+                </a:path>
+              </a:pathLst>
+            </a:custGeom>
+            <a:solidFill>
+              <a:srgbClr val="404040"/>
+            </a:solidFill>
+            <a:ln w="19050" cap="flat">
+              <a:solidFill>
+                <a:srgbClr val="000000"/>
+              </a:solidFill>
+              <a:prstDash val="solid"/>
+              <a:round/>
+            </a:ln>
+          </p:spPr>
+          <p:txBody>
+            <a:bodyPr wrap="square" lIns="0" tIns="0" rIns="0" bIns="0" rtlCol="0" anchor="ctr">
+              <a:noAutofit/>
+            </a:bodyPr>
+            <a:lstStyle/>
+            <a:p>
+              <a:endParaRPr lang="en-US" dirty="0"/>
+            </a:p>
+          </p:txBody>
+        </p:sp>
+        <p:grpSp>
+          <p:nvGrpSpPr>
+            <p:cNvPr id="1077" name="Group 1076">
+              <a:extLst>
+                <a:ext uri="{FF2B5EF4-FFF2-40B4-BE49-F238E27FC236}">
+                  <a16:creationId xmlns:a16="http://schemas.microsoft.com/office/drawing/2014/main" id="{147656A2-FCDF-B059-B918-347BC9A24E56}"/>
+                </a:ext>
+              </a:extLst>
+            </p:cNvPr>
+            <p:cNvGrpSpPr/>
+            <p:nvPr/>
+          </p:nvGrpSpPr>
+          <p:grpSpPr>
+            <a:xfrm>
+              <a:off x="6952477" y="3270414"/>
+              <a:ext cx="352941" cy="289838"/>
+              <a:chOff x="6952477" y="3270414"/>
+              <a:chExt cx="352941" cy="289838"/>
+            </a:xfrm>
+          </p:grpSpPr>
+          <p:sp>
+            <p:nvSpPr>
+              <p:cNvPr id="1053" name="Rectangle: Rounded Corners 1052">
+                <a:extLst>
+                  <a:ext uri="{FF2B5EF4-FFF2-40B4-BE49-F238E27FC236}">
+                    <a16:creationId xmlns:a16="http://schemas.microsoft.com/office/drawing/2014/main" id="{6FC63D1F-51D9-52A1-F9C8-0F494961C7FC}"/>
+                  </a:ext>
+                </a:extLst>
+              </p:cNvPr>
+              <p:cNvSpPr/>
+              <p:nvPr/>
+            </p:nvSpPr>
+            <p:spPr>
+              <a:xfrm>
+                <a:off x="6952477" y="3270414"/>
+                <a:ext cx="352941" cy="289838"/>
+              </a:xfrm>
+              <a:prstGeom prst="roundRect">
+                <a:avLst>
+                  <a:gd name="adj" fmla="val 12555"/>
+                </a:avLst>
+              </a:prstGeom>
+              <a:solidFill>
+                <a:schemeClr val="bg1">
+                  <a:lumMod val="95000"/>
+                </a:schemeClr>
+              </a:solidFill>
+              <a:ln w="19050" cap="flat">
+                <a:solidFill>
+                  <a:srgbClr val="000000"/>
+                </a:solidFill>
+                <a:prstDash val="solid"/>
+                <a:round/>
+              </a:ln>
+            </p:spPr>
+            <p:txBody>
+              <a:bodyPr lIns="0" tIns="0" rIns="0" bIns="0" rtlCol="0" anchor="ctr"/>
+              <a:lstStyle/>
+              <a:p>
+                <a:endParaRPr lang="en-CA" sz="1000"/>
+              </a:p>
+            </p:txBody>
+          </p:sp>
+          <p:cxnSp>
+            <p:nvCxnSpPr>
+              <p:cNvPr id="1057" name="Straight Connector 1056">
+                <a:extLst>
+                  <a:ext uri="{FF2B5EF4-FFF2-40B4-BE49-F238E27FC236}">
+                    <a16:creationId xmlns:a16="http://schemas.microsoft.com/office/drawing/2014/main" id="{9A71DB87-ABF7-F8C2-6239-DD7361267B18}"/>
+                  </a:ext>
+                </a:extLst>
+              </p:cNvPr>
+              <p:cNvCxnSpPr>
+                <a:cxnSpLocks/>
+              </p:cNvCxnSpPr>
+              <p:nvPr/>
+            </p:nvCxnSpPr>
+            <p:spPr>
+              <a:xfrm>
+                <a:off x="7134225" y="3338156"/>
+                <a:ext cx="106547" cy="0"/>
+              </a:xfrm>
+              <a:prstGeom prst="line">
+                <a:avLst/>
+              </a:prstGeom>
+              <a:noFill/>
+              <a:ln w="19050" cap="rnd">
+                <a:solidFill>
+                  <a:schemeClr val="tx1"/>
+                </a:solidFill>
+                <a:round/>
+              </a:ln>
+            </p:spPr>
+            <p:style>
+              <a:lnRef idx="2">
+                <a:schemeClr val="accent1">
+                  <a:shade val="50000"/>
+                </a:schemeClr>
+              </a:lnRef>
+              <a:fillRef idx="1">
+                <a:schemeClr val="accent1"/>
+              </a:fillRef>
+              <a:effectRef idx="0">
+                <a:schemeClr val="accent1"/>
+              </a:effectRef>
+              <a:fontRef idx="minor">
+                <a:schemeClr val="lt1"/>
+              </a:fontRef>
+            </p:style>
+          </p:cxnSp>
+          <p:cxnSp>
+            <p:nvCxnSpPr>
+              <p:cNvPr id="1061" name="Straight Connector 1060">
+                <a:extLst>
+                  <a:ext uri="{FF2B5EF4-FFF2-40B4-BE49-F238E27FC236}">
+                    <a16:creationId xmlns:a16="http://schemas.microsoft.com/office/drawing/2014/main" id="{6A010115-ACE6-CFCA-77A2-066597B8E745}"/>
+                  </a:ext>
+                </a:extLst>
+              </p:cNvPr>
+              <p:cNvCxnSpPr>
+                <a:cxnSpLocks/>
+              </p:cNvCxnSpPr>
+              <p:nvPr/>
+            </p:nvCxnSpPr>
+            <p:spPr>
+              <a:xfrm>
+                <a:off x="7177617" y="3396365"/>
+                <a:ext cx="63155" cy="0"/>
+              </a:xfrm>
+              <a:prstGeom prst="line">
+                <a:avLst/>
+              </a:prstGeom>
+              <a:noFill/>
+              <a:ln w="19050" cap="rnd">
+                <a:solidFill>
+                  <a:schemeClr val="tx1"/>
+                </a:solidFill>
+                <a:round/>
+              </a:ln>
+            </p:spPr>
+            <p:style>
+              <a:lnRef idx="2">
+                <a:schemeClr val="accent1">
+                  <a:shade val="50000"/>
+                </a:schemeClr>
+              </a:lnRef>
+              <a:fillRef idx="1">
+                <a:schemeClr val="accent1"/>
+              </a:fillRef>
+              <a:effectRef idx="0">
+                <a:schemeClr val="accent1"/>
+              </a:effectRef>
+              <a:fontRef idx="minor">
+                <a:schemeClr val="lt1"/>
+              </a:fontRef>
+            </p:style>
+          </p:cxnSp>
+        </p:grpSp>
+        <p:sp>
+          <p:nvSpPr>
+            <p:cNvPr id="1064" name="Rectangle: Rounded Corners 1063">
+              <a:extLst>
+                <a:ext uri="{FF2B5EF4-FFF2-40B4-BE49-F238E27FC236}">
+                  <a16:creationId xmlns:a16="http://schemas.microsoft.com/office/drawing/2014/main" id="{8416A3CD-A09D-2145-A60C-CE1B5D079E1B}"/>
+                </a:ext>
+              </a:extLst>
+            </p:cNvPr>
+            <p:cNvSpPr/>
+            <p:nvPr/>
+          </p:nvSpPr>
+          <p:spPr>
+            <a:xfrm>
+              <a:off x="6143912" y="3100023"/>
+              <a:ext cx="269452" cy="100377"/>
+            </a:xfrm>
+            <a:prstGeom prst="roundRect">
+              <a:avLst>
+                <a:gd name="adj" fmla="val 12555"/>
+              </a:avLst>
+            </a:prstGeom>
+            <a:solidFill>
+              <a:schemeClr val="bg1">
+                <a:lumMod val="95000"/>
+              </a:schemeClr>
+            </a:solidFill>
+            <a:ln w="19050" cap="flat">
+              <a:solidFill>
+                <a:srgbClr val="000000"/>
+              </a:solidFill>
+              <a:prstDash val="solid"/>
+              <a:round/>
+            </a:ln>
+          </p:spPr>
+          <p:txBody>
+            <a:bodyPr lIns="0" tIns="0" rIns="0" bIns="0" rtlCol="0" anchor="ctr"/>
+            <a:lstStyle/>
+            <a:p>
+              <a:endParaRPr lang="en-CA" sz="1000"/>
+            </a:p>
+          </p:txBody>
+        </p:sp>
+        <p:grpSp>
+          <p:nvGrpSpPr>
+            <p:cNvPr id="1066" name="Group 1065">
+              <a:extLst>
+                <a:ext uri="{FF2B5EF4-FFF2-40B4-BE49-F238E27FC236}">
+                  <a16:creationId xmlns:a16="http://schemas.microsoft.com/office/drawing/2014/main" id="{97AAA65F-5727-7312-039A-03546AE87030}"/>
+                </a:ext>
+              </a:extLst>
+            </p:cNvPr>
+            <p:cNvGrpSpPr/>
+            <p:nvPr/>
+          </p:nvGrpSpPr>
+          <p:grpSpPr>
+            <a:xfrm>
+              <a:off x="6220773" y="3376267"/>
+              <a:ext cx="113092" cy="303659"/>
+              <a:chOff x="4229577" y="3461701"/>
+              <a:chExt cx="113092" cy="303659"/>
+            </a:xfrm>
+          </p:grpSpPr>
+          <p:sp>
+            <p:nvSpPr>
+              <p:cNvPr id="1067" name="Oval 1066">
+                <a:extLst>
+                  <a:ext uri="{FF2B5EF4-FFF2-40B4-BE49-F238E27FC236}">
+                    <a16:creationId xmlns:a16="http://schemas.microsoft.com/office/drawing/2014/main" id="{6F0AB295-54FA-F6BA-EA1A-F10C59FBA4D8}"/>
+                  </a:ext>
+                </a:extLst>
+              </p:cNvPr>
+              <p:cNvSpPr/>
+              <p:nvPr/>
+            </p:nvSpPr>
+            <p:spPr>
+              <a:xfrm>
+                <a:off x="4258950" y="3461701"/>
+                <a:ext cx="54346" cy="54346"/>
+              </a:xfrm>
+              <a:prstGeom prst="ellipse">
+                <a:avLst/>
+              </a:prstGeom>
+              <a:solidFill>
+                <a:schemeClr val="accent5"/>
+              </a:solidFill>
+              <a:ln w="19050" cap="rnd">
+                <a:solidFill>
+                  <a:schemeClr val="tx1"/>
+                </a:solidFill>
+                <a:round/>
+              </a:ln>
+            </p:spPr>
+            <p:style>
+              <a:lnRef idx="2">
+                <a:schemeClr val="accent1">
+                  <a:shade val="50000"/>
+                </a:schemeClr>
+              </a:lnRef>
+              <a:fillRef idx="1">
+                <a:schemeClr val="accent1"/>
+              </a:fillRef>
+              <a:effectRef idx="0">
+                <a:schemeClr val="accent1"/>
+              </a:effectRef>
+              <a:fontRef idx="minor">
+                <a:schemeClr val="lt1"/>
+              </a:fontRef>
+            </p:style>
+            <p:txBody>
+              <a:bodyPr rtlCol="0" anchor="ctr"/>
+              <a:lstStyle/>
+              <a:p>
+                <a:pPr algn="ctr"/>
+                <a:endParaRPr lang="en-CA" dirty="0"/>
+              </a:p>
+            </p:txBody>
+          </p:sp>
+          <p:sp>
+            <p:nvSpPr>
+              <p:cNvPr id="1068" name="Oval 1067">
+                <a:extLst>
+                  <a:ext uri="{FF2B5EF4-FFF2-40B4-BE49-F238E27FC236}">
+                    <a16:creationId xmlns:a16="http://schemas.microsoft.com/office/drawing/2014/main" id="{779B1EA9-0A8D-2B40-26FF-91EE9904B3A8}"/>
+                  </a:ext>
+                </a:extLst>
+              </p:cNvPr>
+              <p:cNvSpPr/>
+              <p:nvPr/>
+            </p:nvSpPr>
+            <p:spPr>
+              <a:xfrm>
+                <a:off x="4258950" y="3556988"/>
+                <a:ext cx="54346" cy="54346"/>
+              </a:xfrm>
+              <a:prstGeom prst="ellipse">
+                <a:avLst/>
+              </a:prstGeom>
+              <a:solidFill>
+                <a:schemeClr val="accent6"/>
+              </a:solidFill>
+              <a:ln w="19050" cap="rnd">
+                <a:solidFill>
+                  <a:schemeClr val="tx1"/>
+                </a:solidFill>
+                <a:round/>
+              </a:ln>
+            </p:spPr>
+            <p:style>
+              <a:lnRef idx="2">
+                <a:schemeClr val="accent1">
+                  <a:shade val="50000"/>
+                </a:schemeClr>
+              </a:lnRef>
+              <a:fillRef idx="1">
+                <a:schemeClr val="accent1"/>
+              </a:fillRef>
+              <a:effectRef idx="0">
+                <a:schemeClr val="accent1"/>
+              </a:effectRef>
+              <a:fontRef idx="minor">
+                <a:schemeClr val="lt1"/>
+              </a:fontRef>
+            </p:style>
+            <p:txBody>
+              <a:bodyPr rtlCol="0" anchor="ctr"/>
+              <a:lstStyle/>
+              <a:p>
+                <a:pPr algn="ctr"/>
+                <a:endParaRPr lang="en-CA"/>
+              </a:p>
+            </p:txBody>
+          </p:sp>
+          <p:sp>
+            <p:nvSpPr>
+              <p:cNvPr id="1069" name="Oval 1068">
+                <a:extLst>
+                  <a:ext uri="{FF2B5EF4-FFF2-40B4-BE49-F238E27FC236}">
+                    <a16:creationId xmlns:a16="http://schemas.microsoft.com/office/drawing/2014/main" id="{28CBB19E-5A76-A08E-8EE3-61EF7822B688}"/>
+                  </a:ext>
+                </a:extLst>
+              </p:cNvPr>
+              <p:cNvSpPr/>
+              <p:nvPr/>
+            </p:nvSpPr>
+            <p:spPr>
+              <a:xfrm>
+                <a:off x="4229577" y="3652275"/>
+                <a:ext cx="113092" cy="113085"/>
+              </a:xfrm>
+              <a:prstGeom prst="ellipse">
+                <a:avLst/>
+              </a:prstGeom>
+              <a:solidFill>
+                <a:schemeClr val="tx1">
+                  <a:lumMod val="65000"/>
+                  <a:lumOff val="35000"/>
+                </a:schemeClr>
+              </a:solidFill>
+              <a:ln w="19050" cap="rnd">
+                <a:solidFill>
+                  <a:schemeClr val="tx1"/>
+                </a:solidFill>
+                <a:round/>
+              </a:ln>
+            </p:spPr>
+            <p:style>
+              <a:lnRef idx="2">
+                <a:schemeClr val="accent1">
+                  <a:shade val="50000"/>
+                </a:schemeClr>
+              </a:lnRef>
+              <a:fillRef idx="1">
+                <a:schemeClr val="accent1"/>
+              </a:fillRef>
+              <a:effectRef idx="0">
+                <a:schemeClr val="accent1"/>
+              </a:effectRef>
+              <a:fontRef idx="minor">
+                <a:schemeClr val="lt1"/>
+              </a:fontRef>
+            </p:style>
+            <p:txBody>
+              <a:bodyPr rtlCol="0" anchor="ctr"/>
+              <a:lstStyle/>
+              <a:p>
+                <a:pPr algn="ctr"/>
+                <a:endParaRPr lang="en-CA"/>
+              </a:p>
+            </p:txBody>
+          </p:sp>
+          <p:sp>
+            <p:nvSpPr>
+              <p:cNvPr id="1071" name="Oval 1070">
+                <a:extLst>
+                  <a:ext uri="{FF2B5EF4-FFF2-40B4-BE49-F238E27FC236}">
+                    <a16:creationId xmlns:a16="http://schemas.microsoft.com/office/drawing/2014/main" id="{495CCF3F-E940-36F8-3192-C782F3FA08BB}"/>
+                  </a:ext>
+                </a:extLst>
+              </p:cNvPr>
+              <p:cNvSpPr/>
+              <p:nvPr/>
+            </p:nvSpPr>
+            <p:spPr>
+              <a:xfrm flipV="1">
+                <a:off x="4257899" y="3680594"/>
+                <a:ext cx="56456" cy="56452"/>
+              </a:xfrm>
+              <a:prstGeom prst="ellipse">
+                <a:avLst/>
+              </a:prstGeom>
+              <a:solidFill>
+                <a:schemeClr val="tx1">
+                  <a:lumMod val="65000"/>
+                  <a:lumOff val="35000"/>
+                </a:schemeClr>
+              </a:solidFill>
+              <a:ln w="19050" cap="rnd">
+                <a:solidFill>
+                  <a:schemeClr val="tx1"/>
+                </a:solidFill>
+                <a:round/>
+              </a:ln>
+            </p:spPr>
+            <p:style>
+              <a:lnRef idx="2">
+                <a:schemeClr val="accent1">
+                  <a:shade val="50000"/>
+                </a:schemeClr>
+              </a:lnRef>
+              <a:fillRef idx="1">
+                <a:schemeClr val="accent1"/>
+              </a:fillRef>
+              <a:effectRef idx="0">
+                <a:schemeClr val="accent1"/>
+              </a:effectRef>
+              <a:fontRef idx="minor">
+                <a:schemeClr val="lt1"/>
+              </a:fontRef>
+            </p:style>
+            <p:txBody>
+              <a:bodyPr rtlCol="0" anchor="ctr"/>
+              <a:lstStyle/>
+              <a:p>
+                <a:pPr algn="ctr"/>
+                <a:endParaRPr lang="en-CA"/>
+              </a:p>
+            </p:txBody>
+          </p:sp>
+        </p:grpSp>
+        <p:sp>
+          <p:nvSpPr>
+            <p:cNvPr id="1080" name="Rectangle: Rounded Corners 1079">
+              <a:extLst>
+                <a:ext uri="{FF2B5EF4-FFF2-40B4-BE49-F238E27FC236}">
+                  <a16:creationId xmlns:a16="http://schemas.microsoft.com/office/drawing/2014/main" id="{A95390BD-8C53-89BA-ED39-92646A337F73}"/>
+                </a:ext>
+              </a:extLst>
+            </p:cNvPr>
+            <p:cNvSpPr/>
+            <p:nvPr/>
+          </p:nvSpPr>
+          <p:spPr>
+            <a:xfrm>
+              <a:off x="6469619" y="3275706"/>
+              <a:ext cx="304774" cy="318394"/>
+            </a:xfrm>
+            <a:prstGeom prst="roundRect">
+              <a:avLst>
+                <a:gd name="adj" fmla="val 12555"/>
+              </a:avLst>
+            </a:prstGeom>
+            <a:noFill/>
+            <a:ln w="19050" cap="flat">
+              <a:solidFill>
+                <a:srgbClr val="000000"/>
+              </a:solidFill>
+              <a:prstDash val="solid"/>
+              <a:round/>
+            </a:ln>
+          </p:spPr>
+          <p:txBody>
+            <a:bodyPr lIns="0" tIns="0" rIns="0" bIns="0" rtlCol="0" anchor="ctr"/>
+            <a:lstStyle/>
+            <a:p>
+              <a:endParaRPr lang="en-CA" sz="1000"/>
+            </a:p>
+          </p:txBody>
+        </p:sp>
+      </p:grpSp>
+      <p:sp>
+        <p:nvSpPr>
+          <p:cNvPr id="1091" name="Rectangle 1090">
+            <a:extLst>
+              <a:ext uri="{FF2B5EF4-FFF2-40B4-BE49-F238E27FC236}">
+                <a16:creationId xmlns:a16="http://schemas.microsoft.com/office/drawing/2014/main" id="{D9E16E64-781C-9A89-6681-A28DC5ECA223}"/>
+              </a:ext>
+            </a:extLst>
+          </p:cNvPr>
+          <p:cNvSpPr/>
+          <p:nvPr/>
+        </p:nvSpPr>
+        <p:spPr>
+          <a:xfrm>
+            <a:off x="9327275" y="4194920"/>
+            <a:ext cx="1345924" cy="378592"/>
+          </a:xfrm>
+          <a:prstGeom prst="rect">
+            <a:avLst/>
+          </a:prstGeom>
+          <a:noFill/>
+          <a:ln w="31750">
+            <a:noFill/>
+          </a:ln>
+        </p:spPr>
+        <p:style>
+          <a:lnRef idx="2">
+            <a:schemeClr val="accent1">
+              <a:shade val="50000"/>
+            </a:schemeClr>
+          </a:lnRef>
+          <a:fillRef idx="1">
+            <a:schemeClr val="accent1"/>
+          </a:fillRef>
+          <a:effectRef idx="0">
+            <a:schemeClr val="accent1"/>
+          </a:effectRef>
+          <a:fontRef idx="minor">
+            <a:schemeClr val="lt1"/>
+          </a:fontRef>
+        </p:style>
+        <p:txBody>
+          <a:bodyPr rot="0" spcFirstLastPara="0" vertOverflow="overflow" horzOverflow="overflow" vert="horz" wrap="square" lIns="0" tIns="0" rIns="0" bIns="0" numCol="1" spcCol="0" rtlCol="0" fromWordArt="0" anchor="t" anchorCtr="0" forceAA="0" compatLnSpc="1">
+            <a:prstTxWarp prst="textNoShape">
+              <a:avLst/>
+            </a:prstTxWarp>
+            <a:noAutofit/>
+          </a:bodyPr>
+          <a:lstStyle/>
+          <a:p>
+            <a:pPr algn="ctr"/>
+            <a:r>
+              <a:rPr lang="en-US" sz="1400" dirty="0">
+                <a:solidFill>
+                  <a:schemeClr val="tx1"/>
+                </a:solidFill>
+                <a:latin typeface="Gotham Narrow Book" pitchFamily="50" charset="0"/>
+                <a:ea typeface="Roboto" panose="02000000000000000000" pitchFamily="2" charset="0"/>
+                <a:cs typeface="Arial" panose="020B0604020202020204" pitchFamily="34" charset="0"/>
+              </a:rPr>
+              <a:t>LII</a:t>
+            </a:r>
+            <a:endParaRPr lang="el-GR" sz="1400" dirty="0">
+              <a:solidFill>
+                <a:schemeClr val="tx1"/>
+              </a:solidFill>
+              <a:latin typeface="Gotham Narrow Book" pitchFamily="50" charset="0"/>
+              <a:ea typeface="Roboto" panose="02000000000000000000" pitchFamily="2" charset="0"/>
+              <a:cs typeface="Arial" panose="020B0604020202020204" pitchFamily="34" charset="0"/>
+            </a:endParaRPr>
+          </a:p>
+        </p:txBody>
+      </p:sp>
+      <p:grpSp>
+        <p:nvGrpSpPr>
+          <p:cNvPr id="1106" name="Group 1105">
+            <a:extLst>
+              <a:ext uri="{FF2B5EF4-FFF2-40B4-BE49-F238E27FC236}">
+                <a16:creationId xmlns:a16="http://schemas.microsoft.com/office/drawing/2014/main" id="{573C415F-9DAA-68E4-C3BE-2CE3A7B07531}"/>
+              </a:ext>
+            </a:extLst>
+          </p:cNvPr>
+          <p:cNvGrpSpPr/>
+          <p:nvPr/>
+        </p:nvGrpSpPr>
+        <p:grpSpPr>
+          <a:xfrm>
+            <a:off x="7196851" y="5146040"/>
+            <a:ext cx="1106390" cy="596268"/>
+            <a:chOff x="6609734" y="5090159"/>
+            <a:chExt cx="1210079" cy="652149"/>
+          </a:xfrm>
+        </p:grpSpPr>
+        <p:sp>
+          <p:nvSpPr>
+            <p:cNvPr id="1094" name="Rectangle: Rounded Corners 1093">
+              <a:extLst>
+                <a:ext uri="{FF2B5EF4-FFF2-40B4-BE49-F238E27FC236}">
+                  <a16:creationId xmlns:a16="http://schemas.microsoft.com/office/drawing/2014/main" id="{A47338C0-6C15-1584-4E9E-977D6E1D830B}"/>
+                </a:ext>
+              </a:extLst>
+            </p:cNvPr>
+            <p:cNvSpPr/>
+            <p:nvPr/>
+          </p:nvSpPr>
+          <p:spPr>
+            <a:xfrm>
+              <a:off x="6609734" y="5090159"/>
+              <a:ext cx="1210079" cy="652149"/>
+            </a:xfrm>
+            <a:prstGeom prst="roundRect">
+              <a:avLst>
+                <a:gd name="adj" fmla="val 24532"/>
+              </a:avLst>
+            </a:prstGeom>
+            <a:solidFill>
+              <a:srgbClr val="256BAE"/>
+            </a:solidFill>
+            <a:ln w="19050" cap="rnd">
+              <a:solidFill>
+                <a:schemeClr val="tx1"/>
+              </a:solidFill>
+              <a:round/>
+            </a:ln>
+          </p:spPr>
+          <p:style>
+            <a:lnRef idx="2">
+              <a:schemeClr val="accent1">
+                <a:shade val="50000"/>
+              </a:schemeClr>
+            </a:lnRef>
+            <a:fillRef idx="1">
+              <a:schemeClr val="accent1"/>
+            </a:fillRef>
+            <a:effectRef idx="0">
+              <a:schemeClr val="accent1"/>
+            </a:effectRef>
+            <a:fontRef idx="minor">
+              <a:schemeClr val="lt1"/>
+            </a:fontRef>
+          </p:style>
+          <p:txBody>
+            <a:bodyPr rot="0" spcFirstLastPara="0" vertOverflow="overflow" horzOverflow="overflow" vert="horz" wrap="square" lIns="0" tIns="0" rIns="0" bIns="0" numCol="1" spcCol="0" rtlCol="0" fromWordArt="0" anchor="ctr" anchorCtr="0" forceAA="0" compatLnSpc="1">
+              <a:prstTxWarp prst="textNoShape">
+                <a:avLst/>
+              </a:prstTxWarp>
+              <a:noAutofit/>
+            </a:bodyPr>
+            <a:lstStyle/>
+            <a:p>
+              <a:pPr algn="ctr"/>
+              <a:endParaRPr lang="en-CA" sz="800" dirty="0">
+                <a:cs typeface="Segoe UI" panose="020B0502040204020203" pitchFamily="34" charset="0"/>
+              </a:endParaRPr>
+            </a:p>
+          </p:txBody>
+        </p:sp>
+        <p:sp>
+          <p:nvSpPr>
+            <p:cNvPr id="1095" name="Rectangle: Rounded Corners 1094">
+              <a:extLst>
+                <a:ext uri="{FF2B5EF4-FFF2-40B4-BE49-F238E27FC236}">
+                  <a16:creationId xmlns:a16="http://schemas.microsoft.com/office/drawing/2014/main" id="{EBBF3DC3-12AE-7EBD-E6E4-05BD6704EA5A}"/>
+                </a:ext>
+              </a:extLst>
+            </p:cNvPr>
+            <p:cNvSpPr/>
+            <p:nvPr/>
+          </p:nvSpPr>
+          <p:spPr>
+            <a:xfrm>
+              <a:off x="6714584" y="5174828"/>
+              <a:ext cx="1000378" cy="482812"/>
+            </a:xfrm>
+            <a:prstGeom prst="roundRect">
+              <a:avLst>
+                <a:gd name="adj" fmla="val 19845"/>
+              </a:avLst>
+            </a:prstGeom>
+            <a:solidFill>
+              <a:schemeClr val="bg1">
+                <a:lumMod val="85000"/>
+              </a:schemeClr>
+            </a:solidFill>
+            <a:ln w="19050" cap="rnd">
+              <a:solidFill>
+                <a:schemeClr val="tx1"/>
+              </a:solidFill>
+              <a:round/>
+            </a:ln>
+          </p:spPr>
+          <p:style>
+            <a:lnRef idx="2">
+              <a:schemeClr val="accent1">
+                <a:shade val="50000"/>
+              </a:schemeClr>
+            </a:lnRef>
+            <a:fillRef idx="1">
+              <a:schemeClr val="accent1"/>
+            </a:fillRef>
+            <a:effectRef idx="0">
+              <a:schemeClr val="accent1"/>
+            </a:effectRef>
+            <a:fontRef idx="minor">
+              <a:schemeClr val="lt1"/>
+            </a:fontRef>
+          </p:style>
+          <p:txBody>
+            <a:bodyPr rot="0" spcFirstLastPara="0" vertOverflow="overflow" horzOverflow="overflow" vert="horz" wrap="square" lIns="0" tIns="0" rIns="0" bIns="0" numCol="1" spcCol="0" rtlCol="0" fromWordArt="0" anchor="ctr" anchorCtr="0" forceAA="0" compatLnSpc="1">
+              <a:prstTxWarp prst="textNoShape">
+                <a:avLst/>
+              </a:prstTxWarp>
+              <a:noAutofit/>
+            </a:bodyPr>
+            <a:lstStyle/>
+            <a:p>
+              <a:pPr algn="ctr"/>
+              <a:endParaRPr lang="en-CA" sz="800" dirty="0">
+                <a:cs typeface="Segoe UI" panose="020B0502040204020203" pitchFamily="34" charset="0"/>
+              </a:endParaRPr>
+            </a:p>
+          </p:txBody>
+        </p:sp>
+        <p:sp>
+          <p:nvSpPr>
+            <p:cNvPr id="1101" name="Freeform: Shape 1100">
+              <a:extLst>
+                <a:ext uri="{FF2B5EF4-FFF2-40B4-BE49-F238E27FC236}">
+                  <a16:creationId xmlns:a16="http://schemas.microsoft.com/office/drawing/2014/main" id="{B65C8BA3-9AF3-5ACB-2C2A-9DB7FE9FEBCB}"/>
+                </a:ext>
+              </a:extLst>
+            </p:cNvPr>
+            <p:cNvSpPr/>
+            <p:nvPr/>
+          </p:nvSpPr>
+          <p:spPr>
+            <a:xfrm>
+              <a:off x="6826057" y="5265981"/>
+              <a:ext cx="430440" cy="295548"/>
+            </a:xfrm>
+            <a:custGeom>
+              <a:avLst/>
+              <a:gdLst>
+                <a:gd name="connsiteX0" fmla="*/ 68854 w 430440"/>
+                <a:gd name="connsiteY0" fmla="*/ 0 h 295548"/>
+                <a:gd name="connsiteX1" fmla="*/ 244990 w 430440"/>
+                <a:gd name="connsiteY1" fmla="*/ 0 h 295548"/>
+                <a:gd name="connsiteX2" fmla="*/ 308433 w 430440"/>
+                <a:gd name="connsiteY2" fmla="*/ 42053 h 295548"/>
+                <a:gd name="connsiteX3" fmla="*/ 311597 w 430440"/>
+                <a:gd name="connsiteY3" fmla="*/ 57725 h 295548"/>
+                <a:gd name="connsiteX4" fmla="*/ 372577 w 430440"/>
+                <a:gd name="connsiteY4" fmla="*/ 57725 h 295548"/>
+                <a:gd name="connsiteX5" fmla="*/ 430440 w 430440"/>
+                <a:gd name="connsiteY5" fmla="*/ 115588 h 295548"/>
+                <a:gd name="connsiteX6" fmla="*/ 430439 w 430440"/>
+                <a:gd name="connsiteY6" fmla="*/ 115588 h 295548"/>
+                <a:gd name="connsiteX7" fmla="*/ 372576 w 430440"/>
+                <a:gd name="connsiteY7" fmla="*/ 173451 h 295548"/>
+                <a:gd name="connsiteX8" fmla="*/ 313844 w 430440"/>
+                <a:gd name="connsiteY8" fmla="*/ 173451 h 295548"/>
+                <a:gd name="connsiteX9" fmla="*/ 313844 w 430440"/>
+                <a:gd name="connsiteY9" fmla="*/ 226694 h 295548"/>
+                <a:gd name="connsiteX10" fmla="*/ 244990 w 430440"/>
+                <a:gd name="connsiteY10" fmla="*/ 295548 h 295548"/>
+                <a:gd name="connsiteX11" fmla="*/ 68854 w 430440"/>
+                <a:gd name="connsiteY11" fmla="*/ 295548 h 295548"/>
+                <a:gd name="connsiteX12" fmla="*/ 0 w 430440"/>
+                <a:gd name="connsiteY12" fmla="*/ 226694 h 295548"/>
+                <a:gd name="connsiteX13" fmla="*/ 0 w 430440"/>
+                <a:gd name="connsiteY13" fmla="*/ 68854 h 295548"/>
+                <a:gd name="connsiteX14" fmla="*/ 68854 w 430440"/>
+                <a:gd name="connsiteY14" fmla="*/ 0 h 295548"/>
+              </a:gdLst>
+              <a:ahLst/>
+              <a:cxnLst>
+                <a:cxn ang="0">
+                  <a:pos x="connsiteX0" y="connsiteY0"/>
+                </a:cxn>
+                <a:cxn ang="0">
+                  <a:pos x="connsiteX1" y="connsiteY1"/>
+                </a:cxn>
+                <a:cxn ang="0">
+                  <a:pos x="connsiteX2" y="connsiteY2"/>
+                </a:cxn>
+                <a:cxn ang="0">
+                  <a:pos x="connsiteX3" y="connsiteY3"/>
+                </a:cxn>
+                <a:cxn ang="0">
+                  <a:pos x="connsiteX4" y="connsiteY4"/>
+                </a:cxn>
+                <a:cxn ang="0">
+                  <a:pos x="connsiteX5" y="connsiteY5"/>
+                </a:cxn>
+                <a:cxn ang="0">
+                  <a:pos x="connsiteX6" y="connsiteY6"/>
+                </a:cxn>
+                <a:cxn ang="0">
+                  <a:pos x="connsiteX7" y="connsiteY7"/>
+                </a:cxn>
+                <a:cxn ang="0">
+                  <a:pos x="connsiteX8" y="connsiteY8"/>
+                </a:cxn>
+                <a:cxn ang="0">
+                  <a:pos x="connsiteX9" y="connsiteY9"/>
+                </a:cxn>
+                <a:cxn ang="0">
+                  <a:pos x="connsiteX10" y="connsiteY10"/>
+                </a:cxn>
+                <a:cxn ang="0">
+                  <a:pos x="connsiteX11" y="connsiteY11"/>
+                </a:cxn>
+                <a:cxn ang="0">
+                  <a:pos x="connsiteX12" y="connsiteY12"/>
+                </a:cxn>
+                <a:cxn ang="0">
+                  <a:pos x="connsiteX13" y="connsiteY13"/>
+                </a:cxn>
+                <a:cxn ang="0">
+                  <a:pos x="connsiteX14" y="connsiteY14"/>
+                </a:cxn>
+              </a:cxnLst>
+              <a:rect l="l" t="t" r="r" b="b"/>
+              <a:pathLst>
+                <a:path w="430440" h="295548">
+                  <a:moveTo>
+                    <a:pt x="68854" y="0"/>
+                  </a:moveTo>
+                  <a:lnTo>
+                    <a:pt x="244990" y="0"/>
+                  </a:lnTo>
+                  <a:cubicBezTo>
+                    <a:pt x="273510" y="0"/>
+                    <a:pt x="297981" y="17340"/>
+                    <a:pt x="308433" y="42053"/>
+                  </a:cubicBezTo>
+                  <a:lnTo>
+                    <a:pt x="311597" y="57725"/>
+                  </a:lnTo>
+                  <a:lnTo>
+                    <a:pt x="372577" y="57725"/>
+                  </a:lnTo>
+                  <a:cubicBezTo>
+                    <a:pt x="404534" y="57725"/>
+                    <a:pt x="430440" y="83631"/>
+                    <a:pt x="430440" y="115588"/>
+                  </a:cubicBezTo>
+                  <a:lnTo>
+                    <a:pt x="430439" y="115588"/>
+                  </a:lnTo>
+                  <a:cubicBezTo>
+                    <a:pt x="430439" y="147545"/>
+                    <a:pt x="404533" y="173451"/>
+                    <a:pt x="372576" y="173451"/>
+                  </a:cubicBezTo>
+                  <a:lnTo>
+                    <a:pt x="313844" y="173451"/>
+                  </a:lnTo>
+                  <a:lnTo>
+                    <a:pt x="313844" y="226694"/>
+                  </a:lnTo>
+                  <a:cubicBezTo>
+                    <a:pt x="313844" y="264721"/>
+                    <a:pt x="283017" y="295548"/>
+                    <a:pt x="244990" y="295548"/>
+                  </a:cubicBezTo>
+                  <a:lnTo>
+                    <a:pt x="68854" y="295548"/>
+                  </a:lnTo>
+                  <a:cubicBezTo>
+                    <a:pt x="30827" y="295548"/>
+                    <a:pt x="0" y="264721"/>
+                    <a:pt x="0" y="226694"/>
+                  </a:cubicBezTo>
+                  <a:lnTo>
+                    <a:pt x="0" y="68854"/>
+                  </a:lnTo>
+                  <a:cubicBezTo>
+                    <a:pt x="0" y="30827"/>
+                    <a:pt x="30827" y="0"/>
+                    <a:pt x="68854" y="0"/>
+                  </a:cubicBezTo>
+                  <a:close/>
+                </a:path>
+              </a:pathLst>
+            </a:custGeom>
+            <a:solidFill>
+              <a:srgbClr val="7F7F7F"/>
+            </a:solidFill>
+            <a:ln w="19050" cap="rnd">
+              <a:solidFill>
+                <a:schemeClr val="tx1"/>
+              </a:solidFill>
+              <a:round/>
+            </a:ln>
+          </p:spPr>
+          <p:style>
+            <a:lnRef idx="2">
+              <a:schemeClr val="accent1">
+                <a:shade val="50000"/>
+              </a:schemeClr>
+            </a:lnRef>
+            <a:fillRef idx="1">
+              <a:schemeClr val="accent1"/>
+            </a:fillRef>
+            <a:effectRef idx="0">
+              <a:schemeClr val="accent1"/>
+            </a:effectRef>
+            <a:fontRef idx="minor">
+              <a:schemeClr val="lt1"/>
+            </a:fontRef>
+          </p:style>
+          <p:txBody>
+            <a:bodyPr rot="0" spcFirstLastPara="0" vertOverflow="overflow" horzOverflow="overflow" vert="horz" wrap="square" lIns="0" tIns="0" rIns="0" bIns="0" numCol="1" spcCol="0" rtlCol="0" fromWordArt="0" anchor="ctr" anchorCtr="0" forceAA="0" compatLnSpc="1">
+              <a:prstTxWarp prst="textNoShape">
+                <a:avLst/>
+              </a:prstTxWarp>
+              <a:noAutofit/>
+            </a:bodyPr>
+            <a:lstStyle/>
+            <a:p>
+              <a:pPr algn="ctr"/>
+              <a:endParaRPr lang="en-CA" sz="800" dirty="0">
+                <a:cs typeface="Segoe UI" panose="020B0502040204020203" pitchFamily="34" charset="0"/>
+              </a:endParaRPr>
+            </a:p>
+          </p:txBody>
+        </p:sp>
+        <p:sp>
+          <p:nvSpPr>
+            <p:cNvPr id="1102" name="Oval 1101">
+              <a:extLst>
+                <a:ext uri="{FF2B5EF4-FFF2-40B4-BE49-F238E27FC236}">
+                  <a16:creationId xmlns:a16="http://schemas.microsoft.com/office/drawing/2014/main" id="{3AF376F5-5155-1CA3-2021-DFC5560A7D10}"/>
+                </a:ext>
+              </a:extLst>
+            </p:cNvPr>
+            <p:cNvSpPr/>
+            <p:nvPr/>
+          </p:nvSpPr>
+          <p:spPr>
+            <a:xfrm>
+              <a:off x="7536910" y="5265524"/>
+              <a:ext cx="102149" cy="102149"/>
+            </a:xfrm>
+            <a:prstGeom prst="ellipse">
+              <a:avLst/>
+            </a:prstGeom>
+            <a:ln w="19050">
+              <a:solidFill>
+                <a:schemeClr val="tx1"/>
+              </a:solidFill>
+            </a:ln>
+          </p:spPr>
+          <p:style>
+            <a:lnRef idx="2">
+              <a:schemeClr val="accent1">
+                <a:shade val="15000"/>
+              </a:schemeClr>
+            </a:lnRef>
+            <a:fillRef idx="1">
+              <a:schemeClr val="accent1"/>
+            </a:fillRef>
+            <a:effectRef idx="0">
+              <a:schemeClr val="accent1"/>
+            </a:effectRef>
+            <a:fontRef idx="minor">
+              <a:schemeClr val="lt1"/>
+            </a:fontRef>
+          </p:style>
+          <p:txBody>
+            <a:bodyPr rtlCol="0" anchor="ctr"/>
+            <a:lstStyle/>
+            <a:p>
+              <a:pPr algn="ctr"/>
+              <a:endParaRPr lang="en-CA"/>
+            </a:p>
+          </p:txBody>
+        </p:sp>
+        <p:sp>
+          <p:nvSpPr>
+            <p:cNvPr id="1103" name="Oval 1102">
+              <a:extLst>
+                <a:ext uri="{FF2B5EF4-FFF2-40B4-BE49-F238E27FC236}">
+                  <a16:creationId xmlns:a16="http://schemas.microsoft.com/office/drawing/2014/main" id="{F7BAB8EF-DE96-1A7B-FFB2-1081121EC2E5}"/>
+                </a:ext>
+              </a:extLst>
+            </p:cNvPr>
+            <p:cNvSpPr/>
+            <p:nvPr/>
+          </p:nvSpPr>
+          <p:spPr>
+            <a:xfrm>
+              <a:off x="7553647" y="5456904"/>
+              <a:ext cx="68676" cy="68674"/>
+            </a:xfrm>
+            <a:prstGeom prst="ellipse">
+              <a:avLst/>
+            </a:prstGeom>
+            <a:solidFill>
+              <a:srgbClr val="7F7F7F"/>
+            </a:solidFill>
+            <a:ln w="19050" cap="rnd">
+              <a:solidFill>
+                <a:schemeClr val="tx1"/>
+              </a:solidFill>
+              <a:round/>
+            </a:ln>
+          </p:spPr>
+          <p:style>
+            <a:lnRef idx="2">
+              <a:schemeClr val="accent1">
+                <a:shade val="50000"/>
+              </a:schemeClr>
+            </a:lnRef>
+            <a:fillRef idx="1">
+              <a:schemeClr val="accent1"/>
+            </a:fillRef>
+            <a:effectRef idx="0">
+              <a:schemeClr val="accent1"/>
+            </a:effectRef>
+            <a:fontRef idx="minor">
+              <a:schemeClr val="lt1"/>
+            </a:fontRef>
+          </p:style>
+          <p:txBody>
+            <a:bodyPr rot="0" spcFirstLastPara="0" vertOverflow="overflow" horzOverflow="overflow" vert="horz" wrap="square" lIns="0" tIns="0" rIns="0" bIns="0" numCol="1" spcCol="0" rtlCol="0" fromWordArt="0" anchor="ctr" anchorCtr="0" forceAA="0" compatLnSpc="1">
+              <a:prstTxWarp prst="textNoShape">
+                <a:avLst/>
+              </a:prstTxWarp>
+              <a:noAutofit/>
+            </a:bodyPr>
+            <a:lstStyle/>
+            <a:p>
+              <a:pPr algn="ctr"/>
+              <a:endParaRPr lang="en-CA" sz="800">
+                <a:cs typeface="Segoe UI" panose="020B0502040204020203" pitchFamily="34" charset="0"/>
+              </a:endParaRPr>
+            </a:p>
+          </p:txBody>
+        </p:sp>
+        <p:sp>
+          <p:nvSpPr>
+            <p:cNvPr id="1104" name="Oval 1103">
+              <a:extLst>
+                <a:ext uri="{FF2B5EF4-FFF2-40B4-BE49-F238E27FC236}">
+                  <a16:creationId xmlns:a16="http://schemas.microsoft.com/office/drawing/2014/main" id="{C40BBDA9-BA35-3328-8D95-32CFF7F04685}"/>
+                </a:ext>
+              </a:extLst>
+            </p:cNvPr>
+            <p:cNvSpPr/>
+            <p:nvPr/>
+          </p:nvSpPr>
+          <p:spPr>
+            <a:xfrm>
+              <a:off x="7466902" y="5468381"/>
+              <a:ext cx="45722" cy="45720"/>
+            </a:xfrm>
+            <a:prstGeom prst="ellipse">
+              <a:avLst/>
+            </a:prstGeom>
+            <a:solidFill>
+              <a:srgbClr val="00B050"/>
+            </a:solidFill>
+            <a:ln w="19050" cap="rnd">
+              <a:solidFill>
+                <a:schemeClr val="tx1"/>
+              </a:solidFill>
+              <a:round/>
+            </a:ln>
+          </p:spPr>
+          <p:style>
+            <a:lnRef idx="2">
+              <a:schemeClr val="accent1">
+                <a:shade val="50000"/>
+              </a:schemeClr>
+            </a:lnRef>
+            <a:fillRef idx="1">
+              <a:schemeClr val="accent1"/>
+            </a:fillRef>
+            <a:effectRef idx="0">
+              <a:schemeClr val="accent1"/>
+            </a:effectRef>
+            <a:fontRef idx="minor">
+              <a:schemeClr val="lt1"/>
+            </a:fontRef>
+          </p:style>
+          <p:txBody>
+            <a:bodyPr rot="0" spcFirstLastPara="0" vertOverflow="overflow" horzOverflow="overflow" vert="horz" wrap="square" lIns="0" tIns="0" rIns="0" bIns="0" numCol="1" spcCol="0" rtlCol="0" fromWordArt="0" anchor="ctr" anchorCtr="0" forceAA="0" compatLnSpc="1">
+              <a:prstTxWarp prst="textNoShape">
+                <a:avLst/>
+              </a:prstTxWarp>
+              <a:noAutofit/>
+            </a:bodyPr>
+            <a:lstStyle/>
+            <a:p>
+              <a:pPr algn="ctr"/>
+              <a:endParaRPr lang="en-CA" sz="800">
+                <a:cs typeface="Segoe UI" panose="020B0502040204020203" pitchFamily="34" charset="0"/>
+              </a:endParaRPr>
+            </a:p>
+          </p:txBody>
+        </p:sp>
+        <p:sp>
+          <p:nvSpPr>
+            <p:cNvPr id="1105" name="Oval 1104">
+              <a:extLst>
+                <a:ext uri="{FF2B5EF4-FFF2-40B4-BE49-F238E27FC236}">
+                  <a16:creationId xmlns:a16="http://schemas.microsoft.com/office/drawing/2014/main" id="{CC544D0D-AAB7-EA7B-6C2C-7E2BBB31E8DE}"/>
+                </a:ext>
+              </a:extLst>
+            </p:cNvPr>
+            <p:cNvSpPr/>
+            <p:nvPr/>
+          </p:nvSpPr>
+          <p:spPr>
+            <a:xfrm>
+              <a:off x="7381177" y="5468381"/>
+              <a:ext cx="45722" cy="45720"/>
+            </a:xfrm>
+            <a:prstGeom prst="ellipse">
+              <a:avLst/>
+            </a:prstGeom>
+            <a:solidFill>
+              <a:srgbClr val="FF0000"/>
+            </a:solidFill>
+            <a:ln w="19050" cap="rnd">
+              <a:solidFill>
+                <a:schemeClr val="tx1"/>
+              </a:solidFill>
+              <a:round/>
+            </a:ln>
+          </p:spPr>
+          <p:style>
+            <a:lnRef idx="2">
+              <a:schemeClr val="accent1">
+                <a:shade val="50000"/>
+              </a:schemeClr>
+            </a:lnRef>
+            <a:fillRef idx="1">
+              <a:schemeClr val="accent1"/>
+            </a:fillRef>
+            <a:effectRef idx="0">
+              <a:schemeClr val="accent1"/>
+            </a:effectRef>
+            <a:fontRef idx="minor">
+              <a:schemeClr val="lt1"/>
+            </a:fontRef>
+          </p:style>
+          <p:txBody>
+            <a:bodyPr rot="0" spcFirstLastPara="0" vertOverflow="overflow" horzOverflow="overflow" vert="horz" wrap="square" lIns="0" tIns="0" rIns="0" bIns="0" numCol="1" spcCol="0" rtlCol="0" fromWordArt="0" anchor="ctr" anchorCtr="0" forceAA="0" compatLnSpc="1">
+              <a:prstTxWarp prst="textNoShape">
+                <a:avLst/>
+              </a:prstTxWarp>
+              <a:noAutofit/>
+            </a:bodyPr>
+            <a:lstStyle/>
+            <a:p>
+              <a:pPr algn="ctr"/>
+              <a:endParaRPr lang="en-CA" sz="800">
+                <a:cs typeface="Segoe UI" panose="020B0502040204020203" pitchFamily="34" charset="0"/>
+              </a:endParaRPr>
+            </a:p>
+          </p:txBody>
+        </p:sp>
+      </p:grpSp>
+      <p:sp>
+        <p:nvSpPr>
+          <p:cNvPr id="1107" name="Rectangle 1106">
+            <a:extLst>
+              <a:ext uri="{FF2B5EF4-FFF2-40B4-BE49-F238E27FC236}">
+                <a16:creationId xmlns:a16="http://schemas.microsoft.com/office/drawing/2014/main" id="{4AED37DA-A665-5419-A112-4773E77C18FA}"/>
+              </a:ext>
+            </a:extLst>
+          </p:cNvPr>
+          <p:cNvSpPr/>
+          <p:nvPr/>
+        </p:nvSpPr>
+        <p:spPr>
+          <a:xfrm>
+            <a:off x="7055088" y="5920775"/>
+            <a:ext cx="1345924" cy="378592"/>
+          </a:xfrm>
+          <a:prstGeom prst="rect">
+            <a:avLst/>
+          </a:prstGeom>
+          <a:noFill/>
+          <a:ln w="31750">
+            <a:noFill/>
+          </a:ln>
+        </p:spPr>
+        <p:style>
+          <a:lnRef idx="2">
+            <a:schemeClr val="accent1">
+              <a:shade val="50000"/>
+            </a:schemeClr>
+          </a:lnRef>
+          <a:fillRef idx="1">
+            <a:schemeClr val="accent1"/>
+          </a:fillRef>
+          <a:effectRef idx="0">
+            <a:schemeClr val="accent1"/>
+          </a:effectRef>
+          <a:fontRef idx="minor">
+            <a:schemeClr val="lt1"/>
+          </a:fontRef>
+        </p:style>
+        <p:txBody>
+          <a:bodyPr rot="0" spcFirstLastPara="0" vertOverflow="overflow" horzOverflow="overflow" vert="horz" wrap="square" lIns="0" tIns="0" rIns="0" bIns="0" numCol="1" spcCol="0" rtlCol="0" fromWordArt="0" anchor="t" anchorCtr="0" forceAA="0" compatLnSpc="1">
+            <a:prstTxWarp prst="textNoShape">
+              <a:avLst/>
+            </a:prstTxWarp>
+            <a:noAutofit/>
+          </a:bodyPr>
+          <a:lstStyle/>
+          <a:p>
+            <a:pPr algn="ctr"/>
+            <a:r>
+              <a:rPr lang="en-US" sz="1400" dirty="0" err="1">
+                <a:solidFill>
+                  <a:schemeClr val="tx1"/>
+                </a:solidFill>
+                <a:latin typeface="Gotham Narrow Book" pitchFamily="50" charset="0"/>
+                <a:ea typeface="Roboto" panose="02000000000000000000" pitchFamily="2" charset="0"/>
+                <a:cs typeface="Arial" panose="020B0604020202020204" pitchFamily="34" charset="0"/>
+              </a:rPr>
+              <a:t>microAeth</a:t>
+            </a:r>
+            <a:endParaRPr lang="el-GR" sz="1400" dirty="0">
+              <a:solidFill>
+                <a:schemeClr val="tx1"/>
+              </a:solidFill>
+              <a:latin typeface="Gotham Narrow Book" pitchFamily="50" charset="0"/>
+              <a:ea typeface="Roboto" panose="02000000000000000000" pitchFamily="2" charset="0"/>
+              <a:cs typeface="Arial" panose="020B0604020202020204" pitchFamily="34" charset="0"/>
+            </a:endParaRPr>
+          </a:p>
+        </p:txBody>
+      </p:sp>
     </p:spTree>
     <p:extLst>
       <p:ext uri="{BB962C8B-B14F-4D97-AF65-F5344CB8AC3E}">
@@ -39570,7 +44279,7 @@
         </p:nvGrpSpPr>
         <p:grpSpPr>
           <a:xfrm>
-            <a:off x="6525245" y="1160751"/>
+            <a:off x="6936062" y="1160751"/>
             <a:ext cx="566643" cy="926554"/>
             <a:chOff x="5401624" y="962484"/>
             <a:chExt cx="566643" cy="926554"/>
@@ -40206,7 +44915,7 @@
         </p:nvSpPr>
         <p:spPr>
           <a:xfrm>
-            <a:off x="6121434" y="2180456"/>
+            <a:off x="6532251" y="2180456"/>
             <a:ext cx="1345924" cy="300640"/>
           </a:xfrm>
           <a:prstGeom prst="rect">
@@ -42440,7 +47149,7 @@
         </p:nvGrpSpPr>
         <p:grpSpPr>
           <a:xfrm>
-            <a:off x="7638030" y="1266536"/>
+            <a:off x="8048847" y="1266536"/>
             <a:ext cx="1963212" cy="826859"/>
             <a:chOff x="6096000" y="762278"/>
             <a:chExt cx="1963212" cy="826859"/>
@@ -45973,7 +50682,7 @@
         </p:nvSpPr>
         <p:spPr>
           <a:xfrm>
-            <a:off x="7990197" y="2180456"/>
+            <a:off x="8401014" y="2180456"/>
             <a:ext cx="1345924" cy="378592"/>
           </a:xfrm>
           <a:prstGeom prst="rect">
@@ -46046,7 +50755,7 @@
         </p:nvGrpSpPr>
         <p:grpSpPr>
           <a:xfrm>
-            <a:off x="4588117" y="3672425"/>
+            <a:off x="6589195" y="3672425"/>
             <a:ext cx="902167" cy="1010179"/>
             <a:chOff x="4672447" y="3204634"/>
             <a:chExt cx="1345924" cy="1507064"/>
@@ -47016,7 +51725,7 @@
         </p:nvSpPr>
         <p:spPr>
           <a:xfrm>
-            <a:off x="4356600" y="4770695"/>
+            <a:off x="6357678" y="4770695"/>
             <a:ext cx="1345924" cy="300640"/>
           </a:xfrm>
           <a:prstGeom prst="rect">
@@ -47067,731 +51776,12 @@
           </a:p>
         </p:txBody>
       </p:sp>
-      <p:grpSp>
-        <p:nvGrpSpPr>
-          <p:cNvPr id="474" name="Group 473">
+      <p:sp>
+        <p:nvSpPr>
+          <p:cNvPr id="2" name="Rectangle 1">
             <a:extLst>
               <a:ext uri="{FF2B5EF4-FFF2-40B4-BE49-F238E27FC236}">
-                <a16:creationId xmlns:a16="http://schemas.microsoft.com/office/drawing/2014/main" id="{5AE2DF5F-C031-D917-0E15-557A66A1F7BB}"/>
-              </a:ext>
-            </a:extLst>
-          </p:cNvPr>
-          <p:cNvGrpSpPr/>
-          <p:nvPr/>
-        </p:nvGrpSpPr>
-        <p:grpSpPr>
-          <a:xfrm>
-            <a:off x="6168071" y="3952523"/>
-            <a:ext cx="1336678" cy="717445"/>
-            <a:chOff x="8503559" y="3189857"/>
-            <a:chExt cx="1336678" cy="717445"/>
-          </a:xfrm>
-        </p:grpSpPr>
-        <p:grpSp>
-          <p:nvGrpSpPr>
-            <p:cNvPr id="55" name="Group 54">
-              <a:extLst>
-                <a:ext uri="{FF2B5EF4-FFF2-40B4-BE49-F238E27FC236}">
-                  <a16:creationId xmlns:a16="http://schemas.microsoft.com/office/drawing/2014/main" id="{114DBAAE-C96A-55DF-7E1C-3ECF101A57BD}"/>
-                </a:ext>
-              </a:extLst>
-            </p:cNvPr>
-            <p:cNvGrpSpPr/>
-            <p:nvPr/>
-          </p:nvGrpSpPr>
-          <p:grpSpPr>
-            <a:xfrm>
-              <a:off x="8568008" y="3788901"/>
-              <a:ext cx="1207781" cy="118401"/>
-              <a:chOff x="8562486" y="3788901"/>
-              <a:chExt cx="1207781" cy="118401"/>
-            </a:xfrm>
-          </p:grpSpPr>
-          <p:sp>
-            <p:nvSpPr>
-              <p:cNvPr id="53" name="Rectangle: Rounded Corners 52">
-                <a:extLst>
-                  <a:ext uri="{FF2B5EF4-FFF2-40B4-BE49-F238E27FC236}">
-                    <a16:creationId xmlns:a16="http://schemas.microsoft.com/office/drawing/2014/main" id="{B6BA3C40-0C62-A74E-BD8B-0CFAC50DF7CF}"/>
-                  </a:ext>
-                </a:extLst>
-              </p:cNvPr>
-              <p:cNvSpPr/>
-              <p:nvPr/>
-            </p:nvSpPr>
-            <p:spPr>
-              <a:xfrm rot="5400000">
-                <a:off x="8533858" y="3817529"/>
-                <a:ext cx="118401" cy="61146"/>
-              </a:xfrm>
-              <a:prstGeom prst="roundRect">
-                <a:avLst>
-                  <a:gd name="adj" fmla="val 22789"/>
-                </a:avLst>
-              </a:prstGeom>
-              <a:solidFill>
-                <a:schemeClr val="bg1">
-                  <a:lumMod val="50000"/>
-                </a:schemeClr>
-              </a:solidFill>
-              <a:ln w="19050">
-                <a:solidFill>
-                  <a:schemeClr val="tx1"/>
-                </a:solidFill>
-              </a:ln>
-            </p:spPr>
-            <p:style>
-              <a:lnRef idx="2">
-                <a:schemeClr val="accent1">
-                  <a:shade val="50000"/>
-                </a:schemeClr>
-              </a:lnRef>
-              <a:fillRef idx="1">
-                <a:schemeClr val="accent1"/>
-              </a:fillRef>
-              <a:effectRef idx="0">
-                <a:schemeClr val="accent1"/>
-              </a:effectRef>
-              <a:fontRef idx="minor">
-                <a:schemeClr val="lt1"/>
-              </a:fontRef>
-            </p:style>
-            <p:txBody>
-              <a:bodyPr rtlCol="0" anchor="ctr"/>
-              <a:lstStyle/>
-              <a:p>
-                <a:pPr algn="ctr"/>
-                <a:endParaRPr lang="en-CA" sz="4400">
-                  <a:cs typeface="Arial" panose="020B0604020202020204" pitchFamily="34" charset="0"/>
-                </a:endParaRPr>
-              </a:p>
-            </p:txBody>
-          </p:sp>
-          <p:sp>
-            <p:nvSpPr>
-              <p:cNvPr id="54" name="Rectangle: Rounded Corners 53">
-                <a:extLst>
-                  <a:ext uri="{FF2B5EF4-FFF2-40B4-BE49-F238E27FC236}">
-                    <a16:creationId xmlns:a16="http://schemas.microsoft.com/office/drawing/2014/main" id="{BE40CEE3-4618-86F2-AC6B-EA774A74A9FB}"/>
-                  </a:ext>
-                </a:extLst>
-              </p:cNvPr>
-              <p:cNvSpPr/>
-              <p:nvPr/>
-            </p:nvSpPr>
-            <p:spPr>
-              <a:xfrm rot="5400000">
-                <a:off x="9680493" y="3817529"/>
-                <a:ext cx="118401" cy="61146"/>
-              </a:xfrm>
-              <a:prstGeom prst="roundRect">
-                <a:avLst>
-                  <a:gd name="adj" fmla="val 22789"/>
-                </a:avLst>
-              </a:prstGeom>
-              <a:solidFill>
-                <a:schemeClr val="bg1">
-                  <a:lumMod val="50000"/>
-                </a:schemeClr>
-              </a:solidFill>
-              <a:ln w="19050">
-                <a:solidFill>
-                  <a:schemeClr val="tx1"/>
-                </a:solidFill>
-              </a:ln>
-            </p:spPr>
-            <p:style>
-              <a:lnRef idx="2">
-                <a:schemeClr val="accent1">
-                  <a:shade val="50000"/>
-                </a:schemeClr>
-              </a:lnRef>
-              <a:fillRef idx="1">
-                <a:schemeClr val="accent1"/>
-              </a:fillRef>
-              <a:effectRef idx="0">
-                <a:schemeClr val="accent1"/>
-              </a:effectRef>
-              <a:fontRef idx="minor">
-                <a:schemeClr val="lt1"/>
-              </a:fontRef>
-            </p:style>
-            <p:txBody>
-              <a:bodyPr rtlCol="0" anchor="ctr"/>
-              <a:lstStyle/>
-              <a:p>
-                <a:pPr algn="ctr"/>
-                <a:endParaRPr lang="en-CA" sz="4400" dirty="0">
-                  <a:cs typeface="Arial" panose="020B0604020202020204" pitchFamily="34" charset="0"/>
-                </a:endParaRPr>
-              </a:p>
-            </p:txBody>
-          </p:sp>
-        </p:grpSp>
-        <p:sp>
-          <p:nvSpPr>
-            <p:cNvPr id="52" name="Rectangle: Rounded Corners 51">
-              <a:extLst>
-                <a:ext uri="{FF2B5EF4-FFF2-40B4-BE49-F238E27FC236}">
-                  <a16:creationId xmlns:a16="http://schemas.microsoft.com/office/drawing/2014/main" id="{9C523707-44EF-50B8-3BA0-90850AAB70A2}"/>
-                </a:ext>
-              </a:extLst>
-            </p:cNvPr>
-            <p:cNvSpPr/>
-            <p:nvPr/>
-          </p:nvSpPr>
-          <p:spPr>
-            <a:xfrm>
-              <a:off x="8503559" y="3189857"/>
-              <a:ext cx="1336678" cy="679780"/>
-            </a:xfrm>
-            <a:prstGeom prst="roundRect">
-              <a:avLst>
-                <a:gd name="adj" fmla="val 3608"/>
-              </a:avLst>
-            </a:prstGeom>
-            <a:solidFill>
-              <a:schemeClr val="bg1">
-                <a:lumMod val="85000"/>
-              </a:schemeClr>
-            </a:solidFill>
-            <a:ln w="19050" cap="rnd">
-              <a:solidFill>
-                <a:schemeClr val="tx1"/>
-              </a:solidFill>
-              <a:round/>
-            </a:ln>
-          </p:spPr>
-          <p:style>
-            <a:lnRef idx="2">
-              <a:schemeClr val="accent1">
-                <a:shade val="50000"/>
-              </a:schemeClr>
-            </a:lnRef>
-            <a:fillRef idx="1">
-              <a:schemeClr val="accent1"/>
-            </a:fillRef>
-            <a:effectRef idx="0">
-              <a:schemeClr val="accent1"/>
-            </a:effectRef>
-            <a:fontRef idx="minor">
-              <a:schemeClr val="lt1"/>
-            </a:fontRef>
-          </p:style>
-          <p:txBody>
-            <a:bodyPr rot="0" spcFirstLastPara="0" vertOverflow="overflow" horzOverflow="overflow" vert="horz" wrap="square" lIns="0" tIns="0" rIns="0" bIns="0" numCol="1" spcCol="0" rtlCol="0" fromWordArt="0" anchor="ctr" anchorCtr="0" forceAA="0" compatLnSpc="1">
-              <a:prstTxWarp prst="textNoShape">
-                <a:avLst/>
-              </a:prstTxWarp>
-              <a:noAutofit/>
-            </a:bodyPr>
-            <a:lstStyle/>
-            <a:p>
-              <a:pPr algn="ctr"/>
-              <a:endParaRPr lang="en-CA" sz="800" dirty="0">
-                <a:cs typeface="Segoe UI" panose="020B0502040204020203" pitchFamily="34" charset="0"/>
-              </a:endParaRPr>
-            </a:p>
-          </p:txBody>
-        </p:sp>
-        <p:grpSp>
-          <p:nvGrpSpPr>
-            <p:cNvPr id="469" name="Group 468">
-              <a:extLst>
-                <a:ext uri="{FF2B5EF4-FFF2-40B4-BE49-F238E27FC236}">
-                  <a16:creationId xmlns:a16="http://schemas.microsoft.com/office/drawing/2014/main" id="{391CF586-FDDC-2A1E-A29E-088DF8A6C11C}"/>
-                </a:ext>
-              </a:extLst>
-            </p:cNvPr>
-            <p:cNvGrpSpPr/>
-            <p:nvPr/>
-          </p:nvGrpSpPr>
-          <p:grpSpPr>
-            <a:xfrm>
-              <a:off x="9500373" y="3559636"/>
-              <a:ext cx="214269" cy="135316"/>
-              <a:chOff x="9487817" y="3529493"/>
-              <a:chExt cx="241160" cy="152298"/>
-            </a:xfrm>
-          </p:grpSpPr>
-          <p:sp>
-            <p:nvSpPr>
-              <p:cNvPr id="56" name="Rectangle: Rounded Corners 55">
-                <a:extLst>
-                  <a:ext uri="{FF2B5EF4-FFF2-40B4-BE49-F238E27FC236}">
-                    <a16:creationId xmlns:a16="http://schemas.microsoft.com/office/drawing/2014/main" id="{8603D4C0-A909-09B3-7DDF-597FBA6308DC}"/>
-                  </a:ext>
-                </a:extLst>
-              </p:cNvPr>
-              <p:cNvSpPr/>
-              <p:nvPr/>
-            </p:nvSpPr>
-            <p:spPr>
-              <a:xfrm>
-                <a:off x="9487817" y="3529493"/>
-                <a:ext cx="241160" cy="152298"/>
-              </a:xfrm>
-              <a:prstGeom prst="roundRect">
-                <a:avLst>
-                  <a:gd name="adj" fmla="val 6319"/>
-                </a:avLst>
-              </a:prstGeom>
-              <a:solidFill>
-                <a:srgbClr val="00B0F0"/>
-              </a:solidFill>
-              <a:ln w="19050">
-                <a:solidFill>
-                  <a:schemeClr val="tx1"/>
-                </a:solidFill>
-              </a:ln>
-            </p:spPr>
-            <p:style>
-              <a:lnRef idx="2">
-                <a:schemeClr val="accent1">
-                  <a:shade val="50000"/>
-                </a:schemeClr>
-              </a:lnRef>
-              <a:fillRef idx="1">
-                <a:schemeClr val="accent1"/>
-              </a:fillRef>
-              <a:effectRef idx="0">
-                <a:schemeClr val="accent1"/>
-              </a:effectRef>
-              <a:fontRef idx="minor">
-                <a:schemeClr val="lt1"/>
-              </a:fontRef>
-            </p:style>
-            <p:txBody>
-              <a:bodyPr rtlCol="0" anchor="ctr"/>
-              <a:lstStyle/>
-              <a:p>
-                <a:pPr algn="ctr"/>
-                <a:endParaRPr lang="en-US" sz="4400">
-                  <a:cs typeface="Arial" panose="020B0604020202020204" pitchFamily="34" charset="0"/>
-                </a:endParaRPr>
-              </a:p>
-            </p:txBody>
-          </p:sp>
-          <p:cxnSp>
-            <p:nvCxnSpPr>
-              <p:cNvPr id="57" name="Straight Connector 56">
-                <a:extLst>
-                  <a:ext uri="{FF2B5EF4-FFF2-40B4-BE49-F238E27FC236}">
-                    <a16:creationId xmlns:a16="http://schemas.microsoft.com/office/drawing/2014/main" id="{130E7C1D-FF61-86E2-879E-1C33E877E233}"/>
-                  </a:ext>
-                </a:extLst>
-              </p:cNvPr>
-              <p:cNvCxnSpPr>
-                <a:cxnSpLocks/>
-              </p:cNvCxnSpPr>
-              <p:nvPr/>
-            </p:nvCxnSpPr>
-            <p:spPr>
-              <a:xfrm>
-                <a:off x="9538355" y="3579461"/>
-                <a:ext cx="72886" cy="0"/>
-              </a:xfrm>
-              <a:prstGeom prst="line">
-                <a:avLst/>
-              </a:prstGeom>
-              <a:noFill/>
-              <a:ln w="19050" cap="rnd">
-                <a:solidFill>
-                  <a:schemeClr val="tx1"/>
-                </a:solidFill>
-                <a:round/>
-              </a:ln>
-            </p:spPr>
-            <p:style>
-              <a:lnRef idx="2">
-                <a:schemeClr val="accent1">
-                  <a:shade val="50000"/>
-                </a:schemeClr>
-              </a:lnRef>
-              <a:fillRef idx="1">
-                <a:schemeClr val="accent1"/>
-              </a:fillRef>
-              <a:effectRef idx="0">
-                <a:schemeClr val="accent1"/>
-              </a:effectRef>
-              <a:fontRef idx="minor">
-                <a:schemeClr val="lt1"/>
-              </a:fontRef>
-            </p:style>
-          </p:cxnSp>
-          <p:cxnSp>
-            <p:nvCxnSpPr>
-              <p:cNvPr id="58" name="Straight Connector 57">
-                <a:extLst>
-                  <a:ext uri="{FF2B5EF4-FFF2-40B4-BE49-F238E27FC236}">
-                    <a16:creationId xmlns:a16="http://schemas.microsoft.com/office/drawing/2014/main" id="{A2C9D766-CBE9-A1C2-5BA2-18FC6B75795A}"/>
-                  </a:ext>
-                </a:extLst>
-              </p:cNvPr>
-              <p:cNvCxnSpPr>
-                <a:cxnSpLocks/>
-              </p:cNvCxnSpPr>
-              <p:nvPr/>
-            </p:nvCxnSpPr>
-            <p:spPr>
-              <a:xfrm>
-                <a:off x="9538355" y="3629939"/>
-                <a:ext cx="89519" cy="0"/>
-              </a:xfrm>
-              <a:prstGeom prst="line">
-                <a:avLst/>
-              </a:prstGeom>
-              <a:noFill/>
-              <a:ln w="19050" cap="rnd">
-                <a:solidFill>
-                  <a:schemeClr val="tx1"/>
-                </a:solidFill>
-                <a:round/>
-              </a:ln>
-            </p:spPr>
-            <p:style>
-              <a:lnRef idx="2">
-                <a:schemeClr val="accent1">
-                  <a:shade val="50000"/>
-                </a:schemeClr>
-              </a:lnRef>
-              <a:fillRef idx="1">
-                <a:schemeClr val="accent1"/>
-              </a:fillRef>
-              <a:effectRef idx="0">
-                <a:schemeClr val="accent1"/>
-              </a:effectRef>
-              <a:fontRef idx="minor">
-                <a:schemeClr val="lt1"/>
-              </a:fontRef>
-            </p:style>
-          </p:cxnSp>
-        </p:grpSp>
-        <p:sp>
-          <p:nvSpPr>
-            <p:cNvPr id="59" name="Oval 58">
-              <a:extLst>
-                <a:ext uri="{FF2B5EF4-FFF2-40B4-BE49-F238E27FC236}">
-                  <a16:creationId xmlns:a16="http://schemas.microsoft.com/office/drawing/2014/main" id="{A1CF6FD4-792A-29F3-19CA-D822129CB209}"/>
-                </a:ext>
-              </a:extLst>
-            </p:cNvPr>
-            <p:cNvSpPr/>
-            <p:nvPr/>
-          </p:nvSpPr>
-          <p:spPr>
-            <a:xfrm>
-              <a:off x="9632950" y="3479799"/>
-              <a:ext cx="45719" cy="45719"/>
-            </a:xfrm>
-            <a:prstGeom prst="ellipse">
-              <a:avLst/>
-            </a:prstGeom>
-            <a:solidFill>
-              <a:srgbClr val="D024F7"/>
-            </a:solidFill>
-            <a:ln w="19050" cap="rnd">
-              <a:solidFill>
-                <a:schemeClr val="tx1"/>
-              </a:solidFill>
-              <a:round/>
-            </a:ln>
-          </p:spPr>
-          <p:style>
-            <a:lnRef idx="2">
-              <a:schemeClr val="accent1">
-                <a:shade val="50000"/>
-              </a:schemeClr>
-            </a:lnRef>
-            <a:fillRef idx="1">
-              <a:schemeClr val="accent1"/>
-            </a:fillRef>
-            <a:effectRef idx="0">
-              <a:schemeClr val="accent1"/>
-            </a:effectRef>
-            <a:fontRef idx="minor">
-              <a:schemeClr val="lt1"/>
-            </a:fontRef>
-          </p:style>
-          <p:txBody>
-            <a:bodyPr rtlCol="0" anchor="ctr"/>
-            <a:lstStyle/>
-            <a:p>
-              <a:pPr algn="ctr"/>
-              <a:endParaRPr lang="en-CA"/>
-            </a:p>
-          </p:txBody>
-        </p:sp>
-        <p:sp>
-          <p:nvSpPr>
-            <p:cNvPr id="60" name="Oval 59">
-              <a:extLst>
-                <a:ext uri="{FF2B5EF4-FFF2-40B4-BE49-F238E27FC236}">
-                  <a16:creationId xmlns:a16="http://schemas.microsoft.com/office/drawing/2014/main" id="{06377181-043F-C8EC-A528-E9DDF5F0436F}"/>
-                </a:ext>
-              </a:extLst>
-            </p:cNvPr>
-            <p:cNvSpPr/>
-            <p:nvPr/>
-          </p:nvSpPr>
-          <p:spPr>
-            <a:xfrm>
-              <a:off x="8643946" y="3626836"/>
-              <a:ext cx="152883" cy="152883"/>
-            </a:xfrm>
-            <a:prstGeom prst="ellipse">
-              <a:avLst/>
-            </a:prstGeom>
-            <a:solidFill>
-              <a:srgbClr val="0244AC"/>
-            </a:solidFill>
-            <a:ln w="19050">
-              <a:solidFill>
-                <a:schemeClr val="tx1"/>
-              </a:solidFill>
-            </a:ln>
-          </p:spPr>
-          <p:style>
-            <a:lnRef idx="2">
-              <a:schemeClr val="accent1">
-                <a:shade val="15000"/>
-              </a:schemeClr>
-            </a:lnRef>
-            <a:fillRef idx="1">
-              <a:schemeClr val="accent1"/>
-            </a:fillRef>
-            <a:effectRef idx="0">
-              <a:schemeClr val="accent1"/>
-            </a:effectRef>
-            <a:fontRef idx="minor">
-              <a:schemeClr val="lt1"/>
-            </a:fontRef>
-          </p:style>
-          <p:txBody>
-            <a:bodyPr rtlCol="0" anchor="ctr"/>
-            <a:lstStyle/>
-            <a:p>
-              <a:pPr algn="ctr"/>
-              <a:endParaRPr lang="en-CA"/>
-            </a:p>
-          </p:txBody>
-        </p:sp>
-        <p:grpSp>
-          <p:nvGrpSpPr>
-            <p:cNvPr id="450" name="Group 449">
-              <a:extLst>
-                <a:ext uri="{FF2B5EF4-FFF2-40B4-BE49-F238E27FC236}">
-                  <a16:creationId xmlns:a16="http://schemas.microsoft.com/office/drawing/2014/main" id="{D72F32CF-A0E1-8C27-2F86-B8ECA53999A4}"/>
-                </a:ext>
-              </a:extLst>
-            </p:cNvPr>
-            <p:cNvGrpSpPr/>
-            <p:nvPr/>
-          </p:nvGrpSpPr>
-          <p:grpSpPr>
-            <a:xfrm>
-              <a:off x="9515605" y="3745340"/>
-              <a:ext cx="185584" cy="45719"/>
-              <a:chOff x="9495553" y="3714055"/>
-              <a:chExt cx="185584" cy="57150"/>
-            </a:xfrm>
-          </p:grpSpPr>
-          <p:cxnSp>
-            <p:nvCxnSpPr>
-              <p:cNvPr id="61" name="Straight Connector 60">
-                <a:extLst>
-                  <a:ext uri="{FF2B5EF4-FFF2-40B4-BE49-F238E27FC236}">
-                    <a16:creationId xmlns:a16="http://schemas.microsoft.com/office/drawing/2014/main" id="{C66DBB42-06D9-D2C7-B55E-0128070D1DBD}"/>
-                  </a:ext>
-                </a:extLst>
-              </p:cNvPr>
-              <p:cNvCxnSpPr>
-                <a:cxnSpLocks/>
-              </p:cNvCxnSpPr>
-              <p:nvPr/>
-            </p:nvCxnSpPr>
-            <p:spPr>
-              <a:xfrm>
-                <a:off x="9495553" y="3714055"/>
-                <a:ext cx="185584" cy="0"/>
-              </a:xfrm>
-              <a:prstGeom prst="line">
-                <a:avLst/>
-              </a:prstGeom>
-              <a:noFill/>
-              <a:ln w="19050" cap="rnd">
-                <a:solidFill>
-                  <a:schemeClr val="tx1"/>
-                </a:solidFill>
-                <a:round/>
-              </a:ln>
-            </p:spPr>
-            <p:style>
-              <a:lnRef idx="2">
-                <a:schemeClr val="accent1">
-                  <a:shade val="50000"/>
-                </a:schemeClr>
-              </a:lnRef>
-              <a:fillRef idx="1">
-                <a:schemeClr val="accent1"/>
-              </a:fillRef>
-              <a:effectRef idx="0">
-                <a:schemeClr val="accent1"/>
-              </a:effectRef>
-              <a:fontRef idx="minor">
-                <a:schemeClr val="lt1"/>
-              </a:fontRef>
-            </p:style>
-          </p:cxnSp>
-          <p:cxnSp>
-            <p:nvCxnSpPr>
-              <p:cNvPr id="63" name="Straight Connector 62">
-                <a:extLst>
-                  <a:ext uri="{FF2B5EF4-FFF2-40B4-BE49-F238E27FC236}">
-                    <a16:creationId xmlns:a16="http://schemas.microsoft.com/office/drawing/2014/main" id="{4AD64C65-3647-8AE1-8EB0-60BBF9039D22}"/>
-                  </a:ext>
-                </a:extLst>
-              </p:cNvPr>
-              <p:cNvCxnSpPr>
-                <a:cxnSpLocks/>
-              </p:cNvCxnSpPr>
-              <p:nvPr/>
-            </p:nvCxnSpPr>
-            <p:spPr>
-              <a:xfrm>
-                <a:off x="9495553" y="3771205"/>
-                <a:ext cx="185584" cy="0"/>
-              </a:xfrm>
-              <a:prstGeom prst="line">
-                <a:avLst/>
-              </a:prstGeom>
-              <a:noFill/>
-              <a:ln w="19050" cap="rnd">
-                <a:solidFill>
-                  <a:schemeClr val="tx1"/>
-                </a:solidFill>
-                <a:round/>
-              </a:ln>
-            </p:spPr>
-            <p:style>
-              <a:lnRef idx="2">
-                <a:schemeClr val="accent1">
-                  <a:shade val="50000"/>
-                </a:schemeClr>
-              </a:lnRef>
-              <a:fillRef idx="1">
-                <a:schemeClr val="accent1"/>
-              </a:fillRef>
-              <a:effectRef idx="0">
-                <a:schemeClr val="accent1"/>
-              </a:effectRef>
-              <a:fontRef idx="minor">
-                <a:schemeClr val="lt1"/>
-              </a:fontRef>
-            </p:style>
-          </p:cxnSp>
-        </p:grpSp>
-        <p:cxnSp>
-          <p:nvCxnSpPr>
-            <p:cNvPr id="452" name="Straight Connector 451">
-              <a:extLst>
-                <a:ext uri="{FF2B5EF4-FFF2-40B4-BE49-F238E27FC236}">
-                  <a16:creationId xmlns:a16="http://schemas.microsoft.com/office/drawing/2014/main" id="{ABAEF1AA-258F-EEE2-23E8-6CBC7243624B}"/>
-                </a:ext>
-              </a:extLst>
-            </p:cNvPr>
-            <p:cNvCxnSpPr>
-              <a:cxnSpLocks/>
-            </p:cNvCxnSpPr>
-            <p:nvPr/>
-          </p:nvCxnSpPr>
-          <p:spPr>
-            <a:xfrm>
-              <a:off x="9035044" y="3487161"/>
-              <a:ext cx="238975" cy="0"/>
-            </a:xfrm>
-            <a:prstGeom prst="line">
-              <a:avLst/>
-            </a:prstGeom>
-            <a:noFill/>
-            <a:ln w="19050" cap="rnd">
-              <a:solidFill>
-                <a:schemeClr val="tx1"/>
-              </a:solidFill>
-              <a:round/>
-            </a:ln>
-          </p:spPr>
-          <p:style>
-            <a:lnRef idx="2">
-              <a:schemeClr val="accent1">
-                <a:shade val="50000"/>
-              </a:schemeClr>
-            </a:lnRef>
-            <a:fillRef idx="1">
-              <a:schemeClr val="accent1"/>
-            </a:fillRef>
-            <a:effectRef idx="0">
-              <a:schemeClr val="accent1"/>
-            </a:effectRef>
-            <a:fontRef idx="minor">
-              <a:schemeClr val="lt1"/>
-            </a:fontRef>
-          </p:style>
-        </p:cxnSp>
-        <p:cxnSp>
-          <p:nvCxnSpPr>
-            <p:cNvPr id="470" name="Straight Connector 469">
-              <a:extLst>
-                <a:ext uri="{FF2B5EF4-FFF2-40B4-BE49-F238E27FC236}">
-                  <a16:creationId xmlns:a16="http://schemas.microsoft.com/office/drawing/2014/main" id="{1409DBFC-3A0B-49B2-1355-D4A9B397FBB0}"/>
-                </a:ext>
-              </a:extLst>
-            </p:cNvPr>
-            <p:cNvCxnSpPr>
-              <a:cxnSpLocks/>
-            </p:cNvCxnSpPr>
-            <p:nvPr/>
-          </p:nvCxnSpPr>
-          <p:spPr>
-            <a:xfrm>
-              <a:off x="8646583" y="3817361"/>
-              <a:ext cx="147109" cy="0"/>
-            </a:xfrm>
-            <a:prstGeom prst="line">
-              <a:avLst/>
-            </a:prstGeom>
-            <a:noFill/>
-            <a:ln w="19050" cap="rnd">
-              <a:solidFill>
-                <a:schemeClr val="tx1"/>
-              </a:solidFill>
-              <a:round/>
-            </a:ln>
-          </p:spPr>
-          <p:style>
-            <a:lnRef idx="2">
-              <a:schemeClr val="accent1">
-                <a:shade val="50000"/>
-              </a:schemeClr>
-            </a:lnRef>
-            <a:fillRef idx="1">
-              <a:schemeClr val="accent1"/>
-            </a:fillRef>
-            <a:effectRef idx="0">
-              <a:schemeClr val="accent1"/>
-            </a:effectRef>
-            <a:fontRef idx="minor">
-              <a:schemeClr val="lt1"/>
-            </a:fontRef>
-          </p:style>
-        </p:cxnSp>
-      </p:grpSp>
-      <p:sp>
-        <p:nvSpPr>
-          <p:cNvPr id="475" name="Rectangle 474">
-            <a:extLst>
-              <a:ext uri="{FF2B5EF4-FFF2-40B4-BE49-F238E27FC236}">
-                <a16:creationId xmlns:a16="http://schemas.microsoft.com/office/drawing/2014/main" id="{D8513A9B-2DA8-A4FD-1D5D-219B0ADB576B}"/>
+                <a16:creationId xmlns:a16="http://schemas.microsoft.com/office/drawing/2014/main" id="{5E28E2A2-63A2-F315-DF8E-D8A81E767224}"/>
               </a:ext>
             </a:extLst>
           </p:cNvPr>
@@ -47800,8 +51790,8 @@
         </p:nvSpPr>
         <p:spPr>
           <a:xfrm>
-            <a:off x="6160317" y="4770695"/>
-            <a:ext cx="1345924" cy="300640"/>
+            <a:off x="4469374" y="4795849"/>
+            <a:ext cx="1345924" cy="378592"/>
           </a:xfrm>
           <a:prstGeom prst="rect">
             <a:avLst/>
@@ -47846,11 +51836,870 @@
                 <a:ea typeface="Roboto" panose="02000000000000000000" pitchFamily="2" charset="0"/>
                 <a:cs typeface="Arial" panose="020B0604020202020204" pitchFamily="34" charset="0"/>
               </a:rPr>
-              <a:t>CAPS</a:t>
+              <a:t>Organic coating unit / humidifier</a:t>
             </a:r>
+            <a:endParaRPr lang="el-GR" sz="1400" dirty="0">
+              <a:solidFill>
+                <a:schemeClr val="tx1"/>
+              </a:solidFill>
+              <a:latin typeface="Gotham Narrow Book" pitchFamily="50" charset="0"/>
+              <a:ea typeface="Roboto" panose="02000000000000000000" pitchFamily="2" charset="0"/>
+              <a:cs typeface="Arial" panose="020B0604020202020204" pitchFamily="34" charset="0"/>
+            </a:endParaRPr>
           </a:p>
         </p:txBody>
       </p:sp>
+      <p:grpSp>
+        <p:nvGrpSpPr>
+          <p:cNvPr id="123" name="Group 122">
+            <a:extLst>
+              <a:ext uri="{FF2B5EF4-FFF2-40B4-BE49-F238E27FC236}">
+                <a16:creationId xmlns:a16="http://schemas.microsoft.com/office/drawing/2014/main" id="{1F823384-6263-FEE5-F970-475BC537A551}"/>
+              </a:ext>
+            </a:extLst>
+          </p:cNvPr>
+          <p:cNvGrpSpPr/>
+          <p:nvPr/>
+        </p:nvGrpSpPr>
+        <p:grpSpPr>
+          <a:xfrm>
+            <a:off x="4403124" y="3664890"/>
+            <a:ext cx="1448248" cy="1017924"/>
+            <a:chOff x="5165124" y="3538994"/>
+            <a:chExt cx="1448248" cy="1017924"/>
+          </a:xfrm>
+        </p:grpSpPr>
+        <p:grpSp>
+          <p:nvGrpSpPr>
+            <p:cNvPr id="3" name="Group 2">
+              <a:extLst>
+                <a:ext uri="{FF2B5EF4-FFF2-40B4-BE49-F238E27FC236}">
+                  <a16:creationId xmlns:a16="http://schemas.microsoft.com/office/drawing/2014/main" id="{AEC9F416-C7E7-0443-7500-9D81CE34C98F}"/>
+                </a:ext>
+              </a:extLst>
+            </p:cNvPr>
+            <p:cNvGrpSpPr/>
+            <p:nvPr/>
+          </p:nvGrpSpPr>
+          <p:grpSpPr>
+            <a:xfrm>
+              <a:off x="5415608" y="3780293"/>
+              <a:ext cx="310965" cy="141872"/>
+              <a:chOff x="5413281" y="3780293"/>
+              <a:chExt cx="310965" cy="141872"/>
+            </a:xfrm>
+          </p:grpSpPr>
+          <p:sp>
+            <p:nvSpPr>
+              <p:cNvPr id="29" name="Rectangle: Rounded Corners 28">
+                <a:extLst>
+                  <a:ext uri="{FF2B5EF4-FFF2-40B4-BE49-F238E27FC236}">
+                    <a16:creationId xmlns:a16="http://schemas.microsoft.com/office/drawing/2014/main" id="{5A6D6AC3-7303-E0AE-E52A-D93017228056}"/>
+                  </a:ext>
+                </a:extLst>
+              </p:cNvPr>
+              <p:cNvSpPr/>
+              <p:nvPr/>
+            </p:nvSpPr>
+            <p:spPr>
+              <a:xfrm>
+                <a:off x="5413281" y="3780293"/>
+                <a:ext cx="45719" cy="141872"/>
+              </a:xfrm>
+              <a:prstGeom prst="roundRect">
+                <a:avLst>
+                  <a:gd name="adj" fmla="val 13443"/>
+                </a:avLst>
+              </a:prstGeom>
+              <a:solidFill>
+                <a:srgbClr val="404040"/>
+              </a:solidFill>
+              <a:ln w="19050" cap="flat">
+                <a:solidFill>
+                  <a:srgbClr val="000000"/>
+                </a:solidFill>
+                <a:prstDash val="solid"/>
+                <a:round/>
+              </a:ln>
+            </p:spPr>
+            <p:txBody>
+              <a:bodyPr lIns="0" tIns="0" rIns="0" bIns="0" rtlCol="0" anchor="ctr"/>
+              <a:lstStyle/>
+              <a:p>
+                <a:endParaRPr lang="en-CA" sz="1000">
+                  <a:solidFill>
+                    <a:schemeClr val="tx1"/>
+                  </a:solidFill>
+                </a:endParaRPr>
+              </a:p>
+            </p:txBody>
+          </p:sp>
+          <p:sp>
+            <p:nvSpPr>
+              <p:cNvPr id="30" name="Rectangle: Rounded Corners 29">
+                <a:extLst>
+                  <a:ext uri="{FF2B5EF4-FFF2-40B4-BE49-F238E27FC236}">
+                    <a16:creationId xmlns:a16="http://schemas.microsoft.com/office/drawing/2014/main" id="{47DC0710-89A1-540C-EE8B-332A8C70F03E}"/>
+                  </a:ext>
+                </a:extLst>
+              </p:cNvPr>
+              <p:cNvSpPr/>
+              <p:nvPr/>
+            </p:nvSpPr>
+            <p:spPr>
+              <a:xfrm>
+                <a:off x="5678527" y="3780293"/>
+                <a:ext cx="45719" cy="141872"/>
+              </a:xfrm>
+              <a:prstGeom prst="roundRect">
+                <a:avLst>
+                  <a:gd name="adj" fmla="val 13443"/>
+                </a:avLst>
+              </a:prstGeom>
+              <a:solidFill>
+                <a:srgbClr val="404040"/>
+              </a:solidFill>
+              <a:ln w="19050" cap="flat">
+                <a:solidFill>
+                  <a:srgbClr val="000000"/>
+                </a:solidFill>
+                <a:prstDash val="solid"/>
+                <a:round/>
+              </a:ln>
+            </p:spPr>
+            <p:txBody>
+              <a:bodyPr lIns="0" tIns="0" rIns="0" bIns="0" rtlCol="0" anchor="ctr"/>
+              <a:lstStyle/>
+              <a:p>
+                <a:endParaRPr lang="en-CA" sz="1000">
+                  <a:solidFill>
+                    <a:schemeClr val="tx1"/>
+                  </a:solidFill>
+                </a:endParaRPr>
+              </a:p>
+            </p:txBody>
+          </p:sp>
+        </p:grpSp>
+        <p:cxnSp>
+          <p:nvCxnSpPr>
+            <p:cNvPr id="4" name="Straight Connector 3">
+              <a:extLst>
+                <a:ext uri="{FF2B5EF4-FFF2-40B4-BE49-F238E27FC236}">
+                  <a16:creationId xmlns:a16="http://schemas.microsoft.com/office/drawing/2014/main" id="{966339CC-B835-57C0-64AE-E2EC1F752B94}"/>
+                </a:ext>
+              </a:extLst>
+            </p:cNvPr>
+            <p:cNvCxnSpPr/>
+            <p:nvPr/>
+          </p:nvCxnSpPr>
+          <p:spPr>
+            <a:xfrm>
+              <a:off x="5229011" y="3960410"/>
+              <a:ext cx="0" cy="92970"/>
+            </a:xfrm>
+            <a:prstGeom prst="line">
+              <a:avLst/>
+            </a:prstGeom>
+            <a:ln w="19050" cap="rnd">
+              <a:solidFill>
+                <a:schemeClr val="tx1"/>
+              </a:solidFill>
+            </a:ln>
+          </p:spPr>
+          <p:style>
+            <a:lnRef idx="1">
+              <a:schemeClr val="accent1"/>
+            </a:lnRef>
+            <a:fillRef idx="0">
+              <a:schemeClr val="accent1"/>
+            </a:fillRef>
+            <a:effectRef idx="0">
+              <a:schemeClr val="accent1"/>
+            </a:effectRef>
+            <a:fontRef idx="minor">
+              <a:schemeClr val="tx1"/>
+            </a:fontRef>
+          </p:style>
+        </p:cxnSp>
+        <p:sp>
+          <p:nvSpPr>
+            <p:cNvPr id="13" name="Freeform: Shape 12">
+              <a:extLst>
+                <a:ext uri="{FF2B5EF4-FFF2-40B4-BE49-F238E27FC236}">
+                  <a16:creationId xmlns:a16="http://schemas.microsoft.com/office/drawing/2014/main" id="{C6FBB3F5-20CF-76A8-58D1-B8138869BE04}"/>
+                </a:ext>
+              </a:extLst>
+            </p:cNvPr>
+            <p:cNvSpPr/>
+            <p:nvPr/>
+          </p:nvSpPr>
+          <p:spPr>
+            <a:xfrm>
+              <a:off x="5195760" y="3908921"/>
+              <a:ext cx="137539" cy="93216"/>
+            </a:xfrm>
+            <a:custGeom>
+              <a:avLst/>
+              <a:gdLst>
+                <a:gd name="connsiteX0" fmla="*/ 51205 w 137539"/>
+                <a:gd name="connsiteY0" fmla="*/ 0 h 93216"/>
+                <a:gd name="connsiteX1" fmla="*/ 130658 w 137539"/>
+                <a:gd name="connsiteY1" fmla="*/ 0 h 93216"/>
+                <a:gd name="connsiteX2" fmla="*/ 137539 w 137539"/>
+                <a:gd name="connsiteY2" fmla="*/ 6881 h 93216"/>
+                <a:gd name="connsiteX3" fmla="*/ 137539 w 137539"/>
+                <a:gd name="connsiteY3" fmla="*/ 57298 h 93216"/>
+                <a:gd name="connsiteX4" fmla="*/ 130658 w 137539"/>
+                <a:gd name="connsiteY4" fmla="*/ 64179 h 93216"/>
+                <a:gd name="connsiteX5" fmla="*/ 64179 w 137539"/>
+                <a:gd name="connsiteY5" fmla="*/ 64179 h 93216"/>
+                <a:gd name="connsiteX6" fmla="*/ 64179 w 137539"/>
+                <a:gd name="connsiteY6" fmla="*/ 86335 h 93216"/>
+                <a:gd name="connsiteX7" fmla="*/ 57298 w 137539"/>
+                <a:gd name="connsiteY7" fmla="*/ 93216 h 93216"/>
+                <a:gd name="connsiteX8" fmla="*/ 6881 w 137539"/>
+                <a:gd name="connsiteY8" fmla="*/ 93216 h 93216"/>
+                <a:gd name="connsiteX9" fmla="*/ 0 w 137539"/>
+                <a:gd name="connsiteY9" fmla="*/ 86335 h 93216"/>
+                <a:gd name="connsiteX10" fmla="*/ 0 w 137539"/>
+                <a:gd name="connsiteY10" fmla="*/ 6882 h 93216"/>
+                <a:gd name="connsiteX11" fmla="*/ 6881 w 137539"/>
+                <a:gd name="connsiteY11" fmla="*/ 1 h 93216"/>
+                <a:gd name="connsiteX12" fmla="*/ 51204 w 137539"/>
+                <a:gd name="connsiteY12" fmla="*/ 1 h 93216"/>
+              </a:gdLst>
+              <a:ahLst/>
+              <a:cxnLst>
+                <a:cxn ang="0">
+                  <a:pos x="connsiteX0" y="connsiteY0"/>
+                </a:cxn>
+                <a:cxn ang="0">
+                  <a:pos x="connsiteX1" y="connsiteY1"/>
+                </a:cxn>
+                <a:cxn ang="0">
+                  <a:pos x="connsiteX2" y="connsiteY2"/>
+                </a:cxn>
+                <a:cxn ang="0">
+                  <a:pos x="connsiteX3" y="connsiteY3"/>
+                </a:cxn>
+                <a:cxn ang="0">
+                  <a:pos x="connsiteX4" y="connsiteY4"/>
+                </a:cxn>
+                <a:cxn ang="0">
+                  <a:pos x="connsiteX5" y="connsiteY5"/>
+                </a:cxn>
+                <a:cxn ang="0">
+                  <a:pos x="connsiteX6" y="connsiteY6"/>
+                </a:cxn>
+                <a:cxn ang="0">
+                  <a:pos x="connsiteX7" y="connsiteY7"/>
+                </a:cxn>
+                <a:cxn ang="0">
+                  <a:pos x="connsiteX8" y="connsiteY8"/>
+                </a:cxn>
+                <a:cxn ang="0">
+                  <a:pos x="connsiteX9" y="connsiteY9"/>
+                </a:cxn>
+                <a:cxn ang="0">
+                  <a:pos x="connsiteX10" y="connsiteY10"/>
+                </a:cxn>
+                <a:cxn ang="0">
+                  <a:pos x="connsiteX11" y="connsiteY11"/>
+                </a:cxn>
+                <a:cxn ang="0">
+                  <a:pos x="connsiteX12" y="connsiteY12"/>
+                </a:cxn>
+              </a:cxnLst>
+              <a:rect l="l" t="t" r="r" b="b"/>
+              <a:pathLst>
+                <a:path w="137539" h="93216">
+                  <a:moveTo>
+                    <a:pt x="51205" y="0"/>
+                  </a:moveTo>
+                  <a:lnTo>
+                    <a:pt x="130658" y="0"/>
+                  </a:lnTo>
+                  <a:cubicBezTo>
+                    <a:pt x="134458" y="0"/>
+                    <a:pt x="137539" y="3081"/>
+                    <a:pt x="137539" y="6881"/>
+                  </a:cubicBezTo>
+                  <a:lnTo>
+                    <a:pt x="137539" y="57298"/>
+                  </a:lnTo>
+                  <a:cubicBezTo>
+                    <a:pt x="137539" y="61098"/>
+                    <a:pt x="134458" y="64179"/>
+                    <a:pt x="130658" y="64179"/>
+                  </a:cubicBezTo>
+                  <a:lnTo>
+                    <a:pt x="64179" y="64179"/>
+                  </a:lnTo>
+                  <a:lnTo>
+                    <a:pt x="64179" y="86335"/>
+                  </a:lnTo>
+                  <a:cubicBezTo>
+                    <a:pt x="64179" y="90135"/>
+                    <a:pt x="61098" y="93216"/>
+                    <a:pt x="57298" y="93216"/>
+                  </a:cubicBezTo>
+                  <a:lnTo>
+                    <a:pt x="6881" y="93216"/>
+                  </a:lnTo>
+                  <a:cubicBezTo>
+                    <a:pt x="3081" y="93216"/>
+                    <a:pt x="0" y="90135"/>
+                    <a:pt x="0" y="86335"/>
+                  </a:cubicBezTo>
+                  <a:lnTo>
+                    <a:pt x="0" y="6882"/>
+                  </a:lnTo>
+                  <a:cubicBezTo>
+                    <a:pt x="0" y="3082"/>
+                    <a:pt x="3081" y="1"/>
+                    <a:pt x="6881" y="1"/>
+                  </a:cubicBezTo>
+                  <a:lnTo>
+                    <a:pt x="51204" y="1"/>
+                  </a:lnTo>
+                  <a:close/>
+                </a:path>
+              </a:pathLst>
+            </a:custGeom>
+            <a:solidFill>
+              <a:schemeClr val="tx1"/>
+            </a:solidFill>
+            <a:ln w="19050" cap="flat">
+              <a:solidFill>
+                <a:srgbClr val="000000"/>
+              </a:solidFill>
+              <a:prstDash val="solid"/>
+              <a:round/>
+            </a:ln>
+          </p:spPr>
+          <p:txBody>
+            <a:bodyPr wrap="square" lIns="0" tIns="0" rIns="0" bIns="0" rtlCol="0" anchor="ctr">
+              <a:noAutofit/>
+            </a:bodyPr>
+            <a:lstStyle/>
+            <a:p>
+              <a:endParaRPr lang="en-CA" sz="1000">
+                <a:solidFill>
+                  <a:schemeClr val="tx1"/>
+                </a:solidFill>
+              </a:endParaRPr>
+            </a:p>
+          </p:txBody>
+        </p:sp>
+        <p:grpSp>
+          <p:nvGrpSpPr>
+            <p:cNvPr id="106" name="Group 105">
+              <a:extLst>
+                <a:ext uri="{FF2B5EF4-FFF2-40B4-BE49-F238E27FC236}">
+                  <a16:creationId xmlns:a16="http://schemas.microsoft.com/office/drawing/2014/main" id="{77C4F4D2-01F5-6C3E-662D-585EF87B0E6E}"/>
+                </a:ext>
+              </a:extLst>
+            </p:cNvPr>
+            <p:cNvGrpSpPr/>
+            <p:nvPr/>
+          </p:nvGrpSpPr>
+          <p:grpSpPr>
+            <a:xfrm>
+              <a:off x="5165124" y="4045326"/>
+              <a:ext cx="132006" cy="237173"/>
+              <a:chOff x="5157724" y="4045326"/>
+              <a:chExt cx="139406" cy="310610"/>
+            </a:xfrm>
+          </p:grpSpPr>
+          <p:sp>
+            <p:nvSpPr>
+              <p:cNvPr id="104" name="Rectangle: Rounded Corners 103">
+                <a:extLst>
+                  <a:ext uri="{FF2B5EF4-FFF2-40B4-BE49-F238E27FC236}">
+                    <a16:creationId xmlns:a16="http://schemas.microsoft.com/office/drawing/2014/main" id="{6704C5F0-CD07-8043-FAC1-BDC5D88E494F}"/>
+                  </a:ext>
+                </a:extLst>
+              </p:cNvPr>
+              <p:cNvSpPr/>
+              <p:nvPr/>
+            </p:nvSpPr>
+            <p:spPr>
+              <a:xfrm>
+                <a:off x="5174155" y="4045326"/>
+                <a:ext cx="106544" cy="111792"/>
+              </a:xfrm>
+              <a:prstGeom prst="roundRect">
+                <a:avLst>
+                  <a:gd name="adj" fmla="val 10722"/>
+                </a:avLst>
+              </a:prstGeom>
+              <a:solidFill>
+                <a:srgbClr val="FF0000"/>
+              </a:solidFill>
+              <a:ln w="19050" cap="flat">
+                <a:solidFill>
+                  <a:srgbClr val="000000"/>
+                </a:solidFill>
+                <a:prstDash val="solid"/>
+                <a:round/>
+              </a:ln>
+            </p:spPr>
+            <p:txBody>
+              <a:bodyPr lIns="0" tIns="0" rIns="0" bIns="0" rtlCol="0" anchor="ctr"/>
+              <a:lstStyle/>
+              <a:p>
+                <a:endParaRPr lang="en-CA" sz="1000">
+                  <a:solidFill>
+                    <a:schemeClr val="tx1"/>
+                  </a:solidFill>
+                </a:endParaRPr>
+              </a:p>
+            </p:txBody>
+          </p:sp>
+          <p:sp>
+            <p:nvSpPr>
+              <p:cNvPr id="105" name="Rectangle: Rounded Corners 104">
+                <a:extLst>
+                  <a:ext uri="{FF2B5EF4-FFF2-40B4-BE49-F238E27FC236}">
+                    <a16:creationId xmlns:a16="http://schemas.microsoft.com/office/drawing/2014/main" id="{C07DC7B1-6AFC-4D2B-175A-3FE0B8B25BDF}"/>
+                  </a:ext>
+                </a:extLst>
+              </p:cNvPr>
+              <p:cNvSpPr/>
+              <p:nvPr/>
+            </p:nvSpPr>
+            <p:spPr>
+              <a:xfrm>
+                <a:off x="5157724" y="4138623"/>
+                <a:ext cx="139406" cy="217313"/>
+              </a:xfrm>
+              <a:prstGeom prst="roundRect">
+                <a:avLst>
+                  <a:gd name="adj" fmla="val 10722"/>
+                </a:avLst>
+              </a:prstGeom>
+              <a:solidFill>
+                <a:schemeClr val="bg1"/>
+              </a:solidFill>
+              <a:ln w="19050" cap="flat">
+                <a:solidFill>
+                  <a:srgbClr val="000000"/>
+                </a:solidFill>
+                <a:prstDash val="solid"/>
+                <a:round/>
+              </a:ln>
+            </p:spPr>
+            <p:txBody>
+              <a:bodyPr lIns="0" tIns="0" rIns="0" bIns="0" rtlCol="0" anchor="ctr"/>
+              <a:lstStyle/>
+              <a:p>
+                <a:endParaRPr lang="en-CA" sz="1000">
+                  <a:solidFill>
+                    <a:schemeClr val="tx1"/>
+                  </a:solidFill>
+                </a:endParaRPr>
+              </a:p>
+            </p:txBody>
+          </p:sp>
+        </p:grpSp>
+        <p:sp>
+          <p:nvSpPr>
+            <p:cNvPr id="509" name="Rectangle: Rounded Corners 508">
+              <a:extLst>
+                <a:ext uri="{FF2B5EF4-FFF2-40B4-BE49-F238E27FC236}">
+                  <a16:creationId xmlns:a16="http://schemas.microsoft.com/office/drawing/2014/main" id="{D2D91AE8-53BC-EF3C-4F21-D6F38627FA56}"/>
+                </a:ext>
+              </a:extLst>
+            </p:cNvPr>
+            <p:cNvSpPr/>
+            <p:nvPr/>
+          </p:nvSpPr>
+          <p:spPr>
+            <a:xfrm>
+              <a:off x="5320405" y="3879387"/>
+              <a:ext cx="1292967" cy="677531"/>
+            </a:xfrm>
+            <a:prstGeom prst="roundRect">
+              <a:avLst>
+                <a:gd name="adj" fmla="val 6569"/>
+              </a:avLst>
+            </a:prstGeom>
+            <a:solidFill>
+              <a:srgbClr val="D9D9D9"/>
+            </a:solidFill>
+            <a:ln w="19050" cap="flat">
+              <a:solidFill>
+                <a:srgbClr val="000000"/>
+              </a:solidFill>
+              <a:prstDash val="solid"/>
+              <a:round/>
+            </a:ln>
+          </p:spPr>
+          <p:txBody>
+            <a:bodyPr lIns="0" tIns="0" rIns="0" bIns="0" rtlCol="0" anchor="ctr"/>
+            <a:lstStyle/>
+            <a:p>
+              <a:endParaRPr lang="en-CA" sz="1000">
+                <a:solidFill>
+                  <a:schemeClr val="tx1"/>
+                </a:solidFill>
+              </a:endParaRPr>
+            </a:p>
+          </p:txBody>
+        </p:sp>
+        <p:sp>
+          <p:nvSpPr>
+            <p:cNvPr id="97" name="Rectangle: Rounded Corners 96">
+              <a:extLst>
+                <a:ext uri="{FF2B5EF4-FFF2-40B4-BE49-F238E27FC236}">
+                  <a16:creationId xmlns:a16="http://schemas.microsoft.com/office/drawing/2014/main" id="{A86F0853-75B4-DF4F-30EA-F8823F36CDB1}"/>
+                </a:ext>
+              </a:extLst>
+            </p:cNvPr>
+            <p:cNvSpPr/>
+            <p:nvPr/>
+          </p:nvSpPr>
+          <p:spPr>
+            <a:xfrm>
+              <a:off x="5357669" y="3538994"/>
+              <a:ext cx="426843" cy="303095"/>
+            </a:xfrm>
+            <a:prstGeom prst="roundRect">
+              <a:avLst>
+                <a:gd name="adj" fmla="val 13443"/>
+              </a:avLst>
+            </a:prstGeom>
+            <a:solidFill>
+              <a:srgbClr val="404040"/>
+            </a:solidFill>
+            <a:ln w="19050" cap="flat">
+              <a:solidFill>
+                <a:srgbClr val="000000"/>
+              </a:solidFill>
+              <a:prstDash val="solid"/>
+              <a:round/>
+            </a:ln>
+          </p:spPr>
+          <p:txBody>
+            <a:bodyPr lIns="0" tIns="0" rIns="0" bIns="0" rtlCol="0" anchor="ctr"/>
+            <a:lstStyle/>
+            <a:p>
+              <a:endParaRPr lang="en-CA" sz="1000">
+                <a:solidFill>
+                  <a:schemeClr val="tx1"/>
+                </a:solidFill>
+              </a:endParaRPr>
+            </a:p>
+          </p:txBody>
+        </p:sp>
+        <p:sp>
+          <p:nvSpPr>
+            <p:cNvPr id="98" name="Rectangle: Rounded Corners 97">
+              <a:extLst>
+                <a:ext uri="{FF2B5EF4-FFF2-40B4-BE49-F238E27FC236}">
+                  <a16:creationId xmlns:a16="http://schemas.microsoft.com/office/drawing/2014/main" id="{93BF5273-AAED-EA9E-6CF6-E6D1239F13ED}"/>
+                </a:ext>
+              </a:extLst>
+            </p:cNvPr>
+            <p:cNvSpPr/>
+            <p:nvPr/>
+          </p:nvSpPr>
+          <p:spPr>
+            <a:xfrm>
+              <a:off x="5400238" y="3578349"/>
+              <a:ext cx="341704" cy="167241"/>
+            </a:xfrm>
+            <a:prstGeom prst="roundRect">
+              <a:avLst>
+                <a:gd name="adj" fmla="val 10722"/>
+              </a:avLst>
+            </a:prstGeom>
+            <a:solidFill>
+              <a:schemeClr val="bg1"/>
+            </a:solidFill>
+            <a:ln w="19050" cap="flat">
+              <a:solidFill>
+                <a:srgbClr val="000000"/>
+              </a:solidFill>
+              <a:prstDash val="solid"/>
+              <a:round/>
+            </a:ln>
+          </p:spPr>
+          <p:txBody>
+            <a:bodyPr lIns="0" tIns="0" rIns="0" bIns="0" rtlCol="0" anchor="ctr"/>
+            <a:lstStyle/>
+            <a:p>
+              <a:endParaRPr lang="en-CA" sz="1000">
+                <a:solidFill>
+                  <a:schemeClr val="tx1"/>
+                </a:solidFill>
+              </a:endParaRPr>
+            </a:p>
+          </p:txBody>
+        </p:sp>
+        <p:sp>
+          <p:nvSpPr>
+            <p:cNvPr id="110" name="Rectangle: Rounded Corners 109">
+              <a:extLst>
+                <a:ext uri="{FF2B5EF4-FFF2-40B4-BE49-F238E27FC236}">
+                  <a16:creationId xmlns:a16="http://schemas.microsoft.com/office/drawing/2014/main" id="{F81C57B0-144A-B318-57A8-93666AC329A0}"/>
+                </a:ext>
+              </a:extLst>
+            </p:cNvPr>
+            <p:cNvSpPr/>
+            <p:nvPr/>
+          </p:nvSpPr>
+          <p:spPr>
+            <a:xfrm>
+              <a:off x="6098019" y="4013695"/>
+              <a:ext cx="401716" cy="376636"/>
+            </a:xfrm>
+            <a:prstGeom prst="roundRect">
+              <a:avLst>
+                <a:gd name="adj" fmla="val 11844"/>
+              </a:avLst>
+            </a:prstGeom>
+            <a:solidFill>
+              <a:schemeClr val="bg1">
+                <a:lumMod val="75000"/>
+              </a:schemeClr>
+            </a:solidFill>
+            <a:ln w="19050" cap="flat">
+              <a:solidFill>
+                <a:srgbClr val="000000"/>
+              </a:solidFill>
+              <a:prstDash val="solid"/>
+              <a:round/>
+            </a:ln>
+          </p:spPr>
+          <p:txBody>
+            <a:bodyPr lIns="0" tIns="0" rIns="0" bIns="0" rtlCol="0" anchor="ctr"/>
+            <a:lstStyle/>
+            <a:p>
+              <a:endParaRPr lang="en-CA" sz="1000">
+                <a:solidFill>
+                  <a:schemeClr val="tx1"/>
+                </a:solidFill>
+              </a:endParaRPr>
+            </a:p>
+          </p:txBody>
+        </p:sp>
+        <p:sp>
+          <p:nvSpPr>
+            <p:cNvPr id="14" name="Rectangle: Rounded Corners 13">
+              <a:extLst>
+                <a:ext uri="{FF2B5EF4-FFF2-40B4-BE49-F238E27FC236}">
+                  <a16:creationId xmlns:a16="http://schemas.microsoft.com/office/drawing/2014/main" id="{D8FBDC80-0329-9793-95E9-DA44A3E83D91}"/>
+                </a:ext>
+              </a:extLst>
+            </p:cNvPr>
+            <p:cNvSpPr/>
+            <p:nvPr/>
+          </p:nvSpPr>
+          <p:spPr>
+            <a:xfrm>
+              <a:off x="5446236" y="4270378"/>
+              <a:ext cx="565113" cy="71659"/>
+            </a:xfrm>
+            <a:prstGeom prst="roundRect">
+              <a:avLst>
+                <a:gd name="adj" fmla="val 50000"/>
+              </a:avLst>
+            </a:prstGeom>
+            <a:solidFill>
+              <a:schemeClr val="bg1"/>
+            </a:solidFill>
+            <a:ln w="19050" cap="flat">
+              <a:solidFill>
+                <a:srgbClr val="000000"/>
+              </a:solidFill>
+              <a:prstDash val="solid"/>
+              <a:round/>
+            </a:ln>
+          </p:spPr>
+          <p:txBody>
+            <a:bodyPr lIns="0" tIns="0" rIns="0" bIns="0" rtlCol="0" anchor="ctr"/>
+            <a:lstStyle/>
+            <a:p>
+              <a:endParaRPr lang="en-CA" sz="1000">
+                <a:solidFill>
+                  <a:schemeClr val="tx1"/>
+                </a:solidFill>
+              </a:endParaRPr>
+            </a:p>
+          </p:txBody>
+        </p:sp>
+        <p:sp>
+          <p:nvSpPr>
+            <p:cNvPr id="15" name="Rectangle: Rounded Corners 14">
+              <a:extLst>
+                <a:ext uri="{FF2B5EF4-FFF2-40B4-BE49-F238E27FC236}">
+                  <a16:creationId xmlns:a16="http://schemas.microsoft.com/office/drawing/2014/main" id="{025DD6EB-600A-7AC4-F1BA-0CC46704EB8E}"/>
+                </a:ext>
+              </a:extLst>
+            </p:cNvPr>
+            <p:cNvSpPr/>
+            <p:nvPr/>
+          </p:nvSpPr>
+          <p:spPr>
+            <a:xfrm>
+              <a:off x="5799202" y="4244257"/>
+              <a:ext cx="153901" cy="123899"/>
+            </a:xfrm>
+            <a:prstGeom prst="roundRect">
+              <a:avLst>
+                <a:gd name="adj" fmla="val 35989"/>
+              </a:avLst>
+            </a:prstGeom>
+            <a:solidFill>
+              <a:srgbClr val="404040"/>
+            </a:solidFill>
+            <a:ln w="19050" cap="flat">
+              <a:solidFill>
+                <a:srgbClr val="000000"/>
+              </a:solidFill>
+              <a:prstDash val="solid"/>
+              <a:round/>
+            </a:ln>
+          </p:spPr>
+          <p:txBody>
+            <a:bodyPr lIns="0" tIns="0" rIns="0" bIns="0" rtlCol="0" anchor="ctr"/>
+            <a:lstStyle/>
+            <a:p>
+              <a:endParaRPr lang="en-CA" sz="1000"/>
+            </a:p>
+          </p:txBody>
+        </p:sp>
+        <p:sp>
+          <p:nvSpPr>
+            <p:cNvPr id="26" name="Rectangle: Rounded Corners 25">
+              <a:extLst>
+                <a:ext uri="{FF2B5EF4-FFF2-40B4-BE49-F238E27FC236}">
+                  <a16:creationId xmlns:a16="http://schemas.microsoft.com/office/drawing/2014/main" id="{6D5BBBE9-C2E9-FAE8-283C-66442D1A140F}"/>
+                </a:ext>
+              </a:extLst>
+            </p:cNvPr>
+            <p:cNvSpPr/>
+            <p:nvPr/>
+          </p:nvSpPr>
+          <p:spPr>
+            <a:xfrm>
+              <a:off x="5507572" y="4244257"/>
+              <a:ext cx="202726" cy="169699"/>
+            </a:xfrm>
+            <a:prstGeom prst="roundRect">
+              <a:avLst>
+                <a:gd name="adj" fmla="val 22684"/>
+              </a:avLst>
+            </a:prstGeom>
+            <a:solidFill>
+              <a:schemeClr val="bg1">
+                <a:lumMod val="75000"/>
+              </a:schemeClr>
+            </a:solidFill>
+            <a:ln w="19050" cap="flat">
+              <a:solidFill>
+                <a:srgbClr val="000000"/>
+              </a:solidFill>
+              <a:prstDash val="solid"/>
+              <a:round/>
+            </a:ln>
+          </p:spPr>
+          <p:txBody>
+            <a:bodyPr lIns="0" tIns="0" rIns="0" bIns="0" rtlCol="0" anchor="ctr"/>
+            <a:lstStyle/>
+            <a:p>
+              <a:endParaRPr lang="en-CA" sz="1000"/>
+            </a:p>
+          </p:txBody>
+        </p:sp>
+        <p:sp>
+          <p:nvSpPr>
+            <p:cNvPr id="27" name="Rectangle: Rounded Corners 26">
+              <a:extLst>
+                <a:ext uri="{FF2B5EF4-FFF2-40B4-BE49-F238E27FC236}">
+                  <a16:creationId xmlns:a16="http://schemas.microsoft.com/office/drawing/2014/main" id="{45CE03D7-30ED-F63B-BE19-BD4DBC01F522}"/>
+                </a:ext>
+              </a:extLst>
+            </p:cNvPr>
+            <p:cNvSpPr/>
+            <p:nvPr/>
+          </p:nvSpPr>
+          <p:spPr>
+            <a:xfrm>
+              <a:off x="5643218" y="4020565"/>
+              <a:ext cx="194584" cy="109096"/>
+            </a:xfrm>
+            <a:prstGeom prst="roundRect">
+              <a:avLst>
+                <a:gd name="adj" fmla="val 22684"/>
+              </a:avLst>
+            </a:prstGeom>
+            <a:solidFill>
+              <a:schemeClr val="bg1">
+                <a:lumMod val="75000"/>
+              </a:schemeClr>
+            </a:solidFill>
+            <a:ln w="19050" cap="flat">
+              <a:solidFill>
+                <a:srgbClr val="000000"/>
+              </a:solidFill>
+              <a:prstDash val="solid"/>
+              <a:round/>
+            </a:ln>
+          </p:spPr>
+          <p:txBody>
+            <a:bodyPr lIns="0" tIns="0" rIns="0" bIns="0" rtlCol="0" anchor="ctr"/>
+            <a:lstStyle/>
+            <a:p>
+              <a:endParaRPr lang="en-CA" sz="1000"/>
+            </a:p>
+          </p:txBody>
+        </p:sp>
+        <p:sp>
+          <p:nvSpPr>
+            <p:cNvPr id="28" name="Oval 27">
+              <a:extLst>
+                <a:ext uri="{FF2B5EF4-FFF2-40B4-BE49-F238E27FC236}">
+                  <a16:creationId xmlns:a16="http://schemas.microsoft.com/office/drawing/2014/main" id="{92485AEC-172E-99BB-910B-0A668FB609CF}"/>
+                </a:ext>
+              </a:extLst>
+            </p:cNvPr>
+            <p:cNvSpPr/>
+            <p:nvPr/>
+          </p:nvSpPr>
+          <p:spPr>
+            <a:xfrm>
+              <a:off x="6270773" y="4169569"/>
+              <a:ext cx="56208" cy="56208"/>
+            </a:xfrm>
+            <a:prstGeom prst="ellipse">
+              <a:avLst/>
+            </a:prstGeom>
+            <a:solidFill>
+              <a:srgbClr val="D9D9D9"/>
+            </a:solidFill>
+            <a:ln w="19050" cap="flat">
+              <a:solidFill>
+                <a:srgbClr val="000000"/>
+              </a:solidFill>
+              <a:prstDash val="solid"/>
+              <a:round/>
+            </a:ln>
+          </p:spPr>
+          <p:txBody>
+            <a:bodyPr lIns="0" tIns="0" rIns="0" bIns="0" rtlCol="0" anchor="ctr"/>
+            <a:lstStyle/>
+            <a:p>
+              <a:endParaRPr lang="en-CA" sz="1000" dirty="0">
+                <a:solidFill>
+                  <a:schemeClr val="tx1"/>
+                </a:solidFill>
+              </a:endParaRPr>
+            </a:p>
+          </p:txBody>
+        </p:sp>
+      </p:grpSp>
     </p:spTree>
     <p:extLst>
       <p:ext uri="{BB962C8B-B14F-4D97-AF65-F5344CB8AC3E}">
